--- a/Capstone.pptx
+++ b/Capstone.pptx
@@ -8,9 +8,12 @@
     <p:sldId id="256" r:id="rId2"/>
     <p:sldId id="257" r:id="rId3"/>
     <p:sldId id="258" r:id="rId4"/>
-    <p:sldId id="259" r:id="rId5"/>
-    <p:sldId id="260" r:id="rId6"/>
-    <p:sldId id="261" r:id="rId7"/>
+    <p:sldId id="263" r:id="rId5"/>
+    <p:sldId id="264" r:id="rId6"/>
+    <p:sldId id="259" r:id="rId7"/>
+    <p:sldId id="260" r:id="rId8"/>
+    <p:sldId id="261" r:id="rId9"/>
+    <p:sldId id="262" r:id="rId10"/>
   </p:sldIdLst>
   <p:sldSz cx="12192000" cy="6858000"/>
   <p:notesSz cx="6858000" cy="9144000"/>
@@ -3887,6 +3890,55 @@
       </p:grpSpPr>
       <p:sp>
         <p:nvSpPr>
+          <p:cNvPr id="15" name="Rectangle 14">
+            <a:extLst>
+              <a:ext uri="{FF2B5EF4-FFF2-40B4-BE49-F238E27FC236}">
+                <a16:creationId xmlns:a16="http://schemas.microsoft.com/office/drawing/2014/main" id="{605B86E5-57B4-4562-A60E-29A053F80D2D}"/>
+              </a:ext>
+            </a:extLst>
+          </p:cNvPr>
+          <p:cNvSpPr/>
+          <p:nvPr/>
+        </p:nvSpPr>
+        <p:spPr>
+          <a:xfrm>
+            <a:off x="854242" y="1660358"/>
+            <a:ext cx="10539663" cy="144379"/>
+          </a:xfrm>
+          <a:prstGeom prst="rect">
+            <a:avLst/>
+          </a:prstGeom>
+          <a:ln>
+            <a:solidFill>
+              <a:schemeClr val="bg1"/>
+            </a:solidFill>
+          </a:ln>
+        </p:spPr>
+        <p:style>
+          <a:lnRef idx="2">
+            <a:schemeClr val="dk1"/>
+          </a:lnRef>
+          <a:fillRef idx="1">
+            <a:schemeClr val="lt1"/>
+          </a:fillRef>
+          <a:effectRef idx="0">
+            <a:schemeClr val="dk1"/>
+          </a:effectRef>
+          <a:fontRef idx="minor">
+            <a:schemeClr val="dk1"/>
+          </a:fontRef>
+        </p:style>
+        <p:txBody>
+          <a:bodyPr rtlCol="0" anchor="ctr"/>
+          <a:lstStyle/>
+          <a:p>
+            <a:pPr algn="ctr"/>
+            <a:endParaRPr lang="en-US"/>
+          </a:p>
+        </p:txBody>
+      </p:sp>
+      <p:sp>
+        <p:nvSpPr>
           <p:cNvPr id="2" name="Title 1">
             <a:extLst>
               <a:ext uri="{FF2B5EF4-FFF2-40B4-BE49-F238E27FC236}">
@@ -3903,8 +3955,8 @@
         </p:nvSpPr>
         <p:spPr>
           <a:xfrm>
-            <a:off x="1097280" y="286603"/>
-            <a:ext cx="10058400" cy="1450757"/>
+            <a:off x="0" y="-183672"/>
+            <a:ext cx="10058400" cy="938692"/>
           </a:xfrm>
         </p:spPr>
         <p:txBody>
@@ -3913,17 +3965,17 @@
           <a:p>
             <a:r>
               <a:rPr lang="en-US" dirty="0"/>
-              <a:t>Initial Dataset: key attributes</a:t>
+              <a:t>Initial Dataset: Phone Call Durations</a:t>
             </a:r>
           </a:p>
         </p:txBody>
       </p:sp>
       <p:pic>
         <p:nvPicPr>
-          <p:cNvPr id="4" name="Picture 3">
+          <p:cNvPr id="14" name="Picture 13">
             <a:extLst>
               <a:ext uri="{FF2B5EF4-FFF2-40B4-BE49-F238E27FC236}">
-                <a16:creationId xmlns:a16="http://schemas.microsoft.com/office/drawing/2014/main" id="{6ECB2449-4A05-479D-807C-1C9A8C6C10C7}"/>
+                <a16:creationId xmlns:a16="http://schemas.microsoft.com/office/drawing/2014/main" id="{463EC6A4-B69A-445A-B3BF-934E27D90AE3}"/>
               </a:ext>
             </a:extLst>
           </p:cNvPr>
@@ -3940,14 +3992,52 @@
         </p:blipFill>
         <p:spPr>
           <a:xfrm>
-            <a:off x="241160" y="1866396"/>
-            <a:ext cx="11589380" cy="4183986"/>
+            <a:off x="1486834" y="704962"/>
+            <a:ext cx="9218333" cy="5448075"/>
           </a:xfrm>
           <a:prstGeom prst="rect">
             <a:avLst/>
           </a:prstGeom>
         </p:spPr>
       </p:pic>
+      <p:sp>
+        <p:nvSpPr>
+          <p:cNvPr id="16" name="Rectangle 15">
+            <a:extLst>
+              <a:ext uri="{FF2B5EF4-FFF2-40B4-BE49-F238E27FC236}">
+                <a16:creationId xmlns:a16="http://schemas.microsoft.com/office/drawing/2014/main" id="{5E7B9DFC-FEB7-4A8D-83B5-38AD598B1DC7}"/>
+              </a:ext>
+            </a:extLst>
+          </p:cNvPr>
+          <p:cNvSpPr/>
+          <p:nvPr/>
+        </p:nvSpPr>
+        <p:spPr>
+          <a:xfrm>
+            <a:off x="3498954" y="6442174"/>
+            <a:ext cx="4698146" cy="369332"/>
+          </a:xfrm>
+          <a:prstGeom prst="rect">
+            <a:avLst/>
+          </a:prstGeom>
+        </p:spPr>
+        <p:txBody>
+          <a:bodyPr wrap="none">
+            <a:spAutoFit/>
+          </a:bodyPr>
+          <a:lstStyle/>
+          <a:p>
+            <a:r>
+              <a:rPr lang="en-US" i="1" dirty="0">
+                <a:solidFill>
+                  <a:schemeClr val="bg1"/>
+                </a:solidFill>
+              </a:rPr>
+              <a:t>https://www.kaggle.com/thansnet/phone-datas</a:t>
+            </a:r>
+          </a:p>
+        </p:txBody>
+      </p:sp>
     </p:spTree>
     <p:extLst>
       <p:ext uri="{BB962C8B-B14F-4D97-AF65-F5344CB8AC3E}">
@@ -4509,6 +4599,482 @@
           <a:chExt cx="0" cy="0"/>
         </a:xfrm>
       </p:grpSpPr>
+      <p:pic>
+        <p:nvPicPr>
+          <p:cNvPr id="7" name="Picture 6">
+            <a:extLst>
+              <a:ext uri="{FF2B5EF4-FFF2-40B4-BE49-F238E27FC236}">
+                <a16:creationId xmlns:a16="http://schemas.microsoft.com/office/drawing/2014/main" id="{49F422EA-2D9A-4EF2-86A0-24B3D5ABBCCC}"/>
+              </a:ext>
+            </a:extLst>
+          </p:cNvPr>
+          <p:cNvPicPr>
+            <a:picLocks noChangeAspect="1"/>
+          </p:cNvPicPr>
+          <p:nvPr/>
+        </p:nvPicPr>
+        <p:blipFill rotWithShape="1">
+          <a:blip r:embed="rId2"/>
+          <a:srcRect b="65523"/>
+          <a:stretch/>
+        </p:blipFill>
+        <p:spPr>
+          <a:xfrm>
+            <a:off x="0" y="0"/>
+            <a:ext cx="5706776" cy="3595607"/>
+          </a:xfrm>
+          <a:prstGeom prst="rect">
+            <a:avLst/>
+          </a:prstGeom>
+        </p:spPr>
+      </p:pic>
+      <p:pic>
+        <p:nvPicPr>
+          <p:cNvPr id="8" name="Picture 7">
+            <a:extLst>
+              <a:ext uri="{FF2B5EF4-FFF2-40B4-BE49-F238E27FC236}">
+                <a16:creationId xmlns:a16="http://schemas.microsoft.com/office/drawing/2014/main" id="{2B3F7D85-6681-4CD1-84A6-810DF4150713}"/>
+              </a:ext>
+            </a:extLst>
+          </p:cNvPr>
+          <p:cNvPicPr>
+            <a:picLocks noChangeAspect="1"/>
+          </p:cNvPicPr>
+          <p:nvPr/>
+        </p:nvPicPr>
+        <p:blipFill>
+          <a:blip r:embed="rId3"/>
+          <a:stretch>
+            <a:fillRect/>
+          </a:stretch>
+        </p:blipFill>
+        <p:spPr>
+          <a:xfrm>
+            <a:off x="6792223" y="-1"/>
+            <a:ext cx="5399777" cy="6261315"/>
+          </a:xfrm>
+          <a:prstGeom prst="rect">
+            <a:avLst/>
+          </a:prstGeom>
+        </p:spPr>
+      </p:pic>
+      <p:sp>
+        <p:nvSpPr>
+          <p:cNvPr id="9" name="Rectangle: Rounded Corners 8">
+            <a:extLst>
+              <a:ext uri="{FF2B5EF4-FFF2-40B4-BE49-F238E27FC236}">
+                <a16:creationId xmlns:a16="http://schemas.microsoft.com/office/drawing/2014/main" id="{493E4999-1C8E-43EF-987E-C0DB385DFF1A}"/>
+              </a:ext>
+            </a:extLst>
+          </p:cNvPr>
+          <p:cNvSpPr/>
+          <p:nvPr/>
+        </p:nvSpPr>
+        <p:spPr>
+          <a:xfrm>
+            <a:off x="3307257" y="327176"/>
+            <a:ext cx="1847137" cy="399197"/>
+          </a:xfrm>
+          <a:prstGeom prst="roundRect">
+            <a:avLst/>
+          </a:prstGeom>
+          <a:noFill/>
+          <a:ln w="9525" cap="flat" cmpd="sng" algn="ctr">
+            <a:solidFill>
+              <a:schemeClr val="accent1"/>
+            </a:solidFill>
+            <a:prstDash val="solid"/>
+            <a:round/>
+            <a:headEnd type="none" w="med" len="med"/>
+            <a:tailEnd type="none" w="med" len="med"/>
+          </a:ln>
+        </p:spPr>
+        <p:style>
+          <a:lnRef idx="0">
+            <a:scrgbClr r="0" g="0" b="0"/>
+          </a:lnRef>
+          <a:fillRef idx="0">
+            <a:scrgbClr r="0" g="0" b="0"/>
+          </a:fillRef>
+          <a:effectRef idx="0">
+            <a:scrgbClr r="0" g="0" b="0"/>
+          </a:effectRef>
+          <a:fontRef idx="minor">
+            <a:schemeClr val="accent1"/>
+          </a:fontRef>
+        </p:style>
+        <p:txBody>
+          <a:bodyPr rtlCol="0" anchor="ctr"/>
+          <a:lstStyle/>
+          <a:p>
+            <a:pPr algn="ctr"/>
+            <a:endParaRPr lang="en-US"/>
+          </a:p>
+        </p:txBody>
+      </p:sp>
+      <p:sp>
+        <p:nvSpPr>
+          <p:cNvPr id="10" name="Rectangle: Rounded Corners 9">
+            <a:extLst>
+              <a:ext uri="{FF2B5EF4-FFF2-40B4-BE49-F238E27FC236}">
+                <a16:creationId xmlns:a16="http://schemas.microsoft.com/office/drawing/2014/main" id="{23AD98B9-3AEE-447A-8BA6-FC04DECA45E3}"/>
+              </a:ext>
+            </a:extLst>
+          </p:cNvPr>
+          <p:cNvSpPr/>
+          <p:nvPr/>
+        </p:nvSpPr>
+        <p:spPr>
+          <a:xfrm>
+            <a:off x="5059399" y="327176"/>
+            <a:ext cx="1847137" cy="757705"/>
+          </a:xfrm>
+          <a:prstGeom prst="roundRect">
+            <a:avLst/>
+          </a:prstGeom>
+          <a:noFill/>
+          <a:ln w="9525" cap="flat" cmpd="sng" algn="ctr">
+            <a:solidFill>
+              <a:schemeClr val="accent1"/>
+            </a:solidFill>
+            <a:prstDash val="solid"/>
+            <a:round/>
+            <a:headEnd type="none" w="med" len="med"/>
+            <a:tailEnd type="none" w="med" len="med"/>
+          </a:ln>
+        </p:spPr>
+        <p:style>
+          <a:lnRef idx="0">
+            <a:scrgbClr r="0" g="0" b="0"/>
+          </a:lnRef>
+          <a:fillRef idx="0">
+            <a:scrgbClr r="0" g="0" b="0"/>
+          </a:fillRef>
+          <a:effectRef idx="0">
+            <a:scrgbClr r="0" g="0" b="0"/>
+          </a:effectRef>
+          <a:fontRef idx="minor">
+            <a:schemeClr val="accent1"/>
+          </a:fontRef>
+        </p:style>
+        <p:txBody>
+          <a:bodyPr rtlCol="0" anchor="ctr"/>
+          <a:lstStyle/>
+          <a:p>
+            <a:pPr algn="ctr"/>
+            <a:r>
+              <a:rPr lang="en-US" dirty="0"/>
+              <a:t>10x better, but still terrible</a:t>
+            </a:r>
+          </a:p>
+        </p:txBody>
+      </p:sp>
+      <p:sp>
+        <p:nvSpPr>
+          <p:cNvPr id="11" name="Rectangle: Rounded Corners 10">
+            <a:extLst>
+              <a:ext uri="{FF2B5EF4-FFF2-40B4-BE49-F238E27FC236}">
+                <a16:creationId xmlns:a16="http://schemas.microsoft.com/office/drawing/2014/main" id="{C39037B6-5986-4A99-9B86-2C1E62206B46}"/>
+              </a:ext>
+            </a:extLst>
+          </p:cNvPr>
+          <p:cNvSpPr/>
+          <p:nvPr/>
+        </p:nvSpPr>
+        <p:spPr>
+          <a:xfrm>
+            <a:off x="10198295" y="664381"/>
+            <a:ext cx="1752142" cy="4124596"/>
+          </a:xfrm>
+          <a:prstGeom prst="roundRect">
+            <a:avLst/>
+          </a:prstGeom>
+          <a:noFill/>
+          <a:ln w="9525" cap="flat" cmpd="sng" algn="ctr">
+            <a:solidFill>
+              <a:schemeClr val="accent1"/>
+            </a:solidFill>
+            <a:prstDash val="solid"/>
+            <a:round/>
+            <a:headEnd type="none" w="med" len="med"/>
+            <a:tailEnd type="none" w="med" len="med"/>
+          </a:ln>
+        </p:spPr>
+        <p:style>
+          <a:lnRef idx="0">
+            <a:scrgbClr r="0" g="0" b="0"/>
+          </a:lnRef>
+          <a:fillRef idx="0">
+            <a:scrgbClr r="0" g="0" b="0"/>
+          </a:fillRef>
+          <a:effectRef idx="0">
+            <a:scrgbClr r="0" g="0" b="0"/>
+          </a:effectRef>
+          <a:fontRef idx="minor">
+            <a:schemeClr val="accent1"/>
+          </a:fontRef>
+        </p:style>
+        <p:txBody>
+          <a:bodyPr rtlCol="0" anchor="ctr"/>
+          <a:lstStyle/>
+          <a:p>
+            <a:pPr algn="ctr"/>
+            <a:endParaRPr lang="en-US"/>
+          </a:p>
+        </p:txBody>
+      </p:sp>
+      <p:sp>
+        <p:nvSpPr>
+          <p:cNvPr id="12" name="Rectangle: Rounded Corners 11">
+            <a:extLst>
+              <a:ext uri="{FF2B5EF4-FFF2-40B4-BE49-F238E27FC236}">
+                <a16:creationId xmlns:a16="http://schemas.microsoft.com/office/drawing/2014/main" id="{0D20F49D-C0E0-44FD-99DE-B349FA1352C5}"/>
+              </a:ext>
+            </a:extLst>
+          </p:cNvPr>
+          <p:cNvSpPr/>
+          <p:nvPr/>
+        </p:nvSpPr>
+        <p:spPr>
+          <a:xfrm>
+            <a:off x="4783207" y="4324027"/>
+            <a:ext cx="1847137" cy="1671233"/>
+          </a:xfrm>
+          <a:prstGeom prst="roundRect">
+            <a:avLst/>
+          </a:prstGeom>
+          <a:noFill/>
+          <a:ln w="9525" cap="flat" cmpd="sng" algn="ctr">
+            <a:solidFill>
+              <a:schemeClr val="accent1"/>
+            </a:solidFill>
+            <a:prstDash val="solid"/>
+            <a:round/>
+            <a:headEnd type="none" w="med" len="med"/>
+            <a:tailEnd type="none" w="med" len="med"/>
+          </a:ln>
+        </p:spPr>
+        <p:style>
+          <a:lnRef idx="0">
+            <a:scrgbClr r="0" g="0" b="0"/>
+          </a:lnRef>
+          <a:fillRef idx="0">
+            <a:scrgbClr r="0" g="0" b="0"/>
+          </a:fillRef>
+          <a:effectRef idx="0">
+            <a:scrgbClr r="0" g="0" b="0"/>
+          </a:effectRef>
+          <a:fontRef idx="minor">
+            <a:schemeClr val="accent1"/>
+          </a:fontRef>
+        </p:style>
+        <p:txBody>
+          <a:bodyPr rtlCol="0" anchor="ctr"/>
+          <a:lstStyle/>
+          <a:p>
+            <a:pPr algn="ctr"/>
+            <a:r>
+              <a:rPr lang="en-US" dirty="0"/>
+              <a:t>Only 3 of these features contain meaningful information</a:t>
+            </a:r>
+          </a:p>
+        </p:txBody>
+      </p:sp>
+      <p:sp>
+        <p:nvSpPr>
+          <p:cNvPr id="13" name="TextBox 12">
+            <a:extLst>
+              <a:ext uri="{FF2B5EF4-FFF2-40B4-BE49-F238E27FC236}">
+                <a16:creationId xmlns:a16="http://schemas.microsoft.com/office/drawing/2014/main" id="{8C7552AB-8318-4262-BF22-BFB8A9767694}"/>
+              </a:ext>
+            </a:extLst>
+          </p:cNvPr>
+          <p:cNvSpPr txBox="1"/>
+          <p:nvPr/>
+        </p:nvSpPr>
+        <p:spPr>
+          <a:xfrm>
+            <a:off x="102722" y="4711220"/>
+            <a:ext cx="3409627" cy="1477328"/>
+          </a:xfrm>
+          <a:prstGeom prst="rect">
+            <a:avLst/>
+          </a:prstGeom>
+          <a:noFill/>
+        </p:spPr>
+        <p:txBody>
+          <a:bodyPr wrap="square" rtlCol="0">
+            <a:spAutoFit/>
+          </a:bodyPr>
+          <a:lstStyle/>
+          <a:p>
+            <a:r>
+              <a:rPr lang="en-US" b="1" u="sng" dirty="0"/>
+              <a:t>Other Cross-validated scores:</a:t>
+            </a:r>
+          </a:p>
+          <a:p>
+            <a:r>
+              <a:rPr lang="en-US" dirty="0"/>
+              <a:t>KNN:  -.09</a:t>
+            </a:r>
+          </a:p>
+          <a:p>
+            <a:r>
+              <a:rPr lang="en-US" dirty="0"/>
+              <a:t>Random Forest:  -.08</a:t>
+            </a:r>
+          </a:p>
+          <a:p>
+            <a:r>
+              <a:rPr lang="en-US" dirty="0"/>
+              <a:t>Gradient Boosted Regressor: -.21</a:t>
+            </a:r>
+          </a:p>
+          <a:p>
+            <a:endParaRPr lang="en-US" dirty="0"/>
+          </a:p>
+        </p:txBody>
+      </p:sp>
+    </p:spTree>
+    <p:extLst>
+      <p:ext uri="{BB962C8B-B14F-4D97-AF65-F5344CB8AC3E}">
+        <p14:creationId xmlns:p14="http://schemas.microsoft.com/office/powerpoint/2010/main" val="4288381279"/>
+      </p:ext>
+    </p:extLst>
+  </p:cSld>
+  <p:clrMapOvr>
+    <a:masterClrMapping/>
+  </p:clrMapOvr>
+</p:sld>
+</file>
+
+<file path=ppt/slides/slide5.xml><?xml version="1.0" encoding="utf-8"?>
+<p:sld xmlns:a="http://schemas.openxmlformats.org/drawingml/2006/main" xmlns:r="http://schemas.openxmlformats.org/officeDocument/2006/relationships" xmlns:p="http://schemas.openxmlformats.org/presentationml/2006/main">
+  <p:cSld>
+    <p:spTree>
+      <p:nvGrpSpPr>
+        <p:cNvPr id="1" name=""/>
+        <p:cNvGrpSpPr/>
+        <p:nvPr/>
+      </p:nvGrpSpPr>
+      <p:grpSpPr>
+        <a:xfrm>
+          <a:off x="0" y="0"/>
+          <a:ext cx="0" cy="0"/>
+          <a:chOff x="0" y="0"/>
+          <a:chExt cx="0" cy="0"/>
+        </a:xfrm>
+      </p:grpSpPr>
+      <p:sp>
+        <p:nvSpPr>
+          <p:cNvPr id="2" name="Title 1">
+            <a:extLst>
+              <a:ext uri="{FF2B5EF4-FFF2-40B4-BE49-F238E27FC236}">
+                <a16:creationId xmlns:a16="http://schemas.microsoft.com/office/drawing/2014/main" id="{D36AE652-40A6-4D13-B052-430B5E77366C}"/>
+              </a:ext>
+            </a:extLst>
+          </p:cNvPr>
+          <p:cNvSpPr>
+            <a:spLocks noGrp="1"/>
+          </p:cNvSpPr>
+          <p:nvPr>
+            <p:ph type="title"/>
+          </p:nvPr>
+        </p:nvSpPr>
+        <p:spPr/>
+        <p:txBody>
+          <a:bodyPr/>
+          <a:lstStyle/>
+          <a:p>
+            <a:endParaRPr lang="en-US"/>
+          </a:p>
+        </p:txBody>
+      </p:sp>
+      <p:sp>
+        <p:nvSpPr>
+          <p:cNvPr id="3" name="Content Placeholder 2">
+            <a:extLst>
+              <a:ext uri="{FF2B5EF4-FFF2-40B4-BE49-F238E27FC236}">
+                <a16:creationId xmlns:a16="http://schemas.microsoft.com/office/drawing/2014/main" id="{200B812A-1572-49EB-BAD4-9379E2DCA118}"/>
+              </a:ext>
+            </a:extLst>
+          </p:cNvPr>
+          <p:cNvSpPr>
+            <a:spLocks noGrp="1"/>
+          </p:cNvSpPr>
+          <p:nvPr>
+            <p:ph idx="1"/>
+          </p:nvPr>
+        </p:nvSpPr>
+        <p:spPr/>
+        <p:txBody>
+          <a:bodyPr/>
+          <a:lstStyle/>
+          <a:p>
+            <a:endParaRPr lang="en-US"/>
+          </a:p>
+        </p:txBody>
+      </p:sp>
+      <p:pic>
+        <p:nvPicPr>
+          <p:cNvPr id="4" name="Picture 3">
+            <a:extLst>
+              <a:ext uri="{FF2B5EF4-FFF2-40B4-BE49-F238E27FC236}">
+                <a16:creationId xmlns:a16="http://schemas.microsoft.com/office/drawing/2014/main" id="{9403DC1F-2DF2-4F72-8BDE-07B062A9C491}"/>
+              </a:ext>
+            </a:extLst>
+          </p:cNvPr>
+          <p:cNvPicPr>
+            <a:picLocks noChangeAspect="1"/>
+          </p:cNvPicPr>
+          <p:nvPr/>
+        </p:nvPicPr>
+        <p:blipFill rotWithShape="1">
+          <a:blip r:embed="rId2"/>
+          <a:srcRect l="39035" b="10151"/>
+          <a:stretch/>
+        </p:blipFill>
+        <p:spPr>
+          <a:xfrm>
+            <a:off x="1782306" y="247971"/>
+            <a:ext cx="8239934" cy="4494506"/>
+          </a:xfrm>
+          <a:prstGeom prst="rect">
+            <a:avLst/>
+          </a:prstGeom>
+        </p:spPr>
+      </p:pic>
+    </p:spTree>
+    <p:extLst>
+      <p:ext uri="{BB962C8B-B14F-4D97-AF65-F5344CB8AC3E}">
+        <p14:creationId xmlns:p14="http://schemas.microsoft.com/office/powerpoint/2010/main" val="3135596540"/>
+      </p:ext>
+    </p:extLst>
+  </p:cSld>
+  <p:clrMapOvr>
+    <a:masterClrMapping/>
+  </p:clrMapOvr>
+</p:sld>
+</file>
+
+<file path=ppt/slides/slide6.xml><?xml version="1.0" encoding="utf-8"?>
+<p:sld xmlns:a="http://schemas.openxmlformats.org/drawingml/2006/main" xmlns:r="http://schemas.openxmlformats.org/officeDocument/2006/relationships" xmlns:p="http://schemas.openxmlformats.org/presentationml/2006/main">
+  <p:cSld>
+    <p:spTree>
+      <p:nvGrpSpPr>
+        <p:cNvPr id="1" name=""/>
+        <p:cNvGrpSpPr/>
+        <p:nvPr/>
+      </p:nvGrpSpPr>
+      <p:grpSpPr>
+        <a:xfrm>
+          <a:off x="0" y="0"/>
+          <a:ext cx="0" cy="0"/>
+          <a:chOff x="0" y="0"/>
+          <a:chExt cx="0" cy="0"/>
+        </a:xfrm>
+      </p:grpSpPr>
       <p:sp>
         <p:nvSpPr>
           <p:cNvPr id="2" name="Title 1">
@@ -4572,7 +5138,7 @@
             </a:pPr>
             <a:r>
               <a:rPr lang="en-US" dirty="0"/>
-              <a:t>Linear Regression of a Normal Dependent Variable</a:t>
+              <a:t>Linear Regression of a normally  distributed dependent variable</a:t>
             </a:r>
           </a:p>
           <a:p>
@@ -4617,7 +5183,7 @@
             </a:pPr>
             <a:r>
               <a:rPr lang="en-US" dirty="0"/>
-              <a:t>Linear Regression of a Skewed dependent Variable</a:t>
+              <a:t>Linear Regression of a Skewed dependent variable</a:t>
             </a:r>
           </a:p>
           <a:p>
@@ -4649,7 +5215,7 @@
 </p:sld>
 </file>
 
-<file path=ppt/slides/slide5.xml><?xml version="1.0" encoding="utf-8"?>
+<file path=ppt/slides/slide7.xml><?xml version="1.0" encoding="utf-8"?>
 <p:sld xmlns:a="http://schemas.openxmlformats.org/drawingml/2006/main" xmlns:r="http://schemas.openxmlformats.org/officeDocument/2006/relationships" xmlns:p="http://schemas.openxmlformats.org/presentationml/2006/main">
   <p:cSld>
     <p:spTree>
@@ -4714,7 +5280,7 @@
         </p:nvSpPr>
         <p:spPr>
           <a:xfrm>
-            <a:off x="1097280" y="238476"/>
+            <a:off x="974616" y="113173"/>
             <a:ext cx="10058400" cy="543576"/>
           </a:xfrm>
         </p:spPr>
@@ -4853,7 +5419,7 @@
 </p:sld>
 </file>
 
-<file path=ppt/slides/slide6.xml><?xml version="1.0" encoding="utf-8"?>
+<file path=ppt/slides/slide8.xml><?xml version="1.0" encoding="utf-8"?>
 <p:sld xmlns:a="http://schemas.openxmlformats.org/drawingml/2006/main" xmlns:r="http://schemas.openxmlformats.org/officeDocument/2006/relationships" xmlns:p="http://schemas.openxmlformats.org/presentationml/2006/main">
   <p:cSld>
     <p:spTree>
@@ -4900,7 +5466,7 @@
           <a:p>
             <a:r>
               <a:rPr lang="en-US" sz="3200" dirty="0"/>
-              <a:t>Linear Regression of a Normal Dependent Variable</a:t>
+              <a:t>Law of Large Numbers:</a:t>
             </a:r>
           </a:p>
         </p:txBody>
@@ -4954,10 +5520,1120 @@
           </a:p>
         </p:txBody>
       </p:sp>
+      <p:pic>
+        <p:nvPicPr>
+          <p:cNvPr id="1104" name="Picture 80">
+            <a:extLst>
+              <a:ext uri="{FF2B5EF4-FFF2-40B4-BE49-F238E27FC236}">
+                <a16:creationId xmlns:a16="http://schemas.microsoft.com/office/drawing/2014/main" id="{50A5C12D-749D-4250-BA1C-6D530F9ED2C4}"/>
+              </a:ext>
+            </a:extLst>
+          </p:cNvPr>
+          <p:cNvPicPr>
+            <a:picLocks noChangeAspect="1" noChangeArrowheads="1"/>
+          </p:cNvPicPr>
+          <p:nvPr/>
+        </p:nvPicPr>
+        <p:blipFill>
+          <a:blip r:embed="rId2">
+            <a:extLst>
+              <a:ext uri="{28A0092B-C50C-407E-A947-70E740481C1C}">
+                <a14:useLocalDpi xmlns:a14="http://schemas.microsoft.com/office/drawing/2010/main" val="0"/>
+              </a:ext>
+            </a:extLst>
+          </a:blip>
+          <a:srcRect/>
+          <a:stretch>
+            <a:fillRect/>
+          </a:stretch>
+        </p:blipFill>
+        <p:spPr bwMode="auto">
+          <a:xfrm>
+            <a:off x="926181" y="1055089"/>
+            <a:ext cx="9985016" cy="4922781"/>
+          </a:xfrm>
+          <a:prstGeom prst="rect">
+            <a:avLst/>
+          </a:prstGeom>
+          <a:noFill/>
+          <a:extLst>
+            <a:ext uri="{909E8E84-426E-40DD-AFC4-6F175D3DCCD1}">
+              <a14:hiddenFill xmlns:a14="http://schemas.microsoft.com/office/drawing/2010/main">
+                <a:solidFill>
+                  <a:srgbClr val="FFFFFF"/>
+                </a:solidFill>
+              </a14:hiddenFill>
+            </a:ext>
+          </a:extLst>
+        </p:spPr>
+      </p:pic>
+      <p:pic>
+        <p:nvPicPr>
+          <p:cNvPr id="1106" name="Picture 82">
+            <a:extLst>
+              <a:ext uri="{FF2B5EF4-FFF2-40B4-BE49-F238E27FC236}">
+                <a16:creationId xmlns:a16="http://schemas.microsoft.com/office/drawing/2014/main" id="{988A2EF6-9C6A-44CA-908D-B6E1F4849DE3}"/>
+              </a:ext>
+            </a:extLst>
+          </p:cNvPr>
+          <p:cNvPicPr>
+            <a:picLocks noChangeAspect="1" noChangeArrowheads="1"/>
+          </p:cNvPicPr>
+          <p:nvPr/>
+        </p:nvPicPr>
+        <p:blipFill>
+          <a:blip r:embed="rId3">
+            <a:extLst>
+              <a:ext uri="{28A0092B-C50C-407E-A947-70E740481C1C}">
+                <a14:useLocalDpi xmlns:a14="http://schemas.microsoft.com/office/drawing/2010/main" val="0"/>
+              </a:ext>
+            </a:extLst>
+          </a:blip>
+          <a:srcRect/>
+          <a:stretch>
+            <a:fillRect/>
+          </a:stretch>
+        </p:blipFill>
+        <p:spPr bwMode="auto">
+          <a:xfrm>
+            <a:off x="939443" y="1055089"/>
+            <a:ext cx="9901343" cy="4922781"/>
+          </a:xfrm>
+          <a:prstGeom prst="rect">
+            <a:avLst/>
+          </a:prstGeom>
+          <a:noFill/>
+          <a:extLst>
+            <a:ext uri="{909E8E84-426E-40DD-AFC4-6F175D3DCCD1}">
+              <a14:hiddenFill xmlns:a14="http://schemas.microsoft.com/office/drawing/2010/main">
+                <a:solidFill>
+                  <a:srgbClr val="FFFFFF"/>
+                </a:solidFill>
+              </a14:hiddenFill>
+            </a:ext>
+          </a:extLst>
+        </p:spPr>
+      </p:pic>
+      <p:pic>
+        <p:nvPicPr>
+          <p:cNvPr id="1108" name="Picture 84">
+            <a:extLst>
+              <a:ext uri="{FF2B5EF4-FFF2-40B4-BE49-F238E27FC236}">
+                <a16:creationId xmlns:a16="http://schemas.microsoft.com/office/drawing/2014/main" id="{349C1A74-DA7D-416A-9D81-88ECCC7E854D}"/>
+              </a:ext>
+            </a:extLst>
+          </p:cNvPr>
+          <p:cNvPicPr>
+            <a:picLocks noChangeAspect="1" noChangeArrowheads="1"/>
+          </p:cNvPicPr>
+          <p:nvPr/>
+        </p:nvPicPr>
+        <p:blipFill>
+          <a:blip r:embed="rId4">
+            <a:extLst>
+              <a:ext uri="{28A0092B-C50C-407E-A947-70E740481C1C}">
+                <a14:useLocalDpi xmlns:a14="http://schemas.microsoft.com/office/drawing/2010/main" val="0"/>
+              </a:ext>
+            </a:extLst>
+          </a:blip>
+          <a:srcRect/>
+          <a:stretch>
+            <a:fillRect/>
+          </a:stretch>
+        </p:blipFill>
+        <p:spPr bwMode="auto">
+          <a:xfrm>
+            <a:off x="939443" y="1055089"/>
+            <a:ext cx="9901343" cy="4922781"/>
+          </a:xfrm>
+          <a:prstGeom prst="rect">
+            <a:avLst/>
+          </a:prstGeom>
+          <a:noFill/>
+          <a:extLst>
+            <a:ext uri="{909E8E84-426E-40DD-AFC4-6F175D3DCCD1}">
+              <a14:hiddenFill xmlns:a14="http://schemas.microsoft.com/office/drawing/2010/main">
+                <a:solidFill>
+                  <a:srgbClr val="FFFFFF"/>
+                </a:solidFill>
+              </a14:hiddenFill>
+            </a:ext>
+          </a:extLst>
+        </p:spPr>
+      </p:pic>
+      <p:pic>
+        <p:nvPicPr>
+          <p:cNvPr id="1110" name="Picture 86">
+            <a:extLst>
+              <a:ext uri="{FF2B5EF4-FFF2-40B4-BE49-F238E27FC236}">
+                <a16:creationId xmlns:a16="http://schemas.microsoft.com/office/drawing/2014/main" id="{FCFC5B35-83E9-43DB-ADE3-420D17E006CB}"/>
+              </a:ext>
+            </a:extLst>
+          </p:cNvPr>
+          <p:cNvPicPr>
+            <a:picLocks noChangeAspect="1" noChangeArrowheads="1"/>
+          </p:cNvPicPr>
+          <p:nvPr/>
+        </p:nvPicPr>
+        <p:blipFill>
+          <a:blip r:embed="rId5">
+            <a:extLst>
+              <a:ext uri="{28A0092B-C50C-407E-A947-70E740481C1C}">
+                <a14:useLocalDpi xmlns:a14="http://schemas.microsoft.com/office/drawing/2010/main" val="0"/>
+              </a:ext>
+            </a:extLst>
+          </a:blip>
+          <a:srcRect/>
+          <a:stretch>
+            <a:fillRect/>
+          </a:stretch>
+        </p:blipFill>
+        <p:spPr bwMode="auto">
+          <a:xfrm>
+            <a:off x="939443" y="1055089"/>
+            <a:ext cx="9901343" cy="4922781"/>
+          </a:xfrm>
+          <a:prstGeom prst="rect">
+            <a:avLst/>
+          </a:prstGeom>
+          <a:noFill/>
+          <a:extLst>
+            <a:ext uri="{909E8E84-426E-40DD-AFC4-6F175D3DCCD1}">
+              <a14:hiddenFill xmlns:a14="http://schemas.microsoft.com/office/drawing/2010/main">
+                <a:solidFill>
+                  <a:srgbClr val="FFFFFF"/>
+                </a:solidFill>
+              </a14:hiddenFill>
+            </a:ext>
+          </a:extLst>
+        </p:spPr>
+      </p:pic>
+      <p:pic>
+        <p:nvPicPr>
+          <p:cNvPr id="1112" name="Picture 88">
+            <a:extLst>
+              <a:ext uri="{FF2B5EF4-FFF2-40B4-BE49-F238E27FC236}">
+                <a16:creationId xmlns:a16="http://schemas.microsoft.com/office/drawing/2014/main" id="{C11F2A62-A020-4B14-BA18-334DDE34AA62}"/>
+              </a:ext>
+            </a:extLst>
+          </p:cNvPr>
+          <p:cNvPicPr>
+            <a:picLocks noChangeAspect="1" noChangeArrowheads="1"/>
+          </p:cNvPicPr>
+          <p:nvPr/>
+        </p:nvPicPr>
+        <p:blipFill>
+          <a:blip r:embed="rId6">
+            <a:extLst>
+              <a:ext uri="{28A0092B-C50C-407E-A947-70E740481C1C}">
+                <a14:useLocalDpi xmlns:a14="http://schemas.microsoft.com/office/drawing/2010/main" val="0"/>
+              </a:ext>
+            </a:extLst>
+          </a:blip>
+          <a:srcRect/>
+          <a:stretch>
+            <a:fillRect/>
+          </a:stretch>
+        </p:blipFill>
+        <p:spPr bwMode="auto">
+          <a:xfrm>
+            <a:off x="961546" y="1055089"/>
+            <a:ext cx="9761887" cy="4922781"/>
+          </a:xfrm>
+          <a:prstGeom prst="rect">
+            <a:avLst/>
+          </a:prstGeom>
+          <a:noFill/>
+          <a:extLst>
+            <a:ext uri="{909E8E84-426E-40DD-AFC4-6F175D3DCCD1}">
+              <a14:hiddenFill xmlns:a14="http://schemas.microsoft.com/office/drawing/2010/main">
+                <a:solidFill>
+                  <a:srgbClr val="FFFFFF"/>
+                </a:solidFill>
+              </a14:hiddenFill>
+            </a:ext>
+          </a:extLst>
+        </p:spPr>
+      </p:pic>
+      <p:pic>
+        <p:nvPicPr>
+          <p:cNvPr id="1114" name="Picture 90">
+            <a:extLst>
+              <a:ext uri="{FF2B5EF4-FFF2-40B4-BE49-F238E27FC236}">
+                <a16:creationId xmlns:a16="http://schemas.microsoft.com/office/drawing/2014/main" id="{0FE981E9-07F7-4D3C-A4B9-D1A954452382}"/>
+              </a:ext>
+            </a:extLst>
+          </p:cNvPr>
+          <p:cNvPicPr>
+            <a:picLocks noChangeAspect="1" noChangeArrowheads="1"/>
+          </p:cNvPicPr>
+          <p:nvPr/>
+        </p:nvPicPr>
+        <p:blipFill>
+          <a:blip r:embed="rId7">
+            <a:extLst>
+              <a:ext uri="{28A0092B-C50C-407E-A947-70E740481C1C}">
+                <a14:useLocalDpi xmlns:a14="http://schemas.microsoft.com/office/drawing/2010/main" val="0"/>
+              </a:ext>
+            </a:extLst>
+          </a:blip>
+          <a:srcRect/>
+          <a:stretch>
+            <a:fillRect/>
+          </a:stretch>
+        </p:blipFill>
+        <p:spPr bwMode="auto">
+          <a:xfrm>
+            <a:off x="961546" y="1055089"/>
+            <a:ext cx="9761887" cy="4922781"/>
+          </a:xfrm>
+          <a:prstGeom prst="rect">
+            <a:avLst/>
+          </a:prstGeom>
+          <a:noFill/>
+          <a:extLst>
+            <a:ext uri="{909E8E84-426E-40DD-AFC4-6F175D3DCCD1}">
+              <a14:hiddenFill xmlns:a14="http://schemas.microsoft.com/office/drawing/2010/main">
+                <a:solidFill>
+                  <a:srgbClr val="FFFFFF"/>
+                </a:solidFill>
+              </a14:hiddenFill>
+            </a:ext>
+          </a:extLst>
+        </p:spPr>
+      </p:pic>
+      <p:pic>
+        <p:nvPicPr>
+          <p:cNvPr id="1116" name="Picture 92">
+            <a:extLst>
+              <a:ext uri="{FF2B5EF4-FFF2-40B4-BE49-F238E27FC236}">
+                <a16:creationId xmlns:a16="http://schemas.microsoft.com/office/drawing/2014/main" id="{69183DC5-E981-4656-90FD-793093E24E2B}"/>
+              </a:ext>
+            </a:extLst>
+          </p:cNvPr>
+          <p:cNvPicPr>
+            <a:picLocks noChangeAspect="1" noChangeArrowheads="1"/>
+          </p:cNvPicPr>
+          <p:nvPr/>
+        </p:nvPicPr>
+        <p:blipFill>
+          <a:blip r:embed="rId8">
+            <a:extLst>
+              <a:ext uri="{28A0092B-C50C-407E-A947-70E740481C1C}">
+                <a14:useLocalDpi xmlns:a14="http://schemas.microsoft.com/office/drawing/2010/main" val="0"/>
+              </a:ext>
+            </a:extLst>
+          </a:blip>
+          <a:srcRect/>
+          <a:stretch>
+            <a:fillRect/>
+          </a:stretch>
+        </p:blipFill>
+        <p:spPr bwMode="auto">
+          <a:xfrm>
+            <a:off x="961546" y="1055089"/>
+            <a:ext cx="9761887" cy="4922781"/>
+          </a:xfrm>
+          <a:prstGeom prst="rect">
+            <a:avLst/>
+          </a:prstGeom>
+          <a:noFill/>
+          <a:extLst>
+            <a:ext uri="{909E8E84-426E-40DD-AFC4-6F175D3DCCD1}">
+              <a14:hiddenFill xmlns:a14="http://schemas.microsoft.com/office/drawing/2010/main">
+                <a:solidFill>
+                  <a:srgbClr val="FFFFFF"/>
+                </a:solidFill>
+              </a14:hiddenFill>
+            </a:ext>
+          </a:extLst>
+        </p:spPr>
+      </p:pic>
+      <p:pic>
+        <p:nvPicPr>
+          <p:cNvPr id="1118" name="Picture 94">
+            <a:extLst>
+              <a:ext uri="{FF2B5EF4-FFF2-40B4-BE49-F238E27FC236}">
+                <a16:creationId xmlns:a16="http://schemas.microsoft.com/office/drawing/2014/main" id="{4BE94048-5137-4A0B-8B94-EDC28971F4B3}"/>
+              </a:ext>
+            </a:extLst>
+          </p:cNvPr>
+          <p:cNvPicPr>
+            <a:picLocks noChangeAspect="1" noChangeArrowheads="1"/>
+          </p:cNvPicPr>
+          <p:nvPr/>
+        </p:nvPicPr>
+        <p:blipFill>
+          <a:blip r:embed="rId9">
+            <a:extLst>
+              <a:ext uri="{28A0092B-C50C-407E-A947-70E740481C1C}">
+                <a14:useLocalDpi xmlns:a14="http://schemas.microsoft.com/office/drawing/2010/main" val="0"/>
+              </a:ext>
+            </a:extLst>
+          </a:blip>
+          <a:srcRect/>
+          <a:stretch>
+            <a:fillRect/>
+          </a:stretch>
+        </p:blipFill>
+        <p:spPr bwMode="auto">
+          <a:xfrm>
+            <a:off x="946073" y="1055089"/>
+            <a:ext cx="9859506" cy="4922781"/>
+          </a:xfrm>
+          <a:prstGeom prst="rect">
+            <a:avLst/>
+          </a:prstGeom>
+          <a:noFill/>
+          <a:extLst>
+            <a:ext uri="{909E8E84-426E-40DD-AFC4-6F175D3DCCD1}">
+              <a14:hiddenFill xmlns:a14="http://schemas.microsoft.com/office/drawing/2010/main">
+                <a:solidFill>
+                  <a:srgbClr val="FFFFFF"/>
+                </a:solidFill>
+              </a14:hiddenFill>
+            </a:ext>
+          </a:extLst>
+        </p:spPr>
+      </p:pic>
+      <p:pic>
+        <p:nvPicPr>
+          <p:cNvPr id="1120" name="Picture 96">
+            <a:extLst>
+              <a:ext uri="{FF2B5EF4-FFF2-40B4-BE49-F238E27FC236}">
+                <a16:creationId xmlns:a16="http://schemas.microsoft.com/office/drawing/2014/main" id="{A7271ACD-6FE7-49A1-AAA8-71E433C8D87D}"/>
+              </a:ext>
+            </a:extLst>
+          </p:cNvPr>
+          <p:cNvPicPr>
+            <a:picLocks noChangeAspect="1" noChangeArrowheads="1"/>
+          </p:cNvPicPr>
+          <p:nvPr/>
+        </p:nvPicPr>
+        <p:blipFill>
+          <a:blip r:embed="rId10">
+            <a:extLst>
+              <a:ext uri="{28A0092B-C50C-407E-A947-70E740481C1C}">
+                <a14:useLocalDpi xmlns:a14="http://schemas.microsoft.com/office/drawing/2010/main" val="0"/>
+              </a:ext>
+            </a:extLst>
+          </a:blip>
+          <a:srcRect/>
+          <a:stretch>
+            <a:fillRect/>
+          </a:stretch>
+        </p:blipFill>
+        <p:spPr bwMode="auto">
+          <a:xfrm>
+            <a:off x="946073" y="1055089"/>
+            <a:ext cx="9859506" cy="4922781"/>
+          </a:xfrm>
+          <a:prstGeom prst="rect">
+            <a:avLst/>
+          </a:prstGeom>
+          <a:noFill/>
+          <a:extLst>
+            <a:ext uri="{909E8E84-426E-40DD-AFC4-6F175D3DCCD1}">
+              <a14:hiddenFill xmlns:a14="http://schemas.microsoft.com/office/drawing/2010/main">
+                <a:solidFill>
+                  <a:srgbClr val="FFFFFF"/>
+                </a:solidFill>
+              </a14:hiddenFill>
+            </a:ext>
+          </a:extLst>
+        </p:spPr>
+      </p:pic>
+      <p:pic>
+        <p:nvPicPr>
+          <p:cNvPr id="1122" name="Picture 98">
+            <a:extLst>
+              <a:ext uri="{FF2B5EF4-FFF2-40B4-BE49-F238E27FC236}">
+                <a16:creationId xmlns:a16="http://schemas.microsoft.com/office/drawing/2014/main" id="{40C2DC2E-86C5-4240-B3B1-31E0BBF8663A}"/>
+              </a:ext>
+            </a:extLst>
+          </p:cNvPr>
+          <p:cNvPicPr>
+            <a:picLocks noChangeAspect="1" noChangeArrowheads="1"/>
+          </p:cNvPicPr>
+          <p:nvPr/>
+        </p:nvPicPr>
+        <p:blipFill>
+          <a:blip r:embed="rId11">
+            <a:extLst>
+              <a:ext uri="{28A0092B-C50C-407E-A947-70E740481C1C}">
+                <a14:useLocalDpi xmlns:a14="http://schemas.microsoft.com/office/drawing/2010/main" val="0"/>
+              </a:ext>
+            </a:extLst>
+          </a:blip>
+          <a:srcRect/>
+          <a:stretch>
+            <a:fillRect/>
+          </a:stretch>
+        </p:blipFill>
+        <p:spPr bwMode="auto">
+          <a:xfrm>
+            <a:off x="932812" y="1055089"/>
+            <a:ext cx="9943179" cy="4922781"/>
+          </a:xfrm>
+          <a:prstGeom prst="rect">
+            <a:avLst/>
+          </a:prstGeom>
+          <a:noFill/>
+          <a:extLst>
+            <a:ext uri="{909E8E84-426E-40DD-AFC4-6F175D3DCCD1}">
+              <a14:hiddenFill xmlns:a14="http://schemas.microsoft.com/office/drawing/2010/main">
+                <a:solidFill>
+                  <a:srgbClr val="FFFFFF"/>
+                </a:solidFill>
+              </a14:hiddenFill>
+            </a:ext>
+          </a:extLst>
+        </p:spPr>
+      </p:pic>
     </p:spTree>
     <p:extLst>
       <p:ext uri="{BB962C8B-B14F-4D97-AF65-F5344CB8AC3E}">
         <p14:creationId xmlns:p14="http://schemas.microsoft.com/office/powerpoint/2010/main" val="804451252"/>
+      </p:ext>
+    </p:extLst>
+  </p:cSld>
+  <p:clrMapOvr>
+    <a:masterClrMapping/>
+  </p:clrMapOvr>
+  <p:timing>
+    <p:tnLst>
+      <p:par>
+        <p:cTn id="1" dur="indefinite" restart="never" nodeType="tmRoot">
+          <p:childTnLst>
+            <p:seq concurrent="1" nextAc="seek">
+              <p:cTn id="2" dur="indefinite" nodeType="mainSeq">
+                <p:childTnLst>
+                  <p:par>
+                    <p:cTn id="3" fill="hold">
+                      <p:stCondLst>
+                        <p:cond delay="indefinite"/>
+                      </p:stCondLst>
+                      <p:childTnLst>
+                        <p:par>
+                          <p:cTn id="4" fill="hold">
+                            <p:stCondLst>
+                              <p:cond delay="0"/>
+                            </p:stCondLst>
+                            <p:childTnLst>
+                              <p:par>
+                                <p:cTn id="5" presetID="10" presetClass="entr" presetSubtype="0" fill="hold" nodeType="clickEffect">
+                                  <p:stCondLst>
+                                    <p:cond delay="0"/>
+                                  </p:stCondLst>
+                                  <p:childTnLst>
+                                    <p:set>
+                                      <p:cBhvr>
+                                        <p:cTn id="6" dur="1" fill="hold">
+                                          <p:stCondLst>
+                                            <p:cond delay="0"/>
+                                          </p:stCondLst>
+                                        </p:cTn>
+                                        <p:tgtEl>
+                                          <p:spTgt spid="1104"/>
+                                        </p:tgtEl>
+                                        <p:attrNameLst>
+                                          <p:attrName>style.visibility</p:attrName>
+                                        </p:attrNameLst>
+                                      </p:cBhvr>
+                                      <p:to>
+                                        <p:strVal val="visible"/>
+                                      </p:to>
+                                    </p:set>
+                                    <p:animEffect transition="in" filter="fade">
+                                      <p:cBhvr>
+                                        <p:cTn id="7" dur="500"/>
+                                        <p:tgtEl>
+                                          <p:spTgt spid="1104"/>
+                                        </p:tgtEl>
+                                      </p:cBhvr>
+                                    </p:animEffect>
+                                  </p:childTnLst>
+                                </p:cTn>
+                              </p:par>
+                            </p:childTnLst>
+                          </p:cTn>
+                        </p:par>
+                      </p:childTnLst>
+                    </p:cTn>
+                  </p:par>
+                  <p:par>
+                    <p:cTn id="8" fill="hold">
+                      <p:stCondLst>
+                        <p:cond delay="indefinite"/>
+                      </p:stCondLst>
+                      <p:childTnLst>
+                        <p:par>
+                          <p:cTn id="9" fill="hold">
+                            <p:stCondLst>
+                              <p:cond delay="0"/>
+                            </p:stCondLst>
+                            <p:childTnLst>
+                              <p:par>
+                                <p:cTn id="10" presetID="10" presetClass="entr" presetSubtype="0" fill="hold" nodeType="clickEffect">
+                                  <p:stCondLst>
+                                    <p:cond delay="0"/>
+                                  </p:stCondLst>
+                                  <p:childTnLst>
+                                    <p:set>
+                                      <p:cBhvr>
+                                        <p:cTn id="11" dur="1" fill="hold">
+                                          <p:stCondLst>
+                                            <p:cond delay="0"/>
+                                          </p:stCondLst>
+                                        </p:cTn>
+                                        <p:tgtEl>
+                                          <p:spTgt spid="1106"/>
+                                        </p:tgtEl>
+                                        <p:attrNameLst>
+                                          <p:attrName>style.visibility</p:attrName>
+                                        </p:attrNameLst>
+                                      </p:cBhvr>
+                                      <p:to>
+                                        <p:strVal val="visible"/>
+                                      </p:to>
+                                    </p:set>
+                                    <p:animEffect transition="in" filter="fade">
+                                      <p:cBhvr>
+                                        <p:cTn id="12" dur="500"/>
+                                        <p:tgtEl>
+                                          <p:spTgt spid="1106"/>
+                                        </p:tgtEl>
+                                      </p:cBhvr>
+                                    </p:animEffect>
+                                  </p:childTnLst>
+                                </p:cTn>
+                              </p:par>
+                            </p:childTnLst>
+                          </p:cTn>
+                        </p:par>
+                      </p:childTnLst>
+                    </p:cTn>
+                  </p:par>
+                  <p:par>
+                    <p:cTn id="13" fill="hold">
+                      <p:stCondLst>
+                        <p:cond delay="indefinite"/>
+                      </p:stCondLst>
+                      <p:childTnLst>
+                        <p:par>
+                          <p:cTn id="14" fill="hold">
+                            <p:stCondLst>
+                              <p:cond delay="0"/>
+                            </p:stCondLst>
+                            <p:childTnLst>
+                              <p:par>
+                                <p:cTn id="15" presetID="10" presetClass="entr" presetSubtype="0" fill="hold" nodeType="clickEffect">
+                                  <p:stCondLst>
+                                    <p:cond delay="0"/>
+                                  </p:stCondLst>
+                                  <p:childTnLst>
+                                    <p:set>
+                                      <p:cBhvr>
+                                        <p:cTn id="16" dur="1" fill="hold">
+                                          <p:stCondLst>
+                                            <p:cond delay="0"/>
+                                          </p:stCondLst>
+                                        </p:cTn>
+                                        <p:tgtEl>
+                                          <p:spTgt spid="1108"/>
+                                        </p:tgtEl>
+                                        <p:attrNameLst>
+                                          <p:attrName>style.visibility</p:attrName>
+                                        </p:attrNameLst>
+                                      </p:cBhvr>
+                                      <p:to>
+                                        <p:strVal val="visible"/>
+                                      </p:to>
+                                    </p:set>
+                                    <p:animEffect transition="in" filter="fade">
+                                      <p:cBhvr>
+                                        <p:cTn id="17" dur="500"/>
+                                        <p:tgtEl>
+                                          <p:spTgt spid="1108"/>
+                                        </p:tgtEl>
+                                      </p:cBhvr>
+                                    </p:animEffect>
+                                  </p:childTnLst>
+                                </p:cTn>
+                              </p:par>
+                            </p:childTnLst>
+                          </p:cTn>
+                        </p:par>
+                      </p:childTnLst>
+                    </p:cTn>
+                  </p:par>
+                  <p:par>
+                    <p:cTn id="18" fill="hold">
+                      <p:stCondLst>
+                        <p:cond delay="indefinite"/>
+                      </p:stCondLst>
+                      <p:childTnLst>
+                        <p:par>
+                          <p:cTn id="19" fill="hold">
+                            <p:stCondLst>
+                              <p:cond delay="0"/>
+                            </p:stCondLst>
+                            <p:childTnLst>
+                              <p:par>
+                                <p:cTn id="20" presetID="10" presetClass="entr" presetSubtype="0" fill="hold" nodeType="clickEffect">
+                                  <p:stCondLst>
+                                    <p:cond delay="0"/>
+                                  </p:stCondLst>
+                                  <p:childTnLst>
+                                    <p:set>
+                                      <p:cBhvr>
+                                        <p:cTn id="21" dur="1" fill="hold">
+                                          <p:stCondLst>
+                                            <p:cond delay="0"/>
+                                          </p:stCondLst>
+                                        </p:cTn>
+                                        <p:tgtEl>
+                                          <p:spTgt spid="1110"/>
+                                        </p:tgtEl>
+                                        <p:attrNameLst>
+                                          <p:attrName>style.visibility</p:attrName>
+                                        </p:attrNameLst>
+                                      </p:cBhvr>
+                                      <p:to>
+                                        <p:strVal val="visible"/>
+                                      </p:to>
+                                    </p:set>
+                                    <p:animEffect transition="in" filter="fade">
+                                      <p:cBhvr>
+                                        <p:cTn id="22" dur="500"/>
+                                        <p:tgtEl>
+                                          <p:spTgt spid="1110"/>
+                                        </p:tgtEl>
+                                      </p:cBhvr>
+                                    </p:animEffect>
+                                  </p:childTnLst>
+                                </p:cTn>
+                              </p:par>
+                            </p:childTnLst>
+                          </p:cTn>
+                        </p:par>
+                      </p:childTnLst>
+                    </p:cTn>
+                  </p:par>
+                  <p:par>
+                    <p:cTn id="23" fill="hold">
+                      <p:stCondLst>
+                        <p:cond delay="indefinite"/>
+                      </p:stCondLst>
+                      <p:childTnLst>
+                        <p:par>
+                          <p:cTn id="24" fill="hold">
+                            <p:stCondLst>
+                              <p:cond delay="0"/>
+                            </p:stCondLst>
+                            <p:childTnLst>
+                              <p:par>
+                                <p:cTn id="25" presetID="10" presetClass="entr" presetSubtype="0" fill="hold" nodeType="clickEffect">
+                                  <p:stCondLst>
+                                    <p:cond delay="0"/>
+                                  </p:stCondLst>
+                                  <p:childTnLst>
+                                    <p:set>
+                                      <p:cBhvr>
+                                        <p:cTn id="26" dur="1" fill="hold">
+                                          <p:stCondLst>
+                                            <p:cond delay="0"/>
+                                          </p:stCondLst>
+                                        </p:cTn>
+                                        <p:tgtEl>
+                                          <p:spTgt spid="1112"/>
+                                        </p:tgtEl>
+                                        <p:attrNameLst>
+                                          <p:attrName>style.visibility</p:attrName>
+                                        </p:attrNameLst>
+                                      </p:cBhvr>
+                                      <p:to>
+                                        <p:strVal val="visible"/>
+                                      </p:to>
+                                    </p:set>
+                                    <p:animEffect transition="in" filter="fade">
+                                      <p:cBhvr>
+                                        <p:cTn id="27" dur="500"/>
+                                        <p:tgtEl>
+                                          <p:spTgt spid="1112"/>
+                                        </p:tgtEl>
+                                      </p:cBhvr>
+                                    </p:animEffect>
+                                  </p:childTnLst>
+                                </p:cTn>
+                              </p:par>
+                            </p:childTnLst>
+                          </p:cTn>
+                        </p:par>
+                      </p:childTnLst>
+                    </p:cTn>
+                  </p:par>
+                  <p:par>
+                    <p:cTn id="28" fill="hold">
+                      <p:stCondLst>
+                        <p:cond delay="indefinite"/>
+                      </p:stCondLst>
+                      <p:childTnLst>
+                        <p:par>
+                          <p:cTn id="29" fill="hold">
+                            <p:stCondLst>
+                              <p:cond delay="0"/>
+                            </p:stCondLst>
+                            <p:childTnLst>
+                              <p:par>
+                                <p:cTn id="30" presetID="10" presetClass="entr" presetSubtype="0" fill="hold" nodeType="clickEffect">
+                                  <p:stCondLst>
+                                    <p:cond delay="0"/>
+                                  </p:stCondLst>
+                                  <p:childTnLst>
+                                    <p:set>
+                                      <p:cBhvr>
+                                        <p:cTn id="31" dur="1" fill="hold">
+                                          <p:stCondLst>
+                                            <p:cond delay="0"/>
+                                          </p:stCondLst>
+                                        </p:cTn>
+                                        <p:tgtEl>
+                                          <p:spTgt spid="1114"/>
+                                        </p:tgtEl>
+                                        <p:attrNameLst>
+                                          <p:attrName>style.visibility</p:attrName>
+                                        </p:attrNameLst>
+                                      </p:cBhvr>
+                                      <p:to>
+                                        <p:strVal val="visible"/>
+                                      </p:to>
+                                    </p:set>
+                                    <p:animEffect transition="in" filter="fade">
+                                      <p:cBhvr>
+                                        <p:cTn id="32" dur="500"/>
+                                        <p:tgtEl>
+                                          <p:spTgt spid="1114"/>
+                                        </p:tgtEl>
+                                      </p:cBhvr>
+                                    </p:animEffect>
+                                  </p:childTnLst>
+                                </p:cTn>
+                              </p:par>
+                            </p:childTnLst>
+                          </p:cTn>
+                        </p:par>
+                      </p:childTnLst>
+                    </p:cTn>
+                  </p:par>
+                  <p:par>
+                    <p:cTn id="33" fill="hold">
+                      <p:stCondLst>
+                        <p:cond delay="indefinite"/>
+                      </p:stCondLst>
+                      <p:childTnLst>
+                        <p:par>
+                          <p:cTn id="34" fill="hold">
+                            <p:stCondLst>
+                              <p:cond delay="0"/>
+                            </p:stCondLst>
+                            <p:childTnLst>
+                              <p:par>
+                                <p:cTn id="35" presetID="10" presetClass="entr" presetSubtype="0" fill="hold" nodeType="clickEffect">
+                                  <p:stCondLst>
+                                    <p:cond delay="0"/>
+                                  </p:stCondLst>
+                                  <p:childTnLst>
+                                    <p:set>
+                                      <p:cBhvr>
+                                        <p:cTn id="36" dur="1" fill="hold">
+                                          <p:stCondLst>
+                                            <p:cond delay="0"/>
+                                          </p:stCondLst>
+                                        </p:cTn>
+                                        <p:tgtEl>
+                                          <p:spTgt spid="1116"/>
+                                        </p:tgtEl>
+                                        <p:attrNameLst>
+                                          <p:attrName>style.visibility</p:attrName>
+                                        </p:attrNameLst>
+                                      </p:cBhvr>
+                                      <p:to>
+                                        <p:strVal val="visible"/>
+                                      </p:to>
+                                    </p:set>
+                                    <p:animEffect transition="in" filter="fade">
+                                      <p:cBhvr>
+                                        <p:cTn id="37" dur="500"/>
+                                        <p:tgtEl>
+                                          <p:spTgt spid="1116"/>
+                                        </p:tgtEl>
+                                      </p:cBhvr>
+                                    </p:animEffect>
+                                  </p:childTnLst>
+                                </p:cTn>
+                              </p:par>
+                            </p:childTnLst>
+                          </p:cTn>
+                        </p:par>
+                      </p:childTnLst>
+                    </p:cTn>
+                  </p:par>
+                  <p:par>
+                    <p:cTn id="38" fill="hold">
+                      <p:stCondLst>
+                        <p:cond delay="indefinite"/>
+                      </p:stCondLst>
+                      <p:childTnLst>
+                        <p:par>
+                          <p:cTn id="39" fill="hold">
+                            <p:stCondLst>
+                              <p:cond delay="0"/>
+                            </p:stCondLst>
+                            <p:childTnLst>
+                              <p:par>
+                                <p:cTn id="40" presetID="10" presetClass="entr" presetSubtype="0" fill="hold" nodeType="clickEffect">
+                                  <p:stCondLst>
+                                    <p:cond delay="0"/>
+                                  </p:stCondLst>
+                                  <p:childTnLst>
+                                    <p:set>
+                                      <p:cBhvr>
+                                        <p:cTn id="41" dur="1" fill="hold">
+                                          <p:stCondLst>
+                                            <p:cond delay="0"/>
+                                          </p:stCondLst>
+                                        </p:cTn>
+                                        <p:tgtEl>
+                                          <p:spTgt spid="1118"/>
+                                        </p:tgtEl>
+                                        <p:attrNameLst>
+                                          <p:attrName>style.visibility</p:attrName>
+                                        </p:attrNameLst>
+                                      </p:cBhvr>
+                                      <p:to>
+                                        <p:strVal val="visible"/>
+                                      </p:to>
+                                    </p:set>
+                                    <p:animEffect transition="in" filter="fade">
+                                      <p:cBhvr>
+                                        <p:cTn id="42" dur="500"/>
+                                        <p:tgtEl>
+                                          <p:spTgt spid="1118"/>
+                                        </p:tgtEl>
+                                      </p:cBhvr>
+                                    </p:animEffect>
+                                  </p:childTnLst>
+                                </p:cTn>
+                              </p:par>
+                            </p:childTnLst>
+                          </p:cTn>
+                        </p:par>
+                      </p:childTnLst>
+                    </p:cTn>
+                  </p:par>
+                  <p:par>
+                    <p:cTn id="43" fill="hold">
+                      <p:stCondLst>
+                        <p:cond delay="indefinite"/>
+                      </p:stCondLst>
+                      <p:childTnLst>
+                        <p:par>
+                          <p:cTn id="44" fill="hold">
+                            <p:stCondLst>
+                              <p:cond delay="0"/>
+                            </p:stCondLst>
+                            <p:childTnLst>
+                              <p:par>
+                                <p:cTn id="45" presetID="10" presetClass="entr" presetSubtype="0" fill="hold" nodeType="clickEffect">
+                                  <p:stCondLst>
+                                    <p:cond delay="0"/>
+                                  </p:stCondLst>
+                                  <p:childTnLst>
+                                    <p:set>
+                                      <p:cBhvr>
+                                        <p:cTn id="46" dur="1" fill="hold">
+                                          <p:stCondLst>
+                                            <p:cond delay="0"/>
+                                          </p:stCondLst>
+                                        </p:cTn>
+                                        <p:tgtEl>
+                                          <p:spTgt spid="1120"/>
+                                        </p:tgtEl>
+                                        <p:attrNameLst>
+                                          <p:attrName>style.visibility</p:attrName>
+                                        </p:attrNameLst>
+                                      </p:cBhvr>
+                                      <p:to>
+                                        <p:strVal val="visible"/>
+                                      </p:to>
+                                    </p:set>
+                                    <p:animEffect transition="in" filter="fade">
+                                      <p:cBhvr>
+                                        <p:cTn id="47" dur="500"/>
+                                        <p:tgtEl>
+                                          <p:spTgt spid="1120"/>
+                                        </p:tgtEl>
+                                      </p:cBhvr>
+                                    </p:animEffect>
+                                  </p:childTnLst>
+                                </p:cTn>
+                              </p:par>
+                            </p:childTnLst>
+                          </p:cTn>
+                        </p:par>
+                      </p:childTnLst>
+                    </p:cTn>
+                  </p:par>
+                  <p:par>
+                    <p:cTn id="48" fill="hold">
+                      <p:stCondLst>
+                        <p:cond delay="indefinite"/>
+                      </p:stCondLst>
+                      <p:childTnLst>
+                        <p:par>
+                          <p:cTn id="49" fill="hold">
+                            <p:stCondLst>
+                              <p:cond delay="0"/>
+                            </p:stCondLst>
+                            <p:childTnLst>
+                              <p:par>
+                                <p:cTn id="50" presetID="10" presetClass="entr" presetSubtype="0" fill="hold" nodeType="clickEffect">
+                                  <p:stCondLst>
+                                    <p:cond delay="0"/>
+                                  </p:stCondLst>
+                                  <p:childTnLst>
+                                    <p:set>
+                                      <p:cBhvr>
+                                        <p:cTn id="51" dur="1" fill="hold">
+                                          <p:stCondLst>
+                                            <p:cond delay="0"/>
+                                          </p:stCondLst>
+                                        </p:cTn>
+                                        <p:tgtEl>
+                                          <p:spTgt spid="1122"/>
+                                        </p:tgtEl>
+                                        <p:attrNameLst>
+                                          <p:attrName>style.visibility</p:attrName>
+                                        </p:attrNameLst>
+                                      </p:cBhvr>
+                                      <p:to>
+                                        <p:strVal val="visible"/>
+                                      </p:to>
+                                    </p:set>
+                                    <p:animEffect transition="in" filter="fade">
+                                      <p:cBhvr>
+                                        <p:cTn id="52" dur="500"/>
+                                        <p:tgtEl>
+                                          <p:spTgt spid="1122"/>
+                                        </p:tgtEl>
+                                      </p:cBhvr>
+                                    </p:animEffect>
+                                  </p:childTnLst>
+                                </p:cTn>
+                              </p:par>
+                            </p:childTnLst>
+                          </p:cTn>
+                        </p:par>
+                      </p:childTnLst>
+                    </p:cTn>
+                  </p:par>
+                </p:childTnLst>
+              </p:cTn>
+              <p:prevCondLst>
+                <p:cond evt="onPrev" delay="0">
+                  <p:tgtEl>
+                    <p:sldTgt/>
+                  </p:tgtEl>
+                </p:cond>
+              </p:prevCondLst>
+              <p:nextCondLst>
+                <p:cond evt="onNext" delay="0">
+                  <p:tgtEl>
+                    <p:sldTgt/>
+                  </p:tgtEl>
+                </p:cond>
+              </p:nextCondLst>
+            </p:seq>
+          </p:childTnLst>
+        </p:cTn>
+      </p:par>
+    </p:tnLst>
+  </p:timing>
+</p:sld>
+</file>
+
+<file path=ppt/slides/slide9.xml><?xml version="1.0" encoding="utf-8"?>
+<p:sld xmlns:a="http://schemas.openxmlformats.org/drawingml/2006/main" xmlns:r="http://schemas.openxmlformats.org/officeDocument/2006/relationships" xmlns:p="http://schemas.openxmlformats.org/presentationml/2006/main">
+  <p:cSld>
+    <p:spTree>
+      <p:nvGrpSpPr>
+        <p:cNvPr id="1" name=""/>
+        <p:cNvGrpSpPr/>
+        <p:nvPr/>
+      </p:nvGrpSpPr>
+      <p:grpSpPr>
+        <a:xfrm>
+          <a:off x="0" y="0"/>
+          <a:ext cx="0" cy="0"/>
+          <a:chOff x="0" y="0"/>
+          <a:chExt cx="0" cy="0"/>
+        </a:xfrm>
+      </p:grpSpPr>
+      <p:sp>
+        <p:nvSpPr>
+          <p:cNvPr id="2" name="Title 1">
+            <a:extLst>
+              <a:ext uri="{FF2B5EF4-FFF2-40B4-BE49-F238E27FC236}">
+                <a16:creationId xmlns:a16="http://schemas.microsoft.com/office/drawing/2014/main" id="{8C90F25E-105B-4B2B-BD84-2ADFD4931A17}"/>
+              </a:ext>
+            </a:extLst>
+          </p:cNvPr>
+          <p:cNvSpPr>
+            <a:spLocks noGrp="1"/>
+          </p:cNvSpPr>
+          <p:nvPr>
+            <p:ph type="title"/>
+          </p:nvPr>
+        </p:nvSpPr>
+        <p:spPr/>
+        <p:txBody>
+          <a:bodyPr/>
+          <a:lstStyle/>
+          <a:p>
+            <a:endParaRPr lang="en-US"/>
+          </a:p>
+        </p:txBody>
+      </p:sp>
+      <p:sp>
+        <p:nvSpPr>
+          <p:cNvPr id="3" name="Content Placeholder 2">
+            <a:extLst>
+              <a:ext uri="{FF2B5EF4-FFF2-40B4-BE49-F238E27FC236}">
+                <a16:creationId xmlns:a16="http://schemas.microsoft.com/office/drawing/2014/main" id="{C0D3F9E4-3FD4-4881-B69A-FEA573B4B7C6}"/>
+              </a:ext>
+            </a:extLst>
+          </p:cNvPr>
+          <p:cNvSpPr>
+            <a:spLocks noGrp="1"/>
+          </p:cNvSpPr>
+          <p:nvPr>
+            <p:ph idx="1"/>
+          </p:nvPr>
+        </p:nvSpPr>
+        <p:spPr/>
+        <p:txBody>
+          <a:bodyPr/>
+          <a:lstStyle/>
+          <a:p>
+            <a:endParaRPr lang="en-US"/>
+          </a:p>
+        </p:txBody>
+      </p:sp>
+    </p:spTree>
+    <p:extLst>
+      <p:ext uri="{BB962C8B-B14F-4D97-AF65-F5344CB8AC3E}">
+        <p14:creationId xmlns:p14="http://schemas.microsoft.com/office/powerpoint/2010/main" val="3152450437"/>
       </p:ext>
     </p:extLst>
   </p:cSld>

--- a/Capstone.pptx
+++ b/Capstone.pptx
@@ -13,7 +13,10 @@
     <p:sldId id="259" r:id="rId7"/>
     <p:sldId id="260" r:id="rId8"/>
     <p:sldId id="261" r:id="rId9"/>
-    <p:sldId id="262" r:id="rId10"/>
+    <p:sldId id="265" r:id="rId10"/>
+    <p:sldId id="267" r:id="rId11"/>
+    <p:sldId id="268" r:id="rId12"/>
+    <p:sldId id="269" r:id="rId13"/>
   </p:sldIdLst>
   <p:sldSz cx="12192000" cy="6858000"/>
   <p:notesSz cx="6858000" cy="9144000"/>
@@ -112,6 +115,11 @@
       </a:defRPr>
     </a:lvl9pPr>
   </p:defaultTextStyle>
+  <p:extLst>
+    <p:ext uri="{EFAFB233-063F-42B5-8137-9DF3F51BA10A}">
+      <p15:sldGuideLst xmlns:p15="http://schemas.microsoft.com/office/powerpoint/2012/main"/>
+    </p:ext>
+  </p:extLst>
 </p:presentation>
 </file>
 
@@ -3871,6 +3879,1133 @@
 </p:sld>
 </file>
 
+<file path=ppt/slides/slide10.xml><?xml version="1.0" encoding="utf-8"?>
+<p:sld xmlns:a="http://schemas.openxmlformats.org/drawingml/2006/main" xmlns:r="http://schemas.openxmlformats.org/officeDocument/2006/relationships" xmlns:p="http://schemas.openxmlformats.org/presentationml/2006/main">
+  <p:cSld>
+    <p:spTree>
+      <p:nvGrpSpPr>
+        <p:cNvPr id="1" name=""/>
+        <p:cNvGrpSpPr/>
+        <p:nvPr/>
+      </p:nvGrpSpPr>
+      <p:grpSpPr>
+        <a:xfrm>
+          <a:off x="0" y="0"/>
+          <a:ext cx="0" cy="0"/>
+          <a:chOff x="0" y="0"/>
+          <a:chExt cx="0" cy="0"/>
+        </a:xfrm>
+      </p:grpSpPr>
+      <p:sp>
+        <p:nvSpPr>
+          <p:cNvPr id="5" name="Rectangle 4">
+            <a:extLst>
+              <a:ext uri="{FF2B5EF4-FFF2-40B4-BE49-F238E27FC236}">
+                <a16:creationId xmlns:a16="http://schemas.microsoft.com/office/drawing/2014/main" id="{535917A4-46F9-4BC8-AB29-55BE86F9B9BA}"/>
+              </a:ext>
+            </a:extLst>
+          </p:cNvPr>
+          <p:cNvSpPr/>
+          <p:nvPr/>
+        </p:nvSpPr>
+        <p:spPr>
+          <a:xfrm>
+            <a:off x="854242" y="1660358"/>
+            <a:ext cx="10539663" cy="144379"/>
+          </a:xfrm>
+          <a:prstGeom prst="rect">
+            <a:avLst/>
+          </a:prstGeom>
+          <a:ln>
+            <a:solidFill>
+              <a:schemeClr val="bg1"/>
+            </a:solidFill>
+          </a:ln>
+        </p:spPr>
+        <p:style>
+          <a:lnRef idx="2">
+            <a:schemeClr val="dk1"/>
+          </a:lnRef>
+          <a:fillRef idx="1">
+            <a:schemeClr val="lt1"/>
+          </a:fillRef>
+          <a:effectRef idx="0">
+            <a:schemeClr val="dk1"/>
+          </a:effectRef>
+          <a:fontRef idx="minor">
+            <a:schemeClr val="dk1"/>
+          </a:fontRef>
+        </p:style>
+        <p:txBody>
+          <a:bodyPr rtlCol="0" anchor="ctr"/>
+          <a:lstStyle/>
+          <a:p>
+            <a:pPr algn="ctr"/>
+            <a:endParaRPr lang="en-US"/>
+          </a:p>
+        </p:txBody>
+      </p:sp>
+      <p:pic>
+        <p:nvPicPr>
+          <p:cNvPr id="6" name="Picture 2">
+            <a:extLst>
+              <a:ext uri="{FF2B5EF4-FFF2-40B4-BE49-F238E27FC236}">
+                <a16:creationId xmlns:a16="http://schemas.microsoft.com/office/drawing/2014/main" id="{D1D18C7C-5FF9-468A-A697-1E3F81D4B6CA}"/>
+              </a:ext>
+            </a:extLst>
+          </p:cNvPr>
+          <p:cNvPicPr>
+            <a:picLocks noChangeAspect="1" noChangeArrowheads="1"/>
+          </p:cNvPicPr>
+          <p:nvPr/>
+        </p:nvPicPr>
+        <p:blipFill>
+          <a:blip r:embed="rId2">
+            <a:extLst>
+              <a:ext uri="{28A0092B-C50C-407E-A947-70E740481C1C}">
+                <a14:useLocalDpi xmlns:a14="http://schemas.microsoft.com/office/drawing/2010/main" val="0"/>
+              </a:ext>
+            </a:extLst>
+          </a:blip>
+          <a:srcRect/>
+          <a:stretch>
+            <a:fillRect/>
+          </a:stretch>
+        </p:blipFill>
+        <p:spPr bwMode="auto">
+          <a:xfrm>
+            <a:off x="5683507" y="11634"/>
+            <a:ext cx="6478013" cy="6312883"/>
+          </a:xfrm>
+          <a:prstGeom prst="rect">
+            <a:avLst/>
+          </a:prstGeom>
+          <a:noFill/>
+          <a:extLst>
+            <a:ext uri="{909E8E84-426E-40DD-AFC4-6F175D3DCCD1}">
+              <a14:hiddenFill xmlns:a14="http://schemas.microsoft.com/office/drawing/2010/main">
+                <a:solidFill>
+                  <a:srgbClr val="FFFFFF"/>
+                </a:solidFill>
+              </a14:hiddenFill>
+            </a:ext>
+          </a:extLst>
+        </p:spPr>
+      </p:pic>
+      <p:sp>
+        <p:nvSpPr>
+          <p:cNvPr id="11" name="TextBox 10">
+            <a:extLst>
+              <a:ext uri="{FF2B5EF4-FFF2-40B4-BE49-F238E27FC236}">
+                <a16:creationId xmlns:a16="http://schemas.microsoft.com/office/drawing/2014/main" id="{A9E77218-916E-4850-A512-BF6B9FF38953}"/>
+              </a:ext>
+            </a:extLst>
+          </p:cNvPr>
+          <p:cNvSpPr txBox="1"/>
+          <p:nvPr/>
+        </p:nvSpPr>
+        <p:spPr>
+          <a:xfrm>
+            <a:off x="2724912" y="994910"/>
+            <a:ext cx="3589800" cy="369332"/>
+          </a:xfrm>
+          <a:prstGeom prst="rect">
+            <a:avLst/>
+          </a:prstGeom>
+          <a:noFill/>
+        </p:spPr>
+        <p:txBody>
+          <a:bodyPr wrap="square" rtlCol="0">
+            <a:spAutoFit/>
+          </a:bodyPr>
+          <a:lstStyle/>
+          <a:p>
+            <a:r>
+              <a:rPr lang="en-US" dirty="0"/>
+              <a:t>KNN Regressor: .224</a:t>
+            </a:r>
+          </a:p>
+        </p:txBody>
+      </p:sp>
+      <p:sp>
+        <p:nvSpPr>
+          <p:cNvPr id="12" name="Right Brace 11">
+            <a:extLst>
+              <a:ext uri="{FF2B5EF4-FFF2-40B4-BE49-F238E27FC236}">
+                <a16:creationId xmlns:a16="http://schemas.microsoft.com/office/drawing/2014/main" id="{A55029B7-C595-4917-B06B-B329F143CB71}"/>
+              </a:ext>
+            </a:extLst>
+          </p:cNvPr>
+          <p:cNvSpPr/>
+          <p:nvPr/>
+        </p:nvSpPr>
+        <p:spPr>
+          <a:xfrm flipH="1">
+            <a:off x="4745736" y="201168"/>
+            <a:ext cx="474255" cy="1956816"/>
+          </a:xfrm>
+          <a:prstGeom prst="rightBrace">
+            <a:avLst>
+              <a:gd name="adj1" fmla="val 64247"/>
+              <a:gd name="adj2" fmla="val 50000"/>
+            </a:avLst>
+          </a:prstGeom>
+        </p:spPr>
+        <p:style>
+          <a:lnRef idx="1">
+            <a:schemeClr val="accent1"/>
+          </a:lnRef>
+          <a:fillRef idx="0">
+            <a:schemeClr val="accent1"/>
+          </a:fillRef>
+          <a:effectRef idx="0">
+            <a:schemeClr val="accent1"/>
+          </a:effectRef>
+          <a:fontRef idx="minor">
+            <a:schemeClr val="tx1"/>
+          </a:fontRef>
+        </p:style>
+        <p:txBody>
+          <a:bodyPr rtlCol="0" anchor="ctr"/>
+          <a:lstStyle/>
+          <a:p>
+            <a:pPr algn="ctr"/>
+            <a:endParaRPr lang="en-US"/>
+          </a:p>
+        </p:txBody>
+      </p:sp>
+      <p:sp>
+        <p:nvSpPr>
+          <p:cNvPr id="13" name="TextBox 12">
+            <a:extLst>
+              <a:ext uri="{FF2B5EF4-FFF2-40B4-BE49-F238E27FC236}">
+                <a16:creationId xmlns:a16="http://schemas.microsoft.com/office/drawing/2014/main" id="{9B59F85D-A30A-4153-B02E-8847655EE85A}"/>
+              </a:ext>
+            </a:extLst>
+          </p:cNvPr>
+          <p:cNvSpPr txBox="1"/>
+          <p:nvPr/>
+        </p:nvSpPr>
+        <p:spPr>
+          <a:xfrm>
+            <a:off x="1633728" y="2912102"/>
+            <a:ext cx="3589800" cy="369332"/>
+          </a:xfrm>
+          <a:prstGeom prst="rect">
+            <a:avLst/>
+          </a:prstGeom>
+          <a:noFill/>
+        </p:spPr>
+        <p:txBody>
+          <a:bodyPr wrap="square" rtlCol="0">
+            <a:spAutoFit/>
+          </a:bodyPr>
+          <a:lstStyle/>
+          <a:p>
+            <a:r>
+              <a:rPr lang="en-US" dirty="0"/>
+              <a:t>Random Forest Regressor:  .248</a:t>
+            </a:r>
+          </a:p>
+        </p:txBody>
+      </p:sp>
+      <p:sp>
+        <p:nvSpPr>
+          <p:cNvPr id="14" name="Right Brace 13">
+            <a:extLst>
+              <a:ext uri="{FF2B5EF4-FFF2-40B4-BE49-F238E27FC236}">
+                <a16:creationId xmlns:a16="http://schemas.microsoft.com/office/drawing/2014/main" id="{8AB4D816-30A6-4BB8-84BA-B94C18360D4C}"/>
+              </a:ext>
+            </a:extLst>
+          </p:cNvPr>
+          <p:cNvSpPr/>
+          <p:nvPr/>
+        </p:nvSpPr>
+        <p:spPr>
+          <a:xfrm flipH="1">
+            <a:off x="4715256" y="2145792"/>
+            <a:ext cx="474255" cy="1956816"/>
+          </a:xfrm>
+          <a:prstGeom prst="rightBrace">
+            <a:avLst>
+              <a:gd name="adj1" fmla="val 64247"/>
+              <a:gd name="adj2" fmla="val 50000"/>
+            </a:avLst>
+          </a:prstGeom>
+        </p:spPr>
+        <p:style>
+          <a:lnRef idx="1">
+            <a:schemeClr val="accent1"/>
+          </a:lnRef>
+          <a:fillRef idx="0">
+            <a:schemeClr val="accent1"/>
+          </a:fillRef>
+          <a:effectRef idx="0">
+            <a:schemeClr val="accent1"/>
+          </a:effectRef>
+          <a:fontRef idx="minor">
+            <a:schemeClr val="tx1"/>
+          </a:fontRef>
+        </p:style>
+        <p:txBody>
+          <a:bodyPr rtlCol="0" anchor="ctr"/>
+          <a:lstStyle/>
+          <a:p>
+            <a:pPr algn="ctr"/>
+            <a:endParaRPr lang="en-US"/>
+          </a:p>
+        </p:txBody>
+      </p:sp>
+      <p:sp>
+        <p:nvSpPr>
+          <p:cNvPr id="15" name="TextBox 14">
+            <a:extLst>
+              <a:ext uri="{FF2B5EF4-FFF2-40B4-BE49-F238E27FC236}">
+                <a16:creationId xmlns:a16="http://schemas.microsoft.com/office/drawing/2014/main" id="{DA2AB6DA-F839-4959-8F54-D44422EA2478}"/>
+              </a:ext>
+            </a:extLst>
+          </p:cNvPr>
+          <p:cNvSpPr txBox="1"/>
+          <p:nvPr/>
+        </p:nvSpPr>
+        <p:spPr>
+          <a:xfrm>
+            <a:off x="1420368" y="4911590"/>
+            <a:ext cx="3589800" cy="369332"/>
+          </a:xfrm>
+          <a:prstGeom prst="rect">
+            <a:avLst/>
+          </a:prstGeom>
+          <a:noFill/>
+        </p:spPr>
+        <p:txBody>
+          <a:bodyPr wrap="square" rtlCol="0">
+            <a:spAutoFit/>
+          </a:bodyPr>
+          <a:lstStyle/>
+          <a:p>
+            <a:r>
+              <a:rPr lang="en-US" dirty="0"/>
+              <a:t>Gradient Boosted Regressor:  .247</a:t>
+            </a:r>
+          </a:p>
+        </p:txBody>
+      </p:sp>
+      <p:sp>
+        <p:nvSpPr>
+          <p:cNvPr id="16" name="Right Brace 15">
+            <a:extLst>
+              <a:ext uri="{FF2B5EF4-FFF2-40B4-BE49-F238E27FC236}">
+                <a16:creationId xmlns:a16="http://schemas.microsoft.com/office/drawing/2014/main" id="{D4B7A8C8-CC19-47C8-8E11-03677231B1A9}"/>
+              </a:ext>
+            </a:extLst>
+          </p:cNvPr>
+          <p:cNvSpPr/>
+          <p:nvPr/>
+        </p:nvSpPr>
+        <p:spPr>
+          <a:xfrm flipH="1">
+            <a:off x="4721352" y="4117848"/>
+            <a:ext cx="474255" cy="1956816"/>
+          </a:xfrm>
+          <a:prstGeom prst="rightBrace">
+            <a:avLst>
+              <a:gd name="adj1" fmla="val 64247"/>
+              <a:gd name="adj2" fmla="val 50000"/>
+            </a:avLst>
+          </a:prstGeom>
+        </p:spPr>
+        <p:style>
+          <a:lnRef idx="1">
+            <a:schemeClr val="accent1"/>
+          </a:lnRef>
+          <a:fillRef idx="0">
+            <a:schemeClr val="accent1"/>
+          </a:fillRef>
+          <a:effectRef idx="0">
+            <a:schemeClr val="accent1"/>
+          </a:effectRef>
+          <a:fontRef idx="minor">
+            <a:schemeClr val="tx1"/>
+          </a:fontRef>
+        </p:style>
+        <p:txBody>
+          <a:bodyPr rtlCol="0" anchor="ctr"/>
+          <a:lstStyle/>
+          <a:p>
+            <a:pPr algn="ctr"/>
+            <a:endParaRPr lang="en-US"/>
+          </a:p>
+        </p:txBody>
+      </p:sp>
+    </p:spTree>
+    <p:extLst>
+      <p:ext uri="{BB962C8B-B14F-4D97-AF65-F5344CB8AC3E}">
+        <p14:creationId xmlns:p14="http://schemas.microsoft.com/office/powerpoint/2010/main" val="1045401895"/>
+      </p:ext>
+    </p:extLst>
+  </p:cSld>
+  <p:clrMapOvr>
+    <a:masterClrMapping/>
+  </p:clrMapOvr>
+</p:sld>
+</file>
+
+<file path=ppt/slides/slide11.xml><?xml version="1.0" encoding="utf-8"?>
+<p:sld xmlns:a="http://schemas.openxmlformats.org/drawingml/2006/main" xmlns:r="http://schemas.openxmlformats.org/officeDocument/2006/relationships" xmlns:p="http://schemas.openxmlformats.org/presentationml/2006/main">
+  <p:cSld>
+    <p:spTree>
+      <p:nvGrpSpPr>
+        <p:cNvPr id="1" name=""/>
+        <p:cNvGrpSpPr/>
+        <p:nvPr/>
+      </p:nvGrpSpPr>
+      <p:grpSpPr>
+        <a:xfrm>
+          <a:off x="0" y="0"/>
+          <a:ext cx="0" cy="0"/>
+          <a:chOff x="0" y="0"/>
+          <a:chExt cx="0" cy="0"/>
+        </a:xfrm>
+      </p:grpSpPr>
+      <p:sp>
+        <p:nvSpPr>
+          <p:cNvPr id="2" name="Title 1">
+            <a:extLst>
+              <a:ext uri="{FF2B5EF4-FFF2-40B4-BE49-F238E27FC236}">
+                <a16:creationId xmlns:a16="http://schemas.microsoft.com/office/drawing/2014/main" id="{CCCB2C92-5D09-465F-97FD-B37C0150DB1F}"/>
+              </a:ext>
+            </a:extLst>
+          </p:cNvPr>
+          <p:cNvSpPr>
+            <a:spLocks noGrp="1"/>
+          </p:cNvSpPr>
+          <p:nvPr>
+            <p:ph type="title"/>
+          </p:nvPr>
+        </p:nvSpPr>
+        <p:spPr>
+          <a:xfrm>
+            <a:off x="974616" y="113173"/>
+            <a:ext cx="10058400" cy="543576"/>
+          </a:xfrm>
+        </p:spPr>
+        <p:txBody>
+          <a:bodyPr>
+            <a:noAutofit/>
+          </a:bodyPr>
+          <a:lstStyle/>
+          <a:p>
+            <a:r>
+              <a:rPr lang="en-US" sz="3200" dirty="0"/>
+              <a:t>Baseline: Linear Regression with 1 skewed feature</a:t>
+            </a:r>
+          </a:p>
+        </p:txBody>
+      </p:sp>
+      <p:sp>
+        <p:nvSpPr>
+          <p:cNvPr id="5" name="Rectangle 4">
+            <a:extLst>
+              <a:ext uri="{FF2B5EF4-FFF2-40B4-BE49-F238E27FC236}">
+                <a16:creationId xmlns:a16="http://schemas.microsoft.com/office/drawing/2014/main" id="{535917A4-46F9-4BC8-AB29-55BE86F9B9BA}"/>
+              </a:ext>
+            </a:extLst>
+          </p:cNvPr>
+          <p:cNvSpPr/>
+          <p:nvPr/>
+        </p:nvSpPr>
+        <p:spPr>
+          <a:xfrm>
+            <a:off x="854242" y="1660358"/>
+            <a:ext cx="10539663" cy="144379"/>
+          </a:xfrm>
+          <a:prstGeom prst="rect">
+            <a:avLst/>
+          </a:prstGeom>
+          <a:ln>
+            <a:solidFill>
+              <a:schemeClr val="bg1"/>
+            </a:solidFill>
+          </a:ln>
+        </p:spPr>
+        <p:style>
+          <a:lnRef idx="2">
+            <a:schemeClr val="dk1"/>
+          </a:lnRef>
+          <a:fillRef idx="1">
+            <a:schemeClr val="lt1"/>
+          </a:fillRef>
+          <a:effectRef idx="0">
+            <a:schemeClr val="dk1"/>
+          </a:effectRef>
+          <a:fontRef idx="minor">
+            <a:schemeClr val="dk1"/>
+          </a:fontRef>
+        </p:style>
+        <p:txBody>
+          <a:bodyPr rtlCol="0" anchor="ctr"/>
+          <a:lstStyle/>
+          <a:p>
+            <a:pPr algn="ctr"/>
+            <a:endParaRPr lang="en-US"/>
+          </a:p>
+        </p:txBody>
+      </p:sp>
+      <p:sp>
+        <p:nvSpPr>
+          <p:cNvPr id="7" name="Rectangle 6">
+            <a:extLst>
+              <a:ext uri="{FF2B5EF4-FFF2-40B4-BE49-F238E27FC236}">
+                <a16:creationId xmlns:a16="http://schemas.microsoft.com/office/drawing/2014/main" id="{EFB04EA7-CA97-4F34-81FF-97951324713F}"/>
+              </a:ext>
+            </a:extLst>
+          </p:cNvPr>
+          <p:cNvSpPr/>
+          <p:nvPr/>
+        </p:nvSpPr>
+        <p:spPr>
+          <a:xfrm>
+            <a:off x="-1" y="2307867"/>
+            <a:ext cx="12205411" cy="471831"/>
+          </a:xfrm>
+          <a:prstGeom prst="rect">
+            <a:avLst/>
+          </a:prstGeom>
+        </p:spPr>
+        <p:style>
+          <a:lnRef idx="2">
+            <a:schemeClr val="dk1">
+              <a:shade val="50000"/>
+            </a:schemeClr>
+          </a:lnRef>
+          <a:fillRef idx="1">
+            <a:schemeClr val="dk1"/>
+          </a:fillRef>
+          <a:effectRef idx="0">
+            <a:schemeClr val="dk1"/>
+          </a:effectRef>
+          <a:fontRef idx="minor">
+            <a:schemeClr val="lt1"/>
+          </a:fontRef>
+        </p:style>
+        <p:txBody>
+          <a:bodyPr rtlCol="0" anchor="ctr"/>
+          <a:lstStyle/>
+          <a:p>
+            <a:pPr algn="ctr"/>
+            <a:r>
+              <a:rPr lang="en-US" dirty="0" err="1"/>
+              <a:t>SciKitLearn</a:t>
+            </a:r>
+            <a:r>
+              <a:rPr lang="en-US" dirty="0"/>
+              <a:t> and </a:t>
+            </a:r>
+            <a:r>
+              <a:rPr lang="en-US" dirty="0" err="1"/>
+              <a:t>statsmodels</a:t>
+            </a:r>
+            <a:r>
+              <a:rPr lang="en-US" dirty="0"/>
+              <a:t> R-squared scores: </a:t>
+            </a:r>
+            <a:r>
+              <a:rPr lang="en-US" b="1" dirty="0"/>
+              <a:t>.236   |   Screen time increases 52.7 minutes for each incremental pic taken</a:t>
+            </a:r>
+          </a:p>
+        </p:txBody>
+      </p:sp>
+      <p:pic>
+        <p:nvPicPr>
+          <p:cNvPr id="13" name="Picture 12">
+            <a:extLst>
+              <a:ext uri="{FF2B5EF4-FFF2-40B4-BE49-F238E27FC236}">
+                <a16:creationId xmlns:a16="http://schemas.microsoft.com/office/drawing/2014/main" id="{D718669C-DADB-4AAE-A854-BD888B7F3D7F}"/>
+              </a:ext>
+            </a:extLst>
+          </p:cNvPr>
+          <p:cNvPicPr>
+            <a:picLocks noChangeAspect="1"/>
+          </p:cNvPicPr>
+          <p:nvPr/>
+        </p:nvPicPr>
+        <p:blipFill rotWithShape="1">
+          <a:blip r:embed="rId2"/>
+          <a:srcRect l="68000" t="51279"/>
+          <a:stretch/>
+        </p:blipFill>
+        <p:spPr>
+          <a:xfrm>
+            <a:off x="7266439" y="766818"/>
+            <a:ext cx="1539714" cy="1524831"/>
+          </a:xfrm>
+          <a:prstGeom prst="rect">
+            <a:avLst/>
+          </a:prstGeom>
+        </p:spPr>
+      </p:pic>
+      <p:sp>
+        <p:nvSpPr>
+          <p:cNvPr id="9" name="Arrow: Right 8">
+            <a:extLst>
+              <a:ext uri="{FF2B5EF4-FFF2-40B4-BE49-F238E27FC236}">
+                <a16:creationId xmlns:a16="http://schemas.microsoft.com/office/drawing/2014/main" id="{4018E18D-2C2D-440F-9BFA-2B0C40C11E26}"/>
+              </a:ext>
+            </a:extLst>
+          </p:cNvPr>
+          <p:cNvSpPr/>
+          <p:nvPr/>
+        </p:nvSpPr>
+        <p:spPr>
+          <a:xfrm>
+            <a:off x="5361439" y="1588168"/>
+            <a:ext cx="1901952" cy="647509"/>
+          </a:xfrm>
+          <a:prstGeom prst="rightArrow">
+            <a:avLst/>
+          </a:prstGeom>
+        </p:spPr>
+        <p:style>
+          <a:lnRef idx="2">
+            <a:schemeClr val="accent1">
+              <a:shade val="50000"/>
+            </a:schemeClr>
+          </a:lnRef>
+          <a:fillRef idx="1">
+            <a:schemeClr val="accent1"/>
+          </a:fillRef>
+          <a:effectRef idx="0">
+            <a:schemeClr val="accent1"/>
+          </a:effectRef>
+          <a:fontRef idx="minor">
+            <a:schemeClr val="lt1"/>
+          </a:fontRef>
+        </p:style>
+        <p:txBody>
+          <a:bodyPr rtlCol="0" anchor="ctr"/>
+          <a:lstStyle/>
+          <a:p>
+            <a:pPr algn="ctr"/>
+            <a:r>
+              <a:rPr lang="en-US" dirty="0"/>
+              <a:t>Target Variable</a:t>
+            </a:r>
+          </a:p>
+        </p:txBody>
+      </p:sp>
+      <p:sp>
+        <p:nvSpPr>
+          <p:cNvPr id="15" name="Arrow: Right 14">
+            <a:extLst>
+              <a:ext uri="{FF2B5EF4-FFF2-40B4-BE49-F238E27FC236}">
+                <a16:creationId xmlns:a16="http://schemas.microsoft.com/office/drawing/2014/main" id="{F1D8D3B1-85FA-47E6-9D52-9622BFF292EA}"/>
+              </a:ext>
+            </a:extLst>
+          </p:cNvPr>
+          <p:cNvSpPr/>
+          <p:nvPr/>
+        </p:nvSpPr>
+        <p:spPr>
+          <a:xfrm flipH="1">
+            <a:off x="4525530" y="761284"/>
+            <a:ext cx="1901952" cy="647509"/>
+          </a:xfrm>
+          <a:prstGeom prst="rightArrow">
+            <a:avLst/>
+          </a:prstGeom>
+        </p:spPr>
+        <p:style>
+          <a:lnRef idx="2">
+            <a:schemeClr val="accent1">
+              <a:shade val="50000"/>
+            </a:schemeClr>
+          </a:lnRef>
+          <a:fillRef idx="1">
+            <a:schemeClr val="accent1"/>
+          </a:fillRef>
+          <a:effectRef idx="0">
+            <a:schemeClr val="accent1"/>
+          </a:effectRef>
+          <a:fontRef idx="minor">
+            <a:schemeClr val="lt1"/>
+          </a:fontRef>
+        </p:style>
+        <p:txBody>
+          <a:bodyPr rtlCol="0" anchor="ctr"/>
+          <a:lstStyle/>
+          <a:p>
+            <a:pPr algn="ctr"/>
+            <a:r>
+              <a:rPr lang="en-US" dirty="0"/>
+              <a:t>Feature</a:t>
+            </a:r>
+          </a:p>
+        </p:txBody>
+      </p:sp>
+      <p:pic>
+        <p:nvPicPr>
+          <p:cNvPr id="4" name="Picture 3">
+            <a:extLst>
+              <a:ext uri="{FF2B5EF4-FFF2-40B4-BE49-F238E27FC236}">
+                <a16:creationId xmlns:a16="http://schemas.microsoft.com/office/drawing/2014/main" id="{0C97C100-341A-4C3B-A222-D068D2AC0A74}"/>
+              </a:ext>
+            </a:extLst>
+          </p:cNvPr>
+          <p:cNvPicPr>
+            <a:picLocks noChangeAspect="1"/>
+          </p:cNvPicPr>
+          <p:nvPr/>
+        </p:nvPicPr>
+        <p:blipFill>
+          <a:blip r:embed="rId3"/>
+          <a:stretch>
+            <a:fillRect/>
+          </a:stretch>
+        </p:blipFill>
+        <p:spPr>
+          <a:xfrm>
+            <a:off x="2773687" y="737676"/>
+            <a:ext cx="1563868" cy="1511635"/>
+          </a:xfrm>
+          <a:prstGeom prst="rect">
+            <a:avLst/>
+          </a:prstGeom>
+        </p:spPr>
+      </p:pic>
+      <p:pic>
+        <p:nvPicPr>
+          <p:cNvPr id="5124" name="Picture 4">
+            <a:extLst>
+              <a:ext uri="{FF2B5EF4-FFF2-40B4-BE49-F238E27FC236}">
+                <a16:creationId xmlns:a16="http://schemas.microsoft.com/office/drawing/2014/main" id="{6CABF4A9-8E9E-4D67-9105-8639FDED5324}"/>
+              </a:ext>
+            </a:extLst>
+          </p:cNvPr>
+          <p:cNvPicPr>
+            <a:picLocks noChangeAspect="1" noChangeArrowheads="1"/>
+          </p:cNvPicPr>
+          <p:nvPr/>
+        </p:nvPicPr>
+        <p:blipFill>
+          <a:blip r:embed="rId4">
+            <a:extLst>
+              <a:ext uri="{28A0092B-C50C-407E-A947-70E740481C1C}">
+                <a14:useLocalDpi xmlns:a14="http://schemas.microsoft.com/office/drawing/2010/main" val="0"/>
+              </a:ext>
+            </a:extLst>
+          </a:blip>
+          <a:srcRect/>
+          <a:stretch>
+            <a:fillRect/>
+          </a:stretch>
+        </p:blipFill>
+        <p:spPr bwMode="auto">
+          <a:xfrm>
+            <a:off x="1199881" y="2884978"/>
+            <a:ext cx="9607868" cy="3489008"/>
+          </a:xfrm>
+          <a:prstGeom prst="rect">
+            <a:avLst/>
+          </a:prstGeom>
+          <a:noFill/>
+          <a:extLst>
+            <a:ext uri="{909E8E84-426E-40DD-AFC4-6F175D3DCCD1}">
+              <a14:hiddenFill xmlns:a14="http://schemas.microsoft.com/office/drawing/2010/main">
+                <a:solidFill>
+                  <a:srgbClr val="FFFFFF"/>
+                </a:solidFill>
+              </a14:hiddenFill>
+            </a:ext>
+          </a:extLst>
+        </p:spPr>
+      </p:pic>
+    </p:spTree>
+    <p:extLst>
+      <p:ext uri="{BB962C8B-B14F-4D97-AF65-F5344CB8AC3E}">
+        <p14:creationId xmlns:p14="http://schemas.microsoft.com/office/powerpoint/2010/main" val="4256199920"/>
+      </p:ext>
+    </p:extLst>
+  </p:cSld>
+  <p:clrMapOvr>
+    <a:masterClrMapping/>
+  </p:clrMapOvr>
+</p:sld>
+</file>
+
+<file path=ppt/slides/slide12.xml><?xml version="1.0" encoding="utf-8"?>
+<p:sld xmlns:a="http://schemas.openxmlformats.org/drawingml/2006/main" xmlns:r="http://schemas.openxmlformats.org/officeDocument/2006/relationships" xmlns:p="http://schemas.openxmlformats.org/presentationml/2006/main">
+  <p:cSld>
+    <p:spTree>
+      <p:nvGrpSpPr>
+        <p:cNvPr id="1" name=""/>
+        <p:cNvGrpSpPr/>
+        <p:nvPr/>
+      </p:nvGrpSpPr>
+      <p:grpSpPr>
+        <a:xfrm>
+          <a:off x="0" y="0"/>
+          <a:ext cx="0" cy="0"/>
+          <a:chOff x="0" y="0"/>
+          <a:chExt cx="0" cy="0"/>
+        </a:xfrm>
+      </p:grpSpPr>
+      <p:sp>
+        <p:nvSpPr>
+          <p:cNvPr id="5" name="Rectangle 4">
+            <a:extLst>
+              <a:ext uri="{FF2B5EF4-FFF2-40B4-BE49-F238E27FC236}">
+                <a16:creationId xmlns:a16="http://schemas.microsoft.com/office/drawing/2014/main" id="{535917A4-46F9-4BC8-AB29-55BE86F9B9BA}"/>
+              </a:ext>
+            </a:extLst>
+          </p:cNvPr>
+          <p:cNvSpPr/>
+          <p:nvPr/>
+        </p:nvSpPr>
+        <p:spPr>
+          <a:xfrm>
+            <a:off x="854242" y="1660358"/>
+            <a:ext cx="10539663" cy="144379"/>
+          </a:xfrm>
+          <a:prstGeom prst="rect">
+            <a:avLst/>
+          </a:prstGeom>
+          <a:ln>
+            <a:solidFill>
+              <a:schemeClr val="bg1"/>
+            </a:solidFill>
+          </a:ln>
+        </p:spPr>
+        <p:style>
+          <a:lnRef idx="2">
+            <a:schemeClr val="dk1"/>
+          </a:lnRef>
+          <a:fillRef idx="1">
+            <a:schemeClr val="lt1"/>
+          </a:fillRef>
+          <a:effectRef idx="0">
+            <a:schemeClr val="dk1"/>
+          </a:effectRef>
+          <a:fontRef idx="minor">
+            <a:schemeClr val="dk1"/>
+          </a:fontRef>
+        </p:style>
+        <p:txBody>
+          <a:bodyPr rtlCol="0" anchor="ctr"/>
+          <a:lstStyle/>
+          <a:p>
+            <a:pPr algn="ctr"/>
+            <a:endParaRPr lang="en-US"/>
+          </a:p>
+        </p:txBody>
+      </p:sp>
+      <p:sp>
+        <p:nvSpPr>
+          <p:cNvPr id="11" name="TextBox 10">
+            <a:extLst>
+              <a:ext uri="{FF2B5EF4-FFF2-40B4-BE49-F238E27FC236}">
+                <a16:creationId xmlns:a16="http://schemas.microsoft.com/office/drawing/2014/main" id="{A9E77218-916E-4850-A512-BF6B9FF38953}"/>
+              </a:ext>
+            </a:extLst>
+          </p:cNvPr>
+          <p:cNvSpPr txBox="1"/>
+          <p:nvPr/>
+        </p:nvSpPr>
+        <p:spPr>
+          <a:xfrm>
+            <a:off x="2724912" y="994910"/>
+            <a:ext cx="3589800" cy="369332"/>
+          </a:xfrm>
+          <a:prstGeom prst="rect">
+            <a:avLst/>
+          </a:prstGeom>
+          <a:noFill/>
+        </p:spPr>
+        <p:txBody>
+          <a:bodyPr wrap="square" rtlCol="0">
+            <a:spAutoFit/>
+          </a:bodyPr>
+          <a:lstStyle/>
+          <a:p>
+            <a:r>
+              <a:rPr lang="en-US" dirty="0"/>
+              <a:t>KNN Regressor: .234</a:t>
+            </a:r>
+          </a:p>
+        </p:txBody>
+      </p:sp>
+      <p:sp>
+        <p:nvSpPr>
+          <p:cNvPr id="12" name="Right Brace 11">
+            <a:extLst>
+              <a:ext uri="{FF2B5EF4-FFF2-40B4-BE49-F238E27FC236}">
+                <a16:creationId xmlns:a16="http://schemas.microsoft.com/office/drawing/2014/main" id="{A55029B7-C595-4917-B06B-B329F143CB71}"/>
+              </a:ext>
+            </a:extLst>
+          </p:cNvPr>
+          <p:cNvSpPr/>
+          <p:nvPr/>
+        </p:nvSpPr>
+        <p:spPr>
+          <a:xfrm flipH="1">
+            <a:off x="4745736" y="201168"/>
+            <a:ext cx="474255" cy="1956816"/>
+          </a:xfrm>
+          <a:prstGeom prst="rightBrace">
+            <a:avLst>
+              <a:gd name="adj1" fmla="val 64247"/>
+              <a:gd name="adj2" fmla="val 50000"/>
+            </a:avLst>
+          </a:prstGeom>
+        </p:spPr>
+        <p:style>
+          <a:lnRef idx="1">
+            <a:schemeClr val="accent1"/>
+          </a:lnRef>
+          <a:fillRef idx="0">
+            <a:schemeClr val="accent1"/>
+          </a:fillRef>
+          <a:effectRef idx="0">
+            <a:schemeClr val="accent1"/>
+          </a:effectRef>
+          <a:fontRef idx="minor">
+            <a:schemeClr val="tx1"/>
+          </a:fontRef>
+        </p:style>
+        <p:txBody>
+          <a:bodyPr rtlCol="0" anchor="ctr"/>
+          <a:lstStyle/>
+          <a:p>
+            <a:pPr algn="ctr"/>
+            <a:endParaRPr lang="en-US"/>
+          </a:p>
+        </p:txBody>
+      </p:sp>
+      <p:sp>
+        <p:nvSpPr>
+          <p:cNvPr id="13" name="TextBox 12">
+            <a:extLst>
+              <a:ext uri="{FF2B5EF4-FFF2-40B4-BE49-F238E27FC236}">
+                <a16:creationId xmlns:a16="http://schemas.microsoft.com/office/drawing/2014/main" id="{9B59F85D-A30A-4153-B02E-8847655EE85A}"/>
+              </a:ext>
+            </a:extLst>
+          </p:cNvPr>
+          <p:cNvSpPr txBox="1"/>
+          <p:nvPr/>
+        </p:nvSpPr>
+        <p:spPr>
+          <a:xfrm>
+            <a:off x="1633728" y="2912102"/>
+            <a:ext cx="3589800" cy="369332"/>
+          </a:xfrm>
+          <a:prstGeom prst="rect">
+            <a:avLst/>
+          </a:prstGeom>
+          <a:noFill/>
+        </p:spPr>
+        <p:txBody>
+          <a:bodyPr wrap="square" rtlCol="0">
+            <a:spAutoFit/>
+          </a:bodyPr>
+          <a:lstStyle/>
+          <a:p>
+            <a:r>
+              <a:rPr lang="en-US" dirty="0"/>
+              <a:t>Random Forest Regressor:  .254</a:t>
+            </a:r>
+          </a:p>
+        </p:txBody>
+      </p:sp>
+      <p:sp>
+        <p:nvSpPr>
+          <p:cNvPr id="14" name="Right Brace 13">
+            <a:extLst>
+              <a:ext uri="{FF2B5EF4-FFF2-40B4-BE49-F238E27FC236}">
+                <a16:creationId xmlns:a16="http://schemas.microsoft.com/office/drawing/2014/main" id="{8AB4D816-30A6-4BB8-84BA-B94C18360D4C}"/>
+              </a:ext>
+            </a:extLst>
+          </p:cNvPr>
+          <p:cNvSpPr/>
+          <p:nvPr/>
+        </p:nvSpPr>
+        <p:spPr>
+          <a:xfrm flipH="1">
+            <a:off x="4715256" y="2145792"/>
+            <a:ext cx="474255" cy="1956816"/>
+          </a:xfrm>
+          <a:prstGeom prst="rightBrace">
+            <a:avLst>
+              <a:gd name="adj1" fmla="val 64247"/>
+              <a:gd name="adj2" fmla="val 50000"/>
+            </a:avLst>
+          </a:prstGeom>
+        </p:spPr>
+        <p:style>
+          <a:lnRef idx="1">
+            <a:schemeClr val="accent1"/>
+          </a:lnRef>
+          <a:fillRef idx="0">
+            <a:schemeClr val="accent1"/>
+          </a:fillRef>
+          <a:effectRef idx="0">
+            <a:schemeClr val="accent1"/>
+          </a:effectRef>
+          <a:fontRef idx="minor">
+            <a:schemeClr val="tx1"/>
+          </a:fontRef>
+        </p:style>
+        <p:txBody>
+          <a:bodyPr rtlCol="0" anchor="ctr"/>
+          <a:lstStyle/>
+          <a:p>
+            <a:pPr algn="ctr"/>
+            <a:endParaRPr lang="en-US"/>
+          </a:p>
+        </p:txBody>
+      </p:sp>
+      <p:sp>
+        <p:nvSpPr>
+          <p:cNvPr id="15" name="TextBox 14">
+            <a:extLst>
+              <a:ext uri="{FF2B5EF4-FFF2-40B4-BE49-F238E27FC236}">
+                <a16:creationId xmlns:a16="http://schemas.microsoft.com/office/drawing/2014/main" id="{DA2AB6DA-F839-4959-8F54-D44422EA2478}"/>
+              </a:ext>
+            </a:extLst>
+          </p:cNvPr>
+          <p:cNvSpPr txBox="1"/>
+          <p:nvPr/>
+        </p:nvSpPr>
+        <p:spPr>
+          <a:xfrm>
+            <a:off x="1420368" y="4911590"/>
+            <a:ext cx="3589800" cy="369332"/>
+          </a:xfrm>
+          <a:prstGeom prst="rect">
+            <a:avLst/>
+          </a:prstGeom>
+          <a:noFill/>
+        </p:spPr>
+        <p:txBody>
+          <a:bodyPr wrap="square" rtlCol="0">
+            <a:spAutoFit/>
+          </a:bodyPr>
+          <a:lstStyle/>
+          <a:p>
+            <a:r>
+              <a:rPr lang="en-US" dirty="0"/>
+              <a:t>Gradient Boosted Regressor:  .253</a:t>
+            </a:r>
+          </a:p>
+        </p:txBody>
+      </p:sp>
+      <p:sp>
+        <p:nvSpPr>
+          <p:cNvPr id="16" name="Right Brace 15">
+            <a:extLst>
+              <a:ext uri="{FF2B5EF4-FFF2-40B4-BE49-F238E27FC236}">
+                <a16:creationId xmlns:a16="http://schemas.microsoft.com/office/drawing/2014/main" id="{D4B7A8C8-CC19-47C8-8E11-03677231B1A9}"/>
+              </a:ext>
+            </a:extLst>
+          </p:cNvPr>
+          <p:cNvSpPr/>
+          <p:nvPr/>
+        </p:nvSpPr>
+        <p:spPr>
+          <a:xfrm flipH="1">
+            <a:off x="4721352" y="4117848"/>
+            <a:ext cx="474255" cy="1956816"/>
+          </a:xfrm>
+          <a:prstGeom prst="rightBrace">
+            <a:avLst>
+              <a:gd name="adj1" fmla="val 64247"/>
+              <a:gd name="adj2" fmla="val 50000"/>
+            </a:avLst>
+          </a:prstGeom>
+        </p:spPr>
+        <p:style>
+          <a:lnRef idx="1">
+            <a:schemeClr val="accent1"/>
+          </a:lnRef>
+          <a:fillRef idx="0">
+            <a:schemeClr val="accent1"/>
+          </a:fillRef>
+          <a:effectRef idx="0">
+            <a:schemeClr val="accent1"/>
+          </a:effectRef>
+          <a:fontRef idx="minor">
+            <a:schemeClr val="tx1"/>
+          </a:fontRef>
+        </p:style>
+        <p:txBody>
+          <a:bodyPr rtlCol="0" anchor="ctr"/>
+          <a:lstStyle/>
+          <a:p>
+            <a:pPr algn="ctr"/>
+            <a:endParaRPr lang="en-US"/>
+          </a:p>
+        </p:txBody>
+      </p:sp>
+      <p:pic>
+        <p:nvPicPr>
+          <p:cNvPr id="6148" name="Picture 4">
+            <a:extLst>
+              <a:ext uri="{FF2B5EF4-FFF2-40B4-BE49-F238E27FC236}">
+                <a16:creationId xmlns:a16="http://schemas.microsoft.com/office/drawing/2014/main" id="{E18246F7-9F39-46AC-A5A6-12F4EA25D849}"/>
+              </a:ext>
+            </a:extLst>
+          </p:cNvPr>
+          <p:cNvPicPr>
+            <a:picLocks noChangeAspect="1" noChangeArrowheads="1"/>
+          </p:cNvPicPr>
+          <p:nvPr/>
+        </p:nvPicPr>
+        <p:blipFill>
+          <a:blip r:embed="rId2">
+            <a:extLst>
+              <a:ext uri="{28A0092B-C50C-407E-A947-70E740481C1C}">
+                <a14:useLocalDpi xmlns:a14="http://schemas.microsoft.com/office/drawing/2010/main" val="0"/>
+              </a:ext>
+            </a:extLst>
+          </a:blip>
+          <a:srcRect/>
+          <a:stretch>
+            <a:fillRect/>
+          </a:stretch>
+        </p:blipFill>
+        <p:spPr bwMode="auto">
+          <a:xfrm>
+            <a:off x="5669281" y="-1"/>
+            <a:ext cx="6522720" cy="6356451"/>
+          </a:xfrm>
+          <a:prstGeom prst="rect">
+            <a:avLst/>
+          </a:prstGeom>
+          <a:noFill/>
+          <a:extLst>
+            <a:ext uri="{909E8E84-426E-40DD-AFC4-6F175D3DCCD1}">
+              <a14:hiddenFill xmlns:a14="http://schemas.microsoft.com/office/drawing/2010/main">
+                <a:solidFill>
+                  <a:srgbClr val="FFFFFF"/>
+                </a:solidFill>
+              </a14:hiddenFill>
+            </a:ext>
+          </a:extLst>
+        </p:spPr>
+      </p:pic>
+    </p:spTree>
+    <p:extLst>
+      <p:ext uri="{BB962C8B-B14F-4D97-AF65-F5344CB8AC3E}">
+        <p14:creationId xmlns:p14="http://schemas.microsoft.com/office/powerpoint/2010/main" val="372625493"/>
+      </p:ext>
+    </p:extLst>
+  </p:cSld>
+  <p:clrMapOvr>
+    <a:masterClrMapping/>
+  </p:clrMapOvr>
+</p:sld>
+</file>
+
 <file path=ppt/slides/slide2.xml><?xml version="1.0" encoding="utf-8"?>
 <p:sld xmlns:a="http://schemas.openxmlformats.org/drawingml/2006/main" xmlns:r="http://schemas.openxmlformats.org/officeDocument/2006/relationships" xmlns:p="http://schemas.openxmlformats.org/presentationml/2006/main">
   <p:cSld>
@@ -4642,16 +5777,15 @@
           </p:cNvPicPr>
           <p:nvPr/>
         </p:nvPicPr>
-        <p:blipFill>
+        <p:blipFill rotWithShape="1">
           <a:blip r:embed="rId3"/>
-          <a:stretch>
-            <a:fillRect/>
-          </a:stretch>
+          <a:srcRect b="23515"/>
+          <a:stretch/>
         </p:blipFill>
         <p:spPr>
           <a:xfrm>
-            <a:off x="6792223" y="-1"/>
-            <a:ext cx="5399777" cy="6261315"/>
+            <a:off x="6792223" y="1399032"/>
+            <a:ext cx="5399777" cy="4788978"/>
           </a:xfrm>
           <a:prstGeom prst="rect">
             <a:avLst/>
@@ -4783,7 +5917,7 @@
         </p:nvSpPr>
         <p:spPr>
           <a:xfrm>
-            <a:off x="10198295" y="664381"/>
+            <a:off x="10198295" y="2063413"/>
             <a:ext cx="1752142" cy="4124596"/>
           </a:xfrm>
           <a:prstGeom prst="roundRect">
@@ -4877,62 +6011,6 @@
               <a:rPr lang="en-US" dirty="0"/>
               <a:t>Only 3 of these features contain meaningful information</a:t>
             </a:r>
-          </a:p>
-        </p:txBody>
-      </p:sp>
-      <p:sp>
-        <p:nvSpPr>
-          <p:cNvPr id="13" name="TextBox 12">
-            <a:extLst>
-              <a:ext uri="{FF2B5EF4-FFF2-40B4-BE49-F238E27FC236}">
-                <a16:creationId xmlns:a16="http://schemas.microsoft.com/office/drawing/2014/main" id="{8C7552AB-8318-4262-BF22-BFB8A9767694}"/>
-              </a:ext>
-            </a:extLst>
-          </p:cNvPr>
-          <p:cNvSpPr txBox="1"/>
-          <p:nvPr/>
-        </p:nvSpPr>
-        <p:spPr>
-          <a:xfrm>
-            <a:off x="102722" y="4711220"/>
-            <a:ext cx="3409627" cy="1477328"/>
-          </a:xfrm>
-          <a:prstGeom prst="rect">
-            <a:avLst/>
-          </a:prstGeom>
-          <a:noFill/>
-        </p:spPr>
-        <p:txBody>
-          <a:bodyPr wrap="square" rtlCol="0">
-            <a:spAutoFit/>
-          </a:bodyPr>
-          <a:lstStyle/>
-          <a:p>
-            <a:r>
-              <a:rPr lang="en-US" b="1" u="sng" dirty="0"/>
-              <a:t>Other Cross-validated scores:</a:t>
-            </a:r>
-          </a:p>
-          <a:p>
-            <a:r>
-              <a:rPr lang="en-US" dirty="0"/>
-              <a:t>KNN:  -.09</a:t>
-            </a:r>
-          </a:p>
-          <a:p>
-            <a:r>
-              <a:rPr lang="en-US" dirty="0"/>
-              <a:t>Random Forest:  -.08</a:t>
-            </a:r>
-          </a:p>
-          <a:p>
-            <a:r>
-              <a:rPr lang="en-US" dirty="0"/>
-              <a:t>Gradient Boosted Regressor: -.21</a:t>
-            </a:r>
-          </a:p>
-          <a:p>
-            <a:endParaRPr lang="en-US" dirty="0"/>
           </a:p>
         </p:txBody>
       </p:sp>
@@ -4966,56 +6044,6 @@
           <a:chExt cx="0" cy="0"/>
         </a:xfrm>
       </p:grpSpPr>
-      <p:sp>
-        <p:nvSpPr>
-          <p:cNvPr id="2" name="Title 1">
-            <a:extLst>
-              <a:ext uri="{FF2B5EF4-FFF2-40B4-BE49-F238E27FC236}">
-                <a16:creationId xmlns:a16="http://schemas.microsoft.com/office/drawing/2014/main" id="{D36AE652-40A6-4D13-B052-430B5E77366C}"/>
-              </a:ext>
-            </a:extLst>
-          </p:cNvPr>
-          <p:cNvSpPr>
-            <a:spLocks noGrp="1"/>
-          </p:cNvSpPr>
-          <p:nvPr>
-            <p:ph type="title"/>
-          </p:nvPr>
-        </p:nvSpPr>
-        <p:spPr/>
-        <p:txBody>
-          <a:bodyPr/>
-          <a:lstStyle/>
-          <a:p>
-            <a:endParaRPr lang="en-US"/>
-          </a:p>
-        </p:txBody>
-      </p:sp>
-      <p:sp>
-        <p:nvSpPr>
-          <p:cNvPr id="3" name="Content Placeholder 2">
-            <a:extLst>
-              <a:ext uri="{FF2B5EF4-FFF2-40B4-BE49-F238E27FC236}">
-                <a16:creationId xmlns:a16="http://schemas.microsoft.com/office/drawing/2014/main" id="{200B812A-1572-49EB-BAD4-9379E2DCA118}"/>
-              </a:ext>
-            </a:extLst>
-          </p:cNvPr>
-          <p:cNvSpPr>
-            <a:spLocks noGrp="1"/>
-          </p:cNvSpPr>
-          <p:nvPr>
-            <p:ph idx="1"/>
-          </p:nvPr>
-        </p:nvSpPr>
-        <p:spPr/>
-        <p:txBody>
-          <a:bodyPr/>
-          <a:lstStyle/>
-          <a:p>
-            <a:endParaRPr lang="en-US"/>
-          </a:p>
-        </p:txBody>
-      </p:sp>
       <p:pic>
         <p:nvPicPr>
           <p:cNvPr id="4" name="Picture 3">
@@ -5037,7 +6065,7 @@
         </p:blipFill>
         <p:spPr>
           <a:xfrm>
-            <a:off x="1782306" y="247971"/>
+            <a:off x="493002" y="988369"/>
             <a:ext cx="8239934" cy="4494506"/>
           </a:xfrm>
           <a:prstGeom prst="rect">
@@ -5045,6 +6073,62 @@
           </a:prstGeom>
         </p:spPr>
       </p:pic>
+      <p:sp>
+        <p:nvSpPr>
+          <p:cNvPr id="5" name="TextBox 4">
+            <a:extLst>
+              <a:ext uri="{FF2B5EF4-FFF2-40B4-BE49-F238E27FC236}">
+                <a16:creationId xmlns:a16="http://schemas.microsoft.com/office/drawing/2014/main" id="{0E26960C-F472-44D9-93B1-7106467E2792}"/>
+              </a:ext>
+            </a:extLst>
+          </p:cNvPr>
+          <p:cNvSpPr txBox="1"/>
+          <p:nvPr/>
+        </p:nvSpPr>
+        <p:spPr>
+          <a:xfrm>
+            <a:off x="8579210" y="2690336"/>
+            <a:ext cx="3409627" cy="1477328"/>
+          </a:xfrm>
+          <a:prstGeom prst="rect">
+            <a:avLst/>
+          </a:prstGeom>
+          <a:noFill/>
+        </p:spPr>
+        <p:txBody>
+          <a:bodyPr wrap="square" rtlCol="0">
+            <a:spAutoFit/>
+          </a:bodyPr>
+          <a:lstStyle/>
+          <a:p>
+            <a:r>
+              <a:rPr lang="en-US" b="1" u="sng" dirty="0"/>
+              <a:t>Other Cross-validated scores:</a:t>
+            </a:r>
+          </a:p>
+          <a:p>
+            <a:r>
+              <a:rPr lang="en-US" dirty="0"/>
+              <a:t>KNN:  -.09</a:t>
+            </a:r>
+          </a:p>
+          <a:p>
+            <a:r>
+              <a:rPr lang="en-US" dirty="0"/>
+              <a:t>Random Forest:  -.08</a:t>
+            </a:r>
+          </a:p>
+          <a:p>
+            <a:r>
+              <a:rPr lang="en-US" dirty="0"/>
+              <a:t>Gradient Boosted Regressor: -.21</a:t>
+            </a:r>
+          </a:p>
+          <a:p>
+            <a:endParaRPr lang="en-US" dirty="0"/>
+          </a:p>
+        </p:txBody>
+      </p:sp>
     </p:spTree>
     <p:extLst>
       <p:ext uri="{BB962C8B-B14F-4D97-AF65-F5344CB8AC3E}">
@@ -5128,7 +6212,15 @@
           <a:p>
             <a:r>
               <a:rPr lang="en-US" dirty="0"/>
-              <a:t>Overview: Generate a dataset with inconvenient properties to use in the following scenarios:</a:t>
+              <a:t>Overview: </a:t>
+            </a:r>
+            <a:r>
+              <a:rPr lang="en-US" b="1" dirty="0"/>
+              <a:t>Generate</a:t>
+            </a:r>
+            <a:r>
+              <a:rPr lang="en-US" dirty="0"/>
+              <a:t> a dataset with inconvenient properties to use in the following scenarios:</a:t>
             </a:r>
           </a:p>
           <a:p>
@@ -6585,7 +7677,7 @@
           <p:cNvPr id="2" name="Title 1">
             <a:extLst>
               <a:ext uri="{FF2B5EF4-FFF2-40B4-BE49-F238E27FC236}">
-                <a16:creationId xmlns:a16="http://schemas.microsoft.com/office/drawing/2014/main" id="{8C90F25E-105B-4B2B-BD84-2ADFD4931A17}"/>
+                <a16:creationId xmlns:a16="http://schemas.microsoft.com/office/drawing/2014/main" id="{CCCB2C92-5D09-465F-97FD-B37C0150DB1F}"/>
               </a:ext>
             </a:extLst>
           </p:cNvPr>
@@ -6596,44 +7688,346 @@
             <p:ph type="title"/>
           </p:nvPr>
         </p:nvSpPr>
-        <p:spPr/>
-        <p:txBody>
-          <a:bodyPr/>
-          <a:lstStyle/>
-          <a:p>
+        <p:spPr>
+          <a:xfrm>
+            <a:off x="974616" y="113173"/>
+            <a:ext cx="10058400" cy="543576"/>
+          </a:xfrm>
+        </p:spPr>
+        <p:txBody>
+          <a:bodyPr>
+            <a:noAutofit/>
+          </a:bodyPr>
+          <a:lstStyle/>
+          <a:p>
+            <a:r>
+              <a:rPr lang="en-US" sz="3200" dirty="0"/>
+              <a:t>Baseline: Linear Regression with 1 normally distributed feature</a:t>
+            </a:r>
+          </a:p>
+        </p:txBody>
+      </p:sp>
+      <p:sp>
+        <p:nvSpPr>
+          <p:cNvPr id="5" name="Rectangle 4">
+            <a:extLst>
+              <a:ext uri="{FF2B5EF4-FFF2-40B4-BE49-F238E27FC236}">
+                <a16:creationId xmlns:a16="http://schemas.microsoft.com/office/drawing/2014/main" id="{535917A4-46F9-4BC8-AB29-55BE86F9B9BA}"/>
+              </a:ext>
+            </a:extLst>
+          </p:cNvPr>
+          <p:cNvSpPr/>
+          <p:nvPr/>
+        </p:nvSpPr>
+        <p:spPr>
+          <a:xfrm>
+            <a:off x="854242" y="1660358"/>
+            <a:ext cx="10539663" cy="144379"/>
+          </a:xfrm>
+          <a:prstGeom prst="rect">
+            <a:avLst/>
+          </a:prstGeom>
+          <a:ln>
+            <a:solidFill>
+              <a:schemeClr val="bg1"/>
+            </a:solidFill>
+          </a:ln>
+        </p:spPr>
+        <p:style>
+          <a:lnRef idx="2">
+            <a:schemeClr val="dk1"/>
+          </a:lnRef>
+          <a:fillRef idx="1">
+            <a:schemeClr val="lt1"/>
+          </a:fillRef>
+          <a:effectRef idx="0">
+            <a:schemeClr val="dk1"/>
+          </a:effectRef>
+          <a:fontRef idx="minor">
+            <a:schemeClr val="dk1"/>
+          </a:fontRef>
+        </p:style>
+        <p:txBody>
+          <a:bodyPr rtlCol="0" anchor="ctr"/>
+          <a:lstStyle/>
+          <a:p>
+            <a:pPr algn="ctr"/>
             <a:endParaRPr lang="en-US"/>
           </a:p>
         </p:txBody>
       </p:sp>
       <p:sp>
         <p:nvSpPr>
-          <p:cNvPr id="3" name="Content Placeholder 2">
+          <p:cNvPr id="7" name="Rectangle 6">
             <a:extLst>
               <a:ext uri="{FF2B5EF4-FFF2-40B4-BE49-F238E27FC236}">
-                <a16:creationId xmlns:a16="http://schemas.microsoft.com/office/drawing/2014/main" id="{C0D3F9E4-3FD4-4881-B69A-FEA573B4B7C6}"/>
+                <a16:creationId xmlns:a16="http://schemas.microsoft.com/office/drawing/2014/main" id="{EFB04EA7-CA97-4F34-81FF-97951324713F}"/>
               </a:ext>
             </a:extLst>
           </p:cNvPr>
-          <p:cNvSpPr>
-            <a:spLocks noGrp="1"/>
-          </p:cNvSpPr>
-          <p:nvPr>
-            <p:ph idx="1"/>
-          </p:nvPr>
-        </p:nvSpPr>
-        <p:spPr/>
-        <p:txBody>
-          <a:bodyPr/>
-          <a:lstStyle/>
-          <a:p>
-            <a:endParaRPr lang="en-US"/>
-          </a:p>
-        </p:txBody>
-      </p:sp>
+          <p:cNvSpPr/>
+          <p:nvPr/>
+        </p:nvSpPr>
+        <p:spPr>
+          <a:xfrm>
+            <a:off x="-1" y="2307867"/>
+            <a:ext cx="12205411" cy="471831"/>
+          </a:xfrm>
+          <a:prstGeom prst="rect">
+            <a:avLst/>
+          </a:prstGeom>
+        </p:spPr>
+        <p:style>
+          <a:lnRef idx="2">
+            <a:schemeClr val="dk1">
+              <a:shade val="50000"/>
+            </a:schemeClr>
+          </a:lnRef>
+          <a:fillRef idx="1">
+            <a:schemeClr val="dk1"/>
+          </a:fillRef>
+          <a:effectRef idx="0">
+            <a:schemeClr val="dk1"/>
+          </a:effectRef>
+          <a:fontRef idx="minor">
+            <a:schemeClr val="lt1"/>
+          </a:fontRef>
+        </p:style>
+        <p:txBody>
+          <a:bodyPr rtlCol="0" anchor="ctr"/>
+          <a:lstStyle/>
+          <a:p>
+            <a:pPr algn="ctr"/>
+            <a:r>
+              <a:rPr lang="en-US" dirty="0" err="1"/>
+              <a:t>SciKitLearn</a:t>
+            </a:r>
+            <a:r>
+              <a:rPr lang="en-US" dirty="0"/>
+              <a:t> and </a:t>
+            </a:r>
+            <a:r>
+              <a:rPr lang="en-US" dirty="0" err="1"/>
+              <a:t>statsmodels</a:t>
+            </a:r>
+            <a:r>
+              <a:rPr lang="en-US" dirty="0"/>
+              <a:t> R-squared scores: </a:t>
+            </a:r>
+            <a:r>
+              <a:rPr lang="en-US" b="1" dirty="0"/>
+              <a:t>.25   |   Screen time increases .16 minutes for each incremental screen action</a:t>
+            </a:r>
+          </a:p>
+        </p:txBody>
+      </p:sp>
+      <p:pic>
+        <p:nvPicPr>
+          <p:cNvPr id="12" name="Picture 11">
+            <a:extLst>
+              <a:ext uri="{FF2B5EF4-FFF2-40B4-BE49-F238E27FC236}">
+                <a16:creationId xmlns:a16="http://schemas.microsoft.com/office/drawing/2014/main" id="{478C5481-8E14-418B-A366-42D57EAD0B32}"/>
+              </a:ext>
+            </a:extLst>
+          </p:cNvPr>
+          <p:cNvPicPr>
+            <a:picLocks noChangeAspect="1"/>
+          </p:cNvPicPr>
+          <p:nvPr/>
+        </p:nvPicPr>
+        <p:blipFill rotWithShape="1">
+          <a:blip r:embed="rId2"/>
+          <a:srcRect r="66531" b="50000"/>
+          <a:stretch/>
+        </p:blipFill>
+        <p:spPr>
+          <a:xfrm>
+            <a:off x="2915126" y="728862"/>
+            <a:ext cx="1610404" cy="1564864"/>
+          </a:xfrm>
+          <a:prstGeom prst="rect">
+            <a:avLst/>
+          </a:prstGeom>
+        </p:spPr>
+      </p:pic>
+      <p:pic>
+        <p:nvPicPr>
+          <p:cNvPr id="13" name="Picture 12">
+            <a:extLst>
+              <a:ext uri="{FF2B5EF4-FFF2-40B4-BE49-F238E27FC236}">
+                <a16:creationId xmlns:a16="http://schemas.microsoft.com/office/drawing/2014/main" id="{D718669C-DADB-4AAE-A854-BD888B7F3D7F}"/>
+              </a:ext>
+            </a:extLst>
+          </p:cNvPr>
+          <p:cNvPicPr>
+            <a:picLocks noChangeAspect="1"/>
+          </p:cNvPicPr>
+          <p:nvPr/>
+        </p:nvPicPr>
+        <p:blipFill rotWithShape="1">
+          <a:blip r:embed="rId2"/>
+          <a:srcRect l="68000" t="51279"/>
+          <a:stretch/>
+        </p:blipFill>
+        <p:spPr>
+          <a:xfrm>
+            <a:off x="7266439" y="766818"/>
+            <a:ext cx="1539714" cy="1524831"/>
+          </a:xfrm>
+          <a:prstGeom prst="rect">
+            <a:avLst/>
+          </a:prstGeom>
+        </p:spPr>
+      </p:pic>
+      <p:sp>
+        <p:nvSpPr>
+          <p:cNvPr id="9" name="Arrow: Right 8">
+            <a:extLst>
+              <a:ext uri="{FF2B5EF4-FFF2-40B4-BE49-F238E27FC236}">
+                <a16:creationId xmlns:a16="http://schemas.microsoft.com/office/drawing/2014/main" id="{4018E18D-2C2D-440F-9BFA-2B0C40C11E26}"/>
+              </a:ext>
+            </a:extLst>
+          </p:cNvPr>
+          <p:cNvSpPr/>
+          <p:nvPr/>
+        </p:nvSpPr>
+        <p:spPr>
+          <a:xfrm>
+            <a:off x="5361439" y="1588168"/>
+            <a:ext cx="1901952" cy="647509"/>
+          </a:xfrm>
+          <a:prstGeom prst="rightArrow">
+            <a:avLst/>
+          </a:prstGeom>
+        </p:spPr>
+        <p:style>
+          <a:lnRef idx="2">
+            <a:schemeClr val="accent1">
+              <a:shade val="50000"/>
+            </a:schemeClr>
+          </a:lnRef>
+          <a:fillRef idx="1">
+            <a:schemeClr val="accent1"/>
+          </a:fillRef>
+          <a:effectRef idx="0">
+            <a:schemeClr val="accent1"/>
+          </a:effectRef>
+          <a:fontRef idx="minor">
+            <a:schemeClr val="lt1"/>
+          </a:fontRef>
+        </p:style>
+        <p:txBody>
+          <a:bodyPr rtlCol="0" anchor="ctr"/>
+          <a:lstStyle/>
+          <a:p>
+            <a:pPr algn="ctr"/>
+            <a:r>
+              <a:rPr lang="en-US" dirty="0"/>
+              <a:t>Target Variable</a:t>
+            </a:r>
+          </a:p>
+        </p:txBody>
+      </p:sp>
+      <p:sp>
+        <p:nvSpPr>
+          <p:cNvPr id="15" name="Arrow: Right 14">
+            <a:extLst>
+              <a:ext uri="{FF2B5EF4-FFF2-40B4-BE49-F238E27FC236}">
+                <a16:creationId xmlns:a16="http://schemas.microsoft.com/office/drawing/2014/main" id="{F1D8D3B1-85FA-47E6-9D52-9622BFF292EA}"/>
+              </a:ext>
+            </a:extLst>
+          </p:cNvPr>
+          <p:cNvSpPr/>
+          <p:nvPr/>
+        </p:nvSpPr>
+        <p:spPr>
+          <a:xfrm flipH="1">
+            <a:off x="4525530" y="761284"/>
+            <a:ext cx="1901952" cy="647509"/>
+          </a:xfrm>
+          <a:prstGeom prst="rightArrow">
+            <a:avLst/>
+          </a:prstGeom>
+        </p:spPr>
+        <p:style>
+          <a:lnRef idx="2">
+            <a:schemeClr val="accent1">
+              <a:shade val="50000"/>
+            </a:schemeClr>
+          </a:lnRef>
+          <a:fillRef idx="1">
+            <a:schemeClr val="accent1"/>
+          </a:fillRef>
+          <a:effectRef idx="0">
+            <a:schemeClr val="accent1"/>
+          </a:effectRef>
+          <a:fontRef idx="minor">
+            <a:schemeClr val="lt1"/>
+          </a:fontRef>
+        </p:style>
+        <p:txBody>
+          <a:bodyPr rtlCol="0" anchor="ctr"/>
+          <a:lstStyle/>
+          <a:p>
+            <a:pPr algn="ctr"/>
+            <a:r>
+              <a:rPr lang="en-US" dirty="0"/>
+              <a:t>Feature</a:t>
+            </a:r>
+          </a:p>
+        </p:txBody>
+      </p:sp>
+      <p:pic>
+        <p:nvPicPr>
+          <p:cNvPr id="1030" name="Picture 6">
+            <a:extLst>
+              <a:ext uri="{FF2B5EF4-FFF2-40B4-BE49-F238E27FC236}">
+                <a16:creationId xmlns:a16="http://schemas.microsoft.com/office/drawing/2014/main" id="{A670DEA8-2C8F-411B-97DD-1249ED078DAB}"/>
+              </a:ext>
+            </a:extLst>
+          </p:cNvPr>
+          <p:cNvPicPr>
+            <a:picLocks noChangeAspect="1" noChangeArrowheads="1"/>
+          </p:cNvPicPr>
+          <p:nvPr/>
+        </p:nvPicPr>
+        <p:blipFill>
+          <a:blip r:embed="rId3">
+            <a:extLst>
+              <a:ext uri="{28A0092B-C50C-407E-A947-70E740481C1C}">
+                <a14:useLocalDpi xmlns:a14="http://schemas.microsoft.com/office/drawing/2010/main" val="0"/>
+              </a:ext>
+            </a:extLst>
+          </a:blip>
+          <a:srcRect/>
+          <a:stretch>
+            <a:fillRect/>
+          </a:stretch>
+        </p:blipFill>
+        <p:spPr bwMode="auto">
+          <a:xfrm>
+            <a:off x="1333976" y="2851888"/>
+            <a:ext cx="9524048" cy="3489008"/>
+          </a:xfrm>
+          <a:prstGeom prst="rect">
+            <a:avLst/>
+          </a:prstGeom>
+          <a:noFill/>
+          <a:extLst>
+            <a:ext uri="{909E8E84-426E-40DD-AFC4-6F175D3DCCD1}">
+              <a14:hiddenFill xmlns:a14="http://schemas.microsoft.com/office/drawing/2010/main">
+                <a:solidFill>
+                  <a:srgbClr val="FFFFFF"/>
+                </a:solidFill>
+              </a14:hiddenFill>
+            </a:ext>
+          </a:extLst>
+        </p:spPr>
+      </p:pic>
     </p:spTree>
     <p:extLst>
       <p:ext uri="{BB962C8B-B14F-4D97-AF65-F5344CB8AC3E}">
-        <p14:creationId xmlns:p14="http://schemas.microsoft.com/office/powerpoint/2010/main" val="3152450437"/>
+        <p14:creationId xmlns:p14="http://schemas.microsoft.com/office/powerpoint/2010/main" val="1459053577"/>
       </p:ext>
     </p:extLst>
   </p:cSld>

--- a/Capstone.pptx
+++ b/Capstone.pptx
@@ -7,16 +7,26 @@
   <p:sldIdLst>
     <p:sldId id="256" r:id="rId2"/>
     <p:sldId id="257" r:id="rId3"/>
-    <p:sldId id="258" r:id="rId4"/>
-    <p:sldId id="263" r:id="rId5"/>
-    <p:sldId id="264" r:id="rId6"/>
-    <p:sldId id="259" r:id="rId7"/>
-    <p:sldId id="260" r:id="rId8"/>
-    <p:sldId id="261" r:id="rId9"/>
-    <p:sldId id="265" r:id="rId10"/>
-    <p:sldId id="267" r:id="rId11"/>
-    <p:sldId id="268" r:id="rId12"/>
-    <p:sldId id="269" r:id="rId13"/>
+    <p:sldId id="279" r:id="rId4"/>
+    <p:sldId id="258" r:id="rId5"/>
+    <p:sldId id="263" r:id="rId6"/>
+    <p:sldId id="264" r:id="rId7"/>
+    <p:sldId id="259" r:id="rId8"/>
+    <p:sldId id="260" r:id="rId9"/>
+    <p:sldId id="261" r:id="rId10"/>
+    <p:sldId id="265" r:id="rId11"/>
+    <p:sldId id="267" r:id="rId12"/>
+    <p:sldId id="268" r:id="rId13"/>
+    <p:sldId id="269" r:id="rId14"/>
+    <p:sldId id="270" r:id="rId15"/>
+    <p:sldId id="271" r:id="rId16"/>
+    <p:sldId id="272" r:id="rId17"/>
+    <p:sldId id="273" r:id="rId18"/>
+    <p:sldId id="274" r:id="rId19"/>
+    <p:sldId id="275" r:id="rId20"/>
+    <p:sldId id="276" r:id="rId21"/>
+    <p:sldId id="278" r:id="rId22"/>
+    <p:sldId id="280" r:id="rId23"/>
   </p:sldIdLst>
   <p:sldSz cx="12192000" cy="6858000"/>
   <p:notesSz cx="6858000" cy="9144000"/>
@@ -349,7 +359,7 @@
           <a:p>
             <a:fld id="{214BFDFA-5419-4355-A3FB-206F18F64EF6}" type="datetimeFigureOut">
               <a:rPr lang="en-US" smtClean="0"/>
-              <a:t>12/28/2018</a:t>
+              <a:t>12/29/2018</a:t>
             </a:fld>
             <a:endParaRPr lang="en-US"/>
           </a:p>
@@ -557,7 +567,7 @@
           <a:p>
             <a:fld id="{214BFDFA-5419-4355-A3FB-206F18F64EF6}" type="datetimeFigureOut">
               <a:rPr lang="en-US" smtClean="0"/>
-              <a:t>12/28/2018</a:t>
+              <a:t>12/29/2018</a:t>
             </a:fld>
             <a:endParaRPr lang="en-US"/>
           </a:p>
@@ -813,7 +823,7 @@
           <a:p>
             <a:fld id="{214BFDFA-5419-4355-A3FB-206F18F64EF6}" type="datetimeFigureOut">
               <a:rPr lang="en-US" smtClean="0"/>
-              <a:t>12/28/2018</a:t>
+              <a:t>12/29/2018</a:t>
             </a:fld>
             <a:endParaRPr lang="en-US"/>
           </a:p>
@@ -983,7 +993,7 @@
           <a:p>
             <a:fld id="{214BFDFA-5419-4355-A3FB-206F18F64EF6}" type="datetimeFigureOut">
               <a:rPr lang="en-US" smtClean="0"/>
-              <a:t>12/28/2018</a:t>
+              <a:t>12/29/2018</a:t>
             </a:fld>
             <a:endParaRPr lang="en-US"/>
           </a:p>
@@ -1326,7 +1336,7 @@
           <a:p>
             <a:fld id="{214BFDFA-5419-4355-A3FB-206F18F64EF6}" type="datetimeFigureOut">
               <a:rPr lang="en-US" smtClean="0"/>
-              <a:t>12/28/2018</a:t>
+              <a:t>12/29/2018</a:t>
             </a:fld>
             <a:endParaRPr lang="en-US"/>
           </a:p>
@@ -1601,7 +1611,7 @@
           <a:p>
             <a:fld id="{214BFDFA-5419-4355-A3FB-206F18F64EF6}" type="datetimeFigureOut">
               <a:rPr lang="en-US" smtClean="0"/>
-              <a:t>12/28/2018</a:t>
+              <a:t>12/29/2018</a:t>
             </a:fld>
             <a:endParaRPr lang="en-US"/>
           </a:p>
@@ -1980,7 +1990,7 @@
           <a:p>
             <a:fld id="{214BFDFA-5419-4355-A3FB-206F18F64EF6}" type="datetimeFigureOut">
               <a:rPr lang="en-US" smtClean="0"/>
-              <a:t>12/28/2018</a:t>
+              <a:t>12/29/2018</a:t>
             </a:fld>
             <a:endParaRPr lang="en-US"/>
           </a:p>
@@ -2098,7 +2108,7 @@
           <a:p>
             <a:fld id="{214BFDFA-5419-4355-A3FB-206F18F64EF6}" type="datetimeFigureOut">
               <a:rPr lang="en-US" smtClean="0"/>
-              <a:t>12/28/2018</a:t>
+              <a:t>12/29/2018</a:t>
             </a:fld>
             <a:endParaRPr lang="en-US"/>
           </a:p>
@@ -2269,7 +2279,7 @@
           <a:p>
             <a:fld id="{214BFDFA-5419-4355-A3FB-206F18F64EF6}" type="datetimeFigureOut">
               <a:rPr lang="en-US" smtClean="0"/>
-              <a:t>12/28/2018</a:t>
+              <a:t>12/29/2018</a:t>
             </a:fld>
             <a:endParaRPr lang="en-US"/>
           </a:p>
@@ -2623,7 +2633,7 @@
           <a:p>
             <a:fld id="{214BFDFA-5419-4355-A3FB-206F18F64EF6}" type="datetimeFigureOut">
               <a:rPr lang="en-US" smtClean="0"/>
-              <a:t>12/28/2018</a:t>
+              <a:t>12/29/2018</a:t>
             </a:fld>
             <a:endParaRPr lang="en-US"/>
           </a:p>
@@ -3000,7 +3010,7 @@
           <a:p>
             <a:fld id="{214BFDFA-5419-4355-A3FB-206F18F64EF6}" type="datetimeFigureOut">
               <a:rPr lang="en-US" smtClean="0"/>
-              <a:t>12/28/2018</a:t>
+              <a:t>12/29/2018</a:t>
             </a:fld>
             <a:endParaRPr lang="en-US"/>
           </a:p>
@@ -3287,7 +3297,7 @@
           <a:p>
             <a:fld id="{214BFDFA-5419-4355-A3FB-206F18F64EF6}" type="datetimeFigureOut">
               <a:rPr lang="en-US" smtClean="0"/>
-              <a:t>12/28/2018</a:t>
+              <a:t>12/29/2018</a:t>
             </a:fld>
             <a:endParaRPr lang="en-US"/>
           </a:p>
@@ -3898,6 +3908,41 @@
       </p:grpSpPr>
       <p:sp>
         <p:nvSpPr>
+          <p:cNvPr id="2" name="Title 1">
+            <a:extLst>
+              <a:ext uri="{FF2B5EF4-FFF2-40B4-BE49-F238E27FC236}">
+                <a16:creationId xmlns:a16="http://schemas.microsoft.com/office/drawing/2014/main" id="{CCCB2C92-5D09-465F-97FD-B37C0150DB1F}"/>
+              </a:ext>
+            </a:extLst>
+          </p:cNvPr>
+          <p:cNvSpPr>
+            <a:spLocks noGrp="1"/>
+          </p:cNvSpPr>
+          <p:nvPr>
+            <p:ph type="title"/>
+          </p:nvPr>
+        </p:nvSpPr>
+        <p:spPr>
+          <a:xfrm>
+            <a:off x="974616" y="113173"/>
+            <a:ext cx="10058400" cy="543576"/>
+          </a:xfrm>
+        </p:spPr>
+        <p:txBody>
+          <a:bodyPr>
+            <a:noAutofit/>
+          </a:bodyPr>
+          <a:lstStyle/>
+          <a:p>
+            <a:r>
+              <a:rPr lang="en-US" sz="3200" dirty="0"/>
+              <a:t>Baseline: Linear Regression with 1 normally distributed feature</a:t>
+            </a:r>
+          </a:p>
+        </p:txBody>
+      </p:sp>
+      <p:sp>
+        <p:nvSpPr>
           <p:cNvPr id="5" name="Rectangle 4">
             <a:extLst>
               <a:ext uri="{FF2B5EF4-FFF2-40B4-BE49-F238E27FC236}">
@@ -3945,12 +3990,233 @@
           </a:p>
         </p:txBody>
       </p:sp>
+      <p:sp>
+        <p:nvSpPr>
+          <p:cNvPr id="7" name="Rectangle 6">
+            <a:extLst>
+              <a:ext uri="{FF2B5EF4-FFF2-40B4-BE49-F238E27FC236}">
+                <a16:creationId xmlns:a16="http://schemas.microsoft.com/office/drawing/2014/main" id="{EFB04EA7-CA97-4F34-81FF-97951324713F}"/>
+              </a:ext>
+            </a:extLst>
+          </p:cNvPr>
+          <p:cNvSpPr/>
+          <p:nvPr/>
+        </p:nvSpPr>
+        <p:spPr>
+          <a:xfrm>
+            <a:off x="-1" y="2307867"/>
+            <a:ext cx="12205411" cy="471831"/>
+          </a:xfrm>
+          <a:prstGeom prst="rect">
+            <a:avLst/>
+          </a:prstGeom>
+        </p:spPr>
+        <p:style>
+          <a:lnRef idx="2">
+            <a:schemeClr val="dk1">
+              <a:shade val="50000"/>
+            </a:schemeClr>
+          </a:lnRef>
+          <a:fillRef idx="1">
+            <a:schemeClr val="dk1"/>
+          </a:fillRef>
+          <a:effectRef idx="0">
+            <a:schemeClr val="dk1"/>
+          </a:effectRef>
+          <a:fontRef idx="minor">
+            <a:schemeClr val="lt1"/>
+          </a:fontRef>
+        </p:style>
+        <p:txBody>
+          <a:bodyPr rtlCol="0" anchor="ctr"/>
+          <a:lstStyle/>
+          <a:p>
+            <a:pPr algn="ctr"/>
+            <a:r>
+              <a:rPr lang="en-US" dirty="0" err="1"/>
+              <a:t>SciKitLearn</a:t>
+            </a:r>
+            <a:r>
+              <a:rPr lang="en-US" dirty="0"/>
+              <a:t> and </a:t>
+            </a:r>
+            <a:r>
+              <a:rPr lang="en-US" dirty="0" err="1"/>
+              <a:t>statsmodels</a:t>
+            </a:r>
+            <a:r>
+              <a:rPr lang="en-US" dirty="0"/>
+              <a:t> R-squared scores: </a:t>
+            </a:r>
+            <a:r>
+              <a:rPr lang="en-US" b="1" dirty="0"/>
+              <a:t>.25   |   Screen time increases .16 minutes for each incremental screen action</a:t>
+            </a:r>
+          </a:p>
+        </p:txBody>
+      </p:sp>
       <p:pic>
         <p:nvPicPr>
-          <p:cNvPr id="6" name="Picture 2">
-            <a:extLst>
-              <a:ext uri="{FF2B5EF4-FFF2-40B4-BE49-F238E27FC236}">
-                <a16:creationId xmlns:a16="http://schemas.microsoft.com/office/drawing/2014/main" id="{D1D18C7C-5FF9-468A-A697-1E3F81D4B6CA}"/>
+          <p:cNvPr id="12" name="Picture 11">
+            <a:extLst>
+              <a:ext uri="{FF2B5EF4-FFF2-40B4-BE49-F238E27FC236}">
+                <a16:creationId xmlns:a16="http://schemas.microsoft.com/office/drawing/2014/main" id="{478C5481-8E14-418B-A366-42D57EAD0B32}"/>
+              </a:ext>
+            </a:extLst>
+          </p:cNvPr>
+          <p:cNvPicPr>
+            <a:picLocks noChangeAspect="1"/>
+          </p:cNvPicPr>
+          <p:nvPr/>
+        </p:nvPicPr>
+        <p:blipFill rotWithShape="1">
+          <a:blip r:embed="rId2"/>
+          <a:srcRect r="66531" b="50000"/>
+          <a:stretch/>
+        </p:blipFill>
+        <p:spPr>
+          <a:xfrm>
+            <a:off x="2915126" y="728862"/>
+            <a:ext cx="1610404" cy="1564864"/>
+          </a:xfrm>
+          <a:prstGeom prst="rect">
+            <a:avLst/>
+          </a:prstGeom>
+        </p:spPr>
+      </p:pic>
+      <p:pic>
+        <p:nvPicPr>
+          <p:cNvPr id="13" name="Picture 12">
+            <a:extLst>
+              <a:ext uri="{FF2B5EF4-FFF2-40B4-BE49-F238E27FC236}">
+                <a16:creationId xmlns:a16="http://schemas.microsoft.com/office/drawing/2014/main" id="{D718669C-DADB-4AAE-A854-BD888B7F3D7F}"/>
+              </a:ext>
+            </a:extLst>
+          </p:cNvPr>
+          <p:cNvPicPr>
+            <a:picLocks noChangeAspect="1"/>
+          </p:cNvPicPr>
+          <p:nvPr/>
+        </p:nvPicPr>
+        <p:blipFill rotWithShape="1">
+          <a:blip r:embed="rId2"/>
+          <a:srcRect l="68000" t="51279"/>
+          <a:stretch/>
+        </p:blipFill>
+        <p:spPr>
+          <a:xfrm>
+            <a:off x="7266439" y="766818"/>
+            <a:ext cx="1539714" cy="1524831"/>
+          </a:xfrm>
+          <a:prstGeom prst="rect">
+            <a:avLst/>
+          </a:prstGeom>
+        </p:spPr>
+      </p:pic>
+      <p:sp>
+        <p:nvSpPr>
+          <p:cNvPr id="9" name="Arrow: Right 8">
+            <a:extLst>
+              <a:ext uri="{FF2B5EF4-FFF2-40B4-BE49-F238E27FC236}">
+                <a16:creationId xmlns:a16="http://schemas.microsoft.com/office/drawing/2014/main" id="{4018E18D-2C2D-440F-9BFA-2B0C40C11E26}"/>
+              </a:ext>
+            </a:extLst>
+          </p:cNvPr>
+          <p:cNvSpPr/>
+          <p:nvPr/>
+        </p:nvSpPr>
+        <p:spPr>
+          <a:xfrm>
+            <a:off x="5361439" y="1588168"/>
+            <a:ext cx="1901952" cy="647509"/>
+          </a:xfrm>
+          <a:prstGeom prst="rightArrow">
+            <a:avLst/>
+          </a:prstGeom>
+        </p:spPr>
+        <p:style>
+          <a:lnRef idx="2">
+            <a:schemeClr val="accent1">
+              <a:shade val="50000"/>
+            </a:schemeClr>
+          </a:lnRef>
+          <a:fillRef idx="1">
+            <a:schemeClr val="accent1"/>
+          </a:fillRef>
+          <a:effectRef idx="0">
+            <a:schemeClr val="accent1"/>
+          </a:effectRef>
+          <a:fontRef idx="minor">
+            <a:schemeClr val="lt1"/>
+          </a:fontRef>
+        </p:style>
+        <p:txBody>
+          <a:bodyPr rtlCol="0" anchor="ctr"/>
+          <a:lstStyle/>
+          <a:p>
+            <a:pPr algn="ctr"/>
+            <a:r>
+              <a:rPr lang="en-US" dirty="0"/>
+              <a:t>Target Variable</a:t>
+            </a:r>
+          </a:p>
+        </p:txBody>
+      </p:sp>
+      <p:sp>
+        <p:nvSpPr>
+          <p:cNvPr id="15" name="Arrow: Right 14">
+            <a:extLst>
+              <a:ext uri="{FF2B5EF4-FFF2-40B4-BE49-F238E27FC236}">
+                <a16:creationId xmlns:a16="http://schemas.microsoft.com/office/drawing/2014/main" id="{F1D8D3B1-85FA-47E6-9D52-9622BFF292EA}"/>
+              </a:ext>
+            </a:extLst>
+          </p:cNvPr>
+          <p:cNvSpPr/>
+          <p:nvPr/>
+        </p:nvSpPr>
+        <p:spPr>
+          <a:xfrm flipH="1">
+            <a:off x="4525530" y="761284"/>
+            <a:ext cx="1901952" cy="647509"/>
+          </a:xfrm>
+          <a:prstGeom prst="rightArrow">
+            <a:avLst/>
+          </a:prstGeom>
+        </p:spPr>
+        <p:style>
+          <a:lnRef idx="2">
+            <a:schemeClr val="accent1">
+              <a:shade val="50000"/>
+            </a:schemeClr>
+          </a:lnRef>
+          <a:fillRef idx="1">
+            <a:schemeClr val="accent1"/>
+          </a:fillRef>
+          <a:effectRef idx="0">
+            <a:schemeClr val="accent1"/>
+          </a:effectRef>
+          <a:fontRef idx="minor">
+            <a:schemeClr val="lt1"/>
+          </a:fontRef>
+        </p:style>
+        <p:txBody>
+          <a:bodyPr rtlCol="0" anchor="ctr"/>
+          <a:lstStyle/>
+          <a:p>
+            <a:pPr algn="ctr"/>
+            <a:r>
+              <a:rPr lang="en-US" dirty="0"/>
+              <a:t>Feature</a:t>
+            </a:r>
+          </a:p>
+        </p:txBody>
+      </p:sp>
+      <p:pic>
+        <p:nvPicPr>
+          <p:cNvPr id="1030" name="Picture 6">
+            <a:extLst>
+              <a:ext uri="{FF2B5EF4-FFF2-40B4-BE49-F238E27FC236}">
+                <a16:creationId xmlns:a16="http://schemas.microsoft.com/office/drawing/2014/main" id="{A670DEA8-2C8F-411B-97DD-1249ED078DAB}"/>
               </a:ext>
             </a:extLst>
           </p:cNvPr>
@@ -3960,7 +4226,7 @@
           <p:nvPr/>
         </p:nvPicPr>
         <p:blipFill>
-          <a:blip r:embed="rId2">
+          <a:blip r:embed="rId3">
             <a:extLst>
               <a:ext uri="{28A0092B-C50C-407E-A947-70E740481C1C}">
                 <a14:useLocalDpi xmlns:a14="http://schemas.microsoft.com/office/drawing/2010/main" val="0"/>
@@ -3974,8 +4240,8 @@
         </p:blipFill>
         <p:spPr bwMode="auto">
           <a:xfrm>
-            <a:off x="5683507" y="11634"/>
-            <a:ext cx="6478013" cy="6312883"/>
+            <a:off x="1333976" y="2851888"/>
+            <a:ext cx="9524048" cy="3489008"/>
           </a:xfrm>
           <a:prstGeom prst="rect">
             <a:avLst/>
@@ -3992,256 +4258,10 @@
           </a:extLst>
         </p:spPr>
       </p:pic>
-      <p:sp>
-        <p:nvSpPr>
-          <p:cNvPr id="11" name="TextBox 10">
-            <a:extLst>
-              <a:ext uri="{FF2B5EF4-FFF2-40B4-BE49-F238E27FC236}">
-                <a16:creationId xmlns:a16="http://schemas.microsoft.com/office/drawing/2014/main" id="{A9E77218-916E-4850-A512-BF6B9FF38953}"/>
-              </a:ext>
-            </a:extLst>
-          </p:cNvPr>
-          <p:cNvSpPr txBox="1"/>
-          <p:nvPr/>
-        </p:nvSpPr>
-        <p:spPr>
-          <a:xfrm>
-            <a:off x="2724912" y="994910"/>
-            <a:ext cx="3589800" cy="369332"/>
-          </a:xfrm>
-          <a:prstGeom prst="rect">
-            <a:avLst/>
-          </a:prstGeom>
-          <a:noFill/>
-        </p:spPr>
-        <p:txBody>
-          <a:bodyPr wrap="square" rtlCol="0">
-            <a:spAutoFit/>
-          </a:bodyPr>
-          <a:lstStyle/>
-          <a:p>
-            <a:r>
-              <a:rPr lang="en-US" dirty="0"/>
-              <a:t>KNN Regressor: .224</a:t>
-            </a:r>
-          </a:p>
-        </p:txBody>
-      </p:sp>
-      <p:sp>
-        <p:nvSpPr>
-          <p:cNvPr id="12" name="Right Brace 11">
-            <a:extLst>
-              <a:ext uri="{FF2B5EF4-FFF2-40B4-BE49-F238E27FC236}">
-                <a16:creationId xmlns:a16="http://schemas.microsoft.com/office/drawing/2014/main" id="{A55029B7-C595-4917-B06B-B329F143CB71}"/>
-              </a:ext>
-            </a:extLst>
-          </p:cNvPr>
-          <p:cNvSpPr/>
-          <p:nvPr/>
-        </p:nvSpPr>
-        <p:spPr>
-          <a:xfrm flipH="1">
-            <a:off x="4745736" y="201168"/>
-            <a:ext cx="474255" cy="1956816"/>
-          </a:xfrm>
-          <a:prstGeom prst="rightBrace">
-            <a:avLst>
-              <a:gd name="adj1" fmla="val 64247"/>
-              <a:gd name="adj2" fmla="val 50000"/>
-            </a:avLst>
-          </a:prstGeom>
-        </p:spPr>
-        <p:style>
-          <a:lnRef idx="1">
-            <a:schemeClr val="accent1"/>
-          </a:lnRef>
-          <a:fillRef idx="0">
-            <a:schemeClr val="accent1"/>
-          </a:fillRef>
-          <a:effectRef idx="0">
-            <a:schemeClr val="accent1"/>
-          </a:effectRef>
-          <a:fontRef idx="minor">
-            <a:schemeClr val="tx1"/>
-          </a:fontRef>
-        </p:style>
-        <p:txBody>
-          <a:bodyPr rtlCol="0" anchor="ctr"/>
-          <a:lstStyle/>
-          <a:p>
-            <a:pPr algn="ctr"/>
-            <a:endParaRPr lang="en-US"/>
-          </a:p>
-        </p:txBody>
-      </p:sp>
-      <p:sp>
-        <p:nvSpPr>
-          <p:cNvPr id="13" name="TextBox 12">
-            <a:extLst>
-              <a:ext uri="{FF2B5EF4-FFF2-40B4-BE49-F238E27FC236}">
-                <a16:creationId xmlns:a16="http://schemas.microsoft.com/office/drawing/2014/main" id="{9B59F85D-A30A-4153-B02E-8847655EE85A}"/>
-              </a:ext>
-            </a:extLst>
-          </p:cNvPr>
-          <p:cNvSpPr txBox="1"/>
-          <p:nvPr/>
-        </p:nvSpPr>
-        <p:spPr>
-          <a:xfrm>
-            <a:off x="1633728" y="2912102"/>
-            <a:ext cx="3589800" cy="369332"/>
-          </a:xfrm>
-          <a:prstGeom prst="rect">
-            <a:avLst/>
-          </a:prstGeom>
-          <a:noFill/>
-        </p:spPr>
-        <p:txBody>
-          <a:bodyPr wrap="square" rtlCol="0">
-            <a:spAutoFit/>
-          </a:bodyPr>
-          <a:lstStyle/>
-          <a:p>
-            <a:r>
-              <a:rPr lang="en-US" dirty="0"/>
-              <a:t>Random Forest Regressor:  .248</a:t>
-            </a:r>
-          </a:p>
-        </p:txBody>
-      </p:sp>
-      <p:sp>
-        <p:nvSpPr>
-          <p:cNvPr id="14" name="Right Brace 13">
-            <a:extLst>
-              <a:ext uri="{FF2B5EF4-FFF2-40B4-BE49-F238E27FC236}">
-                <a16:creationId xmlns:a16="http://schemas.microsoft.com/office/drawing/2014/main" id="{8AB4D816-30A6-4BB8-84BA-B94C18360D4C}"/>
-              </a:ext>
-            </a:extLst>
-          </p:cNvPr>
-          <p:cNvSpPr/>
-          <p:nvPr/>
-        </p:nvSpPr>
-        <p:spPr>
-          <a:xfrm flipH="1">
-            <a:off x="4715256" y="2145792"/>
-            <a:ext cx="474255" cy="1956816"/>
-          </a:xfrm>
-          <a:prstGeom prst="rightBrace">
-            <a:avLst>
-              <a:gd name="adj1" fmla="val 64247"/>
-              <a:gd name="adj2" fmla="val 50000"/>
-            </a:avLst>
-          </a:prstGeom>
-        </p:spPr>
-        <p:style>
-          <a:lnRef idx="1">
-            <a:schemeClr val="accent1"/>
-          </a:lnRef>
-          <a:fillRef idx="0">
-            <a:schemeClr val="accent1"/>
-          </a:fillRef>
-          <a:effectRef idx="0">
-            <a:schemeClr val="accent1"/>
-          </a:effectRef>
-          <a:fontRef idx="minor">
-            <a:schemeClr val="tx1"/>
-          </a:fontRef>
-        </p:style>
-        <p:txBody>
-          <a:bodyPr rtlCol="0" anchor="ctr"/>
-          <a:lstStyle/>
-          <a:p>
-            <a:pPr algn="ctr"/>
-            <a:endParaRPr lang="en-US"/>
-          </a:p>
-        </p:txBody>
-      </p:sp>
-      <p:sp>
-        <p:nvSpPr>
-          <p:cNvPr id="15" name="TextBox 14">
-            <a:extLst>
-              <a:ext uri="{FF2B5EF4-FFF2-40B4-BE49-F238E27FC236}">
-                <a16:creationId xmlns:a16="http://schemas.microsoft.com/office/drawing/2014/main" id="{DA2AB6DA-F839-4959-8F54-D44422EA2478}"/>
-              </a:ext>
-            </a:extLst>
-          </p:cNvPr>
-          <p:cNvSpPr txBox="1"/>
-          <p:nvPr/>
-        </p:nvSpPr>
-        <p:spPr>
-          <a:xfrm>
-            <a:off x="1420368" y="4911590"/>
-            <a:ext cx="3589800" cy="369332"/>
-          </a:xfrm>
-          <a:prstGeom prst="rect">
-            <a:avLst/>
-          </a:prstGeom>
-          <a:noFill/>
-        </p:spPr>
-        <p:txBody>
-          <a:bodyPr wrap="square" rtlCol="0">
-            <a:spAutoFit/>
-          </a:bodyPr>
-          <a:lstStyle/>
-          <a:p>
-            <a:r>
-              <a:rPr lang="en-US" dirty="0"/>
-              <a:t>Gradient Boosted Regressor:  .247</a:t>
-            </a:r>
-          </a:p>
-        </p:txBody>
-      </p:sp>
-      <p:sp>
-        <p:nvSpPr>
-          <p:cNvPr id="16" name="Right Brace 15">
-            <a:extLst>
-              <a:ext uri="{FF2B5EF4-FFF2-40B4-BE49-F238E27FC236}">
-                <a16:creationId xmlns:a16="http://schemas.microsoft.com/office/drawing/2014/main" id="{D4B7A8C8-CC19-47C8-8E11-03677231B1A9}"/>
-              </a:ext>
-            </a:extLst>
-          </p:cNvPr>
-          <p:cNvSpPr/>
-          <p:nvPr/>
-        </p:nvSpPr>
-        <p:spPr>
-          <a:xfrm flipH="1">
-            <a:off x="4721352" y="4117848"/>
-            <a:ext cx="474255" cy="1956816"/>
-          </a:xfrm>
-          <a:prstGeom prst="rightBrace">
-            <a:avLst>
-              <a:gd name="adj1" fmla="val 64247"/>
-              <a:gd name="adj2" fmla="val 50000"/>
-            </a:avLst>
-          </a:prstGeom>
-        </p:spPr>
-        <p:style>
-          <a:lnRef idx="1">
-            <a:schemeClr val="accent1"/>
-          </a:lnRef>
-          <a:fillRef idx="0">
-            <a:schemeClr val="accent1"/>
-          </a:fillRef>
-          <a:effectRef idx="0">
-            <a:schemeClr val="accent1"/>
-          </a:effectRef>
-          <a:fontRef idx="minor">
-            <a:schemeClr val="tx1"/>
-          </a:fontRef>
-        </p:style>
-        <p:txBody>
-          <a:bodyPr rtlCol="0" anchor="ctr"/>
-          <a:lstStyle/>
-          <a:p>
-            <a:pPr algn="ctr"/>
-            <a:endParaRPr lang="en-US"/>
-          </a:p>
-        </p:txBody>
-      </p:sp>
     </p:spTree>
     <p:extLst>
       <p:ext uri="{BB962C8B-B14F-4D97-AF65-F5344CB8AC3E}">
-        <p14:creationId xmlns:p14="http://schemas.microsoft.com/office/powerpoint/2010/main" val="1045401895"/>
+        <p14:creationId xmlns:p14="http://schemas.microsoft.com/office/powerpoint/2010/main" val="1459053577"/>
       </p:ext>
     </p:extLst>
   </p:cSld>
@@ -4270,41 +4290,6 @@
       </p:grpSpPr>
       <p:sp>
         <p:nvSpPr>
-          <p:cNvPr id="2" name="Title 1">
-            <a:extLst>
-              <a:ext uri="{FF2B5EF4-FFF2-40B4-BE49-F238E27FC236}">
-                <a16:creationId xmlns:a16="http://schemas.microsoft.com/office/drawing/2014/main" id="{CCCB2C92-5D09-465F-97FD-B37C0150DB1F}"/>
-              </a:ext>
-            </a:extLst>
-          </p:cNvPr>
-          <p:cNvSpPr>
-            <a:spLocks noGrp="1"/>
-          </p:cNvSpPr>
-          <p:nvPr>
-            <p:ph type="title"/>
-          </p:nvPr>
-        </p:nvSpPr>
-        <p:spPr>
-          <a:xfrm>
-            <a:off x="974616" y="113173"/>
-            <a:ext cx="10058400" cy="543576"/>
-          </a:xfrm>
-        </p:spPr>
-        <p:txBody>
-          <a:bodyPr>
-            <a:noAutofit/>
-          </a:bodyPr>
-          <a:lstStyle/>
-          <a:p>
-            <a:r>
-              <a:rPr lang="en-US" sz="3200" dirty="0"/>
-              <a:t>Baseline: Linear Regression with 1 skewed feature</a:t>
-            </a:r>
-          </a:p>
-        </p:txBody>
-      </p:sp>
-      <p:sp>
-        <p:nvSpPr>
           <p:cNvPr id="5" name="Rectangle 4">
             <a:extLst>
               <a:ext uri="{FF2B5EF4-FFF2-40B4-BE49-F238E27FC236}">
@@ -4352,234 +4337,12 @@
           </a:p>
         </p:txBody>
       </p:sp>
-      <p:sp>
-        <p:nvSpPr>
-          <p:cNvPr id="7" name="Rectangle 6">
-            <a:extLst>
-              <a:ext uri="{FF2B5EF4-FFF2-40B4-BE49-F238E27FC236}">
-                <a16:creationId xmlns:a16="http://schemas.microsoft.com/office/drawing/2014/main" id="{EFB04EA7-CA97-4F34-81FF-97951324713F}"/>
-              </a:ext>
-            </a:extLst>
-          </p:cNvPr>
-          <p:cNvSpPr/>
-          <p:nvPr/>
-        </p:nvSpPr>
-        <p:spPr>
-          <a:xfrm>
-            <a:off x="-1" y="2307867"/>
-            <a:ext cx="12205411" cy="471831"/>
-          </a:xfrm>
-          <a:prstGeom prst="rect">
-            <a:avLst/>
-          </a:prstGeom>
-        </p:spPr>
-        <p:style>
-          <a:lnRef idx="2">
-            <a:schemeClr val="dk1">
-              <a:shade val="50000"/>
-            </a:schemeClr>
-          </a:lnRef>
-          <a:fillRef idx="1">
-            <a:schemeClr val="dk1"/>
-          </a:fillRef>
-          <a:effectRef idx="0">
-            <a:schemeClr val="dk1"/>
-          </a:effectRef>
-          <a:fontRef idx="minor">
-            <a:schemeClr val="lt1"/>
-          </a:fontRef>
-        </p:style>
-        <p:txBody>
-          <a:bodyPr rtlCol="0" anchor="ctr"/>
-          <a:lstStyle/>
-          <a:p>
-            <a:pPr algn="ctr"/>
-            <a:r>
-              <a:rPr lang="en-US" dirty="0" err="1"/>
-              <a:t>SciKitLearn</a:t>
-            </a:r>
-            <a:r>
-              <a:rPr lang="en-US" dirty="0"/>
-              <a:t> and </a:t>
-            </a:r>
-            <a:r>
-              <a:rPr lang="en-US" dirty="0" err="1"/>
-              <a:t>statsmodels</a:t>
-            </a:r>
-            <a:r>
-              <a:rPr lang="en-US" dirty="0"/>
-              <a:t> R-squared scores: </a:t>
-            </a:r>
-            <a:r>
-              <a:rPr lang="en-US" b="1" dirty="0"/>
-              <a:t>.236   |   Screen time increases 52.7 minutes for each incremental pic taken</a:t>
-            </a:r>
-          </a:p>
-        </p:txBody>
-      </p:sp>
       <p:pic>
         <p:nvPicPr>
-          <p:cNvPr id="13" name="Picture 12">
-            <a:extLst>
-              <a:ext uri="{FF2B5EF4-FFF2-40B4-BE49-F238E27FC236}">
-                <a16:creationId xmlns:a16="http://schemas.microsoft.com/office/drawing/2014/main" id="{D718669C-DADB-4AAE-A854-BD888B7F3D7F}"/>
-              </a:ext>
-            </a:extLst>
-          </p:cNvPr>
-          <p:cNvPicPr>
-            <a:picLocks noChangeAspect="1"/>
-          </p:cNvPicPr>
-          <p:nvPr/>
-        </p:nvPicPr>
-        <p:blipFill rotWithShape="1">
-          <a:blip r:embed="rId2"/>
-          <a:srcRect l="68000" t="51279"/>
-          <a:stretch/>
-        </p:blipFill>
-        <p:spPr>
-          <a:xfrm>
-            <a:off x="7266439" y="766818"/>
-            <a:ext cx="1539714" cy="1524831"/>
-          </a:xfrm>
-          <a:prstGeom prst="rect">
-            <a:avLst/>
-          </a:prstGeom>
-        </p:spPr>
-      </p:pic>
-      <p:sp>
-        <p:nvSpPr>
-          <p:cNvPr id="9" name="Arrow: Right 8">
-            <a:extLst>
-              <a:ext uri="{FF2B5EF4-FFF2-40B4-BE49-F238E27FC236}">
-                <a16:creationId xmlns:a16="http://schemas.microsoft.com/office/drawing/2014/main" id="{4018E18D-2C2D-440F-9BFA-2B0C40C11E26}"/>
-              </a:ext>
-            </a:extLst>
-          </p:cNvPr>
-          <p:cNvSpPr/>
-          <p:nvPr/>
-        </p:nvSpPr>
-        <p:spPr>
-          <a:xfrm>
-            <a:off x="5361439" y="1588168"/>
-            <a:ext cx="1901952" cy="647509"/>
-          </a:xfrm>
-          <a:prstGeom prst="rightArrow">
-            <a:avLst/>
-          </a:prstGeom>
-        </p:spPr>
-        <p:style>
-          <a:lnRef idx="2">
-            <a:schemeClr val="accent1">
-              <a:shade val="50000"/>
-            </a:schemeClr>
-          </a:lnRef>
-          <a:fillRef idx="1">
-            <a:schemeClr val="accent1"/>
-          </a:fillRef>
-          <a:effectRef idx="0">
-            <a:schemeClr val="accent1"/>
-          </a:effectRef>
-          <a:fontRef idx="minor">
-            <a:schemeClr val="lt1"/>
-          </a:fontRef>
-        </p:style>
-        <p:txBody>
-          <a:bodyPr rtlCol="0" anchor="ctr"/>
-          <a:lstStyle/>
-          <a:p>
-            <a:pPr algn="ctr"/>
-            <a:r>
-              <a:rPr lang="en-US" dirty="0"/>
-              <a:t>Target Variable</a:t>
-            </a:r>
-          </a:p>
-        </p:txBody>
-      </p:sp>
-      <p:sp>
-        <p:nvSpPr>
-          <p:cNvPr id="15" name="Arrow: Right 14">
-            <a:extLst>
-              <a:ext uri="{FF2B5EF4-FFF2-40B4-BE49-F238E27FC236}">
-                <a16:creationId xmlns:a16="http://schemas.microsoft.com/office/drawing/2014/main" id="{F1D8D3B1-85FA-47E6-9D52-9622BFF292EA}"/>
-              </a:ext>
-            </a:extLst>
-          </p:cNvPr>
-          <p:cNvSpPr/>
-          <p:nvPr/>
-        </p:nvSpPr>
-        <p:spPr>
-          <a:xfrm flipH="1">
-            <a:off x="4525530" y="761284"/>
-            <a:ext cx="1901952" cy="647509"/>
-          </a:xfrm>
-          <a:prstGeom prst="rightArrow">
-            <a:avLst/>
-          </a:prstGeom>
-        </p:spPr>
-        <p:style>
-          <a:lnRef idx="2">
-            <a:schemeClr val="accent1">
-              <a:shade val="50000"/>
-            </a:schemeClr>
-          </a:lnRef>
-          <a:fillRef idx="1">
-            <a:schemeClr val="accent1"/>
-          </a:fillRef>
-          <a:effectRef idx="0">
-            <a:schemeClr val="accent1"/>
-          </a:effectRef>
-          <a:fontRef idx="minor">
-            <a:schemeClr val="lt1"/>
-          </a:fontRef>
-        </p:style>
-        <p:txBody>
-          <a:bodyPr rtlCol="0" anchor="ctr"/>
-          <a:lstStyle/>
-          <a:p>
-            <a:pPr algn="ctr"/>
-            <a:r>
-              <a:rPr lang="en-US" dirty="0"/>
-              <a:t>Feature</a:t>
-            </a:r>
-          </a:p>
-        </p:txBody>
-      </p:sp>
-      <p:pic>
-        <p:nvPicPr>
-          <p:cNvPr id="4" name="Picture 3">
-            <a:extLst>
-              <a:ext uri="{FF2B5EF4-FFF2-40B4-BE49-F238E27FC236}">
-                <a16:creationId xmlns:a16="http://schemas.microsoft.com/office/drawing/2014/main" id="{0C97C100-341A-4C3B-A222-D068D2AC0A74}"/>
-              </a:ext>
-            </a:extLst>
-          </p:cNvPr>
-          <p:cNvPicPr>
-            <a:picLocks noChangeAspect="1"/>
-          </p:cNvPicPr>
-          <p:nvPr/>
-        </p:nvPicPr>
-        <p:blipFill>
-          <a:blip r:embed="rId3"/>
-          <a:stretch>
-            <a:fillRect/>
-          </a:stretch>
-        </p:blipFill>
-        <p:spPr>
-          <a:xfrm>
-            <a:off x="2773687" y="737676"/>
-            <a:ext cx="1563868" cy="1511635"/>
-          </a:xfrm>
-          <a:prstGeom prst="rect">
-            <a:avLst/>
-          </a:prstGeom>
-        </p:spPr>
-      </p:pic>
-      <p:pic>
-        <p:nvPicPr>
-          <p:cNvPr id="5124" name="Picture 4">
-            <a:extLst>
-              <a:ext uri="{FF2B5EF4-FFF2-40B4-BE49-F238E27FC236}">
-                <a16:creationId xmlns:a16="http://schemas.microsoft.com/office/drawing/2014/main" id="{6CABF4A9-8E9E-4D67-9105-8639FDED5324}"/>
+          <p:cNvPr id="6" name="Picture 2">
+            <a:extLst>
+              <a:ext uri="{FF2B5EF4-FFF2-40B4-BE49-F238E27FC236}">
+                <a16:creationId xmlns:a16="http://schemas.microsoft.com/office/drawing/2014/main" id="{D1D18C7C-5FF9-468A-A697-1E3F81D4B6CA}"/>
               </a:ext>
             </a:extLst>
           </p:cNvPr>
@@ -4589,7 +4352,7 @@
           <p:nvPr/>
         </p:nvPicPr>
         <p:blipFill>
-          <a:blip r:embed="rId4">
+          <a:blip r:embed="rId2">
             <a:extLst>
               <a:ext uri="{28A0092B-C50C-407E-A947-70E740481C1C}">
                 <a14:useLocalDpi xmlns:a14="http://schemas.microsoft.com/office/drawing/2010/main" val="0"/>
@@ -4603,8 +4366,8 @@
         </p:blipFill>
         <p:spPr bwMode="auto">
           <a:xfrm>
-            <a:off x="1199881" y="2884978"/>
-            <a:ext cx="9607868" cy="3489008"/>
+            <a:off x="5683507" y="11634"/>
+            <a:ext cx="6478013" cy="6312883"/>
           </a:xfrm>
           <a:prstGeom prst="rect">
             <a:avLst/>
@@ -4621,10 +4384,256 @@
           </a:extLst>
         </p:spPr>
       </p:pic>
+      <p:sp>
+        <p:nvSpPr>
+          <p:cNvPr id="11" name="TextBox 10">
+            <a:extLst>
+              <a:ext uri="{FF2B5EF4-FFF2-40B4-BE49-F238E27FC236}">
+                <a16:creationId xmlns:a16="http://schemas.microsoft.com/office/drawing/2014/main" id="{A9E77218-916E-4850-A512-BF6B9FF38953}"/>
+              </a:ext>
+            </a:extLst>
+          </p:cNvPr>
+          <p:cNvSpPr txBox="1"/>
+          <p:nvPr/>
+        </p:nvSpPr>
+        <p:spPr>
+          <a:xfrm>
+            <a:off x="2724912" y="994910"/>
+            <a:ext cx="3589800" cy="369332"/>
+          </a:xfrm>
+          <a:prstGeom prst="rect">
+            <a:avLst/>
+          </a:prstGeom>
+          <a:noFill/>
+        </p:spPr>
+        <p:txBody>
+          <a:bodyPr wrap="square" rtlCol="0">
+            <a:spAutoFit/>
+          </a:bodyPr>
+          <a:lstStyle/>
+          <a:p>
+            <a:r>
+              <a:rPr lang="en-US" dirty="0"/>
+              <a:t>KNN Regressor: .224</a:t>
+            </a:r>
+          </a:p>
+        </p:txBody>
+      </p:sp>
+      <p:sp>
+        <p:nvSpPr>
+          <p:cNvPr id="12" name="Right Brace 11">
+            <a:extLst>
+              <a:ext uri="{FF2B5EF4-FFF2-40B4-BE49-F238E27FC236}">
+                <a16:creationId xmlns:a16="http://schemas.microsoft.com/office/drawing/2014/main" id="{A55029B7-C595-4917-B06B-B329F143CB71}"/>
+              </a:ext>
+            </a:extLst>
+          </p:cNvPr>
+          <p:cNvSpPr/>
+          <p:nvPr/>
+        </p:nvSpPr>
+        <p:spPr>
+          <a:xfrm flipH="1">
+            <a:off x="4745736" y="201168"/>
+            <a:ext cx="474255" cy="1956816"/>
+          </a:xfrm>
+          <a:prstGeom prst="rightBrace">
+            <a:avLst>
+              <a:gd name="adj1" fmla="val 64247"/>
+              <a:gd name="adj2" fmla="val 50000"/>
+            </a:avLst>
+          </a:prstGeom>
+        </p:spPr>
+        <p:style>
+          <a:lnRef idx="1">
+            <a:schemeClr val="accent1"/>
+          </a:lnRef>
+          <a:fillRef idx="0">
+            <a:schemeClr val="accent1"/>
+          </a:fillRef>
+          <a:effectRef idx="0">
+            <a:schemeClr val="accent1"/>
+          </a:effectRef>
+          <a:fontRef idx="minor">
+            <a:schemeClr val="tx1"/>
+          </a:fontRef>
+        </p:style>
+        <p:txBody>
+          <a:bodyPr rtlCol="0" anchor="ctr"/>
+          <a:lstStyle/>
+          <a:p>
+            <a:pPr algn="ctr"/>
+            <a:endParaRPr lang="en-US"/>
+          </a:p>
+        </p:txBody>
+      </p:sp>
+      <p:sp>
+        <p:nvSpPr>
+          <p:cNvPr id="13" name="TextBox 12">
+            <a:extLst>
+              <a:ext uri="{FF2B5EF4-FFF2-40B4-BE49-F238E27FC236}">
+                <a16:creationId xmlns:a16="http://schemas.microsoft.com/office/drawing/2014/main" id="{9B59F85D-A30A-4153-B02E-8847655EE85A}"/>
+              </a:ext>
+            </a:extLst>
+          </p:cNvPr>
+          <p:cNvSpPr txBox="1"/>
+          <p:nvPr/>
+        </p:nvSpPr>
+        <p:spPr>
+          <a:xfrm>
+            <a:off x="1633728" y="2912102"/>
+            <a:ext cx="3589800" cy="369332"/>
+          </a:xfrm>
+          <a:prstGeom prst="rect">
+            <a:avLst/>
+          </a:prstGeom>
+          <a:noFill/>
+        </p:spPr>
+        <p:txBody>
+          <a:bodyPr wrap="square" rtlCol="0">
+            <a:spAutoFit/>
+          </a:bodyPr>
+          <a:lstStyle/>
+          <a:p>
+            <a:r>
+              <a:rPr lang="en-US" dirty="0"/>
+              <a:t>Random Forest Regressor:  .248</a:t>
+            </a:r>
+          </a:p>
+        </p:txBody>
+      </p:sp>
+      <p:sp>
+        <p:nvSpPr>
+          <p:cNvPr id="14" name="Right Brace 13">
+            <a:extLst>
+              <a:ext uri="{FF2B5EF4-FFF2-40B4-BE49-F238E27FC236}">
+                <a16:creationId xmlns:a16="http://schemas.microsoft.com/office/drawing/2014/main" id="{8AB4D816-30A6-4BB8-84BA-B94C18360D4C}"/>
+              </a:ext>
+            </a:extLst>
+          </p:cNvPr>
+          <p:cNvSpPr/>
+          <p:nvPr/>
+        </p:nvSpPr>
+        <p:spPr>
+          <a:xfrm flipH="1">
+            <a:off x="4715256" y="2145792"/>
+            <a:ext cx="474255" cy="1956816"/>
+          </a:xfrm>
+          <a:prstGeom prst="rightBrace">
+            <a:avLst>
+              <a:gd name="adj1" fmla="val 64247"/>
+              <a:gd name="adj2" fmla="val 50000"/>
+            </a:avLst>
+          </a:prstGeom>
+        </p:spPr>
+        <p:style>
+          <a:lnRef idx="1">
+            <a:schemeClr val="accent1"/>
+          </a:lnRef>
+          <a:fillRef idx="0">
+            <a:schemeClr val="accent1"/>
+          </a:fillRef>
+          <a:effectRef idx="0">
+            <a:schemeClr val="accent1"/>
+          </a:effectRef>
+          <a:fontRef idx="minor">
+            <a:schemeClr val="tx1"/>
+          </a:fontRef>
+        </p:style>
+        <p:txBody>
+          <a:bodyPr rtlCol="0" anchor="ctr"/>
+          <a:lstStyle/>
+          <a:p>
+            <a:pPr algn="ctr"/>
+            <a:endParaRPr lang="en-US"/>
+          </a:p>
+        </p:txBody>
+      </p:sp>
+      <p:sp>
+        <p:nvSpPr>
+          <p:cNvPr id="15" name="TextBox 14">
+            <a:extLst>
+              <a:ext uri="{FF2B5EF4-FFF2-40B4-BE49-F238E27FC236}">
+                <a16:creationId xmlns:a16="http://schemas.microsoft.com/office/drawing/2014/main" id="{DA2AB6DA-F839-4959-8F54-D44422EA2478}"/>
+              </a:ext>
+            </a:extLst>
+          </p:cNvPr>
+          <p:cNvSpPr txBox="1"/>
+          <p:nvPr/>
+        </p:nvSpPr>
+        <p:spPr>
+          <a:xfrm>
+            <a:off x="1420368" y="4911590"/>
+            <a:ext cx="3589800" cy="369332"/>
+          </a:xfrm>
+          <a:prstGeom prst="rect">
+            <a:avLst/>
+          </a:prstGeom>
+          <a:noFill/>
+        </p:spPr>
+        <p:txBody>
+          <a:bodyPr wrap="square" rtlCol="0">
+            <a:spAutoFit/>
+          </a:bodyPr>
+          <a:lstStyle/>
+          <a:p>
+            <a:r>
+              <a:rPr lang="en-US" dirty="0"/>
+              <a:t>Gradient Boosted Regressor:  .247</a:t>
+            </a:r>
+          </a:p>
+        </p:txBody>
+      </p:sp>
+      <p:sp>
+        <p:nvSpPr>
+          <p:cNvPr id="16" name="Right Brace 15">
+            <a:extLst>
+              <a:ext uri="{FF2B5EF4-FFF2-40B4-BE49-F238E27FC236}">
+                <a16:creationId xmlns:a16="http://schemas.microsoft.com/office/drawing/2014/main" id="{D4B7A8C8-CC19-47C8-8E11-03677231B1A9}"/>
+              </a:ext>
+            </a:extLst>
+          </p:cNvPr>
+          <p:cNvSpPr/>
+          <p:nvPr/>
+        </p:nvSpPr>
+        <p:spPr>
+          <a:xfrm flipH="1">
+            <a:off x="4721352" y="4117848"/>
+            <a:ext cx="474255" cy="1956816"/>
+          </a:xfrm>
+          <a:prstGeom prst="rightBrace">
+            <a:avLst>
+              <a:gd name="adj1" fmla="val 64247"/>
+              <a:gd name="adj2" fmla="val 50000"/>
+            </a:avLst>
+          </a:prstGeom>
+        </p:spPr>
+        <p:style>
+          <a:lnRef idx="1">
+            <a:schemeClr val="accent1"/>
+          </a:lnRef>
+          <a:fillRef idx="0">
+            <a:schemeClr val="accent1"/>
+          </a:fillRef>
+          <a:effectRef idx="0">
+            <a:schemeClr val="accent1"/>
+          </a:effectRef>
+          <a:fontRef idx="minor">
+            <a:schemeClr val="tx1"/>
+          </a:fontRef>
+        </p:style>
+        <p:txBody>
+          <a:bodyPr rtlCol="0" anchor="ctr"/>
+          <a:lstStyle/>
+          <a:p>
+            <a:pPr algn="ctr"/>
+            <a:endParaRPr lang="en-US"/>
+          </a:p>
+        </p:txBody>
+      </p:sp>
     </p:spTree>
     <p:extLst>
       <p:ext uri="{BB962C8B-B14F-4D97-AF65-F5344CB8AC3E}">
-        <p14:creationId xmlns:p14="http://schemas.microsoft.com/office/powerpoint/2010/main" val="4256199920"/>
+        <p14:creationId xmlns:p14="http://schemas.microsoft.com/office/powerpoint/2010/main" val="1045401895"/>
       </p:ext>
     </p:extLst>
   </p:cSld>
@@ -4653,6 +4662,41 @@
       </p:grpSpPr>
       <p:sp>
         <p:nvSpPr>
+          <p:cNvPr id="2" name="Title 1">
+            <a:extLst>
+              <a:ext uri="{FF2B5EF4-FFF2-40B4-BE49-F238E27FC236}">
+                <a16:creationId xmlns:a16="http://schemas.microsoft.com/office/drawing/2014/main" id="{CCCB2C92-5D09-465F-97FD-B37C0150DB1F}"/>
+              </a:ext>
+            </a:extLst>
+          </p:cNvPr>
+          <p:cNvSpPr>
+            <a:spLocks noGrp="1"/>
+          </p:cNvSpPr>
+          <p:nvPr>
+            <p:ph type="title"/>
+          </p:nvPr>
+        </p:nvSpPr>
+        <p:spPr>
+          <a:xfrm>
+            <a:off x="974616" y="113173"/>
+            <a:ext cx="10058400" cy="543576"/>
+          </a:xfrm>
+        </p:spPr>
+        <p:txBody>
+          <a:bodyPr>
+            <a:noAutofit/>
+          </a:bodyPr>
+          <a:lstStyle/>
+          <a:p>
+            <a:r>
+              <a:rPr lang="en-US" sz="3200" dirty="0"/>
+              <a:t>Baseline: Linear Regression with 1 skewed feature</a:t>
+            </a:r>
+          </a:p>
+        </p:txBody>
+      </p:sp>
+      <p:sp>
+        <p:nvSpPr>
           <p:cNvPr id="5" name="Rectangle 4">
             <a:extLst>
               <a:ext uri="{FF2B5EF4-FFF2-40B4-BE49-F238E27FC236}">
@@ -4702,75 +4746,39 @@
       </p:sp>
       <p:sp>
         <p:nvSpPr>
-          <p:cNvPr id="11" name="TextBox 10">
-            <a:extLst>
-              <a:ext uri="{FF2B5EF4-FFF2-40B4-BE49-F238E27FC236}">
-                <a16:creationId xmlns:a16="http://schemas.microsoft.com/office/drawing/2014/main" id="{A9E77218-916E-4850-A512-BF6B9FF38953}"/>
-              </a:ext>
-            </a:extLst>
-          </p:cNvPr>
-          <p:cNvSpPr txBox="1"/>
-          <p:nvPr/>
-        </p:nvSpPr>
-        <p:spPr>
-          <a:xfrm>
-            <a:off x="2724912" y="994910"/>
-            <a:ext cx="3589800" cy="369332"/>
+          <p:cNvPr id="7" name="Rectangle 6">
+            <a:extLst>
+              <a:ext uri="{FF2B5EF4-FFF2-40B4-BE49-F238E27FC236}">
+                <a16:creationId xmlns:a16="http://schemas.microsoft.com/office/drawing/2014/main" id="{EFB04EA7-CA97-4F34-81FF-97951324713F}"/>
+              </a:ext>
+            </a:extLst>
+          </p:cNvPr>
+          <p:cNvSpPr/>
+          <p:nvPr/>
+        </p:nvSpPr>
+        <p:spPr>
+          <a:xfrm>
+            <a:off x="-1" y="2307867"/>
+            <a:ext cx="12205411" cy="471831"/>
           </a:xfrm>
           <a:prstGeom prst="rect">
             <a:avLst/>
           </a:prstGeom>
-          <a:noFill/>
-        </p:spPr>
-        <p:txBody>
-          <a:bodyPr wrap="square" rtlCol="0">
-            <a:spAutoFit/>
-          </a:bodyPr>
-          <a:lstStyle/>
-          <a:p>
-            <a:r>
-              <a:rPr lang="en-US" dirty="0"/>
-              <a:t>KNN Regressor: .234</a:t>
-            </a:r>
-          </a:p>
-        </p:txBody>
-      </p:sp>
-      <p:sp>
-        <p:nvSpPr>
-          <p:cNvPr id="12" name="Right Brace 11">
-            <a:extLst>
-              <a:ext uri="{FF2B5EF4-FFF2-40B4-BE49-F238E27FC236}">
-                <a16:creationId xmlns:a16="http://schemas.microsoft.com/office/drawing/2014/main" id="{A55029B7-C595-4917-B06B-B329F143CB71}"/>
-              </a:ext>
-            </a:extLst>
-          </p:cNvPr>
-          <p:cNvSpPr/>
-          <p:nvPr/>
-        </p:nvSpPr>
-        <p:spPr>
-          <a:xfrm flipH="1">
-            <a:off x="4745736" y="201168"/>
-            <a:ext cx="474255" cy="1956816"/>
-          </a:xfrm>
-          <a:prstGeom prst="rightBrace">
-            <a:avLst>
-              <a:gd name="adj1" fmla="val 64247"/>
-              <a:gd name="adj2" fmla="val 50000"/>
-            </a:avLst>
-          </a:prstGeom>
         </p:spPr>
         <p:style>
-          <a:lnRef idx="1">
-            <a:schemeClr val="accent1"/>
+          <a:lnRef idx="2">
+            <a:schemeClr val="dk1">
+              <a:shade val="50000"/>
+            </a:schemeClr>
           </a:lnRef>
-          <a:fillRef idx="0">
-            <a:schemeClr val="accent1"/>
+          <a:fillRef idx="1">
+            <a:schemeClr val="dk1"/>
           </a:fillRef>
           <a:effectRef idx="0">
-            <a:schemeClr val="accent1"/>
+            <a:schemeClr val="dk1"/>
           </a:effectRef>
           <a:fontRef idx="minor">
-            <a:schemeClr val="tx1"/>
+            <a:schemeClr val="lt1"/>
           </a:fontRef>
         </p:style>
         <p:txBody>
@@ -4778,51 +4786,64 @@
           <a:lstStyle/>
           <a:p>
             <a:pPr algn="ctr"/>
-            <a:endParaRPr lang="en-US"/>
-          </a:p>
-        </p:txBody>
-      </p:sp>
-      <p:sp>
-        <p:nvSpPr>
-          <p:cNvPr id="13" name="TextBox 12">
-            <a:extLst>
-              <a:ext uri="{FF2B5EF4-FFF2-40B4-BE49-F238E27FC236}">
-                <a16:creationId xmlns:a16="http://schemas.microsoft.com/office/drawing/2014/main" id="{9B59F85D-A30A-4153-B02E-8847655EE85A}"/>
-              </a:ext>
-            </a:extLst>
-          </p:cNvPr>
-          <p:cNvSpPr txBox="1"/>
-          <p:nvPr/>
-        </p:nvSpPr>
-        <p:spPr>
-          <a:xfrm>
-            <a:off x="1633728" y="2912102"/>
-            <a:ext cx="3589800" cy="369332"/>
+            <a:r>
+              <a:rPr lang="en-US" dirty="0" err="1"/>
+              <a:t>SciKitLearn</a:t>
+            </a:r>
+            <a:r>
+              <a:rPr lang="en-US" dirty="0"/>
+              <a:t> and </a:t>
+            </a:r>
+            <a:r>
+              <a:rPr lang="en-US" dirty="0" err="1"/>
+              <a:t>statsmodels</a:t>
+            </a:r>
+            <a:r>
+              <a:rPr lang="en-US" dirty="0"/>
+              <a:t> R-squared scores: </a:t>
+            </a:r>
+            <a:r>
+              <a:rPr lang="en-US" b="1" dirty="0"/>
+              <a:t>.236   |   Screen time increases 52.7 minutes for each incremental pic taken</a:t>
+            </a:r>
+          </a:p>
+        </p:txBody>
+      </p:sp>
+      <p:pic>
+        <p:nvPicPr>
+          <p:cNvPr id="13" name="Picture 12">
+            <a:extLst>
+              <a:ext uri="{FF2B5EF4-FFF2-40B4-BE49-F238E27FC236}">
+                <a16:creationId xmlns:a16="http://schemas.microsoft.com/office/drawing/2014/main" id="{D718669C-DADB-4AAE-A854-BD888B7F3D7F}"/>
+              </a:ext>
+            </a:extLst>
+          </p:cNvPr>
+          <p:cNvPicPr>
+            <a:picLocks noChangeAspect="1"/>
+          </p:cNvPicPr>
+          <p:nvPr/>
+        </p:nvPicPr>
+        <p:blipFill rotWithShape="1">
+          <a:blip r:embed="rId2"/>
+          <a:srcRect l="68000" t="51279"/>
+          <a:stretch/>
+        </p:blipFill>
+        <p:spPr>
+          <a:xfrm>
+            <a:off x="7266439" y="766818"/>
+            <a:ext cx="1539714" cy="1524831"/>
           </a:xfrm>
           <a:prstGeom prst="rect">
             <a:avLst/>
           </a:prstGeom>
-          <a:noFill/>
-        </p:spPr>
-        <p:txBody>
-          <a:bodyPr wrap="square" rtlCol="0">
-            <a:spAutoFit/>
-          </a:bodyPr>
-          <a:lstStyle/>
-          <a:p>
-            <a:r>
-              <a:rPr lang="en-US" dirty="0"/>
-              <a:t>Random Forest Regressor:  .254</a:t>
-            </a:r>
-          </a:p>
-        </p:txBody>
-      </p:sp>
-      <p:sp>
-        <p:nvSpPr>
-          <p:cNvPr id="14" name="Right Brace 13">
-            <a:extLst>
-              <a:ext uri="{FF2B5EF4-FFF2-40B4-BE49-F238E27FC236}">
-                <a16:creationId xmlns:a16="http://schemas.microsoft.com/office/drawing/2014/main" id="{8AB4D816-30A6-4BB8-84BA-B94C18360D4C}"/>
+        </p:spPr>
+      </p:pic>
+      <p:sp>
+        <p:nvSpPr>
+          <p:cNvPr id="9" name="Arrow: Right 8">
+            <a:extLst>
+              <a:ext uri="{FF2B5EF4-FFF2-40B4-BE49-F238E27FC236}">
+                <a16:creationId xmlns:a16="http://schemas.microsoft.com/office/drawing/2014/main" id="{4018E18D-2C2D-440F-9BFA-2B0C40C11E26}"/>
               </a:ext>
             </a:extLst>
           </p:cNvPr>
@@ -4830,29 +4851,28 @@
           <p:nvPr/>
         </p:nvSpPr>
         <p:spPr>
-          <a:xfrm flipH="1">
-            <a:off x="4715256" y="2145792"/>
-            <a:ext cx="474255" cy="1956816"/>
-          </a:xfrm>
-          <a:prstGeom prst="rightBrace">
-            <a:avLst>
-              <a:gd name="adj1" fmla="val 64247"/>
-              <a:gd name="adj2" fmla="val 50000"/>
-            </a:avLst>
+          <a:xfrm>
+            <a:off x="5361439" y="1588168"/>
+            <a:ext cx="1901952" cy="647509"/>
+          </a:xfrm>
+          <a:prstGeom prst="rightArrow">
+            <a:avLst/>
           </a:prstGeom>
         </p:spPr>
         <p:style>
-          <a:lnRef idx="1">
-            <a:schemeClr val="accent1"/>
+          <a:lnRef idx="2">
+            <a:schemeClr val="accent1">
+              <a:shade val="50000"/>
+            </a:schemeClr>
           </a:lnRef>
-          <a:fillRef idx="0">
+          <a:fillRef idx="1">
             <a:schemeClr val="accent1"/>
           </a:fillRef>
           <a:effectRef idx="0">
             <a:schemeClr val="accent1"/>
           </a:effectRef>
           <a:fontRef idx="minor">
-            <a:schemeClr val="tx1"/>
+            <a:schemeClr val="lt1"/>
           </a:fontRef>
         </p:style>
         <p:txBody>
@@ -4860,51 +4880,19 @@
           <a:lstStyle/>
           <a:p>
             <a:pPr algn="ctr"/>
-            <a:endParaRPr lang="en-US"/>
-          </a:p>
-        </p:txBody>
-      </p:sp>
-      <p:sp>
-        <p:nvSpPr>
-          <p:cNvPr id="15" name="TextBox 14">
-            <a:extLst>
-              <a:ext uri="{FF2B5EF4-FFF2-40B4-BE49-F238E27FC236}">
-                <a16:creationId xmlns:a16="http://schemas.microsoft.com/office/drawing/2014/main" id="{DA2AB6DA-F839-4959-8F54-D44422EA2478}"/>
-              </a:ext>
-            </a:extLst>
-          </p:cNvPr>
-          <p:cNvSpPr txBox="1"/>
-          <p:nvPr/>
-        </p:nvSpPr>
-        <p:spPr>
-          <a:xfrm>
-            <a:off x="1420368" y="4911590"/>
-            <a:ext cx="3589800" cy="369332"/>
-          </a:xfrm>
-          <a:prstGeom prst="rect">
-            <a:avLst/>
-          </a:prstGeom>
-          <a:noFill/>
-        </p:spPr>
-        <p:txBody>
-          <a:bodyPr wrap="square" rtlCol="0">
-            <a:spAutoFit/>
-          </a:bodyPr>
-          <a:lstStyle/>
-          <a:p>
             <a:r>
               <a:rPr lang="en-US" dirty="0"/>
-              <a:t>Gradient Boosted Regressor:  .253</a:t>
-            </a:r>
-          </a:p>
-        </p:txBody>
-      </p:sp>
-      <p:sp>
-        <p:nvSpPr>
-          <p:cNvPr id="16" name="Right Brace 15">
-            <a:extLst>
-              <a:ext uri="{FF2B5EF4-FFF2-40B4-BE49-F238E27FC236}">
-                <a16:creationId xmlns:a16="http://schemas.microsoft.com/office/drawing/2014/main" id="{D4B7A8C8-CC19-47C8-8E11-03677231B1A9}"/>
+              <a:t>Target Variable</a:t>
+            </a:r>
+          </a:p>
+        </p:txBody>
+      </p:sp>
+      <p:sp>
+        <p:nvSpPr>
+          <p:cNvPr id="15" name="Arrow: Right 14">
+            <a:extLst>
+              <a:ext uri="{FF2B5EF4-FFF2-40B4-BE49-F238E27FC236}">
+                <a16:creationId xmlns:a16="http://schemas.microsoft.com/office/drawing/2014/main" id="{F1D8D3B1-85FA-47E6-9D52-9622BFF292EA}"/>
               </a:ext>
             </a:extLst>
           </p:cNvPr>
@@ -4913,28 +4901,27 @@
         </p:nvSpPr>
         <p:spPr>
           <a:xfrm flipH="1">
-            <a:off x="4721352" y="4117848"/>
-            <a:ext cx="474255" cy="1956816"/>
-          </a:xfrm>
-          <a:prstGeom prst="rightBrace">
-            <a:avLst>
-              <a:gd name="adj1" fmla="val 64247"/>
-              <a:gd name="adj2" fmla="val 50000"/>
-            </a:avLst>
+            <a:off x="4525530" y="761284"/>
+            <a:ext cx="1901952" cy="647509"/>
+          </a:xfrm>
+          <a:prstGeom prst="rightArrow">
+            <a:avLst/>
           </a:prstGeom>
         </p:spPr>
         <p:style>
-          <a:lnRef idx="1">
-            <a:schemeClr val="accent1"/>
+          <a:lnRef idx="2">
+            <a:schemeClr val="accent1">
+              <a:shade val="50000"/>
+            </a:schemeClr>
           </a:lnRef>
-          <a:fillRef idx="0">
+          <a:fillRef idx="1">
             <a:schemeClr val="accent1"/>
           </a:fillRef>
           <a:effectRef idx="0">
             <a:schemeClr val="accent1"/>
           </a:effectRef>
           <a:fontRef idx="minor">
-            <a:schemeClr val="tx1"/>
+            <a:schemeClr val="lt1"/>
           </a:fontRef>
         </p:style>
         <p:txBody>
@@ -4942,16 +4929,49 @@
           <a:lstStyle/>
           <a:p>
             <a:pPr algn="ctr"/>
-            <a:endParaRPr lang="en-US"/>
+            <a:r>
+              <a:rPr lang="en-US" dirty="0"/>
+              <a:t>Feature</a:t>
+            </a:r>
           </a:p>
         </p:txBody>
       </p:sp>
       <p:pic>
         <p:nvPicPr>
-          <p:cNvPr id="6148" name="Picture 4">
-            <a:extLst>
-              <a:ext uri="{FF2B5EF4-FFF2-40B4-BE49-F238E27FC236}">
-                <a16:creationId xmlns:a16="http://schemas.microsoft.com/office/drawing/2014/main" id="{E18246F7-9F39-46AC-A5A6-12F4EA25D849}"/>
+          <p:cNvPr id="4" name="Picture 3">
+            <a:extLst>
+              <a:ext uri="{FF2B5EF4-FFF2-40B4-BE49-F238E27FC236}">
+                <a16:creationId xmlns:a16="http://schemas.microsoft.com/office/drawing/2014/main" id="{0C97C100-341A-4C3B-A222-D068D2AC0A74}"/>
+              </a:ext>
+            </a:extLst>
+          </p:cNvPr>
+          <p:cNvPicPr>
+            <a:picLocks noChangeAspect="1"/>
+          </p:cNvPicPr>
+          <p:nvPr/>
+        </p:nvPicPr>
+        <p:blipFill>
+          <a:blip r:embed="rId3"/>
+          <a:stretch>
+            <a:fillRect/>
+          </a:stretch>
+        </p:blipFill>
+        <p:spPr>
+          <a:xfrm>
+            <a:off x="2773687" y="737676"/>
+            <a:ext cx="1563868" cy="1511635"/>
+          </a:xfrm>
+          <a:prstGeom prst="rect">
+            <a:avLst/>
+          </a:prstGeom>
+        </p:spPr>
+      </p:pic>
+      <p:pic>
+        <p:nvPicPr>
+          <p:cNvPr id="5124" name="Picture 4">
+            <a:extLst>
+              <a:ext uri="{FF2B5EF4-FFF2-40B4-BE49-F238E27FC236}">
+                <a16:creationId xmlns:a16="http://schemas.microsoft.com/office/drawing/2014/main" id="{6CABF4A9-8E9E-4D67-9105-8639FDED5324}"/>
               </a:ext>
             </a:extLst>
           </p:cNvPr>
@@ -4961,7 +4981,7 @@
           <p:nvPr/>
         </p:nvPicPr>
         <p:blipFill>
-          <a:blip r:embed="rId2">
+          <a:blip r:embed="rId4">
             <a:extLst>
               <a:ext uri="{28A0092B-C50C-407E-A947-70E740481C1C}">
                 <a14:useLocalDpi xmlns:a14="http://schemas.microsoft.com/office/drawing/2010/main" val="0"/>
@@ -4975,8 +4995,8 @@
         </p:blipFill>
         <p:spPr bwMode="auto">
           <a:xfrm>
-            <a:off x="5669281" y="-1"/>
-            <a:ext cx="6522720" cy="6356451"/>
+            <a:off x="1199881" y="2884978"/>
+            <a:ext cx="9607868" cy="3489008"/>
           </a:xfrm>
           <a:prstGeom prst="rect">
             <a:avLst/>
@@ -4996,7 +5016,2684 @@
     </p:spTree>
     <p:extLst>
       <p:ext uri="{BB962C8B-B14F-4D97-AF65-F5344CB8AC3E}">
+        <p14:creationId xmlns:p14="http://schemas.microsoft.com/office/powerpoint/2010/main" val="4256199920"/>
+      </p:ext>
+    </p:extLst>
+  </p:cSld>
+  <p:clrMapOvr>
+    <a:masterClrMapping/>
+  </p:clrMapOvr>
+</p:sld>
+</file>
+
+<file path=ppt/slides/slide13.xml><?xml version="1.0" encoding="utf-8"?>
+<p:sld xmlns:a="http://schemas.openxmlformats.org/drawingml/2006/main" xmlns:r="http://schemas.openxmlformats.org/officeDocument/2006/relationships" xmlns:p="http://schemas.openxmlformats.org/presentationml/2006/main">
+  <p:cSld>
+    <p:spTree>
+      <p:nvGrpSpPr>
+        <p:cNvPr id="1" name=""/>
+        <p:cNvGrpSpPr/>
+        <p:nvPr/>
+      </p:nvGrpSpPr>
+      <p:grpSpPr>
+        <a:xfrm>
+          <a:off x="0" y="0"/>
+          <a:ext cx="0" cy="0"/>
+          <a:chOff x="0" y="0"/>
+          <a:chExt cx="0" cy="0"/>
+        </a:xfrm>
+      </p:grpSpPr>
+      <p:sp>
+        <p:nvSpPr>
+          <p:cNvPr id="5" name="Rectangle 4">
+            <a:extLst>
+              <a:ext uri="{FF2B5EF4-FFF2-40B4-BE49-F238E27FC236}">
+                <a16:creationId xmlns:a16="http://schemas.microsoft.com/office/drawing/2014/main" id="{535917A4-46F9-4BC8-AB29-55BE86F9B9BA}"/>
+              </a:ext>
+            </a:extLst>
+          </p:cNvPr>
+          <p:cNvSpPr/>
+          <p:nvPr/>
+        </p:nvSpPr>
+        <p:spPr>
+          <a:xfrm>
+            <a:off x="854242" y="1660358"/>
+            <a:ext cx="10539663" cy="144379"/>
+          </a:xfrm>
+          <a:prstGeom prst="rect">
+            <a:avLst/>
+          </a:prstGeom>
+          <a:ln>
+            <a:solidFill>
+              <a:schemeClr val="bg1"/>
+            </a:solidFill>
+          </a:ln>
+        </p:spPr>
+        <p:style>
+          <a:lnRef idx="2">
+            <a:schemeClr val="dk1"/>
+          </a:lnRef>
+          <a:fillRef idx="1">
+            <a:schemeClr val="lt1"/>
+          </a:fillRef>
+          <a:effectRef idx="0">
+            <a:schemeClr val="dk1"/>
+          </a:effectRef>
+          <a:fontRef idx="minor">
+            <a:schemeClr val="dk1"/>
+          </a:fontRef>
+        </p:style>
+        <p:txBody>
+          <a:bodyPr rtlCol="0" anchor="ctr"/>
+          <a:lstStyle/>
+          <a:p>
+            <a:pPr algn="ctr"/>
+            <a:endParaRPr lang="en-US"/>
+          </a:p>
+        </p:txBody>
+      </p:sp>
+      <p:sp>
+        <p:nvSpPr>
+          <p:cNvPr id="11" name="TextBox 10">
+            <a:extLst>
+              <a:ext uri="{FF2B5EF4-FFF2-40B4-BE49-F238E27FC236}">
+                <a16:creationId xmlns:a16="http://schemas.microsoft.com/office/drawing/2014/main" id="{A9E77218-916E-4850-A512-BF6B9FF38953}"/>
+              </a:ext>
+            </a:extLst>
+          </p:cNvPr>
+          <p:cNvSpPr txBox="1"/>
+          <p:nvPr/>
+        </p:nvSpPr>
+        <p:spPr>
+          <a:xfrm>
+            <a:off x="2724912" y="994910"/>
+            <a:ext cx="3589800" cy="369332"/>
+          </a:xfrm>
+          <a:prstGeom prst="rect">
+            <a:avLst/>
+          </a:prstGeom>
+          <a:noFill/>
+        </p:spPr>
+        <p:txBody>
+          <a:bodyPr wrap="square" rtlCol="0">
+            <a:spAutoFit/>
+          </a:bodyPr>
+          <a:lstStyle/>
+          <a:p>
+            <a:r>
+              <a:rPr lang="en-US" dirty="0"/>
+              <a:t>KNN Regressor: .234</a:t>
+            </a:r>
+          </a:p>
+        </p:txBody>
+      </p:sp>
+      <p:sp>
+        <p:nvSpPr>
+          <p:cNvPr id="12" name="Right Brace 11">
+            <a:extLst>
+              <a:ext uri="{FF2B5EF4-FFF2-40B4-BE49-F238E27FC236}">
+                <a16:creationId xmlns:a16="http://schemas.microsoft.com/office/drawing/2014/main" id="{A55029B7-C595-4917-B06B-B329F143CB71}"/>
+              </a:ext>
+            </a:extLst>
+          </p:cNvPr>
+          <p:cNvSpPr/>
+          <p:nvPr/>
+        </p:nvSpPr>
+        <p:spPr>
+          <a:xfrm flipH="1">
+            <a:off x="4745736" y="201168"/>
+            <a:ext cx="474255" cy="1956816"/>
+          </a:xfrm>
+          <a:prstGeom prst="rightBrace">
+            <a:avLst>
+              <a:gd name="adj1" fmla="val 64247"/>
+              <a:gd name="adj2" fmla="val 50000"/>
+            </a:avLst>
+          </a:prstGeom>
+        </p:spPr>
+        <p:style>
+          <a:lnRef idx="1">
+            <a:schemeClr val="accent1"/>
+          </a:lnRef>
+          <a:fillRef idx="0">
+            <a:schemeClr val="accent1"/>
+          </a:fillRef>
+          <a:effectRef idx="0">
+            <a:schemeClr val="accent1"/>
+          </a:effectRef>
+          <a:fontRef idx="minor">
+            <a:schemeClr val="tx1"/>
+          </a:fontRef>
+        </p:style>
+        <p:txBody>
+          <a:bodyPr rtlCol="0" anchor="ctr"/>
+          <a:lstStyle/>
+          <a:p>
+            <a:pPr algn="ctr"/>
+            <a:endParaRPr lang="en-US"/>
+          </a:p>
+        </p:txBody>
+      </p:sp>
+      <p:sp>
+        <p:nvSpPr>
+          <p:cNvPr id="13" name="TextBox 12">
+            <a:extLst>
+              <a:ext uri="{FF2B5EF4-FFF2-40B4-BE49-F238E27FC236}">
+                <a16:creationId xmlns:a16="http://schemas.microsoft.com/office/drawing/2014/main" id="{9B59F85D-A30A-4153-B02E-8847655EE85A}"/>
+              </a:ext>
+            </a:extLst>
+          </p:cNvPr>
+          <p:cNvSpPr txBox="1"/>
+          <p:nvPr/>
+        </p:nvSpPr>
+        <p:spPr>
+          <a:xfrm>
+            <a:off x="1633728" y="2912102"/>
+            <a:ext cx="3589800" cy="369332"/>
+          </a:xfrm>
+          <a:prstGeom prst="rect">
+            <a:avLst/>
+          </a:prstGeom>
+          <a:noFill/>
+        </p:spPr>
+        <p:txBody>
+          <a:bodyPr wrap="square" rtlCol="0">
+            <a:spAutoFit/>
+          </a:bodyPr>
+          <a:lstStyle/>
+          <a:p>
+            <a:r>
+              <a:rPr lang="en-US" dirty="0"/>
+              <a:t>Random Forest Regressor:  .254</a:t>
+            </a:r>
+          </a:p>
+        </p:txBody>
+      </p:sp>
+      <p:sp>
+        <p:nvSpPr>
+          <p:cNvPr id="14" name="Right Brace 13">
+            <a:extLst>
+              <a:ext uri="{FF2B5EF4-FFF2-40B4-BE49-F238E27FC236}">
+                <a16:creationId xmlns:a16="http://schemas.microsoft.com/office/drawing/2014/main" id="{8AB4D816-30A6-4BB8-84BA-B94C18360D4C}"/>
+              </a:ext>
+            </a:extLst>
+          </p:cNvPr>
+          <p:cNvSpPr/>
+          <p:nvPr/>
+        </p:nvSpPr>
+        <p:spPr>
+          <a:xfrm flipH="1">
+            <a:off x="4715256" y="2145792"/>
+            <a:ext cx="474255" cy="1956816"/>
+          </a:xfrm>
+          <a:prstGeom prst="rightBrace">
+            <a:avLst>
+              <a:gd name="adj1" fmla="val 64247"/>
+              <a:gd name="adj2" fmla="val 50000"/>
+            </a:avLst>
+          </a:prstGeom>
+        </p:spPr>
+        <p:style>
+          <a:lnRef idx="1">
+            <a:schemeClr val="accent1"/>
+          </a:lnRef>
+          <a:fillRef idx="0">
+            <a:schemeClr val="accent1"/>
+          </a:fillRef>
+          <a:effectRef idx="0">
+            <a:schemeClr val="accent1"/>
+          </a:effectRef>
+          <a:fontRef idx="minor">
+            <a:schemeClr val="tx1"/>
+          </a:fontRef>
+        </p:style>
+        <p:txBody>
+          <a:bodyPr rtlCol="0" anchor="ctr"/>
+          <a:lstStyle/>
+          <a:p>
+            <a:pPr algn="ctr"/>
+            <a:endParaRPr lang="en-US"/>
+          </a:p>
+        </p:txBody>
+      </p:sp>
+      <p:sp>
+        <p:nvSpPr>
+          <p:cNvPr id="15" name="TextBox 14">
+            <a:extLst>
+              <a:ext uri="{FF2B5EF4-FFF2-40B4-BE49-F238E27FC236}">
+                <a16:creationId xmlns:a16="http://schemas.microsoft.com/office/drawing/2014/main" id="{DA2AB6DA-F839-4959-8F54-D44422EA2478}"/>
+              </a:ext>
+            </a:extLst>
+          </p:cNvPr>
+          <p:cNvSpPr txBox="1"/>
+          <p:nvPr/>
+        </p:nvSpPr>
+        <p:spPr>
+          <a:xfrm>
+            <a:off x="1420368" y="4911590"/>
+            <a:ext cx="3589800" cy="369332"/>
+          </a:xfrm>
+          <a:prstGeom prst="rect">
+            <a:avLst/>
+          </a:prstGeom>
+          <a:noFill/>
+        </p:spPr>
+        <p:txBody>
+          <a:bodyPr wrap="square" rtlCol="0">
+            <a:spAutoFit/>
+          </a:bodyPr>
+          <a:lstStyle/>
+          <a:p>
+            <a:r>
+              <a:rPr lang="en-US" dirty="0"/>
+              <a:t>Gradient Boosted Regressor:  .253</a:t>
+            </a:r>
+          </a:p>
+        </p:txBody>
+      </p:sp>
+      <p:sp>
+        <p:nvSpPr>
+          <p:cNvPr id="16" name="Right Brace 15">
+            <a:extLst>
+              <a:ext uri="{FF2B5EF4-FFF2-40B4-BE49-F238E27FC236}">
+                <a16:creationId xmlns:a16="http://schemas.microsoft.com/office/drawing/2014/main" id="{D4B7A8C8-CC19-47C8-8E11-03677231B1A9}"/>
+              </a:ext>
+            </a:extLst>
+          </p:cNvPr>
+          <p:cNvSpPr/>
+          <p:nvPr/>
+        </p:nvSpPr>
+        <p:spPr>
+          <a:xfrm flipH="1">
+            <a:off x="4721352" y="4117848"/>
+            <a:ext cx="474255" cy="1956816"/>
+          </a:xfrm>
+          <a:prstGeom prst="rightBrace">
+            <a:avLst>
+              <a:gd name="adj1" fmla="val 64247"/>
+              <a:gd name="adj2" fmla="val 50000"/>
+            </a:avLst>
+          </a:prstGeom>
+        </p:spPr>
+        <p:style>
+          <a:lnRef idx="1">
+            <a:schemeClr val="accent1"/>
+          </a:lnRef>
+          <a:fillRef idx="0">
+            <a:schemeClr val="accent1"/>
+          </a:fillRef>
+          <a:effectRef idx="0">
+            <a:schemeClr val="accent1"/>
+          </a:effectRef>
+          <a:fontRef idx="minor">
+            <a:schemeClr val="tx1"/>
+          </a:fontRef>
+        </p:style>
+        <p:txBody>
+          <a:bodyPr rtlCol="0" anchor="ctr"/>
+          <a:lstStyle/>
+          <a:p>
+            <a:pPr algn="ctr"/>
+            <a:endParaRPr lang="en-US"/>
+          </a:p>
+        </p:txBody>
+      </p:sp>
+      <p:pic>
+        <p:nvPicPr>
+          <p:cNvPr id="6148" name="Picture 4">
+            <a:extLst>
+              <a:ext uri="{FF2B5EF4-FFF2-40B4-BE49-F238E27FC236}">
+                <a16:creationId xmlns:a16="http://schemas.microsoft.com/office/drawing/2014/main" id="{E18246F7-9F39-46AC-A5A6-12F4EA25D849}"/>
+              </a:ext>
+            </a:extLst>
+          </p:cNvPr>
+          <p:cNvPicPr>
+            <a:picLocks noChangeAspect="1" noChangeArrowheads="1"/>
+          </p:cNvPicPr>
+          <p:nvPr/>
+        </p:nvPicPr>
+        <p:blipFill>
+          <a:blip r:embed="rId2">
+            <a:extLst>
+              <a:ext uri="{28A0092B-C50C-407E-A947-70E740481C1C}">
+                <a14:useLocalDpi xmlns:a14="http://schemas.microsoft.com/office/drawing/2010/main" val="0"/>
+              </a:ext>
+            </a:extLst>
+          </a:blip>
+          <a:srcRect/>
+          <a:stretch>
+            <a:fillRect/>
+          </a:stretch>
+        </p:blipFill>
+        <p:spPr bwMode="auto">
+          <a:xfrm>
+            <a:off x="5669281" y="-1"/>
+            <a:ext cx="6522720" cy="6356451"/>
+          </a:xfrm>
+          <a:prstGeom prst="rect">
+            <a:avLst/>
+          </a:prstGeom>
+          <a:noFill/>
+          <a:extLst>
+            <a:ext uri="{909E8E84-426E-40DD-AFC4-6F175D3DCCD1}">
+              <a14:hiddenFill xmlns:a14="http://schemas.microsoft.com/office/drawing/2010/main">
+                <a:solidFill>
+                  <a:srgbClr val="FFFFFF"/>
+                </a:solidFill>
+              </a14:hiddenFill>
+            </a:ext>
+          </a:extLst>
+        </p:spPr>
+      </p:pic>
+    </p:spTree>
+    <p:extLst>
+      <p:ext uri="{BB962C8B-B14F-4D97-AF65-F5344CB8AC3E}">
         <p14:creationId xmlns:p14="http://schemas.microsoft.com/office/powerpoint/2010/main" val="372625493"/>
+      </p:ext>
+    </p:extLst>
+  </p:cSld>
+  <p:clrMapOvr>
+    <a:masterClrMapping/>
+  </p:clrMapOvr>
+</p:sld>
+</file>
+
+<file path=ppt/slides/slide14.xml><?xml version="1.0" encoding="utf-8"?>
+<p:sld xmlns:a="http://schemas.openxmlformats.org/drawingml/2006/main" xmlns:r="http://schemas.openxmlformats.org/officeDocument/2006/relationships" xmlns:p="http://schemas.openxmlformats.org/presentationml/2006/main">
+  <p:cSld>
+    <p:spTree>
+      <p:nvGrpSpPr>
+        <p:cNvPr id="1" name=""/>
+        <p:cNvGrpSpPr/>
+        <p:nvPr/>
+      </p:nvGrpSpPr>
+      <p:grpSpPr>
+        <a:xfrm>
+          <a:off x="0" y="0"/>
+          <a:ext cx="0" cy="0"/>
+          <a:chOff x="0" y="0"/>
+          <a:chExt cx="0" cy="0"/>
+        </a:xfrm>
+      </p:grpSpPr>
+      <p:sp>
+        <p:nvSpPr>
+          <p:cNvPr id="2" name="Title 1">
+            <a:extLst>
+              <a:ext uri="{FF2B5EF4-FFF2-40B4-BE49-F238E27FC236}">
+                <a16:creationId xmlns:a16="http://schemas.microsoft.com/office/drawing/2014/main" id="{CCCB2C92-5D09-465F-97FD-B37C0150DB1F}"/>
+              </a:ext>
+            </a:extLst>
+          </p:cNvPr>
+          <p:cNvSpPr>
+            <a:spLocks noGrp="1"/>
+          </p:cNvSpPr>
+          <p:nvPr>
+            <p:ph type="title"/>
+          </p:nvPr>
+        </p:nvSpPr>
+        <p:spPr>
+          <a:xfrm>
+            <a:off x="974616" y="113173"/>
+            <a:ext cx="10058400" cy="543576"/>
+          </a:xfrm>
+        </p:spPr>
+        <p:txBody>
+          <a:bodyPr>
+            <a:noAutofit/>
+          </a:bodyPr>
+          <a:lstStyle/>
+          <a:p>
+            <a:r>
+              <a:rPr lang="en-US" sz="3200" dirty="0"/>
+              <a:t>Baseline: Linear Regression with 1 Poisson feature</a:t>
+            </a:r>
+          </a:p>
+        </p:txBody>
+      </p:sp>
+      <p:sp>
+        <p:nvSpPr>
+          <p:cNvPr id="5" name="Rectangle 4">
+            <a:extLst>
+              <a:ext uri="{FF2B5EF4-FFF2-40B4-BE49-F238E27FC236}">
+                <a16:creationId xmlns:a16="http://schemas.microsoft.com/office/drawing/2014/main" id="{535917A4-46F9-4BC8-AB29-55BE86F9B9BA}"/>
+              </a:ext>
+            </a:extLst>
+          </p:cNvPr>
+          <p:cNvSpPr/>
+          <p:nvPr/>
+        </p:nvSpPr>
+        <p:spPr>
+          <a:xfrm>
+            <a:off x="854242" y="1660358"/>
+            <a:ext cx="10539663" cy="144379"/>
+          </a:xfrm>
+          <a:prstGeom prst="rect">
+            <a:avLst/>
+          </a:prstGeom>
+          <a:ln>
+            <a:solidFill>
+              <a:schemeClr val="bg1"/>
+            </a:solidFill>
+          </a:ln>
+        </p:spPr>
+        <p:style>
+          <a:lnRef idx="2">
+            <a:schemeClr val="dk1"/>
+          </a:lnRef>
+          <a:fillRef idx="1">
+            <a:schemeClr val="lt1"/>
+          </a:fillRef>
+          <a:effectRef idx="0">
+            <a:schemeClr val="dk1"/>
+          </a:effectRef>
+          <a:fontRef idx="minor">
+            <a:schemeClr val="dk1"/>
+          </a:fontRef>
+        </p:style>
+        <p:txBody>
+          <a:bodyPr rtlCol="0" anchor="ctr"/>
+          <a:lstStyle/>
+          <a:p>
+            <a:pPr algn="ctr"/>
+            <a:endParaRPr lang="en-US"/>
+          </a:p>
+        </p:txBody>
+      </p:sp>
+      <p:sp>
+        <p:nvSpPr>
+          <p:cNvPr id="7" name="Rectangle 6">
+            <a:extLst>
+              <a:ext uri="{FF2B5EF4-FFF2-40B4-BE49-F238E27FC236}">
+                <a16:creationId xmlns:a16="http://schemas.microsoft.com/office/drawing/2014/main" id="{EFB04EA7-CA97-4F34-81FF-97951324713F}"/>
+              </a:ext>
+            </a:extLst>
+          </p:cNvPr>
+          <p:cNvSpPr/>
+          <p:nvPr/>
+        </p:nvSpPr>
+        <p:spPr>
+          <a:xfrm>
+            <a:off x="-1" y="2307867"/>
+            <a:ext cx="12205411" cy="471831"/>
+          </a:xfrm>
+          <a:prstGeom prst="rect">
+            <a:avLst/>
+          </a:prstGeom>
+        </p:spPr>
+        <p:style>
+          <a:lnRef idx="2">
+            <a:schemeClr val="dk1">
+              <a:shade val="50000"/>
+            </a:schemeClr>
+          </a:lnRef>
+          <a:fillRef idx="1">
+            <a:schemeClr val="dk1"/>
+          </a:fillRef>
+          <a:effectRef idx="0">
+            <a:schemeClr val="dk1"/>
+          </a:effectRef>
+          <a:fontRef idx="minor">
+            <a:schemeClr val="lt1"/>
+          </a:fontRef>
+        </p:style>
+        <p:txBody>
+          <a:bodyPr rtlCol="0" anchor="ctr"/>
+          <a:lstStyle/>
+          <a:p>
+            <a:pPr algn="ctr"/>
+            <a:r>
+              <a:rPr lang="en-US" dirty="0" err="1"/>
+              <a:t>SciKitLearn</a:t>
+            </a:r>
+            <a:r>
+              <a:rPr lang="en-US" dirty="0"/>
+              <a:t> and </a:t>
+            </a:r>
+            <a:r>
+              <a:rPr lang="en-US" dirty="0" err="1"/>
+              <a:t>statsmodels</a:t>
+            </a:r>
+            <a:r>
+              <a:rPr lang="en-US" dirty="0"/>
+              <a:t> R-squared scores: </a:t>
+            </a:r>
+            <a:r>
+              <a:rPr lang="en-US" b="1" dirty="0"/>
+              <a:t>.196   |   Screen time increases 332 minutes for each incremental drop</a:t>
+            </a:r>
+          </a:p>
+        </p:txBody>
+      </p:sp>
+      <p:pic>
+        <p:nvPicPr>
+          <p:cNvPr id="13" name="Picture 12">
+            <a:extLst>
+              <a:ext uri="{FF2B5EF4-FFF2-40B4-BE49-F238E27FC236}">
+                <a16:creationId xmlns:a16="http://schemas.microsoft.com/office/drawing/2014/main" id="{D718669C-DADB-4AAE-A854-BD888B7F3D7F}"/>
+              </a:ext>
+            </a:extLst>
+          </p:cNvPr>
+          <p:cNvPicPr>
+            <a:picLocks noChangeAspect="1"/>
+          </p:cNvPicPr>
+          <p:nvPr/>
+        </p:nvPicPr>
+        <p:blipFill rotWithShape="1">
+          <a:blip r:embed="rId2"/>
+          <a:srcRect l="68000" t="51279"/>
+          <a:stretch/>
+        </p:blipFill>
+        <p:spPr>
+          <a:xfrm>
+            <a:off x="7266439" y="766818"/>
+            <a:ext cx="1539714" cy="1524831"/>
+          </a:xfrm>
+          <a:prstGeom prst="rect">
+            <a:avLst/>
+          </a:prstGeom>
+        </p:spPr>
+      </p:pic>
+      <p:sp>
+        <p:nvSpPr>
+          <p:cNvPr id="9" name="Arrow: Right 8">
+            <a:extLst>
+              <a:ext uri="{FF2B5EF4-FFF2-40B4-BE49-F238E27FC236}">
+                <a16:creationId xmlns:a16="http://schemas.microsoft.com/office/drawing/2014/main" id="{4018E18D-2C2D-440F-9BFA-2B0C40C11E26}"/>
+              </a:ext>
+            </a:extLst>
+          </p:cNvPr>
+          <p:cNvSpPr/>
+          <p:nvPr/>
+        </p:nvSpPr>
+        <p:spPr>
+          <a:xfrm>
+            <a:off x="5361439" y="1588168"/>
+            <a:ext cx="1901952" cy="647509"/>
+          </a:xfrm>
+          <a:prstGeom prst="rightArrow">
+            <a:avLst/>
+          </a:prstGeom>
+        </p:spPr>
+        <p:style>
+          <a:lnRef idx="2">
+            <a:schemeClr val="accent1">
+              <a:shade val="50000"/>
+            </a:schemeClr>
+          </a:lnRef>
+          <a:fillRef idx="1">
+            <a:schemeClr val="accent1"/>
+          </a:fillRef>
+          <a:effectRef idx="0">
+            <a:schemeClr val="accent1"/>
+          </a:effectRef>
+          <a:fontRef idx="minor">
+            <a:schemeClr val="lt1"/>
+          </a:fontRef>
+        </p:style>
+        <p:txBody>
+          <a:bodyPr rtlCol="0" anchor="ctr"/>
+          <a:lstStyle/>
+          <a:p>
+            <a:pPr algn="ctr"/>
+            <a:r>
+              <a:rPr lang="en-US" dirty="0"/>
+              <a:t>Target Variable</a:t>
+            </a:r>
+          </a:p>
+        </p:txBody>
+      </p:sp>
+      <p:sp>
+        <p:nvSpPr>
+          <p:cNvPr id="15" name="Arrow: Right 14">
+            <a:extLst>
+              <a:ext uri="{FF2B5EF4-FFF2-40B4-BE49-F238E27FC236}">
+                <a16:creationId xmlns:a16="http://schemas.microsoft.com/office/drawing/2014/main" id="{F1D8D3B1-85FA-47E6-9D52-9622BFF292EA}"/>
+              </a:ext>
+            </a:extLst>
+          </p:cNvPr>
+          <p:cNvSpPr/>
+          <p:nvPr/>
+        </p:nvSpPr>
+        <p:spPr>
+          <a:xfrm flipH="1">
+            <a:off x="4525530" y="761284"/>
+            <a:ext cx="1901952" cy="647509"/>
+          </a:xfrm>
+          <a:prstGeom prst="rightArrow">
+            <a:avLst/>
+          </a:prstGeom>
+        </p:spPr>
+        <p:style>
+          <a:lnRef idx="2">
+            <a:schemeClr val="accent1">
+              <a:shade val="50000"/>
+            </a:schemeClr>
+          </a:lnRef>
+          <a:fillRef idx="1">
+            <a:schemeClr val="accent1"/>
+          </a:fillRef>
+          <a:effectRef idx="0">
+            <a:schemeClr val="accent1"/>
+          </a:effectRef>
+          <a:fontRef idx="minor">
+            <a:schemeClr val="lt1"/>
+          </a:fontRef>
+        </p:style>
+        <p:txBody>
+          <a:bodyPr rtlCol="0" anchor="ctr"/>
+          <a:lstStyle/>
+          <a:p>
+            <a:pPr algn="ctr"/>
+            <a:r>
+              <a:rPr lang="en-US" dirty="0"/>
+              <a:t>Feature</a:t>
+            </a:r>
+          </a:p>
+        </p:txBody>
+      </p:sp>
+      <p:pic>
+        <p:nvPicPr>
+          <p:cNvPr id="3" name="Picture 2">
+            <a:extLst>
+              <a:ext uri="{FF2B5EF4-FFF2-40B4-BE49-F238E27FC236}">
+                <a16:creationId xmlns:a16="http://schemas.microsoft.com/office/drawing/2014/main" id="{3F0D0549-48AB-4885-9A0E-2927E84D7AF4}"/>
+              </a:ext>
+            </a:extLst>
+          </p:cNvPr>
+          <p:cNvPicPr>
+            <a:picLocks noChangeAspect="1"/>
+          </p:cNvPicPr>
+          <p:nvPr/>
+        </p:nvPicPr>
+        <p:blipFill>
+          <a:blip r:embed="rId3"/>
+          <a:stretch>
+            <a:fillRect/>
+          </a:stretch>
+        </p:blipFill>
+        <p:spPr>
+          <a:xfrm>
+            <a:off x="2773687" y="837700"/>
+            <a:ext cx="1413003" cy="1383066"/>
+          </a:xfrm>
+          <a:prstGeom prst="rect">
+            <a:avLst/>
+          </a:prstGeom>
+        </p:spPr>
+      </p:pic>
+      <p:pic>
+        <p:nvPicPr>
+          <p:cNvPr id="2052" name="Picture 4">
+            <a:extLst>
+              <a:ext uri="{FF2B5EF4-FFF2-40B4-BE49-F238E27FC236}">
+                <a16:creationId xmlns:a16="http://schemas.microsoft.com/office/drawing/2014/main" id="{C8E28B42-7651-4807-B0FD-C68CA07536C4}"/>
+              </a:ext>
+            </a:extLst>
+          </p:cNvPr>
+          <p:cNvPicPr>
+            <a:picLocks noChangeAspect="1" noChangeArrowheads="1"/>
+          </p:cNvPicPr>
+          <p:nvPr/>
+        </p:nvPicPr>
+        <p:blipFill>
+          <a:blip r:embed="rId4">
+            <a:extLst>
+              <a:ext uri="{28A0092B-C50C-407E-A947-70E740481C1C}">
+                <a14:useLocalDpi xmlns:a14="http://schemas.microsoft.com/office/drawing/2010/main" val="0"/>
+              </a:ext>
+            </a:extLst>
+          </a:blip>
+          <a:srcRect/>
+          <a:stretch>
+            <a:fillRect/>
+          </a:stretch>
+        </p:blipFill>
+        <p:spPr bwMode="auto">
+          <a:xfrm>
+            <a:off x="887927" y="2883524"/>
+            <a:ext cx="9524048" cy="3489008"/>
+          </a:xfrm>
+          <a:prstGeom prst="rect">
+            <a:avLst/>
+          </a:prstGeom>
+          <a:noFill/>
+          <a:extLst>
+            <a:ext uri="{909E8E84-426E-40DD-AFC4-6F175D3DCCD1}">
+              <a14:hiddenFill xmlns:a14="http://schemas.microsoft.com/office/drawing/2010/main">
+                <a:solidFill>
+                  <a:srgbClr val="FFFFFF"/>
+                </a:solidFill>
+              </a14:hiddenFill>
+            </a:ext>
+          </a:extLst>
+        </p:spPr>
+      </p:pic>
+    </p:spTree>
+    <p:extLst>
+      <p:ext uri="{BB962C8B-B14F-4D97-AF65-F5344CB8AC3E}">
+        <p14:creationId xmlns:p14="http://schemas.microsoft.com/office/powerpoint/2010/main" val="2120199281"/>
+      </p:ext>
+    </p:extLst>
+  </p:cSld>
+  <p:clrMapOvr>
+    <a:masterClrMapping/>
+  </p:clrMapOvr>
+</p:sld>
+</file>
+
+<file path=ppt/slides/slide15.xml><?xml version="1.0" encoding="utf-8"?>
+<p:sld xmlns:a="http://schemas.openxmlformats.org/drawingml/2006/main" xmlns:r="http://schemas.openxmlformats.org/officeDocument/2006/relationships" xmlns:p="http://schemas.openxmlformats.org/presentationml/2006/main">
+  <p:cSld>
+    <p:spTree>
+      <p:nvGrpSpPr>
+        <p:cNvPr id="1" name=""/>
+        <p:cNvGrpSpPr/>
+        <p:nvPr/>
+      </p:nvGrpSpPr>
+      <p:grpSpPr>
+        <a:xfrm>
+          <a:off x="0" y="0"/>
+          <a:ext cx="0" cy="0"/>
+          <a:chOff x="0" y="0"/>
+          <a:chExt cx="0" cy="0"/>
+        </a:xfrm>
+      </p:grpSpPr>
+      <p:sp>
+        <p:nvSpPr>
+          <p:cNvPr id="5" name="Rectangle 4">
+            <a:extLst>
+              <a:ext uri="{FF2B5EF4-FFF2-40B4-BE49-F238E27FC236}">
+                <a16:creationId xmlns:a16="http://schemas.microsoft.com/office/drawing/2014/main" id="{535917A4-46F9-4BC8-AB29-55BE86F9B9BA}"/>
+              </a:ext>
+            </a:extLst>
+          </p:cNvPr>
+          <p:cNvSpPr/>
+          <p:nvPr/>
+        </p:nvSpPr>
+        <p:spPr>
+          <a:xfrm>
+            <a:off x="854242" y="1660358"/>
+            <a:ext cx="10539663" cy="144379"/>
+          </a:xfrm>
+          <a:prstGeom prst="rect">
+            <a:avLst/>
+          </a:prstGeom>
+          <a:ln>
+            <a:solidFill>
+              <a:schemeClr val="bg1"/>
+            </a:solidFill>
+          </a:ln>
+        </p:spPr>
+        <p:style>
+          <a:lnRef idx="2">
+            <a:schemeClr val="dk1"/>
+          </a:lnRef>
+          <a:fillRef idx="1">
+            <a:schemeClr val="lt1"/>
+          </a:fillRef>
+          <a:effectRef idx="0">
+            <a:schemeClr val="dk1"/>
+          </a:effectRef>
+          <a:fontRef idx="minor">
+            <a:schemeClr val="dk1"/>
+          </a:fontRef>
+        </p:style>
+        <p:txBody>
+          <a:bodyPr rtlCol="0" anchor="ctr"/>
+          <a:lstStyle/>
+          <a:p>
+            <a:pPr algn="ctr"/>
+            <a:endParaRPr lang="en-US"/>
+          </a:p>
+        </p:txBody>
+      </p:sp>
+      <p:sp>
+        <p:nvSpPr>
+          <p:cNvPr id="11" name="TextBox 10">
+            <a:extLst>
+              <a:ext uri="{FF2B5EF4-FFF2-40B4-BE49-F238E27FC236}">
+                <a16:creationId xmlns:a16="http://schemas.microsoft.com/office/drawing/2014/main" id="{A9E77218-916E-4850-A512-BF6B9FF38953}"/>
+              </a:ext>
+            </a:extLst>
+          </p:cNvPr>
+          <p:cNvSpPr txBox="1"/>
+          <p:nvPr/>
+        </p:nvSpPr>
+        <p:spPr>
+          <a:xfrm>
+            <a:off x="2724912" y="994910"/>
+            <a:ext cx="3589800" cy="369332"/>
+          </a:xfrm>
+          <a:prstGeom prst="rect">
+            <a:avLst/>
+          </a:prstGeom>
+          <a:noFill/>
+        </p:spPr>
+        <p:txBody>
+          <a:bodyPr wrap="square" rtlCol="0">
+            <a:spAutoFit/>
+          </a:bodyPr>
+          <a:lstStyle/>
+          <a:p>
+            <a:r>
+              <a:rPr lang="en-US" dirty="0"/>
+              <a:t>KNN Regressor: .193</a:t>
+            </a:r>
+          </a:p>
+        </p:txBody>
+      </p:sp>
+      <p:sp>
+        <p:nvSpPr>
+          <p:cNvPr id="12" name="Right Brace 11">
+            <a:extLst>
+              <a:ext uri="{FF2B5EF4-FFF2-40B4-BE49-F238E27FC236}">
+                <a16:creationId xmlns:a16="http://schemas.microsoft.com/office/drawing/2014/main" id="{A55029B7-C595-4917-B06B-B329F143CB71}"/>
+              </a:ext>
+            </a:extLst>
+          </p:cNvPr>
+          <p:cNvSpPr/>
+          <p:nvPr/>
+        </p:nvSpPr>
+        <p:spPr>
+          <a:xfrm flipH="1">
+            <a:off x="4745736" y="201168"/>
+            <a:ext cx="474255" cy="1956816"/>
+          </a:xfrm>
+          <a:prstGeom prst="rightBrace">
+            <a:avLst>
+              <a:gd name="adj1" fmla="val 64247"/>
+              <a:gd name="adj2" fmla="val 50000"/>
+            </a:avLst>
+          </a:prstGeom>
+        </p:spPr>
+        <p:style>
+          <a:lnRef idx="1">
+            <a:schemeClr val="accent1"/>
+          </a:lnRef>
+          <a:fillRef idx="0">
+            <a:schemeClr val="accent1"/>
+          </a:fillRef>
+          <a:effectRef idx="0">
+            <a:schemeClr val="accent1"/>
+          </a:effectRef>
+          <a:fontRef idx="minor">
+            <a:schemeClr val="tx1"/>
+          </a:fontRef>
+        </p:style>
+        <p:txBody>
+          <a:bodyPr rtlCol="0" anchor="ctr"/>
+          <a:lstStyle/>
+          <a:p>
+            <a:pPr algn="ctr"/>
+            <a:endParaRPr lang="en-US"/>
+          </a:p>
+        </p:txBody>
+      </p:sp>
+      <p:sp>
+        <p:nvSpPr>
+          <p:cNvPr id="13" name="TextBox 12">
+            <a:extLst>
+              <a:ext uri="{FF2B5EF4-FFF2-40B4-BE49-F238E27FC236}">
+                <a16:creationId xmlns:a16="http://schemas.microsoft.com/office/drawing/2014/main" id="{9B59F85D-A30A-4153-B02E-8847655EE85A}"/>
+              </a:ext>
+            </a:extLst>
+          </p:cNvPr>
+          <p:cNvSpPr txBox="1"/>
+          <p:nvPr/>
+        </p:nvSpPr>
+        <p:spPr>
+          <a:xfrm>
+            <a:off x="1633728" y="2912102"/>
+            <a:ext cx="3589800" cy="369332"/>
+          </a:xfrm>
+          <a:prstGeom prst="rect">
+            <a:avLst/>
+          </a:prstGeom>
+          <a:noFill/>
+        </p:spPr>
+        <p:txBody>
+          <a:bodyPr wrap="square" rtlCol="0">
+            <a:spAutoFit/>
+          </a:bodyPr>
+          <a:lstStyle/>
+          <a:p>
+            <a:r>
+              <a:rPr lang="en-US" dirty="0"/>
+              <a:t>Random Forest Regressor:  .219</a:t>
+            </a:r>
+          </a:p>
+        </p:txBody>
+      </p:sp>
+      <p:sp>
+        <p:nvSpPr>
+          <p:cNvPr id="14" name="Right Brace 13">
+            <a:extLst>
+              <a:ext uri="{FF2B5EF4-FFF2-40B4-BE49-F238E27FC236}">
+                <a16:creationId xmlns:a16="http://schemas.microsoft.com/office/drawing/2014/main" id="{8AB4D816-30A6-4BB8-84BA-B94C18360D4C}"/>
+              </a:ext>
+            </a:extLst>
+          </p:cNvPr>
+          <p:cNvSpPr/>
+          <p:nvPr/>
+        </p:nvSpPr>
+        <p:spPr>
+          <a:xfrm flipH="1">
+            <a:off x="4715256" y="2145792"/>
+            <a:ext cx="474255" cy="1956816"/>
+          </a:xfrm>
+          <a:prstGeom prst="rightBrace">
+            <a:avLst>
+              <a:gd name="adj1" fmla="val 64247"/>
+              <a:gd name="adj2" fmla="val 50000"/>
+            </a:avLst>
+          </a:prstGeom>
+        </p:spPr>
+        <p:style>
+          <a:lnRef idx="1">
+            <a:schemeClr val="accent1"/>
+          </a:lnRef>
+          <a:fillRef idx="0">
+            <a:schemeClr val="accent1"/>
+          </a:fillRef>
+          <a:effectRef idx="0">
+            <a:schemeClr val="accent1"/>
+          </a:effectRef>
+          <a:fontRef idx="minor">
+            <a:schemeClr val="tx1"/>
+          </a:fontRef>
+        </p:style>
+        <p:txBody>
+          <a:bodyPr rtlCol="0" anchor="ctr"/>
+          <a:lstStyle/>
+          <a:p>
+            <a:pPr algn="ctr"/>
+            <a:endParaRPr lang="en-US"/>
+          </a:p>
+        </p:txBody>
+      </p:sp>
+      <p:sp>
+        <p:nvSpPr>
+          <p:cNvPr id="15" name="TextBox 14">
+            <a:extLst>
+              <a:ext uri="{FF2B5EF4-FFF2-40B4-BE49-F238E27FC236}">
+                <a16:creationId xmlns:a16="http://schemas.microsoft.com/office/drawing/2014/main" id="{DA2AB6DA-F839-4959-8F54-D44422EA2478}"/>
+              </a:ext>
+            </a:extLst>
+          </p:cNvPr>
+          <p:cNvSpPr txBox="1"/>
+          <p:nvPr/>
+        </p:nvSpPr>
+        <p:spPr>
+          <a:xfrm>
+            <a:off x="1420368" y="4911590"/>
+            <a:ext cx="3589800" cy="369332"/>
+          </a:xfrm>
+          <a:prstGeom prst="rect">
+            <a:avLst/>
+          </a:prstGeom>
+          <a:noFill/>
+        </p:spPr>
+        <p:txBody>
+          <a:bodyPr wrap="square" rtlCol="0">
+            <a:spAutoFit/>
+          </a:bodyPr>
+          <a:lstStyle/>
+          <a:p>
+            <a:r>
+              <a:rPr lang="en-US" dirty="0"/>
+              <a:t>Gradient Boosted Regressor:  .219</a:t>
+            </a:r>
+          </a:p>
+        </p:txBody>
+      </p:sp>
+      <p:sp>
+        <p:nvSpPr>
+          <p:cNvPr id="16" name="Right Brace 15">
+            <a:extLst>
+              <a:ext uri="{FF2B5EF4-FFF2-40B4-BE49-F238E27FC236}">
+                <a16:creationId xmlns:a16="http://schemas.microsoft.com/office/drawing/2014/main" id="{D4B7A8C8-CC19-47C8-8E11-03677231B1A9}"/>
+              </a:ext>
+            </a:extLst>
+          </p:cNvPr>
+          <p:cNvSpPr/>
+          <p:nvPr/>
+        </p:nvSpPr>
+        <p:spPr>
+          <a:xfrm flipH="1">
+            <a:off x="4721352" y="4117848"/>
+            <a:ext cx="474255" cy="1956816"/>
+          </a:xfrm>
+          <a:prstGeom prst="rightBrace">
+            <a:avLst>
+              <a:gd name="adj1" fmla="val 64247"/>
+              <a:gd name="adj2" fmla="val 50000"/>
+            </a:avLst>
+          </a:prstGeom>
+        </p:spPr>
+        <p:style>
+          <a:lnRef idx="1">
+            <a:schemeClr val="accent1"/>
+          </a:lnRef>
+          <a:fillRef idx="0">
+            <a:schemeClr val="accent1"/>
+          </a:fillRef>
+          <a:effectRef idx="0">
+            <a:schemeClr val="accent1"/>
+          </a:effectRef>
+          <a:fontRef idx="minor">
+            <a:schemeClr val="tx1"/>
+          </a:fontRef>
+        </p:style>
+        <p:txBody>
+          <a:bodyPr rtlCol="0" anchor="ctr"/>
+          <a:lstStyle/>
+          <a:p>
+            <a:pPr algn="ctr"/>
+            <a:endParaRPr lang="en-US"/>
+          </a:p>
+        </p:txBody>
+      </p:sp>
+      <p:pic>
+        <p:nvPicPr>
+          <p:cNvPr id="3074" name="Picture 2">
+            <a:extLst>
+              <a:ext uri="{FF2B5EF4-FFF2-40B4-BE49-F238E27FC236}">
+                <a16:creationId xmlns:a16="http://schemas.microsoft.com/office/drawing/2014/main" id="{96C8B6DC-2E37-4DF2-A501-3885D54C16F3}"/>
+              </a:ext>
+            </a:extLst>
+          </p:cNvPr>
+          <p:cNvPicPr>
+            <a:picLocks noChangeAspect="1" noChangeArrowheads="1"/>
+          </p:cNvPicPr>
+          <p:nvPr/>
+        </p:nvPicPr>
+        <p:blipFill>
+          <a:blip r:embed="rId2">
+            <a:extLst>
+              <a:ext uri="{28A0092B-C50C-407E-A947-70E740481C1C}">
+                <a14:useLocalDpi xmlns:a14="http://schemas.microsoft.com/office/drawing/2010/main" val="0"/>
+              </a:ext>
+            </a:extLst>
+          </a:blip>
+          <a:srcRect/>
+          <a:stretch>
+            <a:fillRect/>
+          </a:stretch>
+        </p:blipFill>
+        <p:spPr bwMode="auto">
+          <a:xfrm>
+            <a:off x="5675971" y="6927"/>
+            <a:ext cx="6516029" cy="6349931"/>
+          </a:xfrm>
+          <a:prstGeom prst="rect">
+            <a:avLst/>
+          </a:prstGeom>
+          <a:noFill/>
+          <a:extLst>
+            <a:ext uri="{909E8E84-426E-40DD-AFC4-6F175D3DCCD1}">
+              <a14:hiddenFill xmlns:a14="http://schemas.microsoft.com/office/drawing/2010/main">
+                <a:solidFill>
+                  <a:srgbClr val="FFFFFF"/>
+                </a:solidFill>
+              </a14:hiddenFill>
+            </a:ext>
+          </a:extLst>
+        </p:spPr>
+      </p:pic>
+    </p:spTree>
+    <p:extLst>
+      <p:ext uri="{BB962C8B-B14F-4D97-AF65-F5344CB8AC3E}">
+        <p14:creationId xmlns:p14="http://schemas.microsoft.com/office/powerpoint/2010/main" val="1697121305"/>
+      </p:ext>
+    </p:extLst>
+  </p:cSld>
+  <p:clrMapOvr>
+    <a:masterClrMapping/>
+  </p:clrMapOvr>
+</p:sld>
+</file>
+
+<file path=ppt/slides/slide16.xml><?xml version="1.0" encoding="utf-8"?>
+<p:sld xmlns:a="http://schemas.openxmlformats.org/drawingml/2006/main" xmlns:r="http://schemas.openxmlformats.org/officeDocument/2006/relationships" xmlns:p="http://schemas.openxmlformats.org/presentationml/2006/main">
+  <p:cSld>
+    <p:spTree>
+      <p:nvGrpSpPr>
+        <p:cNvPr id="1" name=""/>
+        <p:cNvGrpSpPr/>
+        <p:nvPr/>
+      </p:nvGrpSpPr>
+      <p:grpSpPr>
+        <a:xfrm>
+          <a:off x="0" y="0"/>
+          <a:ext cx="0" cy="0"/>
+          <a:chOff x="0" y="0"/>
+          <a:chExt cx="0" cy="0"/>
+        </a:xfrm>
+      </p:grpSpPr>
+      <p:sp>
+        <p:nvSpPr>
+          <p:cNvPr id="2" name="Title 1">
+            <a:extLst>
+              <a:ext uri="{FF2B5EF4-FFF2-40B4-BE49-F238E27FC236}">
+                <a16:creationId xmlns:a16="http://schemas.microsoft.com/office/drawing/2014/main" id="{CCCB2C92-5D09-465F-97FD-B37C0150DB1F}"/>
+              </a:ext>
+            </a:extLst>
+          </p:cNvPr>
+          <p:cNvSpPr>
+            <a:spLocks noGrp="1"/>
+          </p:cNvSpPr>
+          <p:nvPr>
+            <p:ph type="title"/>
+          </p:nvPr>
+        </p:nvSpPr>
+        <p:spPr>
+          <a:xfrm>
+            <a:off x="974616" y="113173"/>
+            <a:ext cx="10058400" cy="543576"/>
+          </a:xfrm>
+        </p:spPr>
+        <p:txBody>
+          <a:bodyPr>
+            <a:noAutofit/>
+          </a:bodyPr>
+          <a:lstStyle/>
+          <a:p>
+            <a:r>
+              <a:rPr lang="en-US" sz="3200" dirty="0"/>
+              <a:t>Baseline: Linear Regression with Boolean Features</a:t>
+            </a:r>
+          </a:p>
+        </p:txBody>
+      </p:sp>
+      <p:sp>
+        <p:nvSpPr>
+          <p:cNvPr id="5" name="Rectangle 4">
+            <a:extLst>
+              <a:ext uri="{FF2B5EF4-FFF2-40B4-BE49-F238E27FC236}">
+                <a16:creationId xmlns:a16="http://schemas.microsoft.com/office/drawing/2014/main" id="{535917A4-46F9-4BC8-AB29-55BE86F9B9BA}"/>
+              </a:ext>
+            </a:extLst>
+          </p:cNvPr>
+          <p:cNvSpPr/>
+          <p:nvPr/>
+        </p:nvSpPr>
+        <p:spPr>
+          <a:xfrm>
+            <a:off x="854242" y="1660358"/>
+            <a:ext cx="10539663" cy="144379"/>
+          </a:xfrm>
+          <a:prstGeom prst="rect">
+            <a:avLst/>
+          </a:prstGeom>
+          <a:ln>
+            <a:solidFill>
+              <a:schemeClr val="bg1"/>
+            </a:solidFill>
+          </a:ln>
+        </p:spPr>
+        <p:style>
+          <a:lnRef idx="2">
+            <a:schemeClr val="dk1"/>
+          </a:lnRef>
+          <a:fillRef idx="1">
+            <a:schemeClr val="lt1"/>
+          </a:fillRef>
+          <a:effectRef idx="0">
+            <a:schemeClr val="dk1"/>
+          </a:effectRef>
+          <a:fontRef idx="minor">
+            <a:schemeClr val="dk1"/>
+          </a:fontRef>
+        </p:style>
+        <p:txBody>
+          <a:bodyPr rtlCol="0" anchor="ctr"/>
+          <a:lstStyle/>
+          <a:p>
+            <a:pPr algn="ctr"/>
+            <a:endParaRPr lang="en-US"/>
+          </a:p>
+        </p:txBody>
+      </p:sp>
+      <p:sp>
+        <p:nvSpPr>
+          <p:cNvPr id="7" name="Rectangle 6">
+            <a:extLst>
+              <a:ext uri="{FF2B5EF4-FFF2-40B4-BE49-F238E27FC236}">
+                <a16:creationId xmlns:a16="http://schemas.microsoft.com/office/drawing/2014/main" id="{EFB04EA7-CA97-4F34-81FF-97951324713F}"/>
+              </a:ext>
+            </a:extLst>
+          </p:cNvPr>
+          <p:cNvSpPr/>
+          <p:nvPr/>
+        </p:nvSpPr>
+        <p:spPr>
+          <a:xfrm>
+            <a:off x="-1" y="2307867"/>
+            <a:ext cx="12205411" cy="471831"/>
+          </a:xfrm>
+          <a:prstGeom prst="rect">
+            <a:avLst/>
+          </a:prstGeom>
+        </p:spPr>
+        <p:style>
+          <a:lnRef idx="2">
+            <a:schemeClr val="dk1">
+              <a:shade val="50000"/>
+            </a:schemeClr>
+          </a:lnRef>
+          <a:fillRef idx="1">
+            <a:schemeClr val="dk1"/>
+          </a:fillRef>
+          <a:effectRef idx="0">
+            <a:schemeClr val="dk1"/>
+          </a:effectRef>
+          <a:fontRef idx="minor">
+            <a:schemeClr val="lt1"/>
+          </a:fontRef>
+        </p:style>
+        <p:txBody>
+          <a:bodyPr rtlCol="0" anchor="ctr"/>
+          <a:lstStyle/>
+          <a:p>
+            <a:pPr algn="ctr"/>
+            <a:r>
+              <a:rPr lang="en-US" dirty="0" err="1"/>
+              <a:t>SciKitLearn</a:t>
+            </a:r>
+            <a:r>
+              <a:rPr lang="en-US" dirty="0"/>
+              <a:t> and </a:t>
+            </a:r>
+            <a:r>
+              <a:rPr lang="en-US" dirty="0" err="1"/>
+              <a:t>statsmodels</a:t>
+            </a:r>
+            <a:r>
+              <a:rPr lang="en-US" dirty="0"/>
+              <a:t> R-squared scores: </a:t>
+            </a:r>
+            <a:r>
+              <a:rPr lang="en-US" b="1" dirty="0"/>
+              <a:t>.011   |   Screen time increase for Rooted phones: 637 min</a:t>
+            </a:r>
+          </a:p>
+        </p:txBody>
+      </p:sp>
+      <p:pic>
+        <p:nvPicPr>
+          <p:cNvPr id="13" name="Picture 12">
+            <a:extLst>
+              <a:ext uri="{FF2B5EF4-FFF2-40B4-BE49-F238E27FC236}">
+                <a16:creationId xmlns:a16="http://schemas.microsoft.com/office/drawing/2014/main" id="{D718669C-DADB-4AAE-A854-BD888B7F3D7F}"/>
+              </a:ext>
+            </a:extLst>
+          </p:cNvPr>
+          <p:cNvPicPr>
+            <a:picLocks noChangeAspect="1"/>
+          </p:cNvPicPr>
+          <p:nvPr/>
+        </p:nvPicPr>
+        <p:blipFill rotWithShape="1">
+          <a:blip r:embed="rId2"/>
+          <a:srcRect l="68000" t="51279"/>
+          <a:stretch/>
+        </p:blipFill>
+        <p:spPr>
+          <a:xfrm>
+            <a:off x="10020786" y="755667"/>
+            <a:ext cx="1539714" cy="1524831"/>
+          </a:xfrm>
+          <a:prstGeom prst="rect">
+            <a:avLst/>
+          </a:prstGeom>
+        </p:spPr>
+      </p:pic>
+      <p:sp>
+        <p:nvSpPr>
+          <p:cNvPr id="9" name="Arrow: Right 8">
+            <a:extLst>
+              <a:ext uri="{FF2B5EF4-FFF2-40B4-BE49-F238E27FC236}">
+                <a16:creationId xmlns:a16="http://schemas.microsoft.com/office/drawing/2014/main" id="{4018E18D-2C2D-440F-9BFA-2B0C40C11E26}"/>
+              </a:ext>
+            </a:extLst>
+          </p:cNvPr>
+          <p:cNvSpPr/>
+          <p:nvPr/>
+        </p:nvSpPr>
+        <p:spPr>
+          <a:xfrm>
+            <a:off x="8115786" y="1577017"/>
+            <a:ext cx="1901952" cy="647509"/>
+          </a:xfrm>
+          <a:prstGeom prst="rightArrow">
+            <a:avLst/>
+          </a:prstGeom>
+        </p:spPr>
+        <p:style>
+          <a:lnRef idx="2">
+            <a:schemeClr val="accent1">
+              <a:shade val="50000"/>
+            </a:schemeClr>
+          </a:lnRef>
+          <a:fillRef idx="1">
+            <a:schemeClr val="accent1"/>
+          </a:fillRef>
+          <a:effectRef idx="0">
+            <a:schemeClr val="accent1"/>
+          </a:effectRef>
+          <a:fontRef idx="minor">
+            <a:schemeClr val="lt1"/>
+          </a:fontRef>
+        </p:style>
+        <p:txBody>
+          <a:bodyPr rtlCol="0" anchor="ctr"/>
+          <a:lstStyle/>
+          <a:p>
+            <a:pPr algn="ctr"/>
+            <a:r>
+              <a:rPr lang="en-US" dirty="0"/>
+              <a:t>Target Variable</a:t>
+            </a:r>
+          </a:p>
+        </p:txBody>
+      </p:sp>
+      <p:sp>
+        <p:nvSpPr>
+          <p:cNvPr id="15" name="Arrow: Right 14">
+            <a:extLst>
+              <a:ext uri="{FF2B5EF4-FFF2-40B4-BE49-F238E27FC236}">
+                <a16:creationId xmlns:a16="http://schemas.microsoft.com/office/drawing/2014/main" id="{F1D8D3B1-85FA-47E6-9D52-9622BFF292EA}"/>
+              </a:ext>
+            </a:extLst>
+          </p:cNvPr>
+          <p:cNvSpPr/>
+          <p:nvPr/>
+        </p:nvSpPr>
+        <p:spPr>
+          <a:xfrm flipH="1">
+            <a:off x="7279877" y="750133"/>
+            <a:ext cx="1901952" cy="647509"/>
+          </a:xfrm>
+          <a:prstGeom prst="rightArrow">
+            <a:avLst/>
+          </a:prstGeom>
+        </p:spPr>
+        <p:style>
+          <a:lnRef idx="2">
+            <a:schemeClr val="accent1">
+              <a:shade val="50000"/>
+            </a:schemeClr>
+          </a:lnRef>
+          <a:fillRef idx="1">
+            <a:schemeClr val="accent1"/>
+          </a:fillRef>
+          <a:effectRef idx="0">
+            <a:schemeClr val="accent1"/>
+          </a:effectRef>
+          <a:fontRef idx="minor">
+            <a:schemeClr val="lt1"/>
+          </a:fontRef>
+        </p:style>
+        <p:txBody>
+          <a:bodyPr rtlCol="0" anchor="ctr"/>
+          <a:lstStyle/>
+          <a:p>
+            <a:pPr algn="ctr"/>
+            <a:r>
+              <a:rPr lang="en-US" dirty="0"/>
+              <a:t>Features</a:t>
+            </a:r>
+          </a:p>
+        </p:txBody>
+      </p:sp>
+      <p:pic>
+        <p:nvPicPr>
+          <p:cNvPr id="5122" name="Picture 2">
+            <a:extLst>
+              <a:ext uri="{FF2B5EF4-FFF2-40B4-BE49-F238E27FC236}">
+                <a16:creationId xmlns:a16="http://schemas.microsoft.com/office/drawing/2014/main" id="{43B65E62-12E5-4F22-BCA6-FA486B357246}"/>
+              </a:ext>
+            </a:extLst>
+          </p:cNvPr>
+          <p:cNvPicPr>
+            <a:picLocks noChangeAspect="1" noChangeArrowheads="1"/>
+          </p:cNvPicPr>
+          <p:nvPr/>
+        </p:nvPicPr>
+        <p:blipFill>
+          <a:blip r:embed="rId3">
+            <a:extLst>
+              <a:ext uri="{28A0092B-C50C-407E-A947-70E740481C1C}">
+                <a14:useLocalDpi xmlns:a14="http://schemas.microsoft.com/office/drawing/2010/main" val="0"/>
+              </a:ext>
+            </a:extLst>
+          </a:blip>
+          <a:srcRect/>
+          <a:stretch>
+            <a:fillRect/>
+          </a:stretch>
+        </p:blipFill>
+        <p:spPr bwMode="auto">
+          <a:xfrm>
+            <a:off x="0" y="622806"/>
+            <a:ext cx="7029607" cy="1668843"/>
+          </a:xfrm>
+          <a:prstGeom prst="rect">
+            <a:avLst/>
+          </a:prstGeom>
+          <a:noFill/>
+          <a:extLst>
+            <a:ext uri="{909E8E84-426E-40DD-AFC4-6F175D3DCCD1}">
+              <a14:hiddenFill xmlns:a14="http://schemas.microsoft.com/office/drawing/2010/main">
+                <a:solidFill>
+                  <a:srgbClr val="FFFFFF"/>
+                </a:solidFill>
+              </a14:hiddenFill>
+            </a:ext>
+          </a:extLst>
+        </p:spPr>
+      </p:pic>
+      <p:pic>
+        <p:nvPicPr>
+          <p:cNvPr id="5124" name="Picture 4">
+            <a:extLst>
+              <a:ext uri="{FF2B5EF4-FFF2-40B4-BE49-F238E27FC236}">
+                <a16:creationId xmlns:a16="http://schemas.microsoft.com/office/drawing/2014/main" id="{77D96729-622D-497B-8AF7-4725F5559EA1}"/>
+              </a:ext>
+            </a:extLst>
+          </p:cNvPr>
+          <p:cNvPicPr>
+            <a:picLocks noChangeAspect="1" noChangeArrowheads="1"/>
+          </p:cNvPicPr>
+          <p:nvPr/>
+        </p:nvPicPr>
+        <p:blipFill>
+          <a:blip r:embed="rId4">
+            <a:extLst>
+              <a:ext uri="{28A0092B-C50C-407E-A947-70E740481C1C}">
+                <a14:useLocalDpi xmlns:a14="http://schemas.microsoft.com/office/drawing/2010/main" val="0"/>
+              </a:ext>
+            </a:extLst>
+          </a:blip>
+          <a:srcRect/>
+          <a:stretch>
+            <a:fillRect/>
+          </a:stretch>
+        </p:blipFill>
+        <p:spPr bwMode="auto">
+          <a:xfrm>
+            <a:off x="846591" y="2887284"/>
+            <a:ext cx="9607868" cy="3489008"/>
+          </a:xfrm>
+          <a:prstGeom prst="rect">
+            <a:avLst/>
+          </a:prstGeom>
+          <a:noFill/>
+          <a:extLst>
+            <a:ext uri="{909E8E84-426E-40DD-AFC4-6F175D3DCCD1}">
+              <a14:hiddenFill xmlns:a14="http://schemas.microsoft.com/office/drawing/2010/main">
+                <a:solidFill>
+                  <a:srgbClr val="FFFFFF"/>
+                </a:solidFill>
+              </a14:hiddenFill>
+            </a:ext>
+          </a:extLst>
+        </p:spPr>
+      </p:pic>
+    </p:spTree>
+    <p:extLst>
+      <p:ext uri="{BB962C8B-B14F-4D97-AF65-F5344CB8AC3E}">
+        <p14:creationId xmlns:p14="http://schemas.microsoft.com/office/powerpoint/2010/main" val="1598108236"/>
+      </p:ext>
+    </p:extLst>
+  </p:cSld>
+  <p:clrMapOvr>
+    <a:masterClrMapping/>
+  </p:clrMapOvr>
+</p:sld>
+</file>
+
+<file path=ppt/slides/slide17.xml><?xml version="1.0" encoding="utf-8"?>
+<p:sld xmlns:a="http://schemas.openxmlformats.org/drawingml/2006/main" xmlns:r="http://schemas.openxmlformats.org/officeDocument/2006/relationships" xmlns:p="http://schemas.openxmlformats.org/presentationml/2006/main">
+  <p:cSld>
+    <p:spTree>
+      <p:nvGrpSpPr>
+        <p:cNvPr id="1" name=""/>
+        <p:cNvGrpSpPr/>
+        <p:nvPr/>
+      </p:nvGrpSpPr>
+      <p:grpSpPr>
+        <a:xfrm>
+          <a:off x="0" y="0"/>
+          <a:ext cx="0" cy="0"/>
+          <a:chOff x="0" y="0"/>
+          <a:chExt cx="0" cy="0"/>
+        </a:xfrm>
+      </p:grpSpPr>
+      <p:sp>
+        <p:nvSpPr>
+          <p:cNvPr id="5" name="Rectangle 4">
+            <a:extLst>
+              <a:ext uri="{FF2B5EF4-FFF2-40B4-BE49-F238E27FC236}">
+                <a16:creationId xmlns:a16="http://schemas.microsoft.com/office/drawing/2014/main" id="{535917A4-46F9-4BC8-AB29-55BE86F9B9BA}"/>
+              </a:ext>
+            </a:extLst>
+          </p:cNvPr>
+          <p:cNvSpPr/>
+          <p:nvPr/>
+        </p:nvSpPr>
+        <p:spPr>
+          <a:xfrm>
+            <a:off x="854242" y="1660358"/>
+            <a:ext cx="10539663" cy="144379"/>
+          </a:xfrm>
+          <a:prstGeom prst="rect">
+            <a:avLst/>
+          </a:prstGeom>
+          <a:ln>
+            <a:solidFill>
+              <a:schemeClr val="bg1"/>
+            </a:solidFill>
+          </a:ln>
+        </p:spPr>
+        <p:style>
+          <a:lnRef idx="2">
+            <a:schemeClr val="dk1"/>
+          </a:lnRef>
+          <a:fillRef idx="1">
+            <a:schemeClr val="lt1"/>
+          </a:fillRef>
+          <a:effectRef idx="0">
+            <a:schemeClr val="dk1"/>
+          </a:effectRef>
+          <a:fontRef idx="minor">
+            <a:schemeClr val="dk1"/>
+          </a:fontRef>
+        </p:style>
+        <p:txBody>
+          <a:bodyPr rtlCol="0" anchor="ctr"/>
+          <a:lstStyle/>
+          <a:p>
+            <a:pPr algn="ctr"/>
+            <a:endParaRPr lang="en-US"/>
+          </a:p>
+        </p:txBody>
+      </p:sp>
+      <p:sp>
+        <p:nvSpPr>
+          <p:cNvPr id="11" name="TextBox 10">
+            <a:extLst>
+              <a:ext uri="{FF2B5EF4-FFF2-40B4-BE49-F238E27FC236}">
+                <a16:creationId xmlns:a16="http://schemas.microsoft.com/office/drawing/2014/main" id="{A9E77218-916E-4850-A512-BF6B9FF38953}"/>
+              </a:ext>
+            </a:extLst>
+          </p:cNvPr>
+          <p:cNvSpPr txBox="1"/>
+          <p:nvPr/>
+        </p:nvSpPr>
+        <p:spPr>
+          <a:xfrm>
+            <a:off x="2724912" y="994910"/>
+            <a:ext cx="3589800" cy="646331"/>
+          </a:xfrm>
+          <a:prstGeom prst="rect">
+            <a:avLst/>
+          </a:prstGeom>
+          <a:noFill/>
+        </p:spPr>
+        <p:txBody>
+          <a:bodyPr wrap="square" rtlCol="0">
+            <a:spAutoFit/>
+          </a:bodyPr>
+          <a:lstStyle/>
+          <a:p>
+            <a:r>
+              <a:rPr lang="en-US" dirty="0"/>
+              <a:t>KNN Regressor: -0.9</a:t>
+            </a:r>
+          </a:p>
+          <a:p>
+            <a:r>
+              <a:rPr lang="en-US" dirty="0"/>
+              <a:t>How many neighbors</a:t>
+            </a:r>
+          </a:p>
+        </p:txBody>
+      </p:sp>
+      <p:sp>
+        <p:nvSpPr>
+          <p:cNvPr id="12" name="Right Brace 11">
+            <a:extLst>
+              <a:ext uri="{FF2B5EF4-FFF2-40B4-BE49-F238E27FC236}">
+                <a16:creationId xmlns:a16="http://schemas.microsoft.com/office/drawing/2014/main" id="{A55029B7-C595-4917-B06B-B329F143CB71}"/>
+              </a:ext>
+            </a:extLst>
+          </p:cNvPr>
+          <p:cNvSpPr/>
+          <p:nvPr/>
+        </p:nvSpPr>
+        <p:spPr>
+          <a:xfrm flipH="1">
+            <a:off x="4745736" y="201168"/>
+            <a:ext cx="474255" cy="1956816"/>
+          </a:xfrm>
+          <a:prstGeom prst="rightBrace">
+            <a:avLst>
+              <a:gd name="adj1" fmla="val 64247"/>
+              <a:gd name="adj2" fmla="val 50000"/>
+            </a:avLst>
+          </a:prstGeom>
+        </p:spPr>
+        <p:style>
+          <a:lnRef idx="1">
+            <a:schemeClr val="accent1"/>
+          </a:lnRef>
+          <a:fillRef idx="0">
+            <a:schemeClr val="accent1"/>
+          </a:fillRef>
+          <a:effectRef idx="0">
+            <a:schemeClr val="accent1"/>
+          </a:effectRef>
+          <a:fontRef idx="minor">
+            <a:schemeClr val="tx1"/>
+          </a:fontRef>
+        </p:style>
+        <p:txBody>
+          <a:bodyPr rtlCol="0" anchor="ctr"/>
+          <a:lstStyle/>
+          <a:p>
+            <a:pPr algn="ctr"/>
+            <a:endParaRPr lang="en-US"/>
+          </a:p>
+        </p:txBody>
+      </p:sp>
+      <p:sp>
+        <p:nvSpPr>
+          <p:cNvPr id="13" name="TextBox 12">
+            <a:extLst>
+              <a:ext uri="{FF2B5EF4-FFF2-40B4-BE49-F238E27FC236}">
+                <a16:creationId xmlns:a16="http://schemas.microsoft.com/office/drawing/2014/main" id="{9B59F85D-A30A-4153-B02E-8847655EE85A}"/>
+              </a:ext>
+            </a:extLst>
+          </p:cNvPr>
+          <p:cNvSpPr txBox="1"/>
+          <p:nvPr/>
+        </p:nvSpPr>
+        <p:spPr>
+          <a:xfrm>
+            <a:off x="1633728" y="2912102"/>
+            <a:ext cx="3589800" cy="369332"/>
+          </a:xfrm>
+          <a:prstGeom prst="rect">
+            <a:avLst/>
+          </a:prstGeom>
+          <a:noFill/>
+        </p:spPr>
+        <p:txBody>
+          <a:bodyPr wrap="square" rtlCol="0">
+            <a:spAutoFit/>
+          </a:bodyPr>
+          <a:lstStyle/>
+          <a:p>
+            <a:r>
+              <a:rPr lang="en-US" dirty="0"/>
+              <a:t>Random Forest Regressor:  .011</a:t>
+            </a:r>
+          </a:p>
+        </p:txBody>
+      </p:sp>
+      <p:sp>
+        <p:nvSpPr>
+          <p:cNvPr id="14" name="Right Brace 13">
+            <a:extLst>
+              <a:ext uri="{FF2B5EF4-FFF2-40B4-BE49-F238E27FC236}">
+                <a16:creationId xmlns:a16="http://schemas.microsoft.com/office/drawing/2014/main" id="{8AB4D816-30A6-4BB8-84BA-B94C18360D4C}"/>
+              </a:ext>
+            </a:extLst>
+          </p:cNvPr>
+          <p:cNvSpPr/>
+          <p:nvPr/>
+        </p:nvSpPr>
+        <p:spPr>
+          <a:xfrm flipH="1">
+            <a:off x="4715256" y="2145792"/>
+            <a:ext cx="474255" cy="1956816"/>
+          </a:xfrm>
+          <a:prstGeom prst="rightBrace">
+            <a:avLst>
+              <a:gd name="adj1" fmla="val 64247"/>
+              <a:gd name="adj2" fmla="val 50000"/>
+            </a:avLst>
+          </a:prstGeom>
+        </p:spPr>
+        <p:style>
+          <a:lnRef idx="1">
+            <a:schemeClr val="accent1"/>
+          </a:lnRef>
+          <a:fillRef idx="0">
+            <a:schemeClr val="accent1"/>
+          </a:fillRef>
+          <a:effectRef idx="0">
+            <a:schemeClr val="accent1"/>
+          </a:effectRef>
+          <a:fontRef idx="minor">
+            <a:schemeClr val="tx1"/>
+          </a:fontRef>
+        </p:style>
+        <p:txBody>
+          <a:bodyPr rtlCol="0" anchor="ctr"/>
+          <a:lstStyle/>
+          <a:p>
+            <a:pPr algn="ctr"/>
+            <a:endParaRPr lang="en-US"/>
+          </a:p>
+        </p:txBody>
+      </p:sp>
+      <p:sp>
+        <p:nvSpPr>
+          <p:cNvPr id="15" name="TextBox 14">
+            <a:extLst>
+              <a:ext uri="{FF2B5EF4-FFF2-40B4-BE49-F238E27FC236}">
+                <a16:creationId xmlns:a16="http://schemas.microsoft.com/office/drawing/2014/main" id="{DA2AB6DA-F839-4959-8F54-D44422EA2478}"/>
+              </a:ext>
+            </a:extLst>
+          </p:cNvPr>
+          <p:cNvSpPr txBox="1"/>
+          <p:nvPr/>
+        </p:nvSpPr>
+        <p:spPr>
+          <a:xfrm>
+            <a:off x="1420368" y="4911590"/>
+            <a:ext cx="3589800" cy="369332"/>
+          </a:xfrm>
+          <a:prstGeom prst="rect">
+            <a:avLst/>
+          </a:prstGeom>
+          <a:noFill/>
+        </p:spPr>
+        <p:txBody>
+          <a:bodyPr wrap="square" rtlCol="0">
+            <a:spAutoFit/>
+          </a:bodyPr>
+          <a:lstStyle/>
+          <a:p>
+            <a:r>
+              <a:rPr lang="en-US" dirty="0"/>
+              <a:t>Gradient Boosted Regressor:  .011</a:t>
+            </a:r>
+          </a:p>
+        </p:txBody>
+      </p:sp>
+      <p:sp>
+        <p:nvSpPr>
+          <p:cNvPr id="16" name="Right Brace 15">
+            <a:extLst>
+              <a:ext uri="{FF2B5EF4-FFF2-40B4-BE49-F238E27FC236}">
+                <a16:creationId xmlns:a16="http://schemas.microsoft.com/office/drawing/2014/main" id="{D4B7A8C8-CC19-47C8-8E11-03677231B1A9}"/>
+              </a:ext>
+            </a:extLst>
+          </p:cNvPr>
+          <p:cNvSpPr/>
+          <p:nvPr/>
+        </p:nvSpPr>
+        <p:spPr>
+          <a:xfrm flipH="1">
+            <a:off x="4721352" y="4117848"/>
+            <a:ext cx="474255" cy="1956816"/>
+          </a:xfrm>
+          <a:prstGeom prst="rightBrace">
+            <a:avLst>
+              <a:gd name="adj1" fmla="val 64247"/>
+              <a:gd name="adj2" fmla="val 50000"/>
+            </a:avLst>
+          </a:prstGeom>
+        </p:spPr>
+        <p:style>
+          <a:lnRef idx="1">
+            <a:schemeClr val="accent1"/>
+          </a:lnRef>
+          <a:fillRef idx="0">
+            <a:schemeClr val="accent1"/>
+          </a:fillRef>
+          <a:effectRef idx="0">
+            <a:schemeClr val="accent1"/>
+          </a:effectRef>
+          <a:fontRef idx="minor">
+            <a:schemeClr val="tx1"/>
+          </a:fontRef>
+        </p:style>
+        <p:txBody>
+          <a:bodyPr rtlCol="0" anchor="ctr"/>
+          <a:lstStyle/>
+          <a:p>
+            <a:pPr algn="ctr"/>
+            <a:endParaRPr lang="en-US"/>
+          </a:p>
+        </p:txBody>
+      </p:sp>
+      <p:pic>
+        <p:nvPicPr>
+          <p:cNvPr id="4098" name="Picture 2">
+            <a:extLst>
+              <a:ext uri="{FF2B5EF4-FFF2-40B4-BE49-F238E27FC236}">
+                <a16:creationId xmlns:a16="http://schemas.microsoft.com/office/drawing/2014/main" id="{DFD878C3-22D5-4D69-ACDE-1D914307C526}"/>
+              </a:ext>
+            </a:extLst>
+          </p:cNvPr>
+          <p:cNvPicPr>
+            <a:picLocks noChangeAspect="1" noChangeArrowheads="1"/>
+          </p:cNvPicPr>
+          <p:nvPr/>
+        </p:nvPicPr>
+        <p:blipFill>
+          <a:blip r:embed="rId2">
+            <a:extLst>
+              <a:ext uri="{28A0092B-C50C-407E-A947-70E740481C1C}">
+                <a14:useLocalDpi xmlns:a14="http://schemas.microsoft.com/office/drawing/2010/main" val="0"/>
+              </a:ext>
+            </a:extLst>
+          </a:blip>
+          <a:srcRect/>
+          <a:stretch>
+            <a:fillRect/>
+          </a:stretch>
+        </p:blipFill>
+        <p:spPr bwMode="auto">
+          <a:xfrm>
+            <a:off x="5776333" y="6927"/>
+            <a:ext cx="6415668" cy="6319126"/>
+          </a:xfrm>
+          <a:prstGeom prst="rect">
+            <a:avLst/>
+          </a:prstGeom>
+          <a:noFill/>
+          <a:extLst>
+            <a:ext uri="{909E8E84-426E-40DD-AFC4-6F175D3DCCD1}">
+              <a14:hiddenFill xmlns:a14="http://schemas.microsoft.com/office/drawing/2010/main">
+                <a:solidFill>
+                  <a:srgbClr val="FFFFFF"/>
+                </a:solidFill>
+              </a14:hiddenFill>
+            </a:ext>
+          </a:extLst>
+        </p:spPr>
+      </p:pic>
+    </p:spTree>
+    <p:extLst>
+      <p:ext uri="{BB962C8B-B14F-4D97-AF65-F5344CB8AC3E}">
+        <p14:creationId xmlns:p14="http://schemas.microsoft.com/office/powerpoint/2010/main" val="4149314229"/>
+      </p:ext>
+    </p:extLst>
+  </p:cSld>
+  <p:clrMapOvr>
+    <a:masterClrMapping/>
+  </p:clrMapOvr>
+</p:sld>
+</file>
+
+<file path=ppt/slides/slide18.xml><?xml version="1.0" encoding="utf-8"?>
+<p:sld xmlns:a="http://schemas.openxmlformats.org/drawingml/2006/main" xmlns:r="http://schemas.openxmlformats.org/officeDocument/2006/relationships" xmlns:p="http://schemas.openxmlformats.org/presentationml/2006/main">
+  <p:cSld>
+    <p:spTree>
+      <p:nvGrpSpPr>
+        <p:cNvPr id="1" name=""/>
+        <p:cNvGrpSpPr/>
+        <p:nvPr/>
+      </p:nvGrpSpPr>
+      <p:grpSpPr>
+        <a:xfrm>
+          <a:off x="0" y="0"/>
+          <a:ext cx="0" cy="0"/>
+          <a:chOff x="0" y="0"/>
+          <a:chExt cx="0" cy="0"/>
+        </a:xfrm>
+      </p:grpSpPr>
+      <p:sp>
+        <p:nvSpPr>
+          <p:cNvPr id="2" name="Title 1">
+            <a:extLst>
+              <a:ext uri="{FF2B5EF4-FFF2-40B4-BE49-F238E27FC236}">
+                <a16:creationId xmlns:a16="http://schemas.microsoft.com/office/drawing/2014/main" id="{CCCB2C92-5D09-465F-97FD-B37C0150DB1F}"/>
+              </a:ext>
+            </a:extLst>
+          </p:cNvPr>
+          <p:cNvSpPr>
+            <a:spLocks noGrp="1"/>
+          </p:cNvSpPr>
+          <p:nvPr>
+            <p:ph type="title"/>
+          </p:nvPr>
+        </p:nvSpPr>
+        <p:spPr>
+          <a:xfrm>
+            <a:off x="974616" y="113173"/>
+            <a:ext cx="10058400" cy="543576"/>
+          </a:xfrm>
+        </p:spPr>
+        <p:txBody>
+          <a:bodyPr>
+            <a:noAutofit/>
+          </a:bodyPr>
+          <a:lstStyle/>
+          <a:p>
+            <a:r>
+              <a:rPr lang="en-US" sz="3200" dirty="0"/>
+              <a:t>Baseline: Linear Regression with All the above Features</a:t>
+            </a:r>
+          </a:p>
+        </p:txBody>
+      </p:sp>
+      <p:sp>
+        <p:nvSpPr>
+          <p:cNvPr id="5" name="Rectangle 4">
+            <a:extLst>
+              <a:ext uri="{FF2B5EF4-FFF2-40B4-BE49-F238E27FC236}">
+                <a16:creationId xmlns:a16="http://schemas.microsoft.com/office/drawing/2014/main" id="{535917A4-46F9-4BC8-AB29-55BE86F9B9BA}"/>
+              </a:ext>
+            </a:extLst>
+          </p:cNvPr>
+          <p:cNvSpPr/>
+          <p:nvPr/>
+        </p:nvSpPr>
+        <p:spPr>
+          <a:xfrm>
+            <a:off x="854242" y="1660358"/>
+            <a:ext cx="10539663" cy="144379"/>
+          </a:xfrm>
+          <a:prstGeom prst="rect">
+            <a:avLst/>
+          </a:prstGeom>
+          <a:ln>
+            <a:solidFill>
+              <a:schemeClr val="bg1"/>
+            </a:solidFill>
+          </a:ln>
+        </p:spPr>
+        <p:style>
+          <a:lnRef idx="2">
+            <a:schemeClr val="dk1"/>
+          </a:lnRef>
+          <a:fillRef idx="1">
+            <a:schemeClr val="lt1"/>
+          </a:fillRef>
+          <a:effectRef idx="0">
+            <a:schemeClr val="dk1"/>
+          </a:effectRef>
+          <a:fontRef idx="minor">
+            <a:schemeClr val="dk1"/>
+          </a:fontRef>
+        </p:style>
+        <p:txBody>
+          <a:bodyPr rtlCol="0" anchor="ctr"/>
+          <a:lstStyle/>
+          <a:p>
+            <a:pPr algn="ctr"/>
+            <a:endParaRPr lang="en-US"/>
+          </a:p>
+        </p:txBody>
+      </p:sp>
+      <p:sp>
+        <p:nvSpPr>
+          <p:cNvPr id="7" name="Rectangle 6">
+            <a:extLst>
+              <a:ext uri="{FF2B5EF4-FFF2-40B4-BE49-F238E27FC236}">
+                <a16:creationId xmlns:a16="http://schemas.microsoft.com/office/drawing/2014/main" id="{EFB04EA7-CA97-4F34-81FF-97951324713F}"/>
+              </a:ext>
+            </a:extLst>
+          </p:cNvPr>
+          <p:cNvSpPr/>
+          <p:nvPr/>
+        </p:nvSpPr>
+        <p:spPr>
+          <a:xfrm>
+            <a:off x="-1" y="2307867"/>
+            <a:ext cx="12205411" cy="471831"/>
+          </a:xfrm>
+          <a:prstGeom prst="rect">
+            <a:avLst/>
+          </a:prstGeom>
+        </p:spPr>
+        <p:style>
+          <a:lnRef idx="2">
+            <a:schemeClr val="dk1">
+              <a:shade val="50000"/>
+            </a:schemeClr>
+          </a:lnRef>
+          <a:fillRef idx="1">
+            <a:schemeClr val="dk1"/>
+          </a:fillRef>
+          <a:effectRef idx="0">
+            <a:schemeClr val="dk1"/>
+          </a:effectRef>
+          <a:fontRef idx="minor">
+            <a:schemeClr val="lt1"/>
+          </a:fontRef>
+        </p:style>
+        <p:txBody>
+          <a:bodyPr rtlCol="0" anchor="ctr"/>
+          <a:lstStyle/>
+          <a:p>
+            <a:pPr algn="ctr"/>
+            <a:r>
+              <a:rPr lang="en-US" dirty="0" err="1"/>
+              <a:t>SciKitLearn</a:t>
+            </a:r>
+            <a:r>
+              <a:rPr lang="en-US" dirty="0"/>
+              <a:t> and </a:t>
+            </a:r>
+            <a:r>
+              <a:rPr lang="en-US" dirty="0" err="1"/>
+              <a:t>statsmodels</a:t>
+            </a:r>
+            <a:r>
+              <a:rPr lang="en-US" dirty="0"/>
+              <a:t> R-squared scores: </a:t>
+            </a:r>
+            <a:r>
+              <a:rPr lang="en-US" b="1" dirty="0"/>
+              <a:t>.556</a:t>
+            </a:r>
+          </a:p>
+        </p:txBody>
+      </p:sp>
+      <p:pic>
+        <p:nvPicPr>
+          <p:cNvPr id="13" name="Picture 12">
+            <a:extLst>
+              <a:ext uri="{FF2B5EF4-FFF2-40B4-BE49-F238E27FC236}">
+                <a16:creationId xmlns:a16="http://schemas.microsoft.com/office/drawing/2014/main" id="{D718669C-DADB-4AAE-A854-BD888B7F3D7F}"/>
+              </a:ext>
+            </a:extLst>
+          </p:cNvPr>
+          <p:cNvPicPr>
+            <a:picLocks noChangeAspect="1"/>
+          </p:cNvPicPr>
+          <p:nvPr/>
+        </p:nvPicPr>
+        <p:blipFill rotWithShape="1">
+          <a:blip r:embed="rId2"/>
+          <a:srcRect l="68000" t="51279"/>
+          <a:stretch/>
+        </p:blipFill>
+        <p:spPr>
+          <a:xfrm>
+            <a:off x="10622951" y="755667"/>
+            <a:ext cx="1539714" cy="1524831"/>
+          </a:xfrm>
+          <a:prstGeom prst="rect">
+            <a:avLst/>
+          </a:prstGeom>
+        </p:spPr>
+      </p:pic>
+      <p:sp>
+        <p:nvSpPr>
+          <p:cNvPr id="9" name="Arrow: Right 8">
+            <a:extLst>
+              <a:ext uri="{FF2B5EF4-FFF2-40B4-BE49-F238E27FC236}">
+                <a16:creationId xmlns:a16="http://schemas.microsoft.com/office/drawing/2014/main" id="{4018E18D-2C2D-440F-9BFA-2B0C40C11E26}"/>
+              </a:ext>
+            </a:extLst>
+          </p:cNvPr>
+          <p:cNvSpPr/>
+          <p:nvPr/>
+        </p:nvSpPr>
+        <p:spPr>
+          <a:xfrm>
+            <a:off x="8617589" y="1577017"/>
+            <a:ext cx="1901952" cy="647509"/>
+          </a:xfrm>
+          <a:prstGeom prst="rightArrow">
+            <a:avLst/>
+          </a:prstGeom>
+        </p:spPr>
+        <p:style>
+          <a:lnRef idx="2">
+            <a:schemeClr val="accent1">
+              <a:shade val="50000"/>
+            </a:schemeClr>
+          </a:lnRef>
+          <a:fillRef idx="1">
+            <a:schemeClr val="accent1"/>
+          </a:fillRef>
+          <a:effectRef idx="0">
+            <a:schemeClr val="accent1"/>
+          </a:effectRef>
+          <a:fontRef idx="minor">
+            <a:schemeClr val="lt1"/>
+          </a:fontRef>
+        </p:style>
+        <p:txBody>
+          <a:bodyPr rtlCol="0" anchor="ctr"/>
+          <a:lstStyle/>
+          <a:p>
+            <a:pPr algn="ctr"/>
+            <a:r>
+              <a:rPr lang="en-US" dirty="0"/>
+              <a:t>Target Variable</a:t>
+            </a:r>
+          </a:p>
+        </p:txBody>
+      </p:sp>
+      <p:sp>
+        <p:nvSpPr>
+          <p:cNvPr id="15" name="Arrow: Right 14">
+            <a:extLst>
+              <a:ext uri="{FF2B5EF4-FFF2-40B4-BE49-F238E27FC236}">
+                <a16:creationId xmlns:a16="http://schemas.microsoft.com/office/drawing/2014/main" id="{F1D8D3B1-85FA-47E6-9D52-9622BFF292EA}"/>
+              </a:ext>
+            </a:extLst>
+          </p:cNvPr>
+          <p:cNvSpPr/>
+          <p:nvPr/>
+        </p:nvSpPr>
+        <p:spPr>
+          <a:xfrm flipH="1">
+            <a:off x="8406146" y="750133"/>
+            <a:ext cx="1901952" cy="647509"/>
+          </a:xfrm>
+          <a:prstGeom prst="rightArrow">
+            <a:avLst/>
+          </a:prstGeom>
+        </p:spPr>
+        <p:style>
+          <a:lnRef idx="2">
+            <a:schemeClr val="accent1">
+              <a:shade val="50000"/>
+            </a:schemeClr>
+          </a:lnRef>
+          <a:fillRef idx="1">
+            <a:schemeClr val="accent1"/>
+          </a:fillRef>
+          <a:effectRef idx="0">
+            <a:schemeClr val="accent1"/>
+          </a:effectRef>
+          <a:fontRef idx="minor">
+            <a:schemeClr val="lt1"/>
+          </a:fontRef>
+        </p:style>
+        <p:txBody>
+          <a:bodyPr rtlCol="0" anchor="ctr"/>
+          <a:lstStyle/>
+          <a:p>
+            <a:pPr algn="ctr"/>
+            <a:r>
+              <a:rPr lang="en-US" dirty="0"/>
+              <a:t>Features</a:t>
+            </a:r>
+          </a:p>
+        </p:txBody>
+      </p:sp>
+      <p:pic>
+        <p:nvPicPr>
+          <p:cNvPr id="6148" name="Picture 4">
+            <a:extLst>
+              <a:ext uri="{FF2B5EF4-FFF2-40B4-BE49-F238E27FC236}">
+                <a16:creationId xmlns:a16="http://schemas.microsoft.com/office/drawing/2014/main" id="{C9E105BD-10CC-42A2-A831-47D40F9E4A0D}"/>
+              </a:ext>
+            </a:extLst>
+          </p:cNvPr>
+          <p:cNvPicPr>
+            <a:picLocks noChangeAspect="1" noChangeArrowheads="1"/>
+          </p:cNvPicPr>
+          <p:nvPr/>
+        </p:nvPicPr>
+        <p:blipFill>
+          <a:blip r:embed="rId3">
+            <a:extLst>
+              <a:ext uri="{28A0092B-C50C-407E-A947-70E740481C1C}">
+                <a14:useLocalDpi xmlns:a14="http://schemas.microsoft.com/office/drawing/2010/main" val="0"/>
+              </a:ext>
+            </a:extLst>
+          </a:blip>
+          <a:srcRect/>
+          <a:stretch>
+            <a:fillRect/>
+          </a:stretch>
+        </p:blipFill>
+        <p:spPr bwMode="auto">
+          <a:xfrm>
+            <a:off x="181991" y="656749"/>
+            <a:ext cx="8172450" cy="1504950"/>
+          </a:xfrm>
+          <a:prstGeom prst="rect">
+            <a:avLst/>
+          </a:prstGeom>
+          <a:noFill/>
+          <a:extLst>
+            <a:ext uri="{909E8E84-426E-40DD-AFC4-6F175D3DCCD1}">
+              <a14:hiddenFill xmlns:a14="http://schemas.microsoft.com/office/drawing/2010/main">
+                <a:solidFill>
+                  <a:srgbClr val="FFFFFF"/>
+                </a:solidFill>
+              </a14:hiddenFill>
+            </a:ext>
+          </a:extLst>
+        </p:spPr>
+      </p:pic>
+      <p:pic>
+        <p:nvPicPr>
+          <p:cNvPr id="6150" name="Picture 6">
+            <a:extLst>
+              <a:ext uri="{FF2B5EF4-FFF2-40B4-BE49-F238E27FC236}">
+                <a16:creationId xmlns:a16="http://schemas.microsoft.com/office/drawing/2014/main" id="{C7768C4F-417A-4E02-A211-2026E4C48438}"/>
+              </a:ext>
+            </a:extLst>
+          </p:cNvPr>
+          <p:cNvPicPr>
+            <a:picLocks noChangeAspect="1" noChangeArrowheads="1"/>
+          </p:cNvPicPr>
+          <p:nvPr/>
+        </p:nvPicPr>
+        <p:blipFill>
+          <a:blip r:embed="rId4">
+            <a:extLst>
+              <a:ext uri="{28A0092B-C50C-407E-A947-70E740481C1C}">
+                <a14:useLocalDpi xmlns:a14="http://schemas.microsoft.com/office/drawing/2010/main" val="0"/>
+              </a:ext>
+            </a:extLst>
+          </a:blip>
+          <a:srcRect/>
+          <a:stretch>
+            <a:fillRect/>
+          </a:stretch>
+        </p:blipFill>
+        <p:spPr bwMode="auto">
+          <a:xfrm>
+            <a:off x="1311663" y="2890917"/>
+            <a:ext cx="8877300" cy="3257550"/>
+          </a:xfrm>
+          <a:prstGeom prst="rect">
+            <a:avLst/>
+          </a:prstGeom>
+          <a:noFill/>
+          <a:extLst>
+            <a:ext uri="{909E8E84-426E-40DD-AFC4-6F175D3DCCD1}">
+              <a14:hiddenFill xmlns:a14="http://schemas.microsoft.com/office/drawing/2010/main">
+                <a:solidFill>
+                  <a:srgbClr val="FFFFFF"/>
+                </a:solidFill>
+              </a14:hiddenFill>
+            </a:ext>
+          </a:extLst>
+        </p:spPr>
+      </p:pic>
+    </p:spTree>
+    <p:extLst>
+      <p:ext uri="{BB962C8B-B14F-4D97-AF65-F5344CB8AC3E}">
+        <p14:creationId xmlns:p14="http://schemas.microsoft.com/office/powerpoint/2010/main" val="1398621993"/>
+      </p:ext>
+    </p:extLst>
+  </p:cSld>
+  <p:clrMapOvr>
+    <a:masterClrMapping/>
+  </p:clrMapOvr>
+</p:sld>
+</file>
+
+<file path=ppt/slides/slide19.xml><?xml version="1.0" encoding="utf-8"?>
+<p:sld xmlns:a="http://schemas.openxmlformats.org/drawingml/2006/main" xmlns:r="http://schemas.openxmlformats.org/officeDocument/2006/relationships" xmlns:p="http://schemas.openxmlformats.org/presentationml/2006/main">
+  <p:cSld>
+    <p:spTree>
+      <p:nvGrpSpPr>
+        <p:cNvPr id="1" name=""/>
+        <p:cNvGrpSpPr/>
+        <p:nvPr/>
+      </p:nvGrpSpPr>
+      <p:grpSpPr>
+        <a:xfrm>
+          <a:off x="0" y="0"/>
+          <a:ext cx="0" cy="0"/>
+          <a:chOff x="0" y="0"/>
+          <a:chExt cx="0" cy="0"/>
+        </a:xfrm>
+      </p:grpSpPr>
+      <p:sp>
+        <p:nvSpPr>
+          <p:cNvPr id="5" name="Rectangle 4">
+            <a:extLst>
+              <a:ext uri="{FF2B5EF4-FFF2-40B4-BE49-F238E27FC236}">
+                <a16:creationId xmlns:a16="http://schemas.microsoft.com/office/drawing/2014/main" id="{535917A4-46F9-4BC8-AB29-55BE86F9B9BA}"/>
+              </a:ext>
+            </a:extLst>
+          </p:cNvPr>
+          <p:cNvSpPr/>
+          <p:nvPr/>
+        </p:nvSpPr>
+        <p:spPr>
+          <a:xfrm>
+            <a:off x="854242" y="1660358"/>
+            <a:ext cx="10539663" cy="144379"/>
+          </a:xfrm>
+          <a:prstGeom prst="rect">
+            <a:avLst/>
+          </a:prstGeom>
+          <a:ln>
+            <a:solidFill>
+              <a:schemeClr val="bg1"/>
+            </a:solidFill>
+          </a:ln>
+        </p:spPr>
+        <p:style>
+          <a:lnRef idx="2">
+            <a:schemeClr val="dk1"/>
+          </a:lnRef>
+          <a:fillRef idx="1">
+            <a:schemeClr val="lt1"/>
+          </a:fillRef>
+          <a:effectRef idx="0">
+            <a:schemeClr val="dk1"/>
+          </a:effectRef>
+          <a:fontRef idx="minor">
+            <a:schemeClr val="dk1"/>
+          </a:fontRef>
+        </p:style>
+        <p:txBody>
+          <a:bodyPr rtlCol="0" anchor="ctr"/>
+          <a:lstStyle/>
+          <a:p>
+            <a:pPr algn="ctr"/>
+            <a:endParaRPr lang="en-US"/>
+          </a:p>
+        </p:txBody>
+      </p:sp>
+      <p:sp>
+        <p:nvSpPr>
+          <p:cNvPr id="11" name="TextBox 10">
+            <a:extLst>
+              <a:ext uri="{FF2B5EF4-FFF2-40B4-BE49-F238E27FC236}">
+                <a16:creationId xmlns:a16="http://schemas.microsoft.com/office/drawing/2014/main" id="{A9E77218-916E-4850-A512-BF6B9FF38953}"/>
+              </a:ext>
+            </a:extLst>
+          </p:cNvPr>
+          <p:cNvSpPr txBox="1"/>
+          <p:nvPr/>
+        </p:nvSpPr>
+        <p:spPr>
+          <a:xfrm>
+            <a:off x="2724912" y="994910"/>
+            <a:ext cx="3589800" cy="369332"/>
+          </a:xfrm>
+          <a:prstGeom prst="rect">
+            <a:avLst/>
+          </a:prstGeom>
+          <a:noFill/>
+        </p:spPr>
+        <p:txBody>
+          <a:bodyPr wrap="square" rtlCol="0">
+            <a:spAutoFit/>
+          </a:bodyPr>
+          <a:lstStyle/>
+          <a:p>
+            <a:r>
+              <a:rPr lang="en-US" dirty="0"/>
+              <a:t>KNN Regressor: .439</a:t>
+            </a:r>
+          </a:p>
+        </p:txBody>
+      </p:sp>
+      <p:sp>
+        <p:nvSpPr>
+          <p:cNvPr id="12" name="Right Brace 11">
+            <a:extLst>
+              <a:ext uri="{FF2B5EF4-FFF2-40B4-BE49-F238E27FC236}">
+                <a16:creationId xmlns:a16="http://schemas.microsoft.com/office/drawing/2014/main" id="{A55029B7-C595-4917-B06B-B329F143CB71}"/>
+              </a:ext>
+            </a:extLst>
+          </p:cNvPr>
+          <p:cNvSpPr/>
+          <p:nvPr/>
+        </p:nvSpPr>
+        <p:spPr>
+          <a:xfrm flipH="1">
+            <a:off x="4745736" y="201168"/>
+            <a:ext cx="474255" cy="1956816"/>
+          </a:xfrm>
+          <a:prstGeom prst="rightBrace">
+            <a:avLst>
+              <a:gd name="adj1" fmla="val 64247"/>
+              <a:gd name="adj2" fmla="val 50000"/>
+            </a:avLst>
+          </a:prstGeom>
+        </p:spPr>
+        <p:style>
+          <a:lnRef idx="1">
+            <a:schemeClr val="accent1"/>
+          </a:lnRef>
+          <a:fillRef idx="0">
+            <a:schemeClr val="accent1"/>
+          </a:fillRef>
+          <a:effectRef idx="0">
+            <a:schemeClr val="accent1"/>
+          </a:effectRef>
+          <a:fontRef idx="minor">
+            <a:schemeClr val="tx1"/>
+          </a:fontRef>
+        </p:style>
+        <p:txBody>
+          <a:bodyPr rtlCol="0" anchor="ctr"/>
+          <a:lstStyle/>
+          <a:p>
+            <a:pPr algn="ctr"/>
+            <a:endParaRPr lang="en-US"/>
+          </a:p>
+        </p:txBody>
+      </p:sp>
+      <p:sp>
+        <p:nvSpPr>
+          <p:cNvPr id="13" name="TextBox 12">
+            <a:extLst>
+              <a:ext uri="{FF2B5EF4-FFF2-40B4-BE49-F238E27FC236}">
+                <a16:creationId xmlns:a16="http://schemas.microsoft.com/office/drawing/2014/main" id="{9B59F85D-A30A-4153-B02E-8847655EE85A}"/>
+              </a:ext>
+            </a:extLst>
+          </p:cNvPr>
+          <p:cNvSpPr txBox="1"/>
+          <p:nvPr/>
+        </p:nvSpPr>
+        <p:spPr>
+          <a:xfrm>
+            <a:off x="1633728" y="2912102"/>
+            <a:ext cx="3589800" cy="369332"/>
+          </a:xfrm>
+          <a:prstGeom prst="rect">
+            <a:avLst/>
+          </a:prstGeom>
+          <a:noFill/>
+        </p:spPr>
+        <p:txBody>
+          <a:bodyPr wrap="square" rtlCol="0">
+            <a:spAutoFit/>
+          </a:bodyPr>
+          <a:lstStyle/>
+          <a:p>
+            <a:r>
+              <a:rPr lang="en-US" dirty="0"/>
+              <a:t>Random Forest Regressor:  .444</a:t>
+            </a:r>
+          </a:p>
+        </p:txBody>
+      </p:sp>
+      <p:sp>
+        <p:nvSpPr>
+          <p:cNvPr id="14" name="Right Brace 13">
+            <a:extLst>
+              <a:ext uri="{FF2B5EF4-FFF2-40B4-BE49-F238E27FC236}">
+                <a16:creationId xmlns:a16="http://schemas.microsoft.com/office/drawing/2014/main" id="{8AB4D816-30A6-4BB8-84BA-B94C18360D4C}"/>
+              </a:ext>
+            </a:extLst>
+          </p:cNvPr>
+          <p:cNvSpPr/>
+          <p:nvPr/>
+        </p:nvSpPr>
+        <p:spPr>
+          <a:xfrm flipH="1">
+            <a:off x="4715256" y="2145792"/>
+            <a:ext cx="474255" cy="1956816"/>
+          </a:xfrm>
+          <a:prstGeom prst="rightBrace">
+            <a:avLst>
+              <a:gd name="adj1" fmla="val 64247"/>
+              <a:gd name="adj2" fmla="val 50000"/>
+            </a:avLst>
+          </a:prstGeom>
+        </p:spPr>
+        <p:style>
+          <a:lnRef idx="1">
+            <a:schemeClr val="accent1"/>
+          </a:lnRef>
+          <a:fillRef idx="0">
+            <a:schemeClr val="accent1"/>
+          </a:fillRef>
+          <a:effectRef idx="0">
+            <a:schemeClr val="accent1"/>
+          </a:effectRef>
+          <a:fontRef idx="minor">
+            <a:schemeClr val="tx1"/>
+          </a:fontRef>
+        </p:style>
+        <p:txBody>
+          <a:bodyPr rtlCol="0" anchor="ctr"/>
+          <a:lstStyle/>
+          <a:p>
+            <a:pPr algn="ctr"/>
+            <a:endParaRPr lang="en-US"/>
+          </a:p>
+        </p:txBody>
+      </p:sp>
+      <p:sp>
+        <p:nvSpPr>
+          <p:cNvPr id="15" name="TextBox 14">
+            <a:extLst>
+              <a:ext uri="{FF2B5EF4-FFF2-40B4-BE49-F238E27FC236}">
+                <a16:creationId xmlns:a16="http://schemas.microsoft.com/office/drawing/2014/main" id="{DA2AB6DA-F839-4959-8F54-D44422EA2478}"/>
+              </a:ext>
+            </a:extLst>
+          </p:cNvPr>
+          <p:cNvSpPr txBox="1"/>
+          <p:nvPr/>
+        </p:nvSpPr>
+        <p:spPr>
+          <a:xfrm>
+            <a:off x="1420368" y="4911590"/>
+            <a:ext cx="3589800" cy="369332"/>
+          </a:xfrm>
+          <a:prstGeom prst="rect">
+            <a:avLst/>
+          </a:prstGeom>
+          <a:noFill/>
+        </p:spPr>
+        <p:txBody>
+          <a:bodyPr wrap="square" rtlCol="0">
+            <a:spAutoFit/>
+          </a:bodyPr>
+          <a:lstStyle/>
+          <a:p>
+            <a:r>
+              <a:rPr lang="en-US" dirty="0"/>
+              <a:t>Gradient Boosted Regressor:  .565</a:t>
+            </a:r>
+          </a:p>
+        </p:txBody>
+      </p:sp>
+      <p:sp>
+        <p:nvSpPr>
+          <p:cNvPr id="16" name="Right Brace 15">
+            <a:extLst>
+              <a:ext uri="{FF2B5EF4-FFF2-40B4-BE49-F238E27FC236}">
+                <a16:creationId xmlns:a16="http://schemas.microsoft.com/office/drawing/2014/main" id="{D4B7A8C8-CC19-47C8-8E11-03677231B1A9}"/>
+              </a:ext>
+            </a:extLst>
+          </p:cNvPr>
+          <p:cNvSpPr/>
+          <p:nvPr/>
+        </p:nvSpPr>
+        <p:spPr>
+          <a:xfrm flipH="1">
+            <a:off x="4721352" y="4117848"/>
+            <a:ext cx="474255" cy="1956816"/>
+          </a:xfrm>
+          <a:prstGeom prst="rightBrace">
+            <a:avLst>
+              <a:gd name="adj1" fmla="val 64247"/>
+              <a:gd name="adj2" fmla="val 50000"/>
+            </a:avLst>
+          </a:prstGeom>
+        </p:spPr>
+        <p:style>
+          <a:lnRef idx="1">
+            <a:schemeClr val="accent1"/>
+          </a:lnRef>
+          <a:fillRef idx="0">
+            <a:schemeClr val="accent1"/>
+          </a:fillRef>
+          <a:effectRef idx="0">
+            <a:schemeClr val="accent1"/>
+          </a:effectRef>
+          <a:fontRef idx="minor">
+            <a:schemeClr val="tx1"/>
+          </a:fontRef>
+        </p:style>
+        <p:txBody>
+          <a:bodyPr rtlCol="0" anchor="ctr"/>
+          <a:lstStyle/>
+          <a:p>
+            <a:pPr algn="ctr"/>
+            <a:endParaRPr lang="en-US"/>
+          </a:p>
+        </p:txBody>
+      </p:sp>
+      <p:pic>
+        <p:nvPicPr>
+          <p:cNvPr id="7170" name="Picture 2">
+            <a:extLst>
+              <a:ext uri="{FF2B5EF4-FFF2-40B4-BE49-F238E27FC236}">
+                <a16:creationId xmlns:a16="http://schemas.microsoft.com/office/drawing/2014/main" id="{3B4C76C9-EC5A-4991-9136-87B343409A2C}"/>
+              </a:ext>
+            </a:extLst>
+          </p:cNvPr>
+          <p:cNvPicPr>
+            <a:picLocks noChangeAspect="1" noChangeArrowheads="1"/>
+          </p:cNvPicPr>
+          <p:nvPr/>
+        </p:nvPicPr>
+        <p:blipFill>
+          <a:blip r:embed="rId2">
+            <a:extLst>
+              <a:ext uri="{28A0092B-C50C-407E-A947-70E740481C1C}">
+                <a14:useLocalDpi xmlns:a14="http://schemas.microsoft.com/office/drawing/2010/main" val="0"/>
+              </a:ext>
+            </a:extLst>
+          </a:blip>
+          <a:srcRect/>
+          <a:stretch>
+            <a:fillRect/>
+          </a:stretch>
+        </p:blipFill>
+        <p:spPr bwMode="auto">
+          <a:xfrm>
+            <a:off x="5787483" y="0"/>
+            <a:ext cx="6364803" cy="6269026"/>
+          </a:xfrm>
+          <a:prstGeom prst="rect">
+            <a:avLst/>
+          </a:prstGeom>
+          <a:noFill/>
+          <a:extLst>
+            <a:ext uri="{909E8E84-426E-40DD-AFC4-6F175D3DCCD1}">
+              <a14:hiddenFill xmlns:a14="http://schemas.microsoft.com/office/drawing/2010/main">
+                <a:solidFill>
+                  <a:srgbClr val="FFFFFF"/>
+                </a:solidFill>
+              </a14:hiddenFill>
+            </a:ext>
+          </a:extLst>
+        </p:spPr>
+      </p:pic>
+    </p:spTree>
+    <p:extLst>
+      <p:ext uri="{BB962C8B-B14F-4D97-AF65-F5344CB8AC3E}">
+        <p14:creationId xmlns:p14="http://schemas.microsoft.com/office/powerpoint/2010/main" val="3446245982"/>
       </p:ext>
     </p:extLst>
   </p:cSld>
@@ -5173,10 +7870,629 @@
           </a:p>
         </p:txBody>
       </p:sp>
+      <p:sp>
+        <p:nvSpPr>
+          <p:cNvPr id="6" name="TextBox 5">
+            <a:extLst>
+              <a:ext uri="{FF2B5EF4-FFF2-40B4-BE49-F238E27FC236}">
+                <a16:creationId xmlns:a16="http://schemas.microsoft.com/office/drawing/2014/main" id="{52EBE6C2-2033-4A4F-8D14-B65359D22B9F}"/>
+              </a:ext>
+            </a:extLst>
+          </p:cNvPr>
+          <p:cNvSpPr txBox="1"/>
+          <p:nvPr/>
+        </p:nvSpPr>
+        <p:spPr>
+          <a:xfrm>
+            <a:off x="508550" y="2799918"/>
+            <a:ext cx="4069351" cy="1200329"/>
+          </a:xfrm>
+          <a:prstGeom prst="rect">
+            <a:avLst/>
+          </a:prstGeom>
+          <a:solidFill>
+            <a:srgbClr val="FFFF00"/>
+          </a:solidFill>
+        </p:spPr>
+        <p:txBody>
+          <a:bodyPr wrap="square" rtlCol="0">
+            <a:spAutoFit/>
+          </a:bodyPr>
+          <a:lstStyle/>
+          <a:p>
+            <a:r>
+              <a:rPr lang="en-US" dirty="0"/>
+              <a:t>Estimate the Poisson lambda/mean of call duration?</a:t>
+            </a:r>
+          </a:p>
+          <a:p>
+            <a:r>
+              <a:rPr lang="en-US" dirty="0"/>
+              <a:t>More about the linear models and quantifying the error of the estimate</a:t>
+            </a:r>
+          </a:p>
+        </p:txBody>
+      </p:sp>
     </p:spTree>
     <p:extLst>
       <p:ext uri="{BB962C8B-B14F-4D97-AF65-F5344CB8AC3E}">
         <p14:creationId xmlns:p14="http://schemas.microsoft.com/office/powerpoint/2010/main" val="1997967509"/>
+      </p:ext>
+    </p:extLst>
+  </p:cSld>
+  <p:clrMapOvr>
+    <a:masterClrMapping/>
+  </p:clrMapOvr>
+</p:sld>
+</file>
+
+<file path=ppt/slides/slide20.xml><?xml version="1.0" encoding="utf-8"?>
+<p:sld xmlns:a="http://schemas.openxmlformats.org/drawingml/2006/main" xmlns:r="http://schemas.openxmlformats.org/officeDocument/2006/relationships" xmlns:p="http://schemas.openxmlformats.org/presentationml/2006/main">
+  <p:cSld>
+    <p:spTree>
+      <p:nvGrpSpPr>
+        <p:cNvPr id="1" name=""/>
+        <p:cNvGrpSpPr/>
+        <p:nvPr/>
+      </p:nvGrpSpPr>
+      <p:grpSpPr>
+        <a:xfrm>
+          <a:off x="0" y="0"/>
+          <a:ext cx="0" cy="0"/>
+          <a:chOff x="0" y="0"/>
+          <a:chExt cx="0" cy="0"/>
+        </a:xfrm>
+      </p:grpSpPr>
+      <p:sp>
+        <p:nvSpPr>
+          <p:cNvPr id="2" name="Title 1">
+            <a:extLst>
+              <a:ext uri="{FF2B5EF4-FFF2-40B4-BE49-F238E27FC236}">
+                <a16:creationId xmlns:a16="http://schemas.microsoft.com/office/drawing/2014/main" id="{C1F7E371-FCDF-456F-A55F-4EFEDF4B5278}"/>
+              </a:ext>
+            </a:extLst>
+          </p:cNvPr>
+          <p:cNvSpPr>
+            <a:spLocks noGrp="1"/>
+          </p:cNvSpPr>
+          <p:nvPr>
+            <p:ph type="title"/>
+          </p:nvPr>
+        </p:nvSpPr>
+        <p:spPr/>
+        <p:txBody>
+          <a:bodyPr/>
+          <a:lstStyle/>
+          <a:p>
+            <a:r>
+              <a:rPr lang="en-US" dirty="0"/>
+              <a:t>Supervised Learning with inconvenient data</a:t>
+            </a:r>
+          </a:p>
+        </p:txBody>
+      </p:sp>
+      <p:sp>
+        <p:nvSpPr>
+          <p:cNvPr id="3" name="Content Placeholder 2">
+            <a:extLst>
+              <a:ext uri="{FF2B5EF4-FFF2-40B4-BE49-F238E27FC236}">
+                <a16:creationId xmlns:a16="http://schemas.microsoft.com/office/drawing/2014/main" id="{0B5EBBFB-6D72-43FC-BF39-C92BB3106B64}"/>
+              </a:ext>
+            </a:extLst>
+          </p:cNvPr>
+          <p:cNvSpPr>
+            <a:spLocks noGrp="1"/>
+          </p:cNvSpPr>
+          <p:nvPr>
+            <p:ph idx="1"/>
+          </p:nvPr>
+        </p:nvSpPr>
+        <p:spPr/>
+        <p:txBody>
+          <a:bodyPr>
+            <a:normAutofit/>
+          </a:bodyPr>
+          <a:lstStyle/>
+          <a:p>
+            <a:r>
+              <a:rPr lang="en-US" dirty="0"/>
+              <a:t>Overview: </a:t>
+            </a:r>
+            <a:r>
+              <a:rPr lang="en-US" b="1" dirty="0"/>
+              <a:t>Generate</a:t>
+            </a:r>
+            <a:r>
+              <a:rPr lang="en-US" dirty="0"/>
+              <a:t> a dataset with inconvenient properties to use in the following scenarios:</a:t>
+            </a:r>
+          </a:p>
+          <a:p>
+            <a:pPr marL="457200" indent="-457200">
+              <a:buFont typeface="+mj-lt"/>
+              <a:buAutoNum type="arabicPeriod"/>
+            </a:pPr>
+            <a:r>
+              <a:rPr lang="en-US" i="1" dirty="0">
+                <a:solidFill>
+                  <a:schemeClr val="bg1">
+                    <a:lumMod val="50000"/>
+                  </a:schemeClr>
+                </a:solidFill>
+              </a:rPr>
+              <a:t>Linear Regression of a normally  distributed dependent variable</a:t>
+            </a:r>
+          </a:p>
+          <a:p>
+            <a:pPr marL="749808" lvl="1" indent="-457200"/>
+            <a:r>
+              <a:rPr lang="en-US" i="1" dirty="0">
+                <a:solidFill>
+                  <a:schemeClr val="bg1">
+                    <a:lumMod val="50000"/>
+                  </a:schemeClr>
+                </a:solidFill>
+              </a:rPr>
+              <a:t>Law of Large Numbers</a:t>
+            </a:r>
+          </a:p>
+          <a:p>
+            <a:pPr marL="749808" lvl="1" indent="-457200"/>
+            <a:r>
+              <a:rPr lang="en-US" i="1" dirty="0">
+                <a:solidFill>
+                  <a:schemeClr val="bg1">
+                    <a:lumMod val="50000"/>
+                  </a:schemeClr>
+                </a:solidFill>
+              </a:rPr>
+              <a:t>Using normally distributed features (baseline)</a:t>
+            </a:r>
+          </a:p>
+          <a:p>
+            <a:pPr marL="749808" lvl="1" indent="-457200"/>
+            <a:r>
+              <a:rPr lang="en-US" i="1" dirty="0">
+                <a:solidFill>
+                  <a:schemeClr val="bg1">
+                    <a:lumMod val="50000"/>
+                  </a:schemeClr>
+                </a:solidFill>
+              </a:rPr>
+              <a:t>Using skewed features</a:t>
+            </a:r>
+          </a:p>
+          <a:p>
+            <a:pPr marL="749808" lvl="1" indent="-457200"/>
+            <a:r>
+              <a:rPr lang="en-US" i="1" dirty="0">
+                <a:solidFill>
+                  <a:schemeClr val="bg1">
+                    <a:lumMod val="50000"/>
+                  </a:schemeClr>
+                </a:solidFill>
+              </a:rPr>
+              <a:t>Using Poisson features</a:t>
+            </a:r>
+          </a:p>
+          <a:p>
+            <a:pPr marL="749808" lvl="1" indent="-457200"/>
+            <a:r>
+              <a:rPr lang="en-US" i="1" dirty="0">
+                <a:solidFill>
+                  <a:schemeClr val="bg1">
+                    <a:lumMod val="50000"/>
+                  </a:schemeClr>
+                </a:solidFill>
+              </a:rPr>
+              <a:t>Using Bernoulli and Categorical features</a:t>
+            </a:r>
+          </a:p>
+          <a:p>
+            <a:pPr marL="457200" indent="-457200">
+              <a:buFont typeface="+mj-lt"/>
+              <a:buAutoNum type="arabicPeriod"/>
+            </a:pPr>
+            <a:r>
+              <a:rPr lang="en-US" b="1" dirty="0"/>
+              <a:t>Linear Regression of a Skewed dependent variable</a:t>
+            </a:r>
+          </a:p>
+          <a:p>
+            <a:pPr marL="749808" lvl="1" indent="-457200"/>
+            <a:r>
+              <a:rPr lang="en-US" b="1" dirty="0"/>
+              <a:t>Central Limit Theorem demonstration</a:t>
+            </a:r>
+          </a:p>
+          <a:p>
+            <a:pPr marL="749808" lvl="1" indent="-457200"/>
+            <a:r>
+              <a:rPr lang="en-US" b="1" dirty="0"/>
+              <a:t>Regressing with Outliers</a:t>
+            </a:r>
+          </a:p>
+          <a:p>
+            <a:pPr marL="749808" lvl="1" indent="-457200"/>
+            <a:r>
+              <a:rPr lang="en-US" b="1" dirty="0"/>
+              <a:t>Transformation of </a:t>
+            </a:r>
+          </a:p>
+        </p:txBody>
+      </p:sp>
+    </p:spTree>
+    <p:extLst>
+      <p:ext uri="{BB962C8B-B14F-4D97-AF65-F5344CB8AC3E}">
+        <p14:creationId xmlns:p14="http://schemas.microsoft.com/office/powerpoint/2010/main" val="669334905"/>
+      </p:ext>
+    </p:extLst>
+  </p:cSld>
+  <p:clrMapOvr>
+    <a:masterClrMapping/>
+  </p:clrMapOvr>
+</p:sld>
+</file>
+
+<file path=ppt/slides/slide21.xml><?xml version="1.0" encoding="utf-8"?>
+<p:sld xmlns:a="http://schemas.openxmlformats.org/drawingml/2006/main" xmlns:r="http://schemas.openxmlformats.org/officeDocument/2006/relationships" xmlns:p="http://schemas.openxmlformats.org/presentationml/2006/main">
+  <p:cSld>
+    <p:spTree>
+      <p:nvGrpSpPr>
+        <p:cNvPr id="1" name=""/>
+        <p:cNvGrpSpPr/>
+        <p:nvPr/>
+      </p:nvGrpSpPr>
+      <p:grpSpPr>
+        <a:xfrm>
+          <a:off x="0" y="0"/>
+          <a:ext cx="0" cy="0"/>
+          <a:chOff x="0" y="0"/>
+          <a:chExt cx="0" cy="0"/>
+        </a:xfrm>
+      </p:grpSpPr>
+      <p:sp>
+        <p:nvSpPr>
+          <p:cNvPr id="2" name="Title 1">
+            <a:extLst>
+              <a:ext uri="{FF2B5EF4-FFF2-40B4-BE49-F238E27FC236}">
+                <a16:creationId xmlns:a16="http://schemas.microsoft.com/office/drawing/2014/main" id="{CCCB2C92-5D09-465F-97FD-B37C0150DB1F}"/>
+              </a:ext>
+            </a:extLst>
+          </p:cNvPr>
+          <p:cNvSpPr>
+            <a:spLocks noGrp="1"/>
+          </p:cNvSpPr>
+          <p:nvPr>
+            <p:ph type="title"/>
+          </p:nvPr>
+        </p:nvSpPr>
+        <p:spPr>
+          <a:xfrm>
+            <a:off x="1097280" y="238476"/>
+            <a:ext cx="10058400" cy="543576"/>
+          </a:xfrm>
+        </p:spPr>
+        <p:txBody>
+          <a:bodyPr>
+            <a:noAutofit/>
+          </a:bodyPr>
+          <a:lstStyle/>
+          <a:p>
+            <a:r>
+              <a:rPr lang="en-US" sz="3200" dirty="0"/>
+              <a:t>Central Limit Theorem</a:t>
+            </a:r>
+          </a:p>
+        </p:txBody>
+      </p:sp>
+      <p:sp>
+        <p:nvSpPr>
+          <p:cNvPr id="5" name="Rectangle 4">
+            <a:extLst>
+              <a:ext uri="{FF2B5EF4-FFF2-40B4-BE49-F238E27FC236}">
+                <a16:creationId xmlns:a16="http://schemas.microsoft.com/office/drawing/2014/main" id="{535917A4-46F9-4BC8-AB29-55BE86F9B9BA}"/>
+              </a:ext>
+            </a:extLst>
+          </p:cNvPr>
+          <p:cNvSpPr/>
+          <p:nvPr/>
+        </p:nvSpPr>
+        <p:spPr>
+          <a:xfrm>
+            <a:off x="854242" y="1660358"/>
+            <a:ext cx="10539663" cy="144379"/>
+          </a:xfrm>
+          <a:prstGeom prst="rect">
+            <a:avLst/>
+          </a:prstGeom>
+          <a:ln>
+            <a:solidFill>
+              <a:schemeClr val="bg1"/>
+            </a:solidFill>
+          </a:ln>
+        </p:spPr>
+        <p:style>
+          <a:lnRef idx="2">
+            <a:schemeClr val="dk1"/>
+          </a:lnRef>
+          <a:fillRef idx="1">
+            <a:schemeClr val="lt1"/>
+          </a:fillRef>
+          <a:effectRef idx="0">
+            <a:schemeClr val="dk1"/>
+          </a:effectRef>
+          <a:fontRef idx="minor">
+            <a:schemeClr val="dk1"/>
+          </a:fontRef>
+        </p:style>
+        <p:txBody>
+          <a:bodyPr rtlCol="0" anchor="ctr"/>
+          <a:lstStyle/>
+          <a:p>
+            <a:pPr algn="ctr"/>
+            <a:endParaRPr lang="en-US"/>
+          </a:p>
+        </p:txBody>
+      </p:sp>
+      <p:pic>
+        <p:nvPicPr>
+          <p:cNvPr id="8196" name="Picture 4">
+            <a:extLst>
+              <a:ext uri="{FF2B5EF4-FFF2-40B4-BE49-F238E27FC236}">
+                <a16:creationId xmlns:a16="http://schemas.microsoft.com/office/drawing/2014/main" id="{EB78FA7D-2DEE-462B-820A-41973C05A04E}"/>
+              </a:ext>
+            </a:extLst>
+          </p:cNvPr>
+          <p:cNvPicPr>
+            <a:picLocks noChangeAspect="1" noChangeArrowheads="1"/>
+          </p:cNvPicPr>
+          <p:nvPr/>
+        </p:nvPicPr>
+        <p:blipFill>
+          <a:blip r:embed="rId2">
+            <a:extLst>
+              <a:ext uri="{28A0092B-C50C-407E-A947-70E740481C1C}">
+                <a14:useLocalDpi xmlns:a14="http://schemas.microsoft.com/office/drawing/2010/main" val="0"/>
+              </a:ext>
+            </a:extLst>
+          </a:blip>
+          <a:srcRect/>
+          <a:stretch>
+            <a:fillRect/>
+          </a:stretch>
+        </p:blipFill>
+        <p:spPr bwMode="auto">
+          <a:xfrm>
+            <a:off x="5945343" y="179050"/>
+            <a:ext cx="3133725" cy="3048000"/>
+          </a:xfrm>
+          <a:prstGeom prst="rect">
+            <a:avLst/>
+          </a:prstGeom>
+          <a:noFill/>
+          <a:extLst>
+            <a:ext uri="{909E8E84-426E-40DD-AFC4-6F175D3DCCD1}">
+              <a14:hiddenFill xmlns:a14="http://schemas.microsoft.com/office/drawing/2010/main">
+                <a:solidFill>
+                  <a:srgbClr val="FFFFFF"/>
+                </a:solidFill>
+              </a14:hiddenFill>
+            </a:ext>
+          </a:extLst>
+        </p:spPr>
+      </p:pic>
+      <p:pic>
+        <p:nvPicPr>
+          <p:cNvPr id="8198" name="Picture 6">
+            <a:extLst>
+              <a:ext uri="{FF2B5EF4-FFF2-40B4-BE49-F238E27FC236}">
+                <a16:creationId xmlns:a16="http://schemas.microsoft.com/office/drawing/2014/main" id="{5BD5FA2B-E104-4584-B15A-D5A46D594030}"/>
+              </a:ext>
+            </a:extLst>
+          </p:cNvPr>
+          <p:cNvPicPr>
+            <a:picLocks noChangeAspect="1" noChangeArrowheads="1"/>
+          </p:cNvPicPr>
+          <p:nvPr/>
+        </p:nvPicPr>
+        <p:blipFill>
+          <a:blip r:embed="rId3">
+            <a:extLst>
+              <a:ext uri="{28A0092B-C50C-407E-A947-70E740481C1C}">
+                <a14:useLocalDpi xmlns:a14="http://schemas.microsoft.com/office/drawing/2010/main" val="0"/>
+              </a:ext>
+            </a:extLst>
+          </a:blip>
+          <a:srcRect/>
+          <a:stretch>
+            <a:fillRect/>
+          </a:stretch>
+        </p:blipFill>
+        <p:spPr bwMode="auto">
+          <a:xfrm>
+            <a:off x="113255" y="3404531"/>
+            <a:ext cx="11965490" cy="2865169"/>
+          </a:xfrm>
+          <a:prstGeom prst="rect">
+            <a:avLst/>
+          </a:prstGeom>
+          <a:noFill/>
+          <a:extLst>
+            <a:ext uri="{909E8E84-426E-40DD-AFC4-6F175D3DCCD1}">
+              <a14:hiddenFill xmlns:a14="http://schemas.microsoft.com/office/drawing/2010/main">
+                <a:solidFill>
+                  <a:srgbClr val="FFFFFF"/>
+                </a:solidFill>
+              </a14:hiddenFill>
+            </a:ext>
+          </a:extLst>
+        </p:spPr>
+      </p:pic>
+      <p:sp>
+        <p:nvSpPr>
+          <p:cNvPr id="3" name="TextBox 2">
+            <a:extLst>
+              <a:ext uri="{FF2B5EF4-FFF2-40B4-BE49-F238E27FC236}">
+                <a16:creationId xmlns:a16="http://schemas.microsoft.com/office/drawing/2014/main" id="{9A5E7FCF-9753-4CAC-9DB8-8AF772A9216F}"/>
+              </a:ext>
+            </a:extLst>
+          </p:cNvPr>
+          <p:cNvSpPr txBox="1"/>
+          <p:nvPr/>
+        </p:nvSpPr>
+        <p:spPr>
+          <a:xfrm>
+            <a:off x="1198775" y="1512932"/>
+            <a:ext cx="4446908" cy="1477328"/>
+          </a:xfrm>
+          <a:prstGeom prst="rect">
+            <a:avLst/>
+          </a:prstGeom>
+          <a:solidFill>
+            <a:srgbClr val="FFFF00"/>
+          </a:solidFill>
+        </p:spPr>
+        <p:txBody>
+          <a:bodyPr wrap="square" rtlCol="0">
+            <a:spAutoFit/>
+          </a:bodyPr>
+          <a:lstStyle/>
+          <a:p>
+            <a:r>
+              <a:rPr lang="en-US" dirty="0"/>
+              <a:t>Make sure the means line up</a:t>
+            </a:r>
+          </a:p>
+          <a:p>
+            <a:r>
+              <a:rPr lang="en-US" dirty="0"/>
+              <a:t>Sigma, SE, degree</a:t>
+            </a:r>
+          </a:p>
+          <a:p>
+            <a:r>
+              <a:rPr lang="en-US" dirty="0"/>
+              <a:t>Lock </a:t>
+            </a:r>
+            <a:r>
+              <a:rPr lang="en-US" dirty="0" err="1"/>
+              <a:t>xticks</a:t>
+            </a:r>
+            <a:r>
+              <a:rPr lang="en-US" dirty="0"/>
+              <a:t>, and note movement of std dev</a:t>
+            </a:r>
+          </a:p>
+          <a:p>
+            <a:r>
+              <a:rPr lang="en-US" dirty="0"/>
+              <a:t>Remove </a:t>
+            </a:r>
+            <a:r>
+              <a:rPr lang="en-US" dirty="0" err="1"/>
+              <a:t>yticks</a:t>
+            </a:r>
+            <a:r>
+              <a:rPr lang="en-US" dirty="0"/>
+              <a:t> here</a:t>
+            </a:r>
+          </a:p>
+          <a:p>
+            <a:r>
+              <a:rPr lang="en-US" dirty="0"/>
+              <a:t>Include sample sizes</a:t>
+            </a:r>
+          </a:p>
+        </p:txBody>
+      </p:sp>
+    </p:spTree>
+    <p:extLst>
+      <p:ext uri="{BB962C8B-B14F-4D97-AF65-F5344CB8AC3E}">
+        <p14:creationId xmlns:p14="http://schemas.microsoft.com/office/powerpoint/2010/main" val="3255918959"/>
+      </p:ext>
+    </p:extLst>
+  </p:cSld>
+  <p:clrMapOvr>
+    <a:masterClrMapping/>
+  </p:clrMapOvr>
+</p:sld>
+</file>
+
+<file path=ppt/slides/slide22.xml><?xml version="1.0" encoding="utf-8"?>
+<p:sld xmlns:a="http://schemas.openxmlformats.org/drawingml/2006/main" xmlns:r="http://schemas.openxmlformats.org/officeDocument/2006/relationships" xmlns:p="http://schemas.openxmlformats.org/presentationml/2006/main">
+  <p:cSld>
+    <p:spTree>
+      <p:nvGrpSpPr>
+        <p:cNvPr id="1" name=""/>
+        <p:cNvGrpSpPr/>
+        <p:nvPr/>
+      </p:nvGrpSpPr>
+      <p:grpSpPr>
+        <a:xfrm>
+          <a:off x="0" y="0"/>
+          <a:ext cx="0" cy="0"/>
+          <a:chOff x="0" y="0"/>
+          <a:chExt cx="0" cy="0"/>
+        </a:xfrm>
+      </p:grpSpPr>
+      <p:sp>
+        <p:nvSpPr>
+          <p:cNvPr id="2" name="Title 1">
+            <a:extLst>
+              <a:ext uri="{FF2B5EF4-FFF2-40B4-BE49-F238E27FC236}">
+                <a16:creationId xmlns:a16="http://schemas.microsoft.com/office/drawing/2014/main" id="{B3AFDEA3-A3D9-4B46-9165-CF299390D993}"/>
+              </a:ext>
+            </a:extLst>
+          </p:cNvPr>
+          <p:cNvSpPr>
+            <a:spLocks noGrp="1"/>
+          </p:cNvSpPr>
+          <p:nvPr>
+            <p:ph type="title"/>
+          </p:nvPr>
+        </p:nvSpPr>
+        <p:spPr/>
+        <p:txBody>
+          <a:bodyPr/>
+          <a:lstStyle/>
+          <a:p>
+            <a:r>
+              <a:rPr lang="en-US" dirty="0"/>
+              <a:t>References</a:t>
+            </a:r>
+          </a:p>
+        </p:txBody>
+      </p:sp>
+      <p:sp>
+        <p:nvSpPr>
+          <p:cNvPr id="3" name="Content Placeholder 2">
+            <a:extLst>
+              <a:ext uri="{FF2B5EF4-FFF2-40B4-BE49-F238E27FC236}">
+                <a16:creationId xmlns:a16="http://schemas.microsoft.com/office/drawing/2014/main" id="{ED68AA44-B8CB-495A-8078-4C998C12CB7B}"/>
+              </a:ext>
+            </a:extLst>
+          </p:cNvPr>
+          <p:cNvSpPr>
+            <a:spLocks noGrp="1"/>
+          </p:cNvSpPr>
+          <p:nvPr>
+            <p:ph idx="1"/>
+          </p:nvPr>
+        </p:nvSpPr>
+        <p:spPr/>
+        <p:txBody>
+          <a:bodyPr/>
+          <a:lstStyle/>
+          <a:p>
+            <a:endParaRPr lang="en-US"/>
+          </a:p>
+        </p:txBody>
+      </p:sp>
+    </p:spTree>
+    <p:extLst>
+      <p:ext uri="{BB962C8B-B14F-4D97-AF65-F5344CB8AC3E}">
+        <p14:creationId xmlns:p14="http://schemas.microsoft.com/office/powerpoint/2010/main" val="551617613"/>
       </p:ext>
     </p:extLst>
   </p:cSld>
@@ -5208,7 +8524,7 @@
           <p:cNvPr id="2" name="Title 1">
             <a:extLst>
               <a:ext uri="{FF2B5EF4-FFF2-40B4-BE49-F238E27FC236}">
-                <a16:creationId xmlns:a16="http://schemas.microsoft.com/office/drawing/2014/main" id="{CCCB2C92-5D09-465F-97FD-B37C0150DB1F}"/>
+                <a16:creationId xmlns:a16="http://schemas.microsoft.com/office/drawing/2014/main" id="{4EA2EC53-9994-4685-882B-16CABE1976C0}"/>
               </a:ext>
             </a:extLst>
           </p:cNvPr>
@@ -5219,379 +8535,63 @@
             <p:ph type="title"/>
           </p:nvPr>
         </p:nvSpPr>
-        <p:spPr>
-          <a:xfrm>
-            <a:off x="1097280" y="286604"/>
-            <a:ext cx="10058400" cy="543576"/>
-          </a:xfrm>
-        </p:spPr>
-        <p:txBody>
-          <a:bodyPr>
-            <a:noAutofit/>
-          </a:bodyPr>
-          <a:lstStyle/>
-          <a:p>
-            <a:r>
-              <a:rPr lang="en-US" sz="3200" dirty="0"/>
-              <a:t>Can we predict time spent on the phone using time of day?</a:t>
-            </a:r>
-          </a:p>
-        </p:txBody>
-      </p:sp>
-      <p:sp>
-        <p:nvSpPr>
-          <p:cNvPr id="5" name="Rectangle 4">
-            <a:extLst>
-              <a:ext uri="{FF2B5EF4-FFF2-40B4-BE49-F238E27FC236}">
-                <a16:creationId xmlns:a16="http://schemas.microsoft.com/office/drawing/2014/main" id="{535917A4-46F9-4BC8-AB29-55BE86F9B9BA}"/>
-              </a:ext>
-            </a:extLst>
-          </p:cNvPr>
-          <p:cNvSpPr/>
-          <p:nvPr/>
-        </p:nvSpPr>
-        <p:spPr>
-          <a:xfrm>
-            <a:off x="854242" y="1660358"/>
-            <a:ext cx="10539663" cy="144379"/>
+        <p:spPr/>
+        <p:txBody>
+          <a:bodyPr/>
+          <a:lstStyle/>
+          <a:p>
+            <a:endParaRPr lang="en-US"/>
+          </a:p>
+        </p:txBody>
+      </p:sp>
+      <p:sp>
+        <p:nvSpPr>
+          <p:cNvPr id="3" name="Content Placeholder 2">
+            <a:extLst>
+              <a:ext uri="{FF2B5EF4-FFF2-40B4-BE49-F238E27FC236}">
+                <a16:creationId xmlns:a16="http://schemas.microsoft.com/office/drawing/2014/main" id="{FF039021-FF03-4D22-A7D6-C51D45A23F51}"/>
+              </a:ext>
+            </a:extLst>
+          </p:cNvPr>
+          <p:cNvSpPr>
+            <a:spLocks noGrp="1"/>
+          </p:cNvSpPr>
+          <p:nvPr>
+            <p:ph idx="1"/>
+          </p:nvPr>
+        </p:nvSpPr>
+        <p:spPr/>
+        <p:txBody>
+          <a:bodyPr/>
+          <a:lstStyle/>
+          <a:p>
+            <a:endParaRPr lang="en-US" dirty="0"/>
+          </a:p>
+        </p:txBody>
+      </p:sp>
+      <p:sp>
+        <p:nvSpPr>
+          <p:cNvPr id="4" name="TextBox 3">
+            <a:extLst>
+              <a:ext uri="{FF2B5EF4-FFF2-40B4-BE49-F238E27FC236}">
+                <a16:creationId xmlns:a16="http://schemas.microsoft.com/office/drawing/2014/main" id="{73FD73E6-EDD0-4C5B-BC46-38584D46B0DF}"/>
+              </a:ext>
+            </a:extLst>
+          </p:cNvPr>
+          <p:cNvSpPr txBox="1"/>
+          <p:nvPr/>
+        </p:nvSpPr>
+        <p:spPr>
+          <a:xfrm>
+            <a:off x="231280" y="2855000"/>
+            <a:ext cx="4446908" cy="2585323"/>
           </a:xfrm>
           <a:prstGeom prst="rect">
             <a:avLst/>
           </a:prstGeom>
-          <a:ln>
-            <a:solidFill>
-              <a:schemeClr val="bg1"/>
-            </a:solidFill>
-          </a:ln>
-        </p:spPr>
-        <p:style>
-          <a:lnRef idx="2">
-            <a:schemeClr val="dk1"/>
-          </a:lnRef>
-          <a:fillRef idx="1">
-            <a:schemeClr val="lt1"/>
-          </a:fillRef>
-          <a:effectRef idx="0">
-            <a:schemeClr val="dk1"/>
-          </a:effectRef>
-          <a:fontRef idx="minor">
-            <a:schemeClr val="dk1"/>
-          </a:fontRef>
-        </p:style>
-        <p:txBody>
-          <a:bodyPr rtlCol="0" anchor="ctr"/>
-          <a:lstStyle/>
-          <a:p>
-            <a:pPr algn="ctr"/>
-            <a:endParaRPr lang="en-US"/>
-          </a:p>
-        </p:txBody>
-      </p:sp>
-      <p:pic>
-        <p:nvPicPr>
-          <p:cNvPr id="4" name="Picture 3">
-            <a:extLst>
-              <a:ext uri="{FF2B5EF4-FFF2-40B4-BE49-F238E27FC236}">
-                <a16:creationId xmlns:a16="http://schemas.microsoft.com/office/drawing/2014/main" id="{BEDE6C36-8B72-4B2A-9531-881B48ADA593}"/>
-              </a:ext>
-            </a:extLst>
-          </p:cNvPr>
-          <p:cNvPicPr>
-            <a:picLocks noChangeAspect="1"/>
-          </p:cNvPicPr>
-          <p:nvPr/>
-        </p:nvPicPr>
-        <p:blipFill rotWithShape="1">
-          <a:blip r:embed="rId2"/>
-          <a:srcRect b="5256"/>
-          <a:stretch/>
-        </p:blipFill>
-        <p:spPr>
-          <a:xfrm>
-            <a:off x="262384" y="807624"/>
-            <a:ext cx="4737027" cy="5460829"/>
-          </a:xfrm>
-          <a:prstGeom prst="rect">
-            <a:avLst/>
-          </a:prstGeom>
-        </p:spPr>
-      </p:pic>
-      <p:sp>
-        <p:nvSpPr>
-          <p:cNvPr id="7" name="Rectangle: Rounded Corners 6">
-            <a:extLst>
-              <a:ext uri="{FF2B5EF4-FFF2-40B4-BE49-F238E27FC236}">
-                <a16:creationId xmlns:a16="http://schemas.microsoft.com/office/drawing/2014/main" id="{8BA8A8A3-D162-4955-BFDB-A61391AE5286}"/>
-              </a:ext>
-            </a:extLst>
-          </p:cNvPr>
-          <p:cNvSpPr/>
-          <p:nvPr/>
-        </p:nvSpPr>
-        <p:spPr>
-          <a:xfrm>
-            <a:off x="3152274" y="807624"/>
-            <a:ext cx="1847137" cy="399197"/>
-          </a:xfrm>
-          <a:prstGeom prst="roundRect">
-            <a:avLst/>
-          </a:prstGeom>
-          <a:noFill/>
-          <a:ln w="9525" cap="flat" cmpd="sng" algn="ctr">
-            <a:solidFill>
-              <a:schemeClr val="accent1"/>
-            </a:solidFill>
-            <a:prstDash val="solid"/>
-            <a:round/>
-            <a:headEnd type="none" w="med" len="med"/>
-            <a:tailEnd type="none" w="med" len="med"/>
-          </a:ln>
-        </p:spPr>
-        <p:style>
-          <a:lnRef idx="0">
-            <a:scrgbClr r="0" g="0" b="0"/>
-          </a:lnRef>
-          <a:fillRef idx="0">
-            <a:scrgbClr r="0" g="0" b="0"/>
-          </a:fillRef>
-          <a:effectRef idx="0">
-            <a:scrgbClr r="0" g="0" b="0"/>
-          </a:effectRef>
-          <a:fontRef idx="minor">
-            <a:schemeClr val="accent1"/>
-          </a:fontRef>
-        </p:style>
-        <p:txBody>
-          <a:bodyPr rtlCol="0" anchor="ctr"/>
-          <a:lstStyle/>
-          <a:p>
-            <a:pPr algn="ctr"/>
-            <a:endParaRPr lang="en-US"/>
-          </a:p>
-        </p:txBody>
-      </p:sp>
-      <p:pic>
-        <p:nvPicPr>
-          <p:cNvPr id="9" name="Graphic 8" descr="Thumbs Up Sign">
-            <a:extLst>
-              <a:ext uri="{FF2B5EF4-FFF2-40B4-BE49-F238E27FC236}">
-                <a16:creationId xmlns:a16="http://schemas.microsoft.com/office/drawing/2014/main" id="{3C470F3D-958D-4AE0-8F23-39FAAB0D32E9}"/>
-              </a:ext>
-            </a:extLst>
-          </p:cNvPr>
-          <p:cNvPicPr>
-            <a:picLocks noChangeAspect="1"/>
-          </p:cNvPicPr>
-          <p:nvPr/>
-        </p:nvPicPr>
-        <p:blipFill>
-          <a:blip r:embed="rId3">
-            <a:extLst>
-              <a:ext uri="{28A0092B-C50C-407E-A947-70E740481C1C}">
-                <a14:useLocalDpi xmlns:a14="http://schemas.microsoft.com/office/drawing/2010/main" val="0"/>
-              </a:ext>
-              <a:ext uri="{96DAC541-7B7A-43D3-8B79-37D633B846F1}">
-                <asvg:svgBlip xmlns:asvg="http://schemas.microsoft.com/office/drawing/2016/SVG/main" r:embed="rId4"/>
-              </a:ext>
-            </a:extLst>
-          </a:blip>
-          <a:stretch>
-            <a:fillRect/>
-          </a:stretch>
-        </p:blipFill>
-        <p:spPr>
-          <a:xfrm rot="10800000">
-            <a:off x="5145505" y="819979"/>
-            <a:ext cx="457200" cy="457200"/>
-          </a:xfrm>
-          <a:prstGeom prst="rect">
-            <a:avLst/>
-          </a:prstGeom>
-        </p:spPr>
-      </p:pic>
-      <p:sp>
-        <p:nvSpPr>
-          <p:cNvPr id="12" name="Rectangle: Rounded Corners 11">
-            <a:extLst>
-              <a:ext uri="{FF2B5EF4-FFF2-40B4-BE49-F238E27FC236}">
-                <a16:creationId xmlns:a16="http://schemas.microsoft.com/office/drawing/2014/main" id="{BD821E20-EAE6-4164-8889-758BD726ED5B}"/>
-              </a:ext>
-            </a:extLst>
-          </p:cNvPr>
-          <p:cNvSpPr/>
-          <p:nvPr/>
-        </p:nvSpPr>
-        <p:spPr>
-          <a:xfrm>
-            <a:off x="262384" y="2379468"/>
-            <a:ext cx="2662844" cy="351999"/>
-          </a:xfrm>
-          <a:prstGeom prst="roundRect">
-            <a:avLst/>
-          </a:prstGeom>
-          <a:noFill/>
-          <a:ln w="9525" cap="flat" cmpd="sng" algn="ctr">
-            <a:solidFill>
-              <a:schemeClr val="accent1"/>
-            </a:solidFill>
-            <a:prstDash val="solid"/>
-            <a:round/>
-            <a:headEnd type="none" w="med" len="med"/>
-            <a:tailEnd type="none" w="med" len="med"/>
-          </a:ln>
-        </p:spPr>
-        <p:style>
-          <a:lnRef idx="0">
-            <a:scrgbClr r="0" g="0" b="0"/>
-          </a:lnRef>
-          <a:fillRef idx="0">
-            <a:scrgbClr r="0" g="0" b="0"/>
-          </a:fillRef>
-          <a:effectRef idx="0">
-            <a:scrgbClr r="0" g="0" b="0"/>
-          </a:effectRef>
-          <a:fontRef idx="minor">
-            <a:schemeClr val="accent1"/>
-          </a:fontRef>
-        </p:style>
-        <p:txBody>
-          <a:bodyPr rtlCol="0" anchor="ctr"/>
-          <a:lstStyle/>
-          <a:p>
-            <a:pPr algn="ctr"/>
-            <a:endParaRPr lang="en-US"/>
-          </a:p>
-        </p:txBody>
-      </p:sp>
-      <p:sp>
-        <p:nvSpPr>
-          <p:cNvPr id="13" name="Rectangle: Rounded Corners 12">
-            <a:extLst>
-              <a:ext uri="{FF2B5EF4-FFF2-40B4-BE49-F238E27FC236}">
-                <a16:creationId xmlns:a16="http://schemas.microsoft.com/office/drawing/2014/main" id="{342FC6C9-FB46-4E7C-B19D-7D715CD3EA60}"/>
-              </a:ext>
-            </a:extLst>
-          </p:cNvPr>
-          <p:cNvSpPr/>
-          <p:nvPr/>
-        </p:nvSpPr>
-        <p:spPr>
-          <a:xfrm>
-            <a:off x="613609" y="4369618"/>
-            <a:ext cx="471639" cy="575362"/>
-          </a:xfrm>
-          <a:prstGeom prst="roundRect">
-            <a:avLst/>
-          </a:prstGeom>
-          <a:noFill/>
-          <a:ln w="9525" cap="flat" cmpd="sng" algn="ctr">
-            <a:solidFill>
-              <a:schemeClr val="accent1"/>
-            </a:solidFill>
-            <a:prstDash val="solid"/>
-            <a:round/>
-            <a:headEnd type="none" w="med" len="med"/>
-            <a:tailEnd type="none" w="med" len="med"/>
-          </a:ln>
-        </p:spPr>
-        <p:style>
-          <a:lnRef idx="0">
-            <a:scrgbClr r="0" g="0" b="0"/>
-          </a:lnRef>
-          <a:fillRef idx="0">
-            <a:scrgbClr r="0" g="0" b="0"/>
-          </a:fillRef>
-          <a:effectRef idx="0">
-            <a:scrgbClr r="0" g="0" b="0"/>
-          </a:effectRef>
-          <a:fontRef idx="minor">
-            <a:schemeClr val="accent1"/>
-          </a:fontRef>
-        </p:style>
-        <p:txBody>
-          <a:bodyPr rtlCol="0" anchor="ctr"/>
-          <a:lstStyle/>
-          <a:p>
-            <a:pPr algn="ctr"/>
-            <a:endParaRPr lang="en-US"/>
-          </a:p>
-        </p:txBody>
-      </p:sp>
-      <p:sp>
-        <p:nvSpPr>
-          <p:cNvPr id="14" name="Rectangle: Rounded Corners 13">
-            <a:extLst>
-              <a:ext uri="{FF2B5EF4-FFF2-40B4-BE49-F238E27FC236}">
-                <a16:creationId xmlns:a16="http://schemas.microsoft.com/office/drawing/2014/main" id="{A454F89C-9B93-4CBB-B6AB-01AA9FC91508}"/>
-              </a:ext>
-            </a:extLst>
-          </p:cNvPr>
-          <p:cNvSpPr/>
-          <p:nvPr/>
-        </p:nvSpPr>
-        <p:spPr>
-          <a:xfrm>
-            <a:off x="2768811" y="4369618"/>
-            <a:ext cx="471639" cy="575362"/>
-          </a:xfrm>
-          <a:prstGeom prst="roundRect">
-            <a:avLst/>
-          </a:prstGeom>
-          <a:noFill/>
-          <a:ln w="9525" cap="flat" cmpd="sng" algn="ctr">
-            <a:solidFill>
-              <a:schemeClr val="accent1"/>
-            </a:solidFill>
-            <a:prstDash val="solid"/>
-            <a:round/>
-            <a:headEnd type="none" w="med" len="med"/>
-            <a:tailEnd type="none" w="med" len="med"/>
-          </a:ln>
-        </p:spPr>
-        <p:style>
-          <a:lnRef idx="0">
-            <a:scrgbClr r="0" g="0" b="0"/>
-          </a:lnRef>
-          <a:fillRef idx="0">
-            <a:scrgbClr r="0" g="0" b="0"/>
-          </a:fillRef>
-          <a:effectRef idx="0">
-            <a:scrgbClr r="0" g="0" b="0"/>
-          </a:effectRef>
-          <a:fontRef idx="minor">
-            <a:schemeClr val="accent1"/>
-          </a:fontRef>
-        </p:style>
-        <p:txBody>
-          <a:bodyPr rtlCol="0" anchor="ctr"/>
-          <a:lstStyle/>
-          <a:p>
-            <a:pPr algn="ctr"/>
-            <a:endParaRPr lang="en-US"/>
-          </a:p>
-        </p:txBody>
-      </p:sp>
-      <p:sp>
-        <p:nvSpPr>
-          <p:cNvPr id="15" name="TextBox 14">
-            <a:extLst>
-              <a:ext uri="{FF2B5EF4-FFF2-40B4-BE49-F238E27FC236}">
-                <a16:creationId xmlns:a16="http://schemas.microsoft.com/office/drawing/2014/main" id="{C65A3722-D192-493E-81A7-A217C4BAD0BE}"/>
-              </a:ext>
-            </a:extLst>
-          </p:cNvPr>
-          <p:cNvSpPr txBox="1"/>
-          <p:nvPr/>
-        </p:nvSpPr>
-        <p:spPr>
-          <a:xfrm>
-            <a:off x="5748800" y="1658212"/>
-            <a:ext cx="5994022" cy="3539430"/>
-          </a:xfrm>
-          <a:prstGeom prst="rect">
-            <a:avLst/>
-          </a:prstGeom>
-          <a:noFill/>
+          <a:solidFill>
+            <a:srgbClr val="FFFF00"/>
+          </a:solidFill>
         </p:spPr>
         <p:txBody>
           <a:bodyPr wrap="square" rtlCol="0">
@@ -5600,114 +8600,49 @@
           <a:lstStyle/>
           <a:p>
             <a:r>
-              <a:rPr lang="en-US" sz="2800" dirty="0" err="1"/>
-              <a:t>Statsmodels</a:t>
-            </a:r>
-            <a:r>
-              <a:rPr lang="en-US" sz="2800" dirty="0"/>
-              <a:t> output:</a:t>
-            </a:r>
-          </a:p>
-          <a:p>
-            <a:pPr marL="285750" indent="-285750">
-              <a:buFont typeface="Arial" panose="020B0604020202020204" pitchFamily="34" charset="0"/>
-              <a:buChar char="•"/>
-            </a:pPr>
-            <a:r>
-              <a:rPr lang="en-US" sz="2800" dirty="0"/>
-              <a:t>Poor R-squared score</a:t>
-            </a:r>
-          </a:p>
-          <a:p>
-            <a:pPr marL="285750" indent="-285750">
-              <a:buFont typeface="Arial" panose="020B0604020202020204" pitchFamily="34" charset="0"/>
-              <a:buChar char="•"/>
-            </a:pPr>
-            <a:r>
-              <a:rPr lang="en-US" sz="2800" dirty="0"/>
-              <a:t>Insufficient confidence that these results didn’t just happen by chance</a:t>
-            </a:r>
-          </a:p>
-          <a:p>
-            <a:pPr marL="285750" indent="-285750">
-              <a:buFont typeface="Arial" panose="020B0604020202020204" pitchFamily="34" charset="0"/>
-              <a:buChar char="•"/>
-            </a:pPr>
-            <a:endParaRPr lang="en-US" sz="2800" dirty="0"/>
-          </a:p>
-          <a:p>
-            <a:r>
-              <a:rPr lang="en-US" sz="2800" dirty="0"/>
-              <a:t>Why has this happened?</a:t>
-            </a:r>
-          </a:p>
-          <a:p>
-            <a:pPr marL="285750" indent="-285750">
-              <a:buFont typeface="Arial" panose="020B0604020202020204" pitchFamily="34" charset="0"/>
-              <a:buChar char="•"/>
-            </a:pPr>
-            <a:r>
-              <a:rPr lang="en-US" sz="2800" dirty="0"/>
-              <a:t>Sparse Data</a:t>
-            </a:r>
-          </a:p>
-          <a:p>
-            <a:pPr marL="285750" indent="-285750">
-              <a:buFont typeface="Arial" panose="020B0604020202020204" pitchFamily="34" charset="0"/>
-              <a:buChar char="•"/>
-            </a:pPr>
-            <a:r>
-              <a:rPr lang="en-US" sz="2800" dirty="0"/>
-              <a:t>Non-normally distributed data</a:t>
-            </a:r>
-          </a:p>
-        </p:txBody>
-      </p:sp>
-      <p:cxnSp>
-        <p:nvCxnSpPr>
-          <p:cNvPr id="19" name="Straight Arrow Connector 18">
-            <a:extLst>
-              <a:ext uri="{FF2B5EF4-FFF2-40B4-BE49-F238E27FC236}">
-                <a16:creationId xmlns:a16="http://schemas.microsoft.com/office/drawing/2014/main" id="{36B1002F-23E7-4661-B8B4-D98440CB7C3D}"/>
-              </a:ext>
-            </a:extLst>
-          </p:cNvPr>
-          <p:cNvCxnSpPr>
-            <a:stCxn id="13" idx="3"/>
-          </p:cNvCxnSpPr>
-          <p:nvPr/>
-        </p:nvCxnSpPr>
-        <p:spPr>
-          <a:xfrm>
-            <a:off x="1085248" y="4657299"/>
-            <a:ext cx="1683563" cy="0"/>
-          </a:xfrm>
-          <a:prstGeom prst="straightConnector1">
-            <a:avLst/>
-          </a:prstGeom>
-          <a:ln>
-            <a:tailEnd type="triangle"/>
-          </a:ln>
-        </p:spPr>
-        <p:style>
-          <a:lnRef idx="1">
-            <a:schemeClr val="accent1"/>
-          </a:lnRef>
-          <a:fillRef idx="0">
-            <a:schemeClr val="accent1"/>
-          </a:fillRef>
-          <a:effectRef idx="0">
-            <a:schemeClr val="accent1"/>
-          </a:effectRef>
-          <a:fontRef idx="minor">
-            <a:schemeClr val="tx1"/>
-          </a:fontRef>
-        </p:style>
-      </p:cxnSp>
+              <a:rPr lang="en-US" dirty="0"/>
+              <a:t>PCA/dimension reduction</a:t>
+            </a:r>
+          </a:p>
+          <a:p>
+            <a:r>
+              <a:rPr lang="en-US" dirty="0"/>
+              <a:t>Show model tuning from underfit to overfit, “Parameter sweeping”</a:t>
+            </a:r>
+          </a:p>
+          <a:p>
+            <a:r>
+              <a:rPr lang="en-US" dirty="0"/>
+              <a:t>Review the rubric</a:t>
+            </a:r>
+          </a:p>
+          <a:p>
+            <a:r>
+              <a:rPr lang="en-US" dirty="0"/>
+              <a:t>Always plot mean/std lines onto histograms</a:t>
+            </a:r>
+          </a:p>
+          <a:p>
+            <a:r>
+              <a:rPr lang="en-US" dirty="0"/>
+              <a:t>Logistic Regression</a:t>
+            </a:r>
+          </a:p>
+          <a:p>
+            <a:endParaRPr lang="en-US" dirty="0"/>
+          </a:p>
+          <a:p>
+            <a:r>
+              <a:rPr lang="en-US" dirty="0"/>
+              <a:t>Multicollinearity issues – create section for this</a:t>
+            </a:r>
+          </a:p>
+        </p:txBody>
+      </p:sp>
     </p:spTree>
     <p:extLst>
       <p:ext uri="{BB962C8B-B14F-4D97-AF65-F5344CB8AC3E}">
-        <p14:creationId xmlns:p14="http://schemas.microsoft.com/office/powerpoint/2010/main" val="4170480737"/>
+        <p14:creationId xmlns:p14="http://schemas.microsoft.com/office/powerpoint/2010/main" val="3706497842"/>
       </p:ext>
     </p:extLst>
   </p:cSld>
@@ -5734,12 +8669,96 @@
           <a:chExt cx="0" cy="0"/>
         </a:xfrm>
       </p:grpSpPr>
+      <p:sp>
+        <p:nvSpPr>
+          <p:cNvPr id="2" name="Title 1">
+            <a:extLst>
+              <a:ext uri="{FF2B5EF4-FFF2-40B4-BE49-F238E27FC236}">
+                <a16:creationId xmlns:a16="http://schemas.microsoft.com/office/drawing/2014/main" id="{CCCB2C92-5D09-465F-97FD-B37C0150DB1F}"/>
+              </a:ext>
+            </a:extLst>
+          </p:cNvPr>
+          <p:cNvSpPr>
+            <a:spLocks noGrp="1"/>
+          </p:cNvSpPr>
+          <p:nvPr>
+            <p:ph type="title"/>
+          </p:nvPr>
+        </p:nvSpPr>
+        <p:spPr>
+          <a:xfrm>
+            <a:off x="1097280" y="286604"/>
+            <a:ext cx="10058400" cy="543576"/>
+          </a:xfrm>
+        </p:spPr>
+        <p:txBody>
+          <a:bodyPr>
+            <a:noAutofit/>
+          </a:bodyPr>
+          <a:lstStyle/>
+          <a:p>
+            <a:r>
+              <a:rPr lang="en-US" sz="3200" dirty="0"/>
+              <a:t>Can we predict time spent on the phone using time of day?</a:t>
+            </a:r>
+          </a:p>
+        </p:txBody>
+      </p:sp>
+      <p:sp>
+        <p:nvSpPr>
+          <p:cNvPr id="5" name="Rectangle 4">
+            <a:extLst>
+              <a:ext uri="{FF2B5EF4-FFF2-40B4-BE49-F238E27FC236}">
+                <a16:creationId xmlns:a16="http://schemas.microsoft.com/office/drawing/2014/main" id="{535917A4-46F9-4BC8-AB29-55BE86F9B9BA}"/>
+              </a:ext>
+            </a:extLst>
+          </p:cNvPr>
+          <p:cNvSpPr/>
+          <p:nvPr/>
+        </p:nvSpPr>
+        <p:spPr>
+          <a:xfrm>
+            <a:off x="854242" y="1660358"/>
+            <a:ext cx="10539663" cy="144379"/>
+          </a:xfrm>
+          <a:prstGeom prst="rect">
+            <a:avLst/>
+          </a:prstGeom>
+          <a:ln>
+            <a:solidFill>
+              <a:schemeClr val="bg1"/>
+            </a:solidFill>
+          </a:ln>
+        </p:spPr>
+        <p:style>
+          <a:lnRef idx="2">
+            <a:schemeClr val="dk1"/>
+          </a:lnRef>
+          <a:fillRef idx="1">
+            <a:schemeClr val="lt1"/>
+          </a:fillRef>
+          <a:effectRef idx="0">
+            <a:schemeClr val="dk1"/>
+          </a:effectRef>
+          <a:fontRef idx="minor">
+            <a:schemeClr val="dk1"/>
+          </a:fontRef>
+        </p:style>
+        <p:txBody>
+          <a:bodyPr rtlCol="0" anchor="ctr"/>
+          <a:lstStyle/>
+          <a:p>
+            <a:pPr algn="ctr"/>
+            <a:endParaRPr lang="en-US"/>
+          </a:p>
+        </p:txBody>
+      </p:sp>
       <p:pic>
         <p:nvPicPr>
-          <p:cNvPr id="7" name="Picture 6">
-            <a:extLst>
-              <a:ext uri="{FF2B5EF4-FFF2-40B4-BE49-F238E27FC236}">
-                <a16:creationId xmlns:a16="http://schemas.microsoft.com/office/drawing/2014/main" id="{49F422EA-2D9A-4EF2-86A0-24B3D5ABBCCC}"/>
+          <p:cNvPr id="4" name="Picture 3">
+            <a:extLst>
+              <a:ext uri="{FF2B5EF4-FFF2-40B4-BE49-F238E27FC236}">
+                <a16:creationId xmlns:a16="http://schemas.microsoft.com/office/drawing/2014/main" id="{BEDE6C36-8B72-4B2A-9531-881B48ADA593}"/>
               </a:ext>
             </a:extLst>
           </p:cNvPr>
@@ -5750,54 +8769,25 @@
         </p:nvPicPr>
         <p:blipFill rotWithShape="1">
           <a:blip r:embed="rId2"/>
-          <a:srcRect b="65523"/>
+          <a:srcRect b="5256"/>
           <a:stretch/>
         </p:blipFill>
         <p:spPr>
           <a:xfrm>
-            <a:off x="0" y="0"/>
-            <a:ext cx="5706776" cy="3595607"/>
+            <a:off x="262384" y="807624"/>
+            <a:ext cx="4737027" cy="5460829"/>
           </a:xfrm>
           <a:prstGeom prst="rect">
             <a:avLst/>
           </a:prstGeom>
         </p:spPr>
       </p:pic>
-      <p:pic>
-        <p:nvPicPr>
-          <p:cNvPr id="8" name="Picture 7">
-            <a:extLst>
-              <a:ext uri="{FF2B5EF4-FFF2-40B4-BE49-F238E27FC236}">
-                <a16:creationId xmlns:a16="http://schemas.microsoft.com/office/drawing/2014/main" id="{2B3F7D85-6681-4CD1-84A6-810DF4150713}"/>
-              </a:ext>
-            </a:extLst>
-          </p:cNvPr>
-          <p:cNvPicPr>
-            <a:picLocks noChangeAspect="1"/>
-          </p:cNvPicPr>
-          <p:nvPr/>
-        </p:nvPicPr>
-        <p:blipFill rotWithShape="1">
-          <a:blip r:embed="rId3"/>
-          <a:srcRect b="23515"/>
-          <a:stretch/>
-        </p:blipFill>
-        <p:spPr>
-          <a:xfrm>
-            <a:off x="6792223" y="1399032"/>
-            <a:ext cx="5399777" cy="4788978"/>
-          </a:xfrm>
-          <a:prstGeom prst="rect">
-            <a:avLst/>
-          </a:prstGeom>
-        </p:spPr>
-      </p:pic>
-      <p:sp>
-        <p:nvSpPr>
-          <p:cNvPr id="9" name="Rectangle: Rounded Corners 8">
-            <a:extLst>
-              <a:ext uri="{FF2B5EF4-FFF2-40B4-BE49-F238E27FC236}">
-                <a16:creationId xmlns:a16="http://schemas.microsoft.com/office/drawing/2014/main" id="{493E4999-1C8E-43EF-987E-C0DB385DFF1A}"/>
+      <p:sp>
+        <p:nvSpPr>
+          <p:cNvPr id="7" name="Rectangle: Rounded Corners 6">
+            <a:extLst>
+              <a:ext uri="{FF2B5EF4-FFF2-40B4-BE49-F238E27FC236}">
+                <a16:creationId xmlns:a16="http://schemas.microsoft.com/office/drawing/2014/main" id="{8BA8A8A3-D162-4955-BFDB-A61391AE5286}"/>
               </a:ext>
             </a:extLst>
           </p:cNvPr>
@@ -5806,7 +8796,7 @@
         </p:nvSpPr>
         <p:spPr>
           <a:xfrm>
-            <a:off x="3307257" y="327176"/>
+            <a:off x="3152274" y="807624"/>
             <a:ext cx="1847137" cy="399197"/>
           </a:xfrm>
           <a:prstGeom prst="roundRect">
@@ -5846,12 +8836,51 @@
           </a:p>
         </p:txBody>
       </p:sp>
-      <p:sp>
-        <p:nvSpPr>
-          <p:cNvPr id="10" name="Rectangle: Rounded Corners 9">
-            <a:extLst>
-              <a:ext uri="{FF2B5EF4-FFF2-40B4-BE49-F238E27FC236}">
-                <a16:creationId xmlns:a16="http://schemas.microsoft.com/office/drawing/2014/main" id="{23AD98B9-3AEE-447A-8BA6-FC04DECA45E3}"/>
+      <p:pic>
+        <p:nvPicPr>
+          <p:cNvPr id="9" name="Graphic 8" descr="Thumbs Up Sign">
+            <a:extLst>
+              <a:ext uri="{FF2B5EF4-FFF2-40B4-BE49-F238E27FC236}">
+                <a16:creationId xmlns:a16="http://schemas.microsoft.com/office/drawing/2014/main" id="{3C470F3D-958D-4AE0-8F23-39FAAB0D32E9}"/>
+              </a:ext>
+            </a:extLst>
+          </p:cNvPr>
+          <p:cNvPicPr>
+            <a:picLocks noChangeAspect="1"/>
+          </p:cNvPicPr>
+          <p:nvPr/>
+        </p:nvPicPr>
+        <p:blipFill>
+          <a:blip r:embed="rId3">
+            <a:extLst>
+              <a:ext uri="{28A0092B-C50C-407E-A947-70E740481C1C}">
+                <a14:useLocalDpi xmlns:a14="http://schemas.microsoft.com/office/drawing/2010/main" val="0"/>
+              </a:ext>
+              <a:ext uri="{96DAC541-7B7A-43D3-8B79-37D633B846F1}">
+                <asvg:svgBlip xmlns:asvg="http://schemas.microsoft.com/office/drawing/2016/SVG/main" r:embed="rId4"/>
+              </a:ext>
+            </a:extLst>
+          </a:blip>
+          <a:stretch>
+            <a:fillRect/>
+          </a:stretch>
+        </p:blipFill>
+        <p:spPr>
+          <a:xfrm rot="10800000">
+            <a:off x="5145505" y="819979"/>
+            <a:ext cx="457200" cy="457200"/>
+          </a:xfrm>
+          <a:prstGeom prst="rect">
+            <a:avLst/>
+          </a:prstGeom>
+        </p:spPr>
+      </p:pic>
+      <p:sp>
+        <p:nvSpPr>
+          <p:cNvPr id="13" name="Rectangle: Rounded Corners 12">
+            <a:extLst>
+              <a:ext uri="{FF2B5EF4-FFF2-40B4-BE49-F238E27FC236}">
+                <a16:creationId xmlns:a16="http://schemas.microsoft.com/office/drawing/2014/main" id="{342FC6C9-FB46-4E7C-B19D-7D715CD3EA60}"/>
               </a:ext>
             </a:extLst>
           </p:cNvPr>
@@ -5860,8 +8889,8 @@
         </p:nvSpPr>
         <p:spPr>
           <a:xfrm>
-            <a:off x="5059399" y="327176"/>
-            <a:ext cx="1847137" cy="757705"/>
+            <a:off x="613609" y="4369618"/>
+            <a:ext cx="471639" cy="575362"/>
           </a:xfrm>
           <a:prstGeom prst="roundRect">
             <a:avLst/>
@@ -5896,19 +8925,16 @@
           <a:lstStyle/>
           <a:p>
             <a:pPr algn="ctr"/>
-            <a:r>
-              <a:rPr lang="en-US" dirty="0"/>
-              <a:t>10x better, but still terrible</a:t>
-            </a:r>
-          </a:p>
-        </p:txBody>
-      </p:sp>
-      <p:sp>
-        <p:nvSpPr>
-          <p:cNvPr id="11" name="Rectangle: Rounded Corners 10">
-            <a:extLst>
-              <a:ext uri="{FF2B5EF4-FFF2-40B4-BE49-F238E27FC236}">
-                <a16:creationId xmlns:a16="http://schemas.microsoft.com/office/drawing/2014/main" id="{C39037B6-5986-4A99-9B86-2C1E62206B46}"/>
+            <a:endParaRPr lang="en-US"/>
+          </a:p>
+        </p:txBody>
+      </p:sp>
+      <p:sp>
+        <p:nvSpPr>
+          <p:cNvPr id="14" name="Rectangle: Rounded Corners 13">
+            <a:extLst>
+              <a:ext uri="{FF2B5EF4-FFF2-40B4-BE49-F238E27FC236}">
+                <a16:creationId xmlns:a16="http://schemas.microsoft.com/office/drawing/2014/main" id="{A454F89C-9B93-4CBB-B6AB-01AA9FC91508}"/>
               </a:ext>
             </a:extLst>
           </p:cNvPr>
@@ -5917,8 +8943,8 @@
         </p:nvSpPr>
         <p:spPr>
           <a:xfrm>
-            <a:off x="10198295" y="2063413"/>
-            <a:ext cx="1752142" cy="4124596"/>
+            <a:off x="2768811" y="4369618"/>
+            <a:ext cx="471639" cy="575362"/>
           </a:xfrm>
           <a:prstGeom prst="roundRect">
             <a:avLst/>
@@ -5959,65 +8985,141 @@
       </p:sp>
       <p:sp>
         <p:nvSpPr>
-          <p:cNvPr id="12" name="Rectangle: Rounded Corners 11">
-            <a:extLst>
-              <a:ext uri="{FF2B5EF4-FFF2-40B4-BE49-F238E27FC236}">
-                <a16:creationId xmlns:a16="http://schemas.microsoft.com/office/drawing/2014/main" id="{0D20F49D-C0E0-44FD-99DE-B349FA1352C5}"/>
-              </a:ext>
-            </a:extLst>
-          </p:cNvPr>
-          <p:cNvSpPr/>
-          <p:nvPr/>
-        </p:nvSpPr>
-        <p:spPr>
-          <a:xfrm>
-            <a:off x="4783207" y="4324027"/>
-            <a:ext cx="1847137" cy="1671233"/>
-          </a:xfrm>
-          <a:prstGeom prst="roundRect">
+          <p:cNvPr id="15" name="TextBox 14">
+            <a:extLst>
+              <a:ext uri="{FF2B5EF4-FFF2-40B4-BE49-F238E27FC236}">
+                <a16:creationId xmlns:a16="http://schemas.microsoft.com/office/drawing/2014/main" id="{C65A3722-D192-493E-81A7-A217C4BAD0BE}"/>
+              </a:ext>
+            </a:extLst>
+          </p:cNvPr>
+          <p:cNvSpPr txBox="1"/>
+          <p:nvPr/>
+        </p:nvSpPr>
+        <p:spPr>
+          <a:xfrm>
+            <a:off x="5748800" y="1658212"/>
+            <a:ext cx="5994022" cy="3539430"/>
+          </a:xfrm>
+          <a:prstGeom prst="rect">
             <a:avLst/>
           </a:prstGeom>
           <a:noFill/>
-          <a:ln w="9525" cap="flat" cmpd="sng" algn="ctr">
-            <a:solidFill>
-              <a:schemeClr val="accent1"/>
-            </a:solidFill>
-            <a:prstDash val="solid"/>
-            <a:round/>
-            <a:headEnd type="none" w="med" len="med"/>
-            <a:tailEnd type="none" w="med" len="med"/>
+        </p:spPr>
+        <p:txBody>
+          <a:bodyPr wrap="square" rtlCol="0">
+            <a:spAutoFit/>
+          </a:bodyPr>
+          <a:lstStyle/>
+          <a:p>
+            <a:r>
+              <a:rPr lang="en-US" sz="2800" dirty="0" err="1"/>
+              <a:t>Statsmodels</a:t>
+            </a:r>
+            <a:r>
+              <a:rPr lang="en-US" sz="2800" dirty="0"/>
+              <a:t> output:</a:t>
+            </a:r>
+          </a:p>
+          <a:p>
+            <a:pPr marL="285750" indent="-285750">
+              <a:buFont typeface="Arial" panose="020B0604020202020204" pitchFamily="34" charset="0"/>
+              <a:buChar char="•"/>
+            </a:pPr>
+            <a:r>
+              <a:rPr lang="en-US" sz="2800" dirty="0"/>
+              <a:t>Poor R-squared score</a:t>
+            </a:r>
+          </a:p>
+          <a:p>
+            <a:pPr marL="285750" indent="-285750">
+              <a:buFont typeface="Arial" panose="020B0604020202020204" pitchFamily="34" charset="0"/>
+              <a:buChar char="•"/>
+            </a:pPr>
+            <a:r>
+              <a:rPr lang="en-US" sz="2800" dirty="0"/>
+              <a:t>Insufficient confidence that these results didn’t just happen by chance</a:t>
+            </a:r>
+          </a:p>
+          <a:p>
+            <a:pPr marL="285750" indent="-285750">
+              <a:buFont typeface="Arial" panose="020B0604020202020204" pitchFamily="34" charset="0"/>
+              <a:buChar char="•"/>
+            </a:pPr>
+            <a:endParaRPr lang="en-US" sz="2800" dirty="0"/>
+          </a:p>
+          <a:p>
+            <a:r>
+              <a:rPr lang="en-US" sz="2800" dirty="0"/>
+              <a:t>Why has this happened?</a:t>
+            </a:r>
+          </a:p>
+          <a:p>
+            <a:pPr marL="285750" indent="-285750">
+              <a:buFont typeface="Arial" panose="020B0604020202020204" pitchFamily="34" charset="0"/>
+              <a:buChar char="•"/>
+            </a:pPr>
+            <a:r>
+              <a:rPr lang="en-US" sz="2800" dirty="0"/>
+              <a:t>Sparse Data</a:t>
+            </a:r>
+          </a:p>
+          <a:p>
+            <a:pPr marL="285750" indent="-285750">
+              <a:buFont typeface="Arial" panose="020B0604020202020204" pitchFamily="34" charset="0"/>
+              <a:buChar char="•"/>
+            </a:pPr>
+            <a:r>
+              <a:rPr lang="en-US" sz="2800" dirty="0"/>
+              <a:t>Non-normally distributed data</a:t>
+            </a:r>
+          </a:p>
+        </p:txBody>
+      </p:sp>
+      <p:cxnSp>
+        <p:nvCxnSpPr>
+          <p:cNvPr id="19" name="Straight Arrow Connector 18">
+            <a:extLst>
+              <a:ext uri="{FF2B5EF4-FFF2-40B4-BE49-F238E27FC236}">
+                <a16:creationId xmlns:a16="http://schemas.microsoft.com/office/drawing/2014/main" id="{36B1002F-23E7-4661-B8B4-D98440CB7C3D}"/>
+              </a:ext>
+            </a:extLst>
+          </p:cNvPr>
+          <p:cNvCxnSpPr>
+            <a:stCxn id="13" idx="3"/>
+          </p:cNvCxnSpPr>
+          <p:nvPr/>
+        </p:nvCxnSpPr>
+        <p:spPr>
+          <a:xfrm>
+            <a:off x="1085248" y="4657299"/>
+            <a:ext cx="1683563" cy="0"/>
+          </a:xfrm>
+          <a:prstGeom prst="straightConnector1">
+            <a:avLst/>
+          </a:prstGeom>
+          <a:ln>
+            <a:tailEnd type="triangle"/>
           </a:ln>
         </p:spPr>
         <p:style>
-          <a:lnRef idx="0">
-            <a:scrgbClr r="0" g="0" b="0"/>
+          <a:lnRef idx="1">
+            <a:schemeClr val="accent1"/>
           </a:lnRef>
           <a:fillRef idx="0">
-            <a:scrgbClr r="0" g="0" b="0"/>
+            <a:schemeClr val="accent1"/>
           </a:fillRef>
           <a:effectRef idx="0">
-            <a:scrgbClr r="0" g="0" b="0"/>
+            <a:schemeClr val="accent1"/>
           </a:effectRef>
           <a:fontRef idx="minor">
-            <a:schemeClr val="accent1"/>
+            <a:schemeClr val="tx1"/>
           </a:fontRef>
         </p:style>
-        <p:txBody>
-          <a:bodyPr rtlCol="0" anchor="ctr"/>
-          <a:lstStyle/>
-          <a:p>
-            <a:pPr algn="ctr"/>
-            <a:r>
-              <a:rPr lang="en-US" dirty="0"/>
-              <a:t>Only 3 of these features contain meaningful information</a:t>
-            </a:r>
-          </a:p>
-        </p:txBody>
-      </p:sp>
+      </p:cxnSp>
     </p:spTree>
     <p:extLst>
       <p:ext uri="{BB962C8B-B14F-4D97-AF65-F5344CB8AC3E}">
-        <p14:creationId xmlns:p14="http://schemas.microsoft.com/office/powerpoint/2010/main" val="4288381279"/>
+        <p14:creationId xmlns:p14="http://schemas.microsoft.com/office/powerpoint/2010/main" val="4170480737"/>
       </p:ext>
     </p:extLst>
   </p:cSld>
@@ -6046,10 +9148,10 @@
       </p:grpSpPr>
       <p:pic>
         <p:nvPicPr>
-          <p:cNvPr id="4" name="Picture 3">
-            <a:extLst>
-              <a:ext uri="{FF2B5EF4-FFF2-40B4-BE49-F238E27FC236}">
-                <a16:creationId xmlns:a16="http://schemas.microsoft.com/office/drawing/2014/main" id="{9403DC1F-2DF2-4F72-8BDE-07B062A9C491}"/>
+          <p:cNvPr id="7" name="Picture 6">
+            <a:extLst>
+              <a:ext uri="{FF2B5EF4-FFF2-40B4-BE49-F238E27FC236}">
+                <a16:creationId xmlns:a16="http://schemas.microsoft.com/office/drawing/2014/main" id="{49F422EA-2D9A-4EF2-86A0-24B3D5ABBCCC}"/>
               </a:ext>
             </a:extLst>
           </p:cNvPr>
@@ -6060,79 +9162,274 @@
         </p:nvPicPr>
         <p:blipFill rotWithShape="1">
           <a:blip r:embed="rId2"/>
-          <a:srcRect l="39035" b="10151"/>
+          <a:srcRect b="65523"/>
           <a:stretch/>
         </p:blipFill>
         <p:spPr>
           <a:xfrm>
-            <a:off x="493002" y="988369"/>
-            <a:ext cx="8239934" cy="4494506"/>
+            <a:off x="0" y="0"/>
+            <a:ext cx="5706776" cy="3595607"/>
           </a:xfrm>
           <a:prstGeom prst="rect">
             <a:avLst/>
           </a:prstGeom>
         </p:spPr>
       </p:pic>
-      <p:sp>
-        <p:nvSpPr>
-          <p:cNvPr id="5" name="TextBox 4">
-            <a:extLst>
-              <a:ext uri="{FF2B5EF4-FFF2-40B4-BE49-F238E27FC236}">
-                <a16:creationId xmlns:a16="http://schemas.microsoft.com/office/drawing/2014/main" id="{0E26960C-F472-44D9-93B1-7106467E2792}"/>
-              </a:ext>
-            </a:extLst>
-          </p:cNvPr>
-          <p:cNvSpPr txBox="1"/>
-          <p:nvPr/>
-        </p:nvSpPr>
-        <p:spPr>
-          <a:xfrm>
-            <a:off x="8579210" y="2690336"/>
-            <a:ext cx="3409627" cy="1477328"/>
+      <p:pic>
+        <p:nvPicPr>
+          <p:cNvPr id="8" name="Picture 7">
+            <a:extLst>
+              <a:ext uri="{FF2B5EF4-FFF2-40B4-BE49-F238E27FC236}">
+                <a16:creationId xmlns:a16="http://schemas.microsoft.com/office/drawing/2014/main" id="{2B3F7D85-6681-4CD1-84A6-810DF4150713}"/>
+              </a:ext>
+            </a:extLst>
+          </p:cNvPr>
+          <p:cNvPicPr>
+            <a:picLocks noChangeAspect="1"/>
+          </p:cNvPicPr>
+          <p:nvPr/>
+        </p:nvPicPr>
+        <p:blipFill rotWithShape="1">
+          <a:blip r:embed="rId3"/>
+          <a:srcRect b="23515"/>
+          <a:stretch/>
+        </p:blipFill>
+        <p:spPr>
+          <a:xfrm>
+            <a:off x="6792223" y="1399032"/>
+            <a:ext cx="5399777" cy="4788978"/>
           </a:xfrm>
           <a:prstGeom prst="rect">
             <a:avLst/>
           </a:prstGeom>
+        </p:spPr>
+      </p:pic>
+      <p:sp>
+        <p:nvSpPr>
+          <p:cNvPr id="9" name="Rectangle: Rounded Corners 8">
+            <a:extLst>
+              <a:ext uri="{FF2B5EF4-FFF2-40B4-BE49-F238E27FC236}">
+                <a16:creationId xmlns:a16="http://schemas.microsoft.com/office/drawing/2014/main" id="{493E4999-1C8E-43EF-987E-C0DB385DFF1A}"/>
+              </a:ext>
+            </a:extLst>
+          </p:cNvPr>
+          <p:cNvSpPr/>
+          <p:nvPr/>
+        </p:nvSpPr>
+        <p:spPr>
+          <a:xfrm>
+            <a:off x="3307257" y="327176"/>
+            <a:ext cx="1847137" cy="399197"/>
+          </a:xfrm>
+          <a:prstGeom prst="roundRect">
+            <a:avLst/>
+          </a:prstGeom>
           <a:noFill/>
-        </p:spPr>
-        <p:txBody>
-          <a:bodyPr wrap="square" rtlCol="0">
-            <a:spAutoFit/>
-          </a:bodyPr>
-          <a:lstStyle/>
-          <a:p>
-            <a:r>
-              <a:rPr lang="en-US" b="1" u="sng" dirty="0"/>
-              <a:t>Other Cross-validated scores:</a:t>
-            </a:r>
-          </a:p>
-          <a:p>
+          <a:ln w="9525" cap="flat" cmpd="sng" algn="ctr">
+            <a:solidFill>
+              <a:schemeClr val="accent1"/>
+            </a:solidFill>
+            <a:prstDash val="solid"/>
+            <a:round/>
+            <a:headEnd type="none" w="med" len="med"/>
+            <a:tailEnd type="none" w="med" len="med"/>
+          </a:ln>
+        </p:spPr>
+        <p:style>
+          <a:lnRef idx="0">
+            <a:scrgbClr r="0" g="0" b="0"/>
+          </a:lnRef>
+          <a:fillRef idx="0">
+            <a:scrgbClr r="0" g="0" b="0"/>
+          </a:fillRef>
+          <a:effectRef idx="0">
+            <a:scrgbClr r="0" g="0" b="0"/>
+          </a:effectRef>
+          <a:fontRef idx="minor">
+            <a:schemeClr val="accent1"/>
+          </a:fontRef>
+        </p:style>
+        <p:txBody>
+          <a:bodyPr rtlCol="0" anchor="ctr"/>
+          <a:lstStyle/>
+          <a:p>
+            <a:pPr algn="ctr"/>
+            <a:endParaRPr lang="en-US"/>
+          </a:p>
+        </p:txBody>
+      </p:sp>
+      <p:sp>
+        <p:nvSpPr>
+          <p:cNvPr id="10" name="Rectangle: Rounded Corners 9">
+            <a:extLst>
+              <a:ext uri="{FF2B5EF4-FFF2-40B4-BE49-F238E27FC236}">
+                <a16:creationId xmlns:a16="http://schemas.microsoft.com/office/drawing/2014/main" id="{23AD98B9-3AEE-447A-8BA6-FC04DECA45E3}"/>
+              </a:ext>
+            </a:extLst>
+          </p:cNvPr>
+          <p:cNvSpPr/>
+          <p:nvPr/>
+        </p:nvSpPr>
+        <p:spPr>
+          <a:xfrm>
+            <a:off x="5059399" y="327176"/>
+            <a:ext cx="1847137" cy="757705"/>
+          </a:xfrm>
+          <a:prstGeom prst="roundRect">
+            <a:avLst/>
+          </a:prstGeom>
+          <a:noFill/>
+          <a:ln w="9525" cap="flat" cmpd="sng" algn="ctr">
+            <a:solidFill>
+              <a:schemeClr val="accent1"/>
+            </a:solidFill>
+            <a:prstDash val="solid"/>
+            <a:round/>
+            <a:headEnd type="none" w="med" len="med"/>
+            <a:tailEnd type="none" w="med" len="med"/>
+          </a:ln>
+        </p:spPr>
+        <p:style>
+          <a:lnRef idx="0">
+            <a:scrgbClr r="0" g="0" b="0"/>
+          </a:lnRef>
+          <a:fillRef idx="0">
+            <a:scrgbClr r="0" g="0" b="0"/>
+          </a:fillRef>
+          <a:effectRef idx="0">
+            <a:scrgbClr r="0" g="0" b="0"/>
+          </a:effectRef>
+          <a:fontRef idx="minor">
+            <a:schemeClr val="accent1"/>
+          </a:fontRef>
+        </p:style>
+        <p:txBody>
+          <a:bodyPr rtlCol="0" anchor="ctr"/>
+          <a:lstStyle/>
+          <a:p>
+            <a:pPr algn="ctr"/>
             <a:r>
               <a:rPr lang="en-US" dirty="0"/>
-              <a:t>KNN:  -.09</a:t>
-            </a:r>
-          </a:p>
-          <a:p>
+              <a:t>10x better, but still terrible</a:t>
+            </a:r>
+          </a:p>
+        </p:txBody>
+      </p:sp>
+      <p:sp>
+        <p:nvSpPr>
+          <p:cNvPr id="11" name="Rectangle: Rounded Corners 10">
+            <a:extLst>
+              <a:ext uri="{FF2B5EF4-FFF2-40B4-BE49-F238E27FC236}">
+                <a16:creationId xmlns:a16="http://schemas.microsoft.com/office/drawing/2014/main" id="{C39037B6-5986-4A99-9B86-2C1E62206B46}"/>
+              </a:ext>
+            </a:extLst>
+          </p:cNvPr>
+          <p:cNvSpPr/>
+          <p:nvPr/>
+        </p:nvSpPr>
+        <p:spPr>
+          <a:xfrm>
+            <a:off x="10198295" y="2063413"/>
+            <a:ext cx="1752142" cy="4124596"/>
+          </a:xfrm>
+          <a:prstGeom prst="roundRect">
+            <a:avLst/>
+          </a:prstGeom>
+          <a:noFill/>
+          <a:ln w="9525" cap="flat" cmpd="sng" algn="ctr">
+            <a:solidFill>
+              <a:schemeClr val="accent1"/>
+            </a:solidFill>
+            <a:prstDash val="solid"/>
+            <a:round/>
+            <a:headEnd type="none" w="med" len="med"/>
+            <a:tailEnd type="none" w="med" len="med"/>
+          </a:ln>
+        </p:spPr>
+        <p:style>
+          <a:lnRef idx="0">
+            <a:scrgbClr r="0" g="0" b="0"/>
+          </a:lnRef>
+          <a:fillRef idx="0">
+            <a:scrgbClr r="0" g="0" b="0"/>
+          </a:fillRef>
+          <a:effectRef idx="0">
+            <a:scrgbClr r="0" g="0" b="0"/>
+          </a:effectRef>
+          <a:fontRef idx="minor">
+            <a:schemeClr val="accent1"/>
+          </a:fontRef>
+        </p:style>
+        <p:txBody>
+          <a:bodyPr rtlCol="0" anchor="ctr"/>
+          <a:lstStyle/>
+          <a:p>
+            <a:pPr algn="ctr"/>
+            <a:endParaRPr lang="en-US"/>
+          </a:p>
+        </p:txBody>
+      </p:sp>
+      <p:sp>
+        <p:nvSpPr>
+          <p:cNvPr id="12" name="Rectangle: Rounded Corners 11">
+            <a:extLst>
+              <a:ext uri="{FF2B5EF4-FFF2-40B4-BE49-F238E27FC236}">
+                <a16:creationId xmlns:a16="http://schemas.microsoft.com/office/drawing/2014/main" id="{0D20F49D-C0E0-44FD-99DE-B349FA1352C5}"/>
+              </a:ext>
+            </a:extLst>
+          </p:cNvPr>
+          <p:cNvSpPr/>
+          <p:nvPr/>
+        </p:nvSpPr>
+        <p:spPr>
+          <a:xfrm>
+            <a:off x="4783207" y="4324027"/>
+            <a:ext cx="1847137" cy="1671233"/>
+          </a:xfrm>
+          <a:prstGeom prst="roundRect">
+            <a:avLst/>
+          </a:prstGeom>
+          <a:noFill/>
+          <a:ln w="9525" cap="flat" cmpd="sng" algn="ctr">
+            <a:solidFill>
+              <a:schemeClr val="accent1"/>
+            </a:solidFill>
+            <a:prstDash val="solid"/>
+            <a:round/>
+            <a:headEnd type="none" w="med" len="med"/>
+            <a:tailEnd type="none" w="med" len="med"/>
+          </a:ln>
+        </p:spPr>
+        <p:style>
+          <a:lnRef idx="0">
+            <a:scrgbClr r="0" g="0" b="0"/>
+          </a:lnRef>
+          <a:fillRef idx="0">
+            <a:scrgbClr r="0" g="0" b="0"/>
+          </a:fillRef>
+          <a:effectRef idx="0">
+            <a:scrgbClr r="0" g="0" b="0"/>
+          </a:effectRef>
+          <a:fontRef idx="minor">
+            <a:schemeClr val="accent1"/>
+          </a:fontRef>
+        </p:style>
+        <p:txBody>
+          <a:bodyPr rtlCol="0" anchor="ctr"/>
+          <a:lstStyle/>
+          <a:p>
+            <a:pPr algn="ctr"/>
             <a:r>
               <a:rPr lang="en-US" dirty="0"/>
-              <a:t>Random Forest:  -.08</a:t>
-            </a:r>
-          </a:p>
-          <a:p>
-            <a:r>
-              <a:rPr lang="en-US" dirty="0"/>
-              <a:t>Gradient Boosted Regressor: -.21</a:t>
-            </a:r>
-          </a:p>
-          <a:p>
-            <a:endParaRPr lang="en-US" dirty="0"/>
+              <a:t>Only 3 of these features contain meaningful information</a:t>
+            </a:r>
           </a:p>
         </p:txBody>
       </p:sp>
     </p:spTree>
     <p:extLst>
       <p:ext uri="{BB962C8B-B14F-4D97-AF65-F5344CB8AC3E}">
-        <p14:creationId xmlns:p14="http://schemas.microsoft.com/office/powerpoint/2010/main" val="3135596540"/>
+        <p14:creationId xmlns:p14="http://schemas.microsoft.com/office/powerpoint/2010/main" val="4288381279"/>
       </p:ext>
     </p:extLst>
   </p:cSld>
@@ -6159,145 +9456,95 @@
           <a:chExt cx="0" cy="0"/>
         </a:xfrm>
       </p:grpSpPr>
-      <p:sp>
-        <p:nvSpPr>
-          <p:cNvPr id="2" name="Title 1">
-            <a:extLst>
-              <a:ext uri="{FF2B5EF4-FFF2-40B4-BE49-F238E27FC236}">
-                <a16:creationId xmlns:a16="http://schemas.microsoft.com/office/drawing/2014/main" id="{C1F7E371-FCDF-456F-A55F-4EFEDF4B5278}"/>
-              </a:ext>
-            </a:extLst>
-          </p:cNvPr>
-          <p:cNvSpPr>
-            <a:spLocks noGrp="1"/>
-          </p:cNvSpPr>
-          <p:nvPr>
-            <p:ph type="title"/>
-          </p:nvPr>
-        </p:nvSpPr>
-        <p:spPr/>
-        <p:txBody>
-          <a:bodyPr/>
-          <a:lstStyle/>
+      <p:pic>
+        <p:nvPicPr>
+          <p:cNvPr id="4" name="Picture 3">
+            <a:extLst>
+              <a:ext uri="{FF2B5EF4-FFF2-40B4-BE49-F238E27FC236}">
+                <a16:creationId xmlns:a16="http://schemas.microsoft.com/office/drawing/2014/main" id="{9403DC1F-2DF2-4F72-8BDE-07B062A9C491}"/>
+              </a:ext>
+            </a:extLst>
+          </p:cNvPr>
+          <p:cNvPicPr>
+            <a:picLocks noChangeAspect="1"/>
+          </p:cNvPicPr>
+          <p:nvPr/>
+        </p:nvPicPr>
+        <p:blipFill rotWithShape="1">
+          <a:blip r:embed="rId2"/>
+          <a:srcRect l="39035" b="10151"/>
+          <a:stretch/>
+        </p:blipFill>
+        <p:spPr>
+          <a:xfrm>
+            <a:off x="493002" y="988369"/>
+            <a:ext cx="8239934" cy="4494506"/>
+          </a:xfrm>
+          <a:prstGeom prst="rect">
+            <a:avLst/>
+          </a:prstGeom>
+        </p:spPr>
+      </p:pic>
+      <p:sp>
+        <p:nvSpPr>
+          <p:cNvPr id="5" name="TextBox 4">
+            <a:extLst>
+              <a:ext uri="{FF2B5EF4-FFF2-40B4-BE49-F238E27FC236}">
+                <a16:creationId xmlns:a16="http://schemas.microsoft.com/office/drawing/2014/main" id="{0E26960C-F472-44D9-93B1-7106467E2792}"/>
+              </a:ext>
+            </a:extLst>
+          </p:cNvPr>
+          <p:cNvSpPr txBox="1"/>
+          <p:nvPr/>
+        </p:nvSpPr>
+        <p:spPr>
+          <a:xfrm>
+            <a:off x="8579210" y="2690336"/>
+            <a:ext cx="3409627" cy="1477328"/>
+          </a:xfrm>
+          <a:prstGeom prst="rect">
+            <a:avLst/>
+          </a:prstGeom>
+          <a:noFill/>
+        </p:spPr>
+        <p:txBody>
+          <a:bodyPr wrap="square" rtlCol="0">
+            <a:spAutoFit/>
+          </a:bodyPr>
+          <a:lstStyle/>
+          <a:p>
+            <a:r>
+              <a:rPr lang="en-US" b="1" u="sng" dirty="0"/>
+              <a:t>Other Cross-validated scores:</a:t>
+            </a:r>
+          </a:p>
           <a:p>
             <a:r>
               <a:rPr lang="en-US" dirty="0"/>
-              <a:t>Supervised Learning with inconvenient data</a:t>
-            </a:r>
-          </a:p>
-        </p:txBody>
-      </p:sp>
-      <p:sp>
-        <p:nvSpPr>
-          <p:cNvPr id="3" name="Content Placeholder 2">
-            <a:extLst>
-              <a:ext uri="{FF2B5EF4-FFF2-40B4-BE49-F238E27FC236}">
-                <a16:creationId xmlns:a16="http://schemas.microsoft.com/office/drawing/2014/main" id="{0B5EBBFB-6D72-43FC-BF39-C92BB3106B64}"/>
-              </a:ext>
-            </a:extLst>
-          </p:cNvPr>
-          <p:cNvSpPr>
-            <a:spLocks noGrp="1"/>
-          </p:cNvSpPr>
-          <p:nvPr>
-            <p:ph idx="1"/>
-          </p:nvPr>
-        </p:nvSpPr>
-        <p:spPr/>
-        <p:txBody>
-          <a:bodyPr>
-            <a:normAutofit/>
-          </a:bodyPr>
-          <a:lstStyle/>
+              <a:t>KNN:  -.09</a:t>
+            </a:r>
+          </a:p>
           <a:p>
             <a:r>
               <a:rPr lang="en-US" dirty="0"/>
-              <a:t>Overview: </a:t>
-            </a:r>
-            <a:r>
-              <a:rPr lang="en-US" b="1" dirty="0"/>
-              <a:t>Generate</a:t>
-            </a:r>
+              <a:t>Random Forest:  -.08</a:t>
+            </a:r>
+          </a:p>
+          <a:p>
             <a:r>
               <a:rPr lang="en-US" dirty="0"/>
-              <a:t> a dataset with inconvenient properties to use in the following scenarios:</a:t>
-            </a:r>
-          </a:p>
-          <a:p>
-            <a:pPr marL="457200" indent="-457200">
-              <a:buFont typeface="+mj-lt"/>
-              <a:buAutoNum type="arabicPeriod"/>
-            </a:pPr>
-            <a:r>
-              <a:rPr lang="en-US" dirty="0"/>
-              <a:t>Linear Regression of a normally  distributed dependent variable</a:t>
-            </a:r>
-          </a:p>
-          <a:p>
-            <a:pPr marL="749808" lvl="1" indent="-457200"/>
-            <a:r>
-              <a:rPr lang="en-US" dirty="0"/>
-              <a:t>Law of Large Numbers</a:t>
-            </a:r>
-          </a:p>
-          <a:p>
-            <a:pPr marL="749808" lvl="1" indent="-457200"/>
-            <a:r>
-              <a:rPr lang="en-US" dirty="0"/>
-              <a:t>Using normally distributed features (baseline)</a:t>
-            </a:r>
-          </a:p>
-          <a:p>
-            <a:pPr marL="749808" lvl="1" indent="-457200"/>
-            <a:r>
-              <a:rPr lang="en-US" dirty="0"/>
-              <a:t>Using skewed features</a:t>
-            </a:r>
-          </a:p>
-          <a:p>
-            <a:pPr marL="749808" lvl="1" indent="-457200"/>
-            <a:r>
-              <a:rPr lang="en-US" dirty="0"/>
-              <a:t>Using Poisson features</a:t>
-            </a:r>
-          </a:p>
-          <a:p>
-            <a:pPr marL="749808" lvl="1" indent="-457200"/>
-            <a:r>
-              <a:rPr lang="en-US" dirty="0"/>
-              <a:t>Using Bernoulli and Categorical features</a:t>
-            </a:r>
-          </a:p>
-          <a:p>
-            <a:pPr marL="457200" indent="-457200">
-              <a:buFont typeface="+mj-lt"/>
-              <a:buAutoNum type="arabicPeriod"/>
-            </a:pPr>
-            <a:r>
-              <a:rPr lang="en-US" dirty="0"/>
-              <a:t>Linear Regression of a Skewed dependent variable</a:t>
-            </a:r>
-          </a:p>
-          <a:p>
-            <a:pPr marL="749808" lvl="1" indent="-457200"/>
-            <a:r>
-              <a:rPr lang="en-US" dirty="0"/>
-              <a:t>Central Limit Theorem demonstration</a:t>
-            </a:r>
-          </a:p>
-          <a:p>
-            <a:pPr marL="749808" lvl="1" indent="-457200"/>
-            <a:r>
-              <a:rPr lang="en-US" dirty="0"/>
-              <a:t>Regressing with Outliers</a:t>
-            </a:r>
+              <a:t>Gradient Boosted Regressor: -.21</a:t>
+            </a:r>
+          </a:p>
+          <a:p>
+            <a:endParaRPr lang="en-US" dirty="0"/>
           </a:p>
         </p:txBody>
       </p:sp>
     </p:spTree>
     <p:extLst>
       <p:ext uri="{BB962C8B-B14F-4D97-AF65-F5344CB8AC3E}">
-        <p14:creationId xmlns:p14="http://schemas.microsoft.com/office/powerpoint/2010/main" val="2273140363"/>
+        <p14:creationId xmlns:p14="http://schemas.microsoft.com/office/powerpoint/2010/main" val="3135596540"/>
       </p:ext>
     </p:extLst>
   </p:cSld>
@@ -6324,36 +9571,171 @@
           <a:chExt cx="0" cy="0"/>
         </a:xfrm>
       </p:grpSpPr>
-      <p:pic>
-        <p:nvPicPr>
-          <p:cNvPr id="10" name="Picture 9">
-            <a:extLst>
-              <a:ext uri="{FF2B5EF4-FFF2-40B4-BE49-F238E27FC236}">
-                <a16:creationId xmlns:a16="http://schemas.microsoft.com/office/drawing/2014/main" id="{3045BF01-52D3-489F-8404-5F903944833F}"/>
-              </a:ext>
-            </a:extLst>
-          </p:cNvPr>
-          <p:cNvPicPr>
-            <a:picLocks noChangeAspect="1"/>
-          </p:cNvPicPr>
-          <p:nvPr/>
-        </p:nvPicPr>
-        <p:blipFill>
-          <a:blip r:embed="rId2"/>
-          <a:stretch>
-            <a:fillRect/>
-          </a:stretch>
-        </p:blipFill>
-        <p:spPr>
-          <a:xfrm>
-            <a:off x="8524065" y="2979954"/>
-            <a:ext cx="3667936" cy="3308542"/>
-          </a:xfrm>
-          <a:prstGeom prst="rect">
-            <a:avLst/>
-          </a:prstGeom>
-        </p:spPr>
-      </p:pic>
+      <p:sp>
+        <p:nvSpPr>
+          <p:cNvPr id="2" name="Title 1">
+            <a:extLst>
+              <a:ext uri="{FF2B5EF4-FFF2-40B4-BE49-F238E27FC236}">
+                <a16:creationId xmlns:a16="http://schemas.microsoft.com/office/drawing/2014/main" id="{C1F7E371-FCDF-456F-A55F-4EFEDF4B5278}"/>
+              </a:ext>
+            </a:extLst>
+          </p:cNvPr>
+          <p:cNvSpPr>
+            <a:spLocks noGrp="1"/>
+          </p:cNvSpPr>
+          <p:nvPr>
+            <p:ph type="title"/>
+          </p:nvPr>
+        </p:nvSpPr>
+        <p:spPr/>
+        <p:txBody>
+          <a:bodyPr/>
+          <a:lstStyle/>
+          <a:p>
+            <a:r>
+              <a:rPr lang="en-US" dirty="0"/>
+              <a:t>Supervised Learning with inconvenient data</a:t>
+            </a:r>
+          </a:p>
+        </p:txBody>
+      </p:sp>
+      <p:sp>
+        <p:nvSpPr>
+          <p:cNvPr id="3" name="Content Placeholder 2">
+            <a:extLst>
+              <a:ext uri="{FF2B5EF4-FFF2-40B4-BE49-F238E27FC236}">
+                <a16:creationId xmlns:a16="http://schemas.microsoft.com/office/drawing/2014/main" id="{0B5EBBFB-6D72-43FC-BF39-C92BB3106B64}"/>
+              </a:ext>
+            </a:extLst>
+          </p:cNvPr>
+          <p:cNvSpPr>
+            <a:spLocks noGrp="1"/>
+          </p:cNvSpPr>
+          <p:nvPr>
+            <p:ph idx="1"/>
+          </p:nvPr>
+        </p:nvSpPr>
+        <p:spPr/>
+        <p:txBody>
+          <a:bodyPr>
+            <a:normAutofit/>
+          </a:bodyPr>
+          <a:lstStyle/>
+          <a:p>
+            <a:r>
+              <a:rPr lang="en-US" dirty="0"/>
+              <a:t>Overview: </a:t>
+            </a:r>
+            <a:r>
+              <a:rPr lang="en-US" b="1" dirty="0"/>
+              <a:t>Generate</a:t>
+            </a:r>
+            <a:r>
+              <a:rPr lang="en-US" dirty="0"/>
+              <a:t> a dataset with inconvenient properties to use in the following scenarios:</a:t>
+            </a:r>
+          </a:p>
+          <a:p>
+            <a:pPr marL="457200" indent="-457200">
+              <a:buFont typeface="+mj-lt"/>
+              <a:buAutoNum type="arabicPeriod"/>
+            </a:pPr>
+            <a:r>
+              <a:rPr lang="en-US" dirty="0"/>
+              <a:t>Linear Regression of a normally  distributed dependent variable</a:t>
+            </a:r>
+          </a:p>
+          <a:p>
+            <a:pPr marL="749808" lvl="1" indent="-457200"/>
+            <a:r>
+              <a:rPr lang="en-US" dirty="0"/>
+              <a:t>Law of Large Numbers</a:t>
+            </a:r>
+          </a:p>
+          <a:p>
+            <a:pPr marL="749808" lvl="1" indent="-457200"/>
+            <a:r>
+              <a:rPr lang="en-US" dirty="0"/>
+              <a:t>Using normally distributed features (baseline)</a:t>
+            </a:r>
+          </a:p>
+          <a:p>
+            <a:pPr marL="749808" lvl="1" indent="-457200"/>
+            <a:r>
+              <a:rPr lang="en-US" dirty="0"/>
+              <a:t>Using skewed features</a:t>
+            </a:r>
+          </a:p>
+          <a:p>
+            <a:pPr marL="749808" lvl="1" indent="-457200"/>
+            <a:r>
+              <a:rPr lang="en-US" dirty="0"/>
+              <a:t>Using Poisson features</a:t>
+            </a:r>
+          </a:p>
+          <a:p>
+            <a:pPr marL="749808" lvl="1" indent="-457200"/>
+            <a:r>
+              <a:rPr lang="en-US" dirty="0"/>
+              <a:t>Using Bernoulli and Categorical features</a:t>
+            </a:r>
+          </a:p>
+          <a:p>
+            <a:pPr marL="457200" indent="-457200">
+              <a:buFont typeface="+mj-lt"/>
+              <a:buAutoNum type="arabicPeriod"/>
+            </a:pPr>
+            <a:r>
+              <a:rPr lang="en-US" dirty="0"/>
+              <a:t>Linear Regression of a Skewed dependent variable</a:t>
+            </a:r>
+          </a:p>
+          <a:p>
+            <a:pPr marL="749808" lvl="1" indent="-457200"/>
+            <a:r>
+              <a:rPr lang="en-US" dirty="0"/>
+              <a:t>Central Limit Theorem demonstration</a:t>
+            </a:r>
+          </a:p>
+          <a:p>
+            <a:pPr marL="749808" lvl="1" indent="-457200"/>
+            <a:r>
+              <a:rPr lang="en-US" dirty="0"/>
+              <a:t>Regressing with Outliers</a:t>
+            </a:r>
+          </a:p>
+        </p:txBody>
+      </p:sp>
+    </p:spTree>
+    <p:extLst>
+      <p:ext uri="{BB962C8B-B14F-4D97-AF65-F5344CB8AC3E}">
+        <p14:creationId xmlns:p14="http://schemas.microsoft.com/office/powerpoint/2010/main" val="2273140363"/>
+      </p:ext>
+    </p:extLst>
+  </p:cSld>
+  <p:clrMapOvr>
+    <a:masterClrMapping/>
+  </p:clrMapOvr>
+</p:sld>
+</file>
+
+<file path=ppt/slides/slide8.xml><?xml version="1.0" encoding="utf-8"?>
+<p:sld xmlns:a="http://schemas.openxmlformats.org/drawingml/2006/main" xmlns:r="http://schemas.openxmlformats.org/officeDocument/2006/relationships" xmlns:p="http://schemas.openxmlformats.org/presentationml/2006/main">
+  <p:cSld>
+    <p:spTree>
+      <p:nvGrpSpPr>
+        <p:cNvPr id="1" name=""/>
+        <p:cNvGrpSpPr/>
+        <p:nvPr/>
+      </p:nvGrpSpPr>
+      <p:grpSpPr>
+        <a:xfrm>
+          <a:off x="0" y="0"/>
+          <a:ext cx="0" cy="0"/>
+          <a:chOff x="0" y="0"/>
+          <a:chExt cx="0" cy="0"/>
+        </a:xfrm>
+      </p:grpSpPr>
       <p:sp>
         <p:nvSpPr>
           <p:cNvPr id="2" name="Title 1">
@@ -6440,62 +9822,137 @@
       </p:sp>
       <p:pic>
         <p:nvPicPr>
-          <p:cNvPr id="6" name="Picture 5">
-            <a:extLst>
-              <a:ext uri="{FF2B5EF4-FFF2-40B4-BE49-F238E27FC236}">
-                <a16:creationId xmlns:a16="http://schemas.microsoft.com/office/drawing/2014/main" id="{7C1A740E-F97A-4B51-86C4-799B86DAD933}"/>
+          <p:cNvPr id="1026" name="Picture 2">
+            <a:extLst>
+              <a:ext uri="{FF2B5EF4-FFF2-40B4-BE49-F238E27FC236}">
+                <a16:creationId xmlns:a16="http://schemas.microsoft.com/office/drawing/2014/main" id="{52865BC9-92B4-43A3-B2EE-060288226195}"/>
               </a:ext>
             </a:extLst>
           </p:cNvPr>
           <p:cNvPicPr>
-            <a:picLocks noChangeAspect="1"/>
+            <a:picLocks noChangeAspect="1" noChangeArrowheads="1"/>
           </p:cNvPicPr>
           <p:nvPr/>
         </p:nvPicPr>
-        <p:blipFill>
-          <a:blip r:embed="rId3"/>
-          <a:stretch>
-            <a:fillRect/>
-          </a:stretch>
+        <p:blipFill rotWithShape="1">
+          <a:blip r:embed="rId2">
+            <a:extLst>
+              <a:ext uri="{28A0092B-C50C-407E-A947-70E740481C1C}">
+                <a14:useLocalDpi xmlns:a14="http://schemas.microsoft.com/office/drawing/2010/main" val="0"/>
+              </a:ext>
+            </a:extLst>
+          </a:blip>
+          <a:srcRect t="70588" r="64949"/>
+          <a:stretch/>
         </p:blipFill>
-        <p:spPr>
-          <a:xfrm>
-            <a:off x="0" y="656749"/>
-            <a:ext cx="8524064" cy="5544501"/>
+        <p:spPr bwMode="auto">
+          <a:xfrm>
+            <a:off x="8882304" y="732184"/>
+            <a:ext cx="2864657" cy="2684706"/>
           </a:xfrm>
           <a:prstGeom prst="rect">
             <a:avLst/>
           </a:prstGeom>
+          <a:noFill/>
+          <a:extLst>
+            <a:ext uri="{909E8E84-426E-40DD-AFC4-6F175D3DCCD1}">
+              <a14:hiddenFill xmlns:a14="http://schemas.microsoft.com/office/drawing/2010/main">
+                <a:solidFill>
+                  <a:srgbClr val="FFFFFF"/>
+                </a:solidFill>
+              </a14:hiddenFill>
+            </a:ext>
+          </a:extLst>
         </p:spPr>
       </p:pic>
       <p:pic>
         <p:nvPicPr>
-          <p:cNvPr id="8" name="Picture 7">
-            <a:extLst>
-              <a:ext uri="{FF2B5EF4-FFF2-40B4-BE49-F238E27FC236}">
-                <a16:creationId xmlns:a16="http://schemas.microsoft.com/office/drawing/2014/main" id="{18DF647F-7DD3-4D28-9653-8FE4810BD97F}"/>
+          <p:cNvPr id="1028" name="Picture 4">
+            <a:extLst>
+              <a:ext uri="{FF2B5EF4-FFF2-40B4-BE49-F238E27FC236}">
+                <a16:creationId xmlns:a16="http://schemas.microsoft.com/office/drawing/2014/main" id="{60616BB2-A7A5-46BC-896E-1672A21AE9D3}"/>
               </a:ext>
             </a:extLst>
           </p:cNvPr>
           <p:cNvPicPr>
-            <a:picLocks noChangeAspect="1"/>
+            <a:picLocks noChangeAspect="1" noChangeArrowheads="1"/>
           </p:cNvPicPr>
           <p:nvPr/>
         </p:nvPicPr>
-        <p:blipFill>
-          <a:blip r:embed="rId4"/>
-          <a:stretch>
-            <a:fillRect/>
-          </a:stretch>
+        <p:blipFill rotWithShape="1">
+          <a:blip r:embed="rId2">
+            <a:extLst>
+              <a:ext uri="{28A0092B-C50C-407E-A947-70E740481C1C}">
+                <a14:useLocalDpi xmlns:a14="http://schemas.microsoft.com/office/drawing/2010/main" val="0"/>
+              </a:ext>
+            </a:extLst>
+          </a:blip>
+          <a:srcRect t="10367" b="30711"/>
+          <a:stretch/>
         </p:blipFill>
-        <p:spPr>
-          <a:xfrm>
-            <a:off x="9123083" y="596589"/>
-            <a:ext cx="2391367" cy="2497436"/>
+        <p:spPr bwMode="auto">
+          <a:xfrm>
+            <a:off x="-1" y="525156"/>
+            <a:ext cx="8646459" cy="5689968"/>
           </a:xfrm>
           <a:prstGeom prst="rect">
             <a:avLst/>
           </a:prstGeom>
+          <a:noFill/>
+          <a:extLst>
+            <a:ext uri="{909E8E84-426E-40DD-AFC4-6F175D3DCCD1}">
+              <a14:hiddenFill xmlns:a14="http://schemas.microsoft.com/office/drawing/2010/main">
+                <a:solidFill>
+                  <a:srgbClr val="FFFFFF"/>
+                </a:solidFill>
+              </a14:hiddenFill>
+            </a:ext>
+          </a:extLst>
+        </p:spPr>
+      </p:pic>
+      <p:pic>
+        <p:nvPicPr>
+          <p:cNvPr id="9" name="Picture 2">
+            <a:extLst>
+              <a:ext uri="{FF2B5EF4-FFF2-40B4-BE49-F238E27FC236}">
+                <a16:creationId xmlns:a16="http://schemas.microsoft.com/office/drawing/2014/main" id="{3247026E-14C3-4E40-B637-C7C92AD37143}"/>
+              </a:ext>
+            </a:extLst>
+          </p:cNvPr>
+          <p:cNvPicPr>
+            <a:picLocks noChangeAspect="1" noChangeArrowheads="1"/>
+          </p:cNvPicPr>
+          <p:nvPr/>
+        </p:nvPicPr>
+        <p:blipFill rotWithShape="1">
+          <a:blip r:embed="rId2">
+            <a:extLst>
+              <a:ext uri="{28A0092B-C50C-407E-A947-70E740481C1C}">
+                <a14:useLocalDpi xmlns:a14="http://schemas.microsoft.com/office/drawing/2010/main" val="0"/>
+              </a:ext>
+            </a:extLst>
+          </a:blip>
+          <a:srcRect l="60556" t="68337" b="-1"/>
+          <a:stretch/>
+        </p:blipFill>
+        <p:spPr bwMode="auto">
+          <a:xfrm>
+            <a:off x="8817110" y="3235575"/>
+            <a:ext cx="3223738" cy="2890241"/>
+          </a:xfrm>
+          <a:prstGeom prst="rect">
+            <a:avLst/>
+          </a:prstGeom>
+          <a:noFill/>
+          <a:extLst>
+            <a:ext uri="{909E8E84-426E-40DD-AFC4-6F175D3DCCD1}">
+              <a14:hiddenFill xmlns:a14="http://schemas.microsoft.com/office/drawing/2010/main">
+                <a:solidFill>
+                  <a:srgbClr val="FFFFFF"/>
+                </a:solidFill>
+              </a14:hiddenFill>
+            </a:ext>
+          </a:extLst>
         </p:spPr>
       </p:pic>
     </p:spTree>
@@ -6511,7 +9968,7 @@
 </p:sld>
 </file>
 
-<file path=ppt/slides/slide8.xml><?xml version="1.0" encoding="utf-8"?>
+<file path=ppt/slides/slide9.xml><?xml version="1.0" encoding="utf-8"?>
 <p:sld xmlns:a="http://schemas.openxmlformats.org/drawingml/2006/main" xmlns:r="http://schemas.openxmlformats.org/officeDocument/2006/relationships" xmlns:p="http://schemas.openxmlformats.org/presentationml/2006/main">
   <p:cSld>
     <p:spTree>
@@ -7655,388 +11112,6 @@
 </p:sld>
 </file>
 
-<file path=ppt/slides/slide9.xml><?xml version="1.0" encoding="utf-8"?>
-<p:sld xmlns:a="http://schemas.openxmlformats.org/drawingml/2006/main" xmlns:r="http://schemas.openxmlformats.org/officeDocument/2006/relationships" xmlns:p="http://schemas.openxmlformats.org/presentationml/2006/main">
-  <p:cSld>
-    <p:spTree>
-      <p:nvGrpSpPr>
-        <p:cNvPr id="1" name=""/>
-        <p:cNvGrpSpPr/>
-        <p:nvPr/>
-      </p:nvGrpSpPr>
-      <p:grpSpPr>
-        <a:xfrm>
-          <a:off x="0" y="0"/>
-          <a:ext cx="0" cy="0"/>
-          <a:chOff x="0" y="0"/>
-          <a:chExt cx="0" cy="0"/>
-        </a:xfrm>
-      </p:grpSpPr>
-      <p:sp>
-        <p:nvSpPr>
-          <p:cNvPr id="2" name="Title 1">
-            <a:extLst>
-              <a:ext uri="{FF2B5EF4-FFF2-40B4-BE49-F238E27FC236}">
-                <a16:creationId xmlns:a16="http://schemas.microsoft.com/office/drawing/2014/main" id="{CCCB2C92-5D09-465F-97FD-B37C0150DB1F}"/>
-              </a:ext>
-            </a:extLst>
-          </p:cNvPr>
-          <p:cNvSpPr>
-            <a:spLocks noGrp="1"/>
-          </p:cNvSpPr>
-          <p:nvPr>
-            <p:ph type="title"/>
-          </p:nvPr>
-        </p:nvSpPr>
-        <p:spPr>
-          <a:xfrm>
-            <a:off x="974616" y="113173"/>
-            <a:ext cx="10058400" cy="543576"/>
-          </a:xfrm>
-        </p:spPr>
-        <p:txBody>
-          <a:bodyPr>
-            <a:noAutofit/>
-          </a:bodyPr>
-          <a:lstStyle/>
-          <a:p>
-            <a:r>
-              <a:rPr lang="en-US" sz="3200" dirty="0"/>
-              <a:t>Baseline: Linear Regression with 1 normally distributed feature</a:t>
-            </a:r>
-          </a:p>
-        </p:txBody>
-      </p:sp>
-      <p:sp>
-        <p:nvSpPr>
-          <p:cNvPr id="5" name="Rectangle 4">
-            <a:extLst>
-              <a:ext uri="{FF2B5EF4-FFF2-40B4-BE49-F238E27FC236}">
-                <a16:creationId xmlns:a16="http://schemas.microsoft.com/office/drawing/2014/main" id="{535917A4-46F9-4BC8-AB29-55BE86F9B9BA}"/>
-              </a:ext>
-            </a:extLst>
-          </p:cNvPr>
-          <p:cNvSpPr/>
-          <p:nvPr/>
-        </p:nvSpPr>
-        <p:spPr>
-          <a:xfrm>
-            <a:off x="854242" y="1660358"/>
-            <a:ext cx="10539663" cy="144379"/>
-          </a:xfrm>
-          <a:prstGeom prst="rect">
-            <a:avLst/>
-          </a:prstGeom>
-          <a:ln>
-            <a:solidFill>
-              <a:schemeClr val="bg1"/>
-            </a:solidFill>
-          </a:ln>
-        </p:spPr>
-        <p:style>
-          <a:lnRef idx="2">
-            <a:schemeClr val="dk1"/>
-          </a:lnRef>
-          <a:fillRef idx="1">
-            <a:schemeClr val="lt1"/>
-          </a:fillRef>
-          <a:effectRef idx="0">
-            <a:schemeClr val="dk1"/>
-          </a:effectRef>
-          <a:fontRef idx="minor">
-            <a:schemeClr val="dk1"/>
-          </a:fontRef>
-        </p:style>
-        <p:txBody>
-          <a:bodyPr rtlCol="0" anchor="ctr"/>
-          <a:lstStyle/>
-          <a:p>
-            <a:pPr algn="ctr"/>
-            <a:endParaRPr lang="en-US"/>
-          </a:p>
-        </p:txBody>
-      </p:sp>
-      <p:sp>
-        <p:nvSpPr>
-          <p:cNvPr id="7" name="Rectangle 6">
-            <a:extLst>
-              <a:ext uri="{FF2B5EF4-FFF2-40B4-BE49-F238E27FC236}">
-                <a16:creationId xmlns:a16="http://schemas.microsoft.com/office/drawing/2014/main" id="{EFB04EA7-CA97-4F34-81FF-97951324713F}"/>
-              </a:ext>
-            </a:extLst>
-          </p:cNvPr>
-          <p:cNvSpPr/>
-          <p:nvPr/>
-        </p:nvSpPr>
-        <p:spPr>
-          <a:xfrm>
-            <a:off x="-1" y="2307867"/>
-            <a:ext cx="12205411" cy="471831"/>
-          </a:xfrm>
-          <a:prstGeom prst="rect">
-            <a:avLst/>
-          </a:prstGeom>
-        </p:spPr>
-        <p:style>
-          <a:lnRef idx="2">
-            <a:schemeClr val="dk1">
-              <a:shade val="50000"/>
-            </a:schemeClr>
-          </a:lnRef>
-          <a:fillRef idx="1">
-            <a:schemeClr val="dk1"/>
-          </a:fillRef>
-          <a:effectRef idx="0">
-            <a:schemeClr val="dk1"/>
-          </a:effectRef>
-          <a:fontRef idx="minor">
-            <a:schemeClr val="lt1"/>
-          </a:fontRef>
-        </p:style>
-        <p:txBody>
-          <a:bodyPr rtlCol="0" anchor="ctr"/>
-          <a:lstStyle/>
-          <a:p>
-            <a:pPr algn="ctr"/>
-            <a:r>
-              <a:rPr lang="en-US" dirty="0" err="1"/>
-              <a:t>SciKitLearn</a:t>
-            </a:r>
-            <a:r>
-              <a:rPr lang="en-US" dirty="0"/>
-              <a:t> and </a:t>
-            </a:r>
-            <a:r>
-              <a:rPr lang="en-US" dirty="0" err="1"/>
-              <a:t>statsmodels</a:t>
-            </a:r>
-            <a:r>
-              <a:rPr lang="en-US" dirty="0"/>
-              <a:t> R-squared scores: </a:t>
-            </a:r>
-            <a:r>
-              <a:rPr lang="en-US" b="1" dirty="0"/>
-              <a:t>.25   |   Screen time increases .16 minutes for each incremental screen action</a:t>
-            </a:r>
-          </a:p>
-        </p:txBody>
-      </p:sp>
-      <p:pic>
-        <p:nvPicPr>
-          <p:cNvPr id="12" name="Picture 11">
-            <a:extLst>
-              <a:ext uri="{FF2B5EF4-FFF2-40B4-BE49-F238E27FC236}">
-                <a16:creationId xmlns:a16="http://schemas.microsoft.com/office/drawing/2014/main" id="{478C5481-8E14-418B-A366-42D57EAD0B32}"/>
-              </a:ext>
-            </a:extLst>
-          </p:cNvPr>
-          <p:cNvPicPr>
-            <a:picLocks noChangeAspect="1"/>
-          </p:cNvPicPr>
-          <p:nvPr/>
-        </p:nvPicPr>
-        <p:blipFill rotWithShape="1">
-          <a:blip r:embed="rId2"/>
-          <a:srcRect r="66531" b="50000"/>
-          <a:stretch/>
-        </p:blipFill>
-        <p:spPr>
-          <a:xfrm>
-            <a:off x="2915126" y="728862"/>
-            <a:ext cx="1610404" cy="1564864"/>
-          </a:xfrm>
-          <a:prstGeom prst="rect">
-            <a:avLst/>
-          </a:prstGeom>
-        </p:spPr>
-      </p:pic>
-      <p:pic>
-        <p:nvPicPr>
-          <p:cNvPr id="13" name="Picture 12">
-            <a:extLst>
-              <a:ext uri="{FF2B5EF4-FFF2-40B4-BE49-F238E27FC236}">
-                <a16:creationId xmlns:a16="http://schemas.microsoft.com/office/drawing/2014/main" id="{D718669C-DADB-4AAE-A854-BD888B7F3D7F}"/>
-              </a:ext>
-            </a:extLst>
-          </p:cNvPr>
-          <p:cNvPicPr>
-            <a:picLocks noChangeAspect="1"/>
-          </p:cNvPicPr>
-          <p:nvPr/>
-        </p:nvPicPr>
-        <p:blipFill rotWithShape="1">
-          <a:blip r:embed="rId2"/>
-          <a:srcRect l="68000" t="51279"/>
-          <a:stretch/>
-        </p:blipFill>
-        <p:spPr>
-          <a:xfrm>
-            <a:off x="7266439" y="766818"/>
-            <a:ext cx="1539714" cy="1524831"/>
-          </a:xfrm>
-          <a:prstGeom prst="rect">
-            <a:avLst/>
-          </a:prstGeom>
-        </p:spPr>
-      </p:pic>
-      <p:sp>
-        <p:nvSpPr>
-          <p:cNvPr id="9" name="Arrow: Right 8">
-            <a:extLst>
-              <a:ext uri="{FF2B5EF4-FFF2-40B4-BE49-F238E27FC236}">
-                <a16:creationId xmlns:a16="http://schemas.microsoft.com/office/drawing/2014/main" id="{4018E18D-2C2D-440F-9BFA-2B0C40C11E26}"/>
-              </a:ext>
-            </a:extLst>
-          </p:cNvPr>
-          <p:cNvSpPr/>
-          <p:nvPr/>
-        </p:nvSpPr>
-        <p:spPr>
-          <a:xfrm>
-            <a:off x="5361439" y="1588168"/>
-            <a:ext cx="1901952" cy="647509"/>
-          </a:xfrm>
-          <a:prstGeom prst="rightArrow">
-            <a:avLst/>
-          </a:prstGeom>
-        </p:spPr>
-        <p:style>
-          <a:lnRef idx="2">
-            <a:schemeClr val="accent1">
-              <a:shade val="50000"/>
-            </a:schemeClr>
-          </a:lnRef>
-          <a:fillRef idx="1">
-            <a:schemeClr val="accent1"/>
-          </a:fillRef>
-          <a:effectRef idx="0">
-            <a:schemeClr val="accent1"/>
-          </a:effectRef>
-          <a:fontRef idx="minor">
-            <a:schemeClr val="lt1"/>
-          </a:fontRef>
-        </p:style>
-        <p:txBody>
-          <a:bodyPr rtlCol="0" anchor="ctr"/>
-          <a:lstStyle/>
-          <a:p>
-            <a:pPr algn="ctr"/>
-            <a:r>
-              <a:rPr lang="en-US" dirty="0"/>
-              <a:t>Target Variable</a:t>
-            </a:r>
-          </a:p>
-        </p:txBody>
-      </p:sp>
-      <p:sp>
-        <p:nvSpPr>
-          <p:cNvPr id="15" name="Arrow: Right 14">
-            <a:extLst>
-              <a:ext uri="{FF2B5EF4-FFF2-40B4-BE49-F238E27FC236}">
-                <a16:creationId xmlns:a16="http://schemas.microsoft.com/office/drawing/2014/main" id="{F1D8D3B1-85FA-47E6-9D52-9622BFF292EA}"/>
-              </a:ext>
-            </a:extLst>
-          </p:cNvPr>
-          <p:cNvSpPr/>
-          <p:nvPr/>
-        </p:nvSpPr>
-        <p:spPr>
-          <a:xfrm flipH="1">
-            <a:off x="4525530" y="761284"/>
-            <a:ext cx="1901952" cy="647509"/>
-          </a:xfrm>
-          <a:prstGeom prst="rightArrow">
-            <a:avLst/>
-          </a:prstGeom>
-        </p:spPr>
-        <p:style>
-          <a:lnRef idx="2">
-            <a:schemeClr val="accent1">
-              <a:shade val="50000"/>
-            </a:schemeClr>
-          </a:lnRef>
-          <a:fillRef idx="1">
-            <a:schemeClr val="accent1"/>
-          </a:fillRef>
-          <a:effectRef idx="0">
-            <a:schemeClr val="accent1"/>
-          </a:effectRef>
-          <a:fontRef idx="minor">
-            <a:schemeClr val="lt1"/>
-          </a:fontRef>
-        </p:style>
-        <p:txBody>
-          <a:bodyPr rtlCol="0" anchor="ctr"/>
-          <a:lstStyle/>
-          <a:p>
-            <a:pPr algn="ctr"/>
-            <a:r>
-              <a:rPr lang="en-US" dirty="0"/>
-              <a:t>Feature</a:t>
-            </a:r>
-          </a:p>
-        </p:txBody>
-      </p:sp>
-      <p:pic>
-        <p:nvPicPr>
-          <p:cNvPr id="1030" name="Picture 6">
-            <a:extLst>
-              <a:ext uri="{FF2B5EF4-FFF2-40B4-BE49-F238E27FC236}">
-                <a16:creationId xmlns:a16="http://schemas.microsoft.com/office/drawing/2014/main" id="{A670DEA8-2C8F-411B-97DD-1249ED078DAB}"/>
-              </a:ext>
-            </a:extLst>
-          </p:cNvPr>
-          <p:cNvPicPr>
-            <a:picLocks noChangeAspect="1" noChangeArrowheads="1"/>
-          </p:cNvPicPr>
-          <p:nvPr/>
-        </p:nvPicPr>
-        <p:blipFill>
-          <a:blip r:embed="rId3">
-            <a:extLst>
-              <a:ext uri="{28A0092B-C50C-407E-A947-70E740481C1C}">
-                <a14:useLocalDpi xmlns:a14="http://schemas.microsoft.com/office/drawing/2010/main" val="0"/>
-              </a:ext>
-            </a:extLst>
-          </a:blip>
-          <a:srcRect/>
-          <a:stretch>
-            <a:fillRect/>
-          </a:stretch>
-        </p:blipFill>
-        <p:spPr bwMode="auto">
-          <a:xfrm>
-            <a:off x="1333976" y="2851888"/>
-            <a:ext cx="9524048" cy="3489008"/>
-          </a:xfrm>
-          <a:prstGeom prst="rect">
-            <a:avLst/>
-          </a:prstGeom>
-          <a:noFill/>
-          <a:extLst>
-            <a:ext uri="{909E8E84-426E-40DD-AFC4-6F175D3DCCD1}">
-              <a14:hiddenFill xmlns:a14="http://schemas.microsoft.com/office/drawing/2010/main">
-                <a:solidFill>
-                  <a:srgbClr val="FFFFFF"/>
-                </a:solidFill>
-              </a14:hiddenFill>
-            </a:ext>
-          </a:extLst>
-        </p:spPr>
-      </p:pic>
-    </p:spTree>
-    <p:extLst>
-      <p:ext uri="{BB962C8B-B14F-4D97-AF65-F5344CB8AC3E}">
-        <p14:creationId xmlns:p14="http://schemas.microsoft.com/office/powerpoint/2010/main" val="1459053577"/>
-      </p:ext>
-    </p:extLst>
-  </p:cSld>
-  <p:clrMapOvr>
-    <a:masterClrMapping/>
-  </p:clrMapOvr>
-</p:sld>
-</file>
-
 <file path=ppt/theme/theme1.xml><?xml version="1.0" encoding="utf-8"?>
 <a:theme xmlns:a="http://schemas.openxmlformats.org/drawingml/2006/main" name="Retrospect">
   <a:themeElements>
